--- a/lecture_15/15_static_testing.pptx
+++ b/lecture_15/15_static_testing.pptx
@@ -5263,6 +5263,34 @@
             </a:r>
           </a:p>
           <a:p>
+            <a:pPr lvl="1"/>
+            <a:r>
+              <a:rPr lang="en-US" dirty="0"/>
+              <a:t>Validation</a:t>
+            </a:r>
+          </a:p>
+          <a:p>
+            <a:pPr lvl="1"/>
+            <a:r>
+              <a:rPr lang="en-US" dirty="0"/>
+              <a:t>Verification</a:t>
+            </a:r>
+          </a:p>
+          <a:p>
+            <a:pPr lvl="2"/>
+            <a:r>
+              <a:rPr lang="en-US" dirty="0"/>
+              <a:t>Static</a:t>
+            </a:r>
+          </a:p>
+          <a:p>
+            <a:pPr lvl="2"/>
+            <a:r>
+              <a:rPr lang="en-US" dirty="0"/>
+              <a:t>Dynamic</a:t>
+            </a:r>
+          </a:p>
+          <a:p>
             <a:r>
               <a:rPr lang="en-US" dirty="0"/>
               <a:t>Static tests in software</a:t>
@@ -5271,12 +5299,16 @@
           <a:p>
             <a:r>
               <a:rPr lang="en-US" dirty="0"/>
-              <a:t>Static tests </a:t>
-            </a:r>
+              <a:t>Static tests for biological models</a:t>
+            </a:r>
+          </a:p>
+          <a:p>
+            <a:pPr lvl="1"/>
             <a:r>
               <a:rPr lang="en-US"/>
-              <a:t>for biological models</a:t>
-            </a:r>
+              <a:t>MEMOTE</a:t>
+            </a:r>
+            <a:endParaRPr lang="en-US" dirty="0"/>
           </a:p>
         </p:txBody>
       </p:sp>

--- a/lecture_15/15_static_testing.pptx
+++ b/lecture_15/15_static_testing.pptx
@@ -5,14 +5,28 @@
     <p:sldMasterId id="2147483648" r:id="rId1"/>
   </p:sldMasterIdLst>
   <p:notesMasterIdLst>
-    <p:notesMasterId r:id="rId4"/>
+    <p:notesMasterId r:id="rId18"/>
   </p:notesMasterIdLst>
   <p:handoutMasterIdLst>
-    <p:handoutMasterId r:id="rId5"/>
+    <p:handoutMasterId r:id="rId19"/>
   </p:handoutMasterIdLst>
   <p:sldIdLst>
     <p:sldId id="347" r:id="rId2"/>
     <p:sldId id="348" r:id="rId3"/>
+    <p:sldId id="353" r:id="rId4"/>
+    <p:sldId id="354" r:id="rId5"/>
+    <p:sldId id="352" r:id="rId6"/>
+    <p:sldId id="351" r:id="rId7"/>
+    <p:sldId id="355" r:id="rId8"/>
+    <p:sldId id="356" r:id="rId9"/>
+    <p:sldId id="357" r:id="rId10"/>
+    <p:sldId id="358" r:id="rId11"/>
+    <p:sldId id="349" r:id="rId12"/>
+    <p:sldId id="360" r:id="rId13"/>
+    <p:sldId id="361" r:id="rId14"/>
+    <p:sldId id="362" r:id="rId15"/>
+    <p:sldId id="359" r:id="rId16"/>
+    <p:sldId id="350" r:id="rId17"/>
   </p:sldIdLst>
   <p:sldSz cx="9144000" cy="6858000" type="screen4x3"/>
   <p:notesSz cx="6858000" cy="9144000"/>
@@ -884,6 +898,99 @@
     <p:extLst>
       <p:ext uri="{BB962C8B-B14F-4D97-AF65-F5344CB8AC3E}">
         <p14:creationId xmlns:p14="http://schemas.microsoft.com/office/powerpoint/2010/main" val="256389567"/>
+      </p:ext>
+    </p:extLst>
+  </p:cSld>
+  <p:clrMapOvr>
+    <a:masterClrMapping/>
+  </p:clrMapOvr>
+</p:notes>
+</file>
+
+<file path=ppt/notesSlides/notesSlide2.xml><?xml version="1.0" encoding="utf-8"?>
+<p:notes xmlns:a="http://schemas.openxmlformats.org/drawingml/2006/main" xmlns:r="http://schemas.openxmlformats.org/officeDocument/2006/relationships" xmlns:p="http://schemas.openxmlformats.org/presentationml/2006/main">
+  <p:cSld>
+    <p:spTree>
+      <p:nvGrpSpPr>
+        <p:cNvPr id="1" name=""/>
+        <p:cNvGrpSpPr/>
+        <p:nvPr/>
+      </p:nvGrpSpPr>
+      <p:grpSpPr>
+        <a:xfrm>
+          <a:off x="0" y="0"/>
+          <a:ext cx="0" cy="0"/>
+          <a:chOff x="0" y="0"/>
+          <a:chExt cx="0" cy="0"/>
+        </a:xfrm>
+      </p:grpSpPr>
+      <p:sp>
+        <p:nvSpPr>
+          <p:cNvPr id="2" name="Slide Image Placeholder 1"/>
+          <p:cNvSpPr>
+            <a:spLocks noGrp="1" noRot="1" noChangeAspect="1"/>
+          </p:cNvSpPr>
+          <p:nvPr>
+            <p:ph type="sldImg"/>
+          </p:nvPr>
+        </p:nvSpPr>
+        <p:spPr/>
+      </p:sp>
+      <p:sp>
+        <p:nvSpPr>
+          <p:cNvPr id="3" name="Notes Placeholder 2"/>
+          <p:cNvSpPr>
+            <a:spLocks noGrp="1"/>
+          </p:cNvSpPr>
+          <p:nvPr>
+            <p:ph type="body" idx="1"/>
+          </p:nvPr>
+        </p:nvSpPr>
+        <p:spPr/>
+        <p:txBody>
+          <a:bodyPr/>
+          <a:lstStyle/>
+          <a:p>
+            <a:r>
+              <a:rPr lang="en-US" dirty="0"/>
+              <a:t>Even if we ignore the issue of protonation (which Pi), we still have a missing O when we add the atoms in Pi to ADP. This is because we haven’t included water in the reaction.</a:t>
+            </a:r>
+          </a:p>
+        </p:txBody>
+      </p:sp>
+      <p:sp>
+        <p:nvSpPr>
+          <p:cNvPr id="4" name="Slide Number Placeholder 3"/>
+          <p:cNvSpPr>
+            <a:spLocks noGrp="1"/>
+          </p:cNvSpPr>
+          <p:nvPr>
+            <p:ph type="sldNum" sz="quarter" idx="5"/>
+          </p:nvPr>
+        </p:nvSpPr>
+        <p:spPr/>
+        <p:txBody>
+          <a:bodyPr/>
+          <a:lstStyle/>
+          <a:p>
+            <a:pPr>
+              <a:defRPr/>
+            </a:pPr>
+            <a:fld id="{1E3608CA-DBCA-4E8F-8DAB-6E1AFAF19782}" type="slidenum">
+              <a:rPr lang="en-US" altLang="x-none" smtClean="0"/>
+              <a:pPr>
+                <a:defRPr/>
+              </a:pPr>
+              <a:t>6</a:t>
+            </a:fld>
+            <a:endParaRPr lang="en-US" altLang="x-none"/>
+          </a:p>
+        </p:txBody>
+      </p:sp>
+    </p:spTree>
+    <p:extLst>
+      <p:ext uri="{BB962C8B-B14F-4D97-AF65-F5344CB8AC3E}">
+        <p14:creationId xmlns:p14="http://schemas.microsoft.com/office/powerpoint/2010/main" val="2439144443"/>
       </p:ext>
     </p:extLst>
   </p:cSld>
@@ -5191,6 +5298,2734 @@
 </p:sld>
 </file>
 
+<file path=ppt/slides/slide10.xml><?xml version="1.0" encoding="utf-8"?>
+<p:sld xmlns:a="http://schemas.openxmlformats.org/drawingml/2006/main" xmlns:r="http://schemas.openxmlformats.org/officeDocument/2006/relationships" xmlns:p="http://schemas.openxmlformats.org/presentationml/2006/main">
+  <p:cSld>
+    <p:spTree>
+      <p:nvGrpSpPr>
+        <p:cNvPr id="1" name=""/>
+        <p:cNvGrpSpPr/>
+        <p:nvPr/>
+      </p:nvGrpSpPr>
+      <p:grpSpPr>
+        <a:xfrm>
+          <a:off x="0" y="0"/>
+          <a:ext cx="0" cy="0"/>
+          <a:chOff x="0" y="0"/>
+          <a:chExt cx="0" cy="0"/>
+        </a:xfrm>
+      </p:grpSpPr>
+      <p:sp>
+        <p:nvSpPr>
+          <p:cNvPr id="2" name="Title 1">
+            <a:extLst>
+              <a:ext uri="{FF2B5EF4-FFF2-40B4-BE49-F238E27FC236}">
+                <a16:creationId xmlns:a16="http://schemas.microsoft.com/office/drawing/2014/main" id="{B1F28405-19F5-CB48-B1F1-0628B826CB1B}"/>
+              </a:ext>
+            </a:extLst>
+          </p:cNvPr>
+          <p:cNvSpPr>
+            <a:spLocks noGrp="1"/>
+          </p:cNvSpPr>
+          <p:nvPr>
+            <p:ph type="title"/>
+          </p:nvPr>
+        </p:nvSpPr>
+        <p:spPr/>
+        <p:txBody>
+          <a:bodyPr/>
+          <a:lstStyle/>
+          <a:p>
+            <a:r>
+              <a:rPr lang="en-US" dirty="0"/>
+              <a:t>Challenges With Moiety Analysis</a:t>
+            </a:r>
+          </a:p>
+        </p:txBody>
+      </p:sp>
+      <p:sp>
+        <p:nvSpPr>
+          <p:cNvPr id="3" name="Content Placeholder 2">
+            <a:extLst>
+              <a:ext uri="{FF2B5EF4-FFF2-40B4-BE49-F238E27FC236}">
+                <a16:creationId xmlns:a16="http://schemas.microsoft.com/office/drawing/2014/main" id="{827C0CC9-27DB-074A-B9B6-B5B86C6DC1BF}"/>
+              </a:ext>
+            </a:extLst>
+          </p:cNvPr>
+          <p:cNvSpPr>
+            <a:spLocks noGrp="1"/>
+          </p:cNvSpPr>
+          <p:nvPr>
+            <p:ph idx="1"/>
+          </p:nvPr>
+        </p:nvSpPr>
+        <p:spPr/>
+        <p:txBody>
+          <a:bodyPr/>
+          <a:lstStyle/>
+          <a:p>
+            <a:r>
+              <a:rPr lang="en-US" dirty="0"/>
+              <a:t>Requires database of moiety structures for chemical species</a:t>
+            </a:r>
+          </a:p>
+          <a:p>
+            <a:endParaRPr lang="en-US" dirty="0"/>
+          </a:p>
+          <a:p>
+            <a:endParaRPr lang="en-US" dirty="0"/>
+          </a:p>
+          <a:p>
+            <a:endParaRPr lang="en-US" dirty="0"/>
+          </a:p>
+          <a:p>
+            <a:endParaRPr lang="en-US" dirty="0"/>
+          </a:p>
+          <a:p>
+            <a:r>
+              <a:rPr lang="en-US" dirty="0"/>
+              <a:t>Requires annotating models to identify chemical species</a:t>
+            </a:r>
+          </a:p>
+        </p:txBody>
+      </p:sp>
+      <p:sp>
+        <p:nvSpPr>
+          <p:cNvPr id="4" name="Slide Number Placeholder 3">
+            <a:extLst>
+              <a:ext uri="{FF2B5EF4-FFF2-40B4-BE49-F238E27FC236}">
+                <a16:creationId xmlns:a16="http://schemas.microsoft.com/office/drawing/2014/main" id="{DD203018-F956-0644-B054-8EA9D9ED2908}"/>
+              </a:ext>
+            </a:extLst>
+          </p:cNvPr>
+          <p:cNvSpPr>
+            <a:spLocks noGrp="1"/>
+          </p:cNvSpPr>
+          <p:nvPr>
+            <p:ph type="sldNum" sz="quarter" idx="11"/>
+          </p:nvPr>
+        </p:nvSpPr>
+        <p:spPr/>
+        <p:txBody>
+          <a:bodyPr/>
+          <a:lstStyle/>
+          <a:p>
+            <a:pPr>
+              <a:defRPr/>
+            </a:pPr>
+            <a:fld id="{3EF4E9CC-9D91-476E-91FD-5BEEC1642931}" type="slidenum">
+              <a:rPr lang="en-US" altLang="x-none" smtClean="0"/>
+              <a:pPr>
+                <a:defRPr/>
+              </a:pPr>
+              <a:t>10</a:t>
+            </a:fld>
+            <a:endParaRPr lang="en-US" altLang="x-none"/>
+          </a:p>
+        </p:txBody>
+      </p:sp>
+      <p:pic>
+        <p:nvPicPr>
+          <p:cNvPr id="5" name="Picture 4" descr="Text&#10;&#10;Description automatically generated">
+            <a:extLst>
+              <a:ext uri="{FF2B5EF4-FFF2-40B4-BE49-F238E27FC236}">
+                <a16:creationId xmlns:a16="http://schemas.microsoft.com/office/drawing/2014/main" id="{F4221F90-0E17-754F-AC8E-71C3D3354D20}"/>
+              </a:ext>
+            </a:extLst>
+          </p:cNvPr>
+          <p:cNvPicPr>
+            <a:picLocks noChangeAspect="1"/>
+          </p:cNvPicPr>
+          <p:nvPr/>
+        </p:nvPicPr>
+        <p:blipFill>
+          <a:blip r:embed="rId2"/>
+          <a:stretch>
+            <a:fillRect/>
+          </a:stretch>
+        </p:blipFill>
+        <p:spPr>
+          <a:xfrm>
+            <a:off x="1858627" y="4335462"/>
+            <a:ext cx="3225800" cy="2095500"/>
+          </a:xfrm>
+          <a:prstGeom prst="rect">
+            <a:avLst/>
+          </a:prstGeom>
+        </p:spPr>
+      </p:pic>
+      <p:graphicFrame>
+        <p:nvGraphicFramePr>
+          <p:cNvPr id="6" name="Table 5">
+            <a:extLst>
+              <a:ext uri="{FF2B5EF4-FFF2-40B4-BE49-F238E27FC236}">
+                <a16:creationId xmlns:a16="http://schemas.microsoft.com/office/drawing/2014/main" id="{F972862A-AB37-194E-8747-961109CCC6ED}"/>
+              </a:ext>
+            </a:extLst>
+          </p:cNvPr>
+          <p:cNvGraphicFramePr>
+            <a:graphicFrameLocks noGrp="1"/>
+          </p:cNvGraphicFramePr>
+          <p:nvPr>
+            <p:extLst>
+              <p:ext uri="{D42A27DB-BD31-4B8C-83A1-F6EECF244321}">
+                <p14:modId xmlns:p14="http://schemas.microsoft.com/office/powerpoint/2010/main" val="2531842653"/>
+              </p:ext>
+            </p:extLst>
+          </p:nvPr>
+        </p:nvGraphicFramePr>
+        <p:xfrm>
+          <a:off x="882756" y="2011522"/>
+          <a:ext cx="3185393" cy="1112520"/>
+        </p:xfrm>
+        <a:graphic>
+          <a:graphicData uri="http://schemas.openxmlformats.org/drawingml/2006/table">
+            <a:tbl>
+              <a:tblPr firstRow="1" bandRow="1">
+                <a:tableStyleId>{5C22544A-7EE6-4342-B048-85BDC9FD1C3A}</a:tableStyleId>
+              </a:tblPr>
+              <a:tblGrid>
+                <a:gridCol w="1151319">
+                  <a:extLst>
+                    <a:ext uri="{9D8B030D-6E8A-4147-A177-3AD203B41FA5}">
+                      <a16:colId xmlns:a16="http://schemas.microsoft.com/office/drawing/2014/main" val="502210968"/>
+                    </a:ext>
+                  </a:extLst>
+                </a:gridCol>
+                <a:gridCol w="681134">
+                  <a:extLst>
+                    <a:ext uri="{9D8B030D-6E8A-4147-A177-3AD203B41FA5}">
+                      <a16:colId xmlns:a16="http://schemas.microsoft.com/office/drawing/2014/main" val="2969247410"/>
+                    </a:ext>
+                  </a:extLst>
+                </a:gridCol>
+                <a:gridCol w="709127">
+                  <a:extLst>
+                    <a:ext uri="{9D8B030D-6E8A-4147-A177-3AD203B41FA5}">
+                      <a16:colId xmlns:a16="http://schemas.microsoft.com/office/drawing/2014/main" val="3150918022"/>
+                    </a:ext>
+                  </a:extLst>
+                </a:gridCol>
+                <a:gridCol w="643813">
+                  <a:extLst>
+                    <a:ext uri="{9D8B030D-6E8A-4147-A177-3AD203B41FA5}">
+                      <a16:colId xmlns:a16="http://schemas.microsoft.com/office/drawing/2014/main" val="1649620434"/>
+                    </a:ext>
+                  </a:extLst>
+                </a:gridCol>
+              </a:tblGrid>
+              <a:tr h="370840">
+                <a:tc>
+                  <a:txBody>
+                    <a:bodyPr/>
+                    <a:lstStyle/>
+                    <a:p>
+                      <a:r>
+                        <a:rPr lang="en-US" dirty="0"/>
+                        <a:t>Moiety</a:t>
+                      </a:r>
+                    </a:p>
+                  </a:txBody>
+                  <a:tcPr/>
+                </a:tc>
+                <a:tc>
+                  <a:txBody>
+                    <a:bodyPr/>
+                    <a:lstStyle/>
+                    <a:p>
+                      <a:pPr algn="ctr"/>
+                      <a:r>
+                        <a:rPr lang="en-US" dirty="0"/>
+                        <a:t>ATP</a:t>
+                      </a:r>
+                    </a:p>
+                  </a:txBody>
+                  <a:tcPr/>
+                </a:tc>
+                <a:tc>
+                  <a:txBody>
+                    <a:bodyPr/>
+                    <a:lstStyle/>
+                    <a:p>
+                      <a:pPr algn="ctr"/>
+                      <a:r>
+                        <a:rPr lang="en-US" dirty="0"/>
+                        <a:t>ADP</a:t>
+                      </a:r>
+                    </a:p>
+                  </a:txBody>
+                  <a:tcPr/>
+                </a:tc>
+                <a:tc>
+                  <a:txBody>
+                    <a:bodyPr/>
+                    <a:lstStyle/>
+                    <a:p>
+                      <a:pPr algn="ctr"/>
+                      <a:r>
+                        <a:rPr lang="en-US" dirty="0"/>
+                        <a:t>P</a:t>
+                      </a:r>
+                    </a:p>
+                  </a:txBody>
+                  <a:tcPr/>
+                </a:tc>
+                <a:extLst>
+                  <a:ext uri="{0D108BD9-81ED-4DB2-BD59-A6C34878D82A}">
+                    <a16:rowId xmlns:a16="http://schemas.microsoft.com/office/drawing/2014/main" val="3737599542"/>
+                  </a:ext>
+                </a:extLst>
+              </a:tr>
+              <a:tr h="370840">
+                <a:tc>
+                  <a:txBody>
+                    <a:bodyPr/>
+                    <a:lstStyle/>
+                    <a:p>
+                      <a:r>
+                        <a:rPr lang="en-US" dirty="0"/>
+                        <a:t>A</a:t>
+                      </a:r>
+                    </a:p>
+                  </a:txBody>
+                  <a:tcPr/>
+                </a:tc>
+                <a:tc>
+                  <a:txBody>
+                    <a:bodyPr/>
+                    <a:lstStyle/>
+                    <a:p>
+                      <a:pPr algn="r"/>
+                      <a:r>
+                        <a:rPr lang="en-US" dirty="0"/>
+                        <a:t>1</a:t>
+                      </a:r>
+                    </a:p>
+                  </a:txBody>
+                  <a:tcPr/>
+                </a:tc>
+                <a:tc>
+                  <a:txBody>
+                    <a:bodyPr/>
+                    <a:lstStyle/>
+                    <a:p>
+                      <a:pPr algn="r"/>
+                      <a:r>
+                        <a:rPr lang="en-US" dirty="0"/>
+                        <a:t>1</a:t>
+                      </a:r>
+                    </a:p>
+                  </a:txBody>
+                  <a:tcPr/>
+                </a:tc>
+                <a:tc>
+                  <a:txBody>
+                    <a:bodyPr/>
+                    <a:lstStyle/>
+                    <a:p>
+                      <a:pPr algn="r"/>
+                      <a:r>
+                        <a:rPr lang="en-US" dirty="0"/>
+                        <a:t>0</a:t>
+                      </a:r>
+                    </a:p>
+                  </a:txBody>
+                  <a:tcPr/>
+                </a:tc>
+                <a:extLst>
+                  <a:ext uri="{0D108BD9-81ED-4DB2-BD59-A6C34878D82A}">
+                    <a16:rowId xmlns:a16="http://schemas.microsoft.com/office/drawing/2014/main" val="3721374494"/>
+                  </a:ext>
+                </a:extLst>
+              </a:tr>
+              <a:tr h="370840">
+                <a:tc>
+                  <a:txBody>
+                    <a:bodyPr/>
+                    <a:lstStyle/>
+                    <a:p>
+                      <a:r>
+                        <a:rPr lang="en-US" dirty="0"/>
+                        <a:t>P</a:t>
+                      </a:r>
+                    </a:p>
+                  </a:txBody>
+                  <a:tcPr/>
+                </a:tc>
+                <a:tc>
+                  <a:txBody>
+                    <a:bodyPr/>
+                    <a:lstStyle/>
+                    <a:p>
+                      <a:pPr algn="r"/>
+                      <a:r>
+                        <a:rPr lang="en-US" dirty="0"/>
+                        <a:t>3</a:t>
+                      </a:r>
+                    </a:p>
+                  </a:txBody>
+                  <a:tcPr/>
+                </a:tc>
+                <a:tc>
+                  <a:txBody>
+                    <a:bodyPr/>
+                    <a:lstStyle/>
+                    <a:p>
+                      <a:pPr algn="r"/>
+                      <a:r>
+                        <a:rPr lang="en-US" dirty="0"/>
+                        <a:t>2</a:t>
+                      </a:r>
+                    </a:p>
+                  </a:txBody>
+                  <a:tcPr/>
+                </a:tc>
+                <a:tc>
+                  <a:txBody>
+                    <a:bodyPr/>
+                    <a:lstStyle/>
+                    <a:p>
+                      <a:pPr algn="r"/>
+                      <a:r>
+                        <a:rPr lang="en-US" dirty="0"/>
+                        <a:t>1</a:t>
+                      </a:r>
+                    </a:p>
+                  </a:txBody>
+                  <a:tcPr/>
+                </a:tc>
+                <a:extLst>
+                  <a:ext uri="{0D108BD9-81ED-4DB2-BD59-A6C34878D82A}">
+                    <a16:rowId xmlns:a16="http://schemas.microsoft.com/office/drawing/2014/main" val="3714415932"/>
+                  </a:ext>
+                </a:extLst>
+              </a:tr>
+            </a:tbl>
+          </a:graphicData>
+        </a:graphic>
+      </p:graphicFrame>
+    </p:spTree>
+    <p:extLst>
+      <p:ext uri="{BB962C8B-B14F-4D97-AF65-F5344CB8AC3E}">
+        <p14:creationId xmlns:p14="http://schemas.microsoft.com/office/powerpoint/2010/main" val="2290493925"/>
+      </p:ext>
+    </p:extLst>
+  </p:cSld>
+  <p:clrMapOvr>
+    <a:masterClrMapping/>
+  </p:clrMapOvr>
+</p:sld>
+</file>
+
+<file path=ppt/slides/slide11.xml><?xml version="1.0" encoding="utf-8"?>
+<p:sld xmlns:a="http://schemas.openxmlformats.org/drawingml/2006/main" xmlns:r="http://schemas.openxmlformats.org/officeDocument/2006/relationships" xmlns:p="http://schemas.openxmlformats.org/presentationml/2006/main">
+  <p:cSld>
+    <p:spTree>
+      <p:nvGrpSpPr>
+        <p:cNvPr id="1" name=""/>
+        <p:cNvGrpSpPr/>
+        <p:nvPr/>
+      </p:nvGrpSpPr>
+      <p:grpSpPr>
+        <a:xfrm>
+          <a:off x="0" y="0"/>
+          <a:ext cx="0" cy="0"/>
+          <a:chOff x="0" y="0"/>
+          <a:chExt cx="0" cy="0"/>
+        </a:xfrm>
+      </p:grpSpPr>
+      <p:sp>
+        <p:nvSpPr>
+          <p:cNvPr id="5" name="Title 4">
+            <a:extLst>
+              <a:ext uri="{FF2B5EF4-FFF2-40B4-BE49-F238E27FC236}">
+                <a16:creationId xmlns:a16="http://schemas.microsoft.com/office/drawing/2014/main" id="{E014A721-0EC0-FF48-8AA8-6791998B75BF}"/>
+              </a:ext>
+            </a:extLst>
+          </p:cNvPr>
+          <p:cNvSpPr>
+            <a:spLocks noGrp="1"/>
+          </p:cNvSpPr>
+          <p:nvPr>
+            <p:ph type="title"/>
+          </p:nvPr>
+        </p:nvSpPr>
+        <p:spPr/>
+        <p:txBody>
+          <a:bodyPr/>
+          <a:lstStyle/>
+          <a:p>
+            <a:r>
+              <a:rPr lang="en-US" dirty="0"/>
+              <a:t>Find this Mass Balance Error</a:t>
+            </a:r>
+          </a:p>
+        </p:txBody>
+      </p:sp>
+      <p:sp>
+        <p:nvSpPr>
+          <p:cNvPr id="4" name="Slide Number Placeholder 3">
+            <a:extLst>
+              <a:ext uri="{FF2B5EF4-FFF2-40B4-BE49-F238E27FC236}">
+                <a16:creationId xmlns:a16="http://schemas.microsoft.com/office/drawing/2014/main" id="{369307DC-C783-C449-8C3A-AC8970C5FF59}"/>
+              </a:ext>
+            </a:extLst>
+          </p:cNvPr>
+          <p:cNvSpPr>
+            <a:spLocks noGrp="1"/>
+          </p:cNvSpPr>
+          <p:nvPr>
+            <p:ph type="sldNum" sz="quarter" idx="11"/>
+          </p:nvPr>
+        </p:nvSpPr>
+        <p:spPr/>
+        <p:txBody>
+          <a:bodyPr/>
+          <a:lstStyle/>
+          <a:p>
+            <a:pPr>
+              <a:defRPr/>
+            </a:pPr>
+            <a:fld id="{3EF4E9CC-9D91-476E-91FD-5BEEC1642931}" type="slidenum">
+              <a:rPr lang="en-US" altLang="x-none" smtClean="0"/>
+              <a:pPr>
+                <a:defRPr/>
+              </a:pPr>
+              <a:t>11</a:t>
+            </a:fld>
+            <a:endParaRPr lang="en-US" altLang="x-none"/>
+          </a:p>
+        </p:txBody>
+      </p:sp>
+      <p:pic>
+        <p:nvPicPr>
+          <p:cNvPr id="9" name="Picture 8" descr="Text&#10;&#10;Description automatically generated">
+            <a:extLst>
+              <a:ext uri="{FF2B5EF4-FFF2-40B4-BE49-F238E27FC236}">
+                <a16:creationId xmlns:a16="http://schemas.microsoft.com/office/drawing/2014/main" id="{88BB4251-EB22-FD46-BFAA-0FF8709EC92D}"/>
+              </a:ext>
+            </a:extLst>
+          </p:cNvPr>
+          <p:cNvPicPr>
+            <a:picLocks noChangeAspect="1"/>
+          </p:cNvPicPr>
+          <p:nvPr/>
+        </p:nvPicPr>
+        <p:blipFill>
+          <a:blip r:embed="rId2"/>
+          <a:stretch>
+            <a:fillRect/>
+          </a:stretch>
+        </p:blipFill>
+        <p:spPr>
+          <a:xfrm>
+            <a:off x="1460640" y="1368552"/>
+            <a:ext cx="6222719" cy="4120896"/>
+          </a:xfrm>
+          <a:prstGeom prst="rect">
+            <a:avLst/>
+          </a:prstGeom>
+        </p:spPr>
+      </p:pic>
+      <p:sp>
+        <p:nvSpPr>
+          <p:cNvPr id="16" name="Rectangle 15">
+            <a:extLst>
+              <a:ext uri="{FF2B5EF4-FFF2-40B4-BE49-F238E27FC236}">
+                <a16:creationId xmlns:a16="http://schemas.microsoft.com/office/drawing/2014/main" id="{D16509F1-B883-0241-9704-1F6C7C69E721}"/>
+              </a:ext>
+            </a:extLst>
+          </p:cNvPr>
+          <p:cNvSpPr/>
+          <p:nvPr/>
+        </p:nvSpPr>
+        <p:spPr>
+          <a:xfrm>
+            <a:off x="1460640" y="4632960"/>
+            <a:ext cx="6222719" cy="1011936"/>
+          </a:xfrm>
+          <a:prstGeom prst="rect">
+            <a:avLst/>
+          </a:prstGeom>
+          <a:solidFill>
+            <a:schemeClr val="bg1"/>
+          </a:solidFill>
+          <a:ln>
+            <a:noFill/>
+          </a:ln>
+          <a:effectLst>
+            <a:outerShdw dist="23000" sx="1000" sy="1000" rotWithShape="0">
+              <a:srgbClr val="000000"/>
+            </a:outerShdw>
+          </a:effectLst>
+        </p:spPr>
+        <p:style>
+          <a:lnRef idx="1">
+            <a:schemeClr val="accent1"/>
+          </a:lnRef>
+          <a:fillRef idx="3">
+            <a:schemeClr val="accent1"/>
+          </a:fillRef>
+          <a:effectRef idx="2">
+            <a:schemeClr val="accent1"/>
+          </a:effectRef>
+          <a:fontRef idx="minor">
+            <a:schemeClr val="lt1"/>
+          </a:fontRef>
+        </p:style>
+        <p:txBody>
+          <a:bodyPr rtlCol="0" anchor="ctr"/>
+          <a:lstStyle/>
+          <a:p>
+            <a:pPr algn="ctr"/>
+            <a:endParaRPr lang="en-US"/>
+          </a:p>
+        </p:txBody>
+      </p:sp>
+    </p:spTree>
+    <p:extLst>
+      <p:ext uri="{BB962C8B-B14F-4D97-AF65-F5344CB8AC3E}">
+        <p14:creationId xmlns:p14="http://schemas.microsoft.com/office/powerpoint/2010/main" val="3197967393"/>
+      </p:ext>
+    </p:extLst>
+  </p:cSld>
+  <p:clrMapOvr>
+    <a:masterClrMapping/>
+  </p:clrMapOvr>
+</p:sld>
+</file>
+
+<file path=ppt/slides/slide12.xml><?xml version="1.0" encoding="utf-8"?>
+<p:sld xmlns:a="http://schemas.openxmlformats.org/drawingml/2006/main" xmlns:r="http://schemas.openxmlformats.org/officeDocument/2006/relationships" xmlns:p="http://schemas.openxmlformats.org/presentationml/2006/main">
+  <p:cSld>
+    <p:spTree>
+      <p:nvGrpSpPr>
+        <p:cNvPr id="1" name=""/>
+        <p:cNvGrpSpPr/>
+        <p:nvPr/>
+      </p:nvGrpSpPr>
+      <p:grpSpPr>
+        <a:xfrm>
+          <a:off x="0" y="0"/>
+          <a:ext cx="0" cy="0"/>
+          <a:chOff x="0" y="0"/>
+          <a:chExt cx="0" cy="0"/>
+        </a:xfrm>
+      </p:grpSpPr>
+      <p:sp>
+        <p:nvSpPr>
+          <p:cNvPr id="2" name="Title 1">
+            <a:extLst>
+              <a:ext uri="{FF2B5EF4-FFF2-40B4-BE49-F238E27FC236}">
+                <a16:creationId xmlns:a16="http://schemas.microsoft.com/office/drawing/2014/main" id="{1AA164E0-350E-1E40-8A29-489DBF8C9935}"/>
+              </a:ext>
+            </a:extLst>
+          </p:cNvPr>
+          <p:cNvSpPr>
+            <a:spLocks noGrp="1"/>
+          </p:cNvSpPr>
+          <p:nvPr>
+            <p:ph type="title"/>
+          </p:nvPr>
+        </p:nvSpPr>
+        <p:spPr/>
+        <p:txBody>
+          <a:bodyPr/>
+          <a:lstStyle/>
+          <a:p>
+            <a:r>
+              <a:rPr lang="en-US" dirty="0"/>
+              <a:t>Stoichiometric Inconsistency</a:t>
+            </a:r>
+          </a:p>
+        </p:txBody>
+      </p:sp>
+      <p:sp>
+        <p:nvSpPr>
+          <p:cNvPr id="3" name="Slide Number Placeholder 2">
+            <a:extLst>
+              <a:ext uri="{FF2B5EF4-FFF2-40B4-BE49-F238E27FC236}">
+                <a16:creationId xmlns:a16="http://schemas.microsoft.com/office/drawing/2014/main" id="{9167EB51-717A-B944-B2A4-06F5784A3A36}"/>
+              </a:ext>
+            </a:extLst>
+          </p:cNvPr>
+          <p:cNvSpPr>
+            <a:spLocks noGrp="1"/>
+          </p:cNvSpPr>
+          <p:nvPr>
+            <p:ph type="sldNum" sz="quarter" idx="11"/>
+          </p:nvPr>
+        </p:nvSpPr>
+        <p:spPr/>
+        <p:txBody>
+          <a:bodyPr/>
+          <a:lstStyle/>
+          <a:p>
+            <a:pPr>
+              <a:defRPr/>
+            </a:pPr>
+            <a:fld id="{2E4304A7-0FB2-4094-BC1E-DB17183AD0C1}" type="slidenum">
+              <a:rPr lang="en-US" altLang="x-none" smtClean="0"/>
+              <a:pPr>
+                <a:defRPr/>
+              </a:pPr>
+              <a:t>12</a:t>
+            </a:fld>
+            <a:endParaRPr lang="en-US" altLang="x-none"/>
+          </a:p>
+        </p:txBody>
+      </p:sp>
+      <p:pic>
+        <p:nvPicPr>
+          <p:cNvPr id="5" name="Picture 4" descr="A picture containing text&#10;&#10;Description automatically generated">
+            <a:extLst>
+              <a:ext uri="{FF2B5EF4-FFF2-40B4-BE49-F238E27FC236}">
+                <a16:creationId xmlns:a16="http://schemas.microsoft.com/office/drawing/2014/main" id="{2A854A49-11C5-1947-B6C1-0FEA8FE820B4}"/>
+              </a:ext>
+            </a:extLst>
+          </p:cNvPr>
+          <p:cNvPicPr>
+            <a:picLocks noChangeAspect="1"/>
+          </p:cNvPicPr>
+          <p:nvPr/>
+        </p:nvPicPr>
+        <p:blipFill>
+          <a:blip r:embed="rId2"/>
+          <a:stretch>
+            <a:fillRect/>
+          </a:stretch>
+        </p:blipFill>
+        <p:spPr>
+          <a:xfrm>
+            <a:off x="878586" y="1147803"/>
+            <a:ext cx="6677384" cy="4459895"/>
+          </a:xfrm>
+          <a:prstGeom prst="rect">
+            <a:avLst/>
+          </a:prstGeom>
+        </p:spPr>
+      </p:pic>
+    </p:spTree>
+    <p:extLst>
+      <p:ext uri="{BB962C8B-B14F-4D97-AF65-F5344CB8AC3E}">
+        <p14:creationId xmlns:p14="http://schemas.microsoft.com/office/powerpoint/2010/main" val="2257718059"/>
+      </p:ext>
+    </p:extLst>
+  </p:cSld>
+  <p:clrMapOvr>
+    <a:masterClrMapping/>
+  </p:clrMapOvr>
+</p:sld>
+</file>
+
+<file path=ppt/slides/slide13.xml><?xml version="1.0" encoding="utf-8"?>
+<p:sld xmlns:a="http://schemas.openxmlformats.org/drawingml/2006/main" xmlns:r="http://schemas.openxmlformats.org/officeDocument/2006/relationships" xmlns:p="http://schemas.openxmlformats.org/presentationml/2006/main">
+  <p:cSld>
+    <p:spTree>
+      <p:nvGrpSpPr>
+        <p:cNvPr id="1" name=""/>
+        <p:cNvGrpSpPr/>
+        <p:nvPr/>
+      </p:nvGrpSpPr>
+      <p:grpSpPr>
+        <a:xfrm>
+          <a:off x="0" y="0"/>
+          <a:ext cx="0" cy="0"/>
+          <a:chOff x="0" y="0"/>
+          <a:chExt cx="0" cy="0"/>
+        </a:xfrm>
+      </p:grpSpPr>
+      <p:sp>
+        <p:nvSpPr>
+          <p:cNvPr id="3" name="Slide Number Placeholder 2">
+            <a:extLst>
+              <a:ext uri="{FF2B5EF4-FFF2-40B4-BE49-F238E27FC236}">
+                <a16:creationId xmlns:a16="http://schemas.microsoft.com/office/drawing/2014/main" id="{12123759-78DB-6945-B959-2F2170327668}"/>
+              </a:ext>
+            </a:extLst>
+          </p:cNvPr>
+          <p:cNvSpPr>
+            <a:spLocks noGrp="1"/>
+          </p:cNvSpPr>
+          <p:nvPr>
+            <p:ph type="sldNum" sz="quarter" idx="11"/>
+          </p:nvPr>
+        </p:nvSpPr>
+        <p:spPr/>
+        <p:txBody>
+          <a:bodyPr/>
+          <a:lstStyle/>
+          <a:p>
+            <a:pPr>
+              <a:defRPr/>
+            </a:pPr>
+            <a:fld id="{2E4304A7-0FB2-4094-BC1E-DB17183AD0C1}" type="slidenum">
+              <a:rPr lang="en-US" altLang="x-none" smtClean="0"/>
+              <a:pPr>
+                <a:defRPr/>
+              </a:pPr>
+              <a:t>13</a:t>
+            </a:fld>
+            <a:endParaRPr lang="en-US" altLang="x-none"/>
+          </a:p>
+        </p:txBody>
+      </p:sp>
+      <p:pic>
+        <p:nvPicPr>
+          <p:cNvPr id="5" name="Picture 4" descr="Graphical user interface, text, application&#10;&#10;Description automatically generated">
+            <a:extLst>
+              <a:ext uri="{FF2B5EF4-FFF2-40B4-BE49-F238E27FC236}">
+                <a16:creationId xmlns:a16="http://schemas.microsoft.com/office/drawing/2014/main" id="{C1BB102F-CC1F-1342-A389-AF18A416C333}"/>
+              </a:ext>
+            </a:extLst>
+          </p:cNvPr>
+          <p:cNvPicPr>
+            <a:picLocks noChangeAspect="1"/>
+          </p:cNvPicPr>
+          <p:nvPr/>
+        </p:nvPicPr>
+        <p:blipFill>
+          <a:blip r:embed="rId2"/>
+          <a:stretch>
+            <a:fillRect/>
+          </a:stretch>
+        </p:blipFill>
+        <p:spPr>
+          <a:xfrm>
+            <a:off x="664806" y="425606"/>
+            <a:ext cx="7814388" cy="2878985"/>
+          </a:xfrm>
+          <a:prstGeom prst="rect">
+            <a:avLst/>
+          </a:prstGeom>
+        </p:spPr>
+      </p:pic>
+      <p:sp>
+        <p:nvSpPr>
+          <p:cNvPr id="7" name="TextBox 6">
+            <a:extLst>
+              <a:ext uri="{FF2B5EF4-FFF2-40B4-BE49-F238E27FC236}">
+                <a16:creationId xmlns:a16="http://schemas.microsoft.com/office/drawing/2014/main" id="{86DB26AB-BA89-D44C-B4D5-7265D87995CB}"/>
+              </a:ext>
+            </a:extLst>
+          </p:cNvPr>
+          <p:cNvSpPr txBox="1"/>
+          <p:nvPr/>
+        </p:nvSpPr>
+        <p:spPr>
+          <a:xfrm>
+            <a:off x="664806" y="3620278"/>
+            <a:ext cx="7814388" cy="646331"/>
+          </a:xfrm>
+          <a:prstGeom prst="rect">
+            <a:avLst/>
+          </a:prstGeom>
+          <a:solidFill>
+            <a:schemeClr val="bg1">
+              <a:lumMod val="95000"/>
+            </a:schemeClr>
+          </a:solidFill>
+        </p:spPr>
+        <p:txBody>
+          <a:bodyPr wrap="square" rtlCol="0">
+            <a:spAutoFit/>
+          </a:bodyPr>
+          <a:lstStyle/>
+          <a:p>
+            <a:r>
+              <a:rPr lang="en-US" b="1" dirty="0"/>
+              <a:t>Stoichiometric inconsistency</a:t>
+            </a:r>
+            <a:r>
+              <a:rPr lang="en-US" dirty="0"/>
+              <a:t>: There is no assignment of positive values of mass to chemical species such that all reactions are mass balanced.</a:t>
+            </a:r>
+          </a:p>
+        </p:txBody>
+      </p:sp>
+      <mc:AlternateContent xmlns:mc="http://schemas.openxmlformats.org/markup-compatibility/2006">
+        <mc:Choice xmlns:a14="http://schemas.microsoft.com/office/drawing/2010/main" Requires="a14">
+          <p:sp>
+            <p:nvSpPr>
+              <p:cNvPr id="8" name="TextBox 7">
+                <a:extLst>
+                  <a:ext uri="{FF2B5EF4-FFF2-40B4-BE49-F238E27FC236}">
+                    <a16:creationId xmlns:a16="http://schemas.microsoft.com/office/drawing/2014/main" id="{6F948964-F690-CA4F-92E5-CBDB457F2E82}"/>
+                  </a:ext>
+                </a:extLst>
+              </p:cNvPr>
+              <p:cNvSpPr txBox="1"/>
+              <p:nvPr/>
+            </p:nvSpPr>
+            <p:spPr>
+              <a:xfrm>
+                <a:off x="382556" y="5164499"/>
+                <a:ext cx="2055947" cy="276999"/>
+              </a:xfrm>
+              <a:prstGeom prst="rect">
+                <a:avLst/>
+              </a:prstGeom>
+              <a:noFill/>
+            </p:spPr>
+            <p:txBody>
+              <a:bodyPr wrap="none" lIns="0" tIns="0" rIns="0" bIns="0" rtlCol="0">
+                <a:spAutoFit/>
+              </a:bodyPr>
+              <a:lstStyle/>
+              <a:p>
+                <a:r>
+                  <a:rPr lang="en-US" b="0" dirty="0"/>
+                  <a:t>R1: </a:t>
+                </a:r>
+                <a14:m>
+                  <m:oMath xmlns:m="http://schemas.openxmlformats.org/officeDocument/2006/math">
+                    <m:r>
+                      <a:rPr lang="en-US" b="0" i="1" smtClean="0">
+                        <a:latin typeface="Cambria Math" panose="02040503050406030204" pitchFamily="18" charset="0"/>
+                      </a:rPr>
+                      <m:t>𝐴𝑇𝑃</m:t>
+                    </m:r>
+                    <m:r>
+                      <a:rPr lang="en-US" b="0" i="1" smtClean="0">
+                        <a:latin typeface="Cambria Math" panose="02040503050406030204" pitchFamily="18" charset="0"/>
+                      </a:rPr>
+                      <m:t>→</m:t>
+                    </m:r>
+                    <m:r>
+                      <a:rPr lang="en-US" b="0" i="1" smtClean="0">
+                        <a:latin typeface="Cambria Math" panose="02040503050406030204" pitchFamily="18" charset="0"/>
+                      </a:rPr>
+                      <m:t>𝐴𝐷𝑃</m:t>
+                    </m:r>
+                    <m:r>
+                      <a:rPr lang="en-US" b="0" i="1" smtClean="0">
+                        <a:latin typeface="Cambria Math" panose="02040503050406030204" pitchFamily="18" charset="0"/>
+                      </a:rPr>
+                      <m:t>+</m:t>
+                    </m:r>
+                    <m:r>
+                      <a:rPr lang="en-US" b="0" i="1" smtClean="0">
+                        <a:latin typeface="Cambria Math" panose="02040503050406030204" pitchFamily="18" charset="0"/>
+                      </a:rPr>
+                      <m:t>𝑃</m:t>
+                    </m:r>
+                  </m:oMath>
+                </a14:m>
+                <a:endParaRPr lang="en-US" dirty="0"/>
+              </a:p>
+            </p:txBody>
+          </p:sp>
+        </mc:Choice>
+        <mc:Fallback>
+          <p:sp>
+            <p:nvSpPr>
+              <p:cNvPr id="8" name="TextBox 7">
+                <a:extLst>
+                  <a:ext uri="{FF2B5EF4-FFF2-40B4-BE49-F238E27FC236}">
+                    <a16:creationId xmlns:a16="http://schemas.microsoft.com/office/drawing/2014/main" id="{6F948964-F690-CA4F-92E5-CBDB457F2E82}"/>
+                  </a:ext>
+                </a:extLst>
+              </p:cNvPr>
+              <p:cNvSpPr txBox="1">
+                <a:spLocks noRot="1" noChangeAspect="1" noMove="1" noResize="1" noEditPoints="1" noAdjustHandles="1" noChangeArrowheads="1" noChangeShapeType="1" noTextEdit="1"/>
+              </p:cNvSpPr>
+              <p:nvPr/>
+            </p:nvSpPr>
+            <p:spPr>
+              <a:xfrm>
+                <a:off x="382556" y="5164499"/>
+                <a:ext cx="2055947" cy="276999"/>
+              </a:xfrm>
+              <a:prstGeom prst="rect">
+                <a:avLst/>
+              </a:prstGeom>
+              <a:blipFill>
+                <a:blip r:embed="rId3"/>
+                <a:stretch>
+                  <a:fillRect l="-7407" t="-26087" r="-3086" b="-47826"/>
+                </a:stretch>
+              </a:blipFill>
+            </p:spPr>
+            <p:txBody>
+              <a:bodyPr/>
+              <a:lstStyle/>
+              <a:p>
+                <a:r>
+                  <a:rPr lang="en-US">
+                    <a:noFill/>
+                  </a:rPr>
+                  <a:t> </a:t>
+                </a:r>
+              </a:p>
+            </p:txBody>
+          </p:sp>
+        </mc:Fallback>
+      </mc:AlternateContent>
+      <mc:AlternateContent xmlns:mc="http://schemas.openxmlformats.org/markup-compatibility/2006">
+        <mc:Choice xmlns:a14="http://schemas.microsoft.com/office/drawing/2010/main" Requires="a14">
+          <p:sp>
+            <p:nvSpPr>
+              <p:cNvPr id="9" name="TextBox 8">
+                <a:extLst>
+                  <a:ext uri="{FF2B5EF4-FFF2-40B4-BE49-F238E27FC236}">
+                    <a16:creationId xmlns:a16="http://schemas.microsoft.com/office/drawing/2014/main" id="{A2268943-A313-6E4F-8090-FAD89B30B7F6}"/>
+                  </a:ext>
+                </a:extLst>
+              </p:cNvPr>
+              <p:cNvSpPr txBox="1"/>
+              <p:nvPr/>
+            </p:nvSpPr>
+            <p:spPr>
+              <a:xfrm>
+                <a:off x="382556" y="5490283"/>
+                <a:ext cx="1631922" cy="276999"/>
+              </a:xfrm>
+              <a:prstGeom prst="rect">
+                <a:avLst/>
+              </a:prstGeom>
+              <a:noFill/>
+            </p:spPr>
+            <p:txBody>
+              <a:bodyPr wrap="none" lIns="0" tIns="0" rIns="0" bIns="0" rtlCol="0">
+                <a:spAutoFit/>
+              </a:bodyPr>
+              <a:lstStyle/>
+              <a:p>
+                <a:r>
+                  <a:rPr lang="en-US" b="0" dirty="0"/>
+                  <a:t>R2: </a:t>
+                </a:r>
+                <a14:m>
+                  <m:oMath xmlns:m="http://schemas.openxmlformats.org/officeDocument/2006/math">
+                    <m:r>
+                      <a:rPr lang="en-US" b="0" i="1" smtClean="0">
+                        <a:latin typeface="Cambria Math" panose="02040503050406030204" pitchFamily="18" charset="0"/>
+                      </a:rPr>
+                      <m:t>𝐴𝐷𝑃</m:t>
+                    </m:r>
+                    <m:r>
+                      <a:rPr lang="en-US" b="0" i="1" smtClean="0">
+                        <a:latin typeface="Cambria Math" panose="02040503050406030204" pitchFamily="18" charset="0"/>
+                      </a:rPr>
+                      <m:t>→</m:t>
+                    </m:r>
+                    <m:r>
+                      <a:rPr lang="en-US" b="0" i="1" smtClean="0">
+                        <a:latin typeface="Cambria Math" panose="02040503050406030204" pitchFamily="18" charset="0"/>
+                      </a:rPr>
+                      <m:t>𝐴𝑇𝑃</m:t>
+                    </m:r>
+                  </m:oMath>
+                </a14:m>
+                <a:endParaRPr lang="en-US" dirty="0"/>
+              </a:p>
+            </p:txBody>
+          </p:sp>
+        </mc:Choice>
+        <mc:Fallback>
+          <p:sp>
+            <p:nvSpPr>
+              <p:cNvPr id="9" name="TextBox 8">
+                <a:extLst>
+                  <a:ext uri="{FF2B5EF4-FFF2-40B4-BE49-F238E27FC236}">
+                    <a16:creationId xmlns:a16="http://schemas.microsoft.com/office/drawing/2014/main" id="{A2268943-A313-6E4F-8090-FAD89B30B7F6}"/>
+                  </a:ext>
+                </a:extLst>
+              </p:cNvPr>
+              <p:cNvSpPr txBox="1">
+                <a:spLocks noRot="1" noChangeAspect="1" noMove="1" noResize="1" noEditPoints="1" noAdjustHandles="1" noChangeArrowheads="1" noChangeShapeType="1" noTextEdit="1"/>
+              </p:cNvSpPr>
+              <p:nvPr/>
+            </p:nvSpPr>
+            <p:spPr>
+              <a:xfrm>
+                <a:off x="382556" y="5490283"/>
+                <a:ext cx="1631922" cy="276999"/>
+              </a:xfrm>
+              <a:prstGeom prst="rect">
+                <a:avLst/>
+              </a:prstGeom>
+              <a:blipFill>
+                <a:blip r:embed="rId4"/>
+                <a:stretch>
+                  <a:fillRect l="-9302" t="-26087" r="-3876" b="-47826"/>
+                </a:stretch>
+              </a:blipFill>
+            </p:spPr>
+            <p:txBody>
+              <a:bodyPr/>
+              <a:lstStyle/>
+              <a:p>
+                <a:r>
+                  <a:rPr lang="en-US">
+                    <a:noFill/>
+                  </a:rPr>
+                  <a:t> </a:t>
+                </a:r>
+              </a:p>
+            </p:txBody>
+          </p:sp>
+        </mc:Fallback>
+      </mc:AlternateContent>
+      <mc:AlternateContent xmlns:mc="http://schemas.openxmlformats.org/markup-compatibility/2006">
+        <mc:Choice xmlns:a14="http://schemas.microsoft.com/office/drawing/2010/main" Requires="a14">
+          <p:sp>
+            <p:nvSpPr>
+              <p:cNvPr id="10" name="TextBox 9">
+                <a:extLst>
+                  <a:ext uri="{FF2B5EF4-FFF2-40B4-BE49-F238E27FC236}">
+                    <a16:creationId xmlns:a16="http://schemas.microsoft.com/office/drawing/2014/main" id="{18C4472F-01C4-8348-AA61-2AAEF7997069}"/>
+                  </a:ext>
+                </a:extLst>
+              </p:cNvPr>
+              <p:cNvSpPr txBox="1"/>
+              <p:nvPr/>
+            </p:nvSpPr>
+            <p:spPr>
+              <a:xfrm>
+                <a:off x="2687216" y="5113658"/>
+                <a:ext cx="6135013" cy="923330"/>
+              </a:xfrm>
+              <a:prstGeom prst="rect">
+                <a:avLst/>
+              </a:prstGeom>
+              <a:noFill/>
+            </p:spPr>
+            <p:txBody>
+              <a:bodyPr wrap="none" rtlCol="0">
+                <a:spAutoFit/>
+              </a:bodyPr>
+              <a:lstStyle/>
+              <a:p>
+                <a:r>
+                  <a:rPr lang="en-US" dirty="0"/>
+                  <a:t>Cannot assign positive masses that balance the reactions.</a:t>
+                </a:r>
+              </a:p>
+              <a:p>
+                <a:pPr marL="285750" indent="-285750">
+                  <a:buFont typeface="Arial" panose="020B0604020202020204" pitchFamily="34" charset="0"/>
+                  <a:buChar char="•"/>
+                </a:pPr>
+                <a14:m>
+                  <m:oMath xmlns:m="http://schemas.openxmlformats.org/officeDocument/2006/math">
+                    <m:r>
+                      <a:rPr lang="en-US" b="0" i="1" smtClean="0">
+                        <a:latin typeface="Cambria Math" panose="02040503050406030204" pitchFamily="18" charset="0"/>
+                      </a:rPr>
+                      <m:t>𝑚𝑎𝑠𝑠</m:t>
+                    </m:r>
+                    <m:d>
+                      <m:dPr>
+                        <m:ctrlPr>
+                          <a:rPr lang="en-US" b="0" i="1" smtClean="0">
+                            <a:latin typeface="Cambria Math" panose="02040503050406030204" pitchFamily="18" charset="0"/>
+                          </a:rPr>
+                        </m:ctrlPr>
+                      </m:dPr>
+                      <m:e>
+                        <m:r>
+                          <a:rPr lang="en-US" b="0" i="1" smtClean="0">
+                            <a:latin typeface="Cambria Math" panose="02040503050406030204" pitchFamily="18" charset="0"/>
+                          </a:rPr>
+                          <m:t>𝐴𝐷𝑃</m:t>
+                        </m:r>
+                      </m:e>
+                    </m:d>
+                    <m:r>
+                      <a:rPr lang="en-US" b="0" i="1" smtClean="0">
+                        <a:latin typeface="Cambria Math" panose="02040503050406030204" pitchFamily="18" charset="0"/>
+                      </a:rPr>
+                      <m:t>=</m:t>
+                    </m:r>
+                    <m:r>
+                      <a:rPr lang="en-US" b="0" i="1" smtClean="0">
+                        <a:latin typeface="Cambria Math" panose="02040503050406030204" pitchFamily="18" charset="0"/>
+                      </a:rPr>
+                      <m:t>𝑚𝑎𝑠𝑠</m:t>
+                    </m:r>
+                    <m:r>
+                      <a:rPr lang="en-US" b="0" i="1" smtClean="0">
+                        <a:latin typeface="Cambria Math" panose="02040503050406030204" pitchFamily="18" charset="0"/>
+                      </a:rPr>
+                      <m:t>(</m:t>
+                    </m:r>
+                    <m:r>
+                      <a:rPr lang="en-US" b="0" i="1" smtClean="0">
+                        <a:latin typeface="Cambria Math" panose="02040503050406030204" pitchFamily="18" charset="0"/>
+                      </a:rPr>
+                      <m:t>𝐴𝑇𝑃</m:t>
+                    </m:r>
+                    <m:r>
+                      <a:rPr lang="en-US" b="0" i="1" smtClean="0">
+                        <a:latin typeface="Cambria Math" panose="02040503050406030204" pitchFamily="18" charset="0"/>
+                      </a:rPr>
+                      <m:t>)</m:t>
+                    </m:r>
+                  </m:oMath>
+                </a14:m>
+                <a:r>
+                  <a:rPr lang="en-US" dirty="0"/>
+                  <a:t> </a:t>
+                </a:r>
+                <a:r>
+                  <a:rPr lang="en-US" dirty="0" err="1"/>
+                  <a:t>beause</a:t>
+                </a:r>
+                <a:r>
+                  <a:rPr lang="en-US" dirty="0"/>
+                  <a:t> of R2.</a:t>
+                </a:r>
+              </a:p>
+              <a:p>
+                <a:pPr marL="285750" indent="-285750">
+                  <a:buFont typeface="Arial" panose="020B0604020202020204" pitchFamily="34" charset="0"/>
+                  <a:buChar char="•"/>
+                </a:pPr>
+                <a:r>
+                  <a:rPr lang="en-US" dirty="0"/>
+                  <a:t>But </a:t>
+                </a:r>
+                <a14:m>
+                  <m:oMath xmlns:m="http://schemas.openxmlformats.org/officeDocument/2006/math">
+                    <m:r>
+                      <a:rPr lang="en-US" b="0" i="1" smtClean="0">
+                        <a:latin typeface="Cambria Math" panose="02040503050406030204" pitchFamily="18" charset="0"/>
+                      </a:rPr>
+                      <m:t>𝑚𝑎𝑠𝑠</m:t>
+                    </m:r>
+                    <m:d>
+                      <m:dPr>
+                        <m:ctrlPr>
+                          <a:rPr lang="en-US" b="0" i="1" smtClean="0">
+                            <a:latin typeface="Cambria Math" panose="02040503050406030204" pitchFamily="18" charset="0"/>
+                          </a:rPr>
+                        </m:ctrlPr>
+                      </m:dPr>
+                      <m:e>
+                        <m:r>
+                          <a:rPr lang="en-US" b="0" i="1" smtClean="0">
+                            <a:latin typeface="Cambria Math" panose="02040503050406030204" pitchFamily="18" charset="0"/>
+                          </a:rPr>
+                          <m:t>𝐴𝑇𝑃</m:t>
+                        </m:r>
+                      </m:e>
+                    </m:d>
+                    <m:r>
+                      <a:rPr lang="en-US" b="0" i="1" smtClean="0">
+                        <a:latin typeface="Cambria Math" panose="02040503050406030204" pitchFamily="18" charset="0"/>
+                      </a:rPr>
+                      <m:t>&gt;</m:t>
+                    </m:r>
+                    <m:r>
+                      <a:rPr lang="en-US" b="0" i="1" smtClean="0">
+                        <a:latin typeface="Cambria Math" panose="02040503050406030204" pitchFamily="18" charset="0"/>
+                      </a:rPr>
+                      <m:t>𝑚𝑎𝑠𝑠</m:t>
+                    </m:r>
+                    <m:r>
+                      <a:rPr lang="en-US" b="0" i="1" smtClean="0">
+                        <a:latin typeface="Cambria Math" panose="02040503050406030204" pitchFamily="18" charset="0"/>
+                      </a:rPr>
+                      <m:t>(</m:t>
+                    </m:r>
+                    <m:r>
+                      <a:rPr lang="en-US" b="0" i="1" smtClean="0">
+                        <a:latin typeface="Cambria Math" panose="02040503050406030204" pitchFamily="18" charset="0"/>
+                      </a:rPr>
+                      <m:t>𝐴𝐷𝑃</m:t>
+                    </m:r>
+                    <m:r>
+                      <a:rPr lang="en-US" b="0" i="1" smtClean="0">
+                        <a:latin typeface="Cambria Math" panose="02040503050406030204" pitchFamily="18" charset="0"/>
+                      </a:rPr>
+                      <m:t>)</m:t>
+                    </m:r>
+                  </m:oMath>
+                </a14:m>
+                <a:r>
+                  <a:rPr lang="en-US" dirty="0"/>
+                  <a:t> because </a:t>
+                </a:r>
+                <a14:m>
+                  <m:oMath xmlns:m="http://schemas.openxmlformats.org/officeDocument/2006/math">
+                    <m:r>
+                      <a:rPr lang="en-US" b="0" i="1" smtClean="0">
+                        <a:latin typeface="Cambria Math" panose="02040503050406030204" pitchFamily="18" charset="0"/>
+                      </a:rPr>
+                      <m:t>𝑚𝑎𝑠𝑠</m:t>
+                    </m:r>
+                    <m:d>
+                      <m:dPr>
+                        <m:ctrlPr>
+                          <a:rPr lang="en-US" b="0" i="1" smtClean="0">
+                            <a:latin typeface="Cambria Math" panose="02040503050406030204" pitchFamily="18" charset="0"/>
+                          </a:rPr>
+                        </m:ctrlPr>
+                      </m:dPr>
+                      <m:e>
+                        <m:r>
+                          <a:rPr lang="en-US" b="0" i="1" smtClean="0">
+                            <a:latin typeface="Cambria Math" panose="02040503050406030204" pitchFamily="18" charset="0"/>
+                          </a:rPr>
+                          <m:t>𝑃</m:t>
+                        </m:r>
+                      </m:e>
+                    </m:d>
+                    <m:r>
+                      <a:rPr lang="en-US" b="0" i="1" smtClean="0">
+                        <a:latin typeface="Cambria Math" panose="02040503050406030204" pitchFamily="18" charset="0"/>
+                      </a:rPr>
+                      <m:t>&gt;0.</m:t>
+                    </m:r>
+                  </m:oMath>
+                </a14:m>
+                <a:endParaRPr lang="en-US" dirty="0"/>
+              </a:p>
+            </p:txBody>
+          </p:sp>
+        </mc:Choice>
+        <mc:Fallback>
+          <p:sp>
+            <p:nvSpPr>
+              <p:cNvPr id="10" name="TextBox 9">
+                <a:extLst>
+                  <a:ext uri="{FF2B5EF4-FFF2-40B4-BE49-F238E27FC236}">
+                    <a16:creationId xmlns:a16="http://schemas.microsoft.com/office/drawing/2014/main" id="{18C4472F-01C4-8348-AA61-2AAEF7997069}"/>
+                  </a:ext>
+                </a:extLst>
+              </p:cNvPr>
+              <p:cNvSpPr txBox="1">
+                <a:spLocks noRot="1" noChangeAspect="1" noMove="1" noResize="1" noEditPoints="1" noAdjustHandles="1" noChangeArrowheads="1" noChangeShapeType="1" noTextEdit="1"/>
+              </p:cNvSpPr>
+              <p:nvPr/>
+            </p:nvSpPr>
+            <p:spPr>
+              <a:xfrm>
+                <a:off x="2687216" y="5113658"/>
+                <a:ext cx="6135013" cy="923330"/>
+              </a:xfrm>
+              <a:prstGeom prst="rect">
+                <a:avLst/>
+              </a:prstGeom>
+              <a:blipFill>
+                <a:blip r:embed="rId5"/>
+                <a:stretch>
+                  <a:fillRect l="-826" t="-2703" b="-9459"/>
+                </a:stretch>
+              </a:blipFill>
+            </p:spPr>
+            <p:txBody>
+              <a:bodyPr/>
+              <a:lstStyle/>
+              <a:p>
+                <a:r>
+                  <a:rPr lang="en-US">
+                    <a:noFill/>
+                  </a:rPr>
+                  <a:t> </a:t>
+                </a:r>
+              </a:p>
+            </p:txBody>
+          </p:sp>
+        </mc:Fallback>
+      </mc:AlternateContent>
+      <p:sp>
+        <p:nvSpPr>
+          <p:cNvPr id="11" name="TextBox 10">
+            <a:extLst>
+              <a:ext uri="{FF2B5EF4-FFF2-40B4-BE49-F238E27FC236}">
+                <a16:creationId xmlns:a16="http://schemas.microsoft.com/office/drawing/2014/main" id="{94689AF6-ACBC-7B43-8B05-2A36D6749718}"/>
+              </a:ext>
+            </a:extLst>
+          </p:cNvPr>
+          <p:cNvSpPr txBox="1"/>
+          <p:nvPr/>
+        </p:nvSpPr>
+        <p:spPr>
+          <a:xfrm>
+            <a:off x="317239" y="4693299"/>
+            <a:ext cx="1239442" cy="400110"/>
+          </a:xfrm>
+          <a:prstGeom prst="rect">
+            <a:avLst/>
+          </a:prstGeom>
+          <a:noFill/>
+        </p:spPr>
+        <p:txBody>
+          <a:bodyPr wrap="none" rtlCol="0">
+            <a:spAutoFit/>
+          </a:bodyPr>
+          <a:lstStyle/>
+          <a:p>
+            <a:r>
+              <a:rPr lang="en-US" sz="2000" b="1" dirty="0"/>
+              <a:t>Example</a:t>
+            </a:r>
+          </a:p>
+        </p:txBody>
+      </p:sp>
+    </p:spTree>
+    <p:extLst>
+      <p:ext uri="{BB962C8B-B14F-4D97-AF65-F5344CB8AC3E}">
+        <p14:creationId xmlns:p14="http://schemas.microsoft.com/office/powerpoint/2010/main" val="2188485285"/>
+      </p:ext>
+    </p:extLst>
+  </p:cSld>
+  <p:clrMapOvr>
+    <a:masterClrMapping/>
+  </p:clrMapOvr>
+  <p:timing>
+    <p:tnLst>
+      <p:par>
+        <p:cTn id="1" dur="indefinite" restart="never" nodeType="tmRoot">
+          <p:childTnLst>
+            <p:seq concurrent="1" nextAc="seek">
+              <p:cTn id="2" dur="indefinite" nodeType="mainSeq">
+                <p:childTnLst>
+                  <p:par>
+                    <p:cTn id="3" fill="hold">
+                      <p:stCondLst>
+                        <p:cond delay="indefinite"/>
+                      </p:stCondLst>
+                      <p:childTnLst>
+                        <p:par>
+                          <p:cTn id="4" fill="hold">
+                            <p:stCondLst>
+                              <p:cond delay="0"/>
+                            </p:stCondLst>
+                            <p:childTnLst>
+                              <p:par>
+                                <p:cTn id="5" presetID="1" presetClass="entr" presetSubtype="0" fill="hold" grpId="0" nodeType="clickEffect">
+                                  <p:stCondLst>
+                                    <p:cond delay="0"/>
+                                  </p:stCondLst>
+                                  <p:childTnLst>
+                                    <p:set>
+                                      <p:cBhvr>
+                                        <p:cTn id="6" dur="1" fill="hold">
+                                          <p:stCondLst>
+                                            <p:cond delay="0"/>
+                                          </p:stCondLst>
+                                        </p:cTn>
+                                        <p:tgtEl>
+                                          <p:spTgt spid="8"/>
+                                        </p:tgtEl>
+                                        <p:attrNameLst>
+                                          <p:attrName>style.visibility</p:attrName>
+                                        </p:attrNameLst>
+                                      </p:cBhvr>
+                                      <p:to>
+                                        <p:strVal val="visible"/>
+                                      </p:to>
+                                    </p:set>
+                                  </p:childTnLst>
+                                </p:cTn>
+                              </p:par>
+                              <p:par>
+                                <p:cTn id="7" presetID="1" presetClass="entr" presetSubtype="0" fill="hold" grpId="0" nodeType="withEffect">
+                                  <p:stCondLst>
+                                    <p:cond delay="0"/>
+                                  </p:stCondLst>
+                                  <p:childTnLst>
+                                    <p:set>
+                                      <p:cBhvr>
+                                        <p:cTn id="8" dur="1" fill="hold">
+                                          <p:stCondLst>
+                                            <p:cond delay="0"/>
+                                          </p:stCondLst>
+                                        </p:cTn>
+                                        <p:tgtEl>
+                                          <p:spTgt spid="9"/>
+                                        </p:tgtEl>
+                                        <p:attrNameLst>
+                                          <p:attrName>style.visibility</p:attrName>
+                                        </p:attrNameLst>
+                                      </p:cBhvr>
+                                      <p:to>
+                                        <p:strVal val="visible"/>
+                                      </p:to>
+                                    </p:set>
+                                  </p:childTnLst>
+                                </p:cTn>
+                              </p:par>
+                              <p:par>
+                                <p:cTn id="9" presetID="1" presetClass="entr" presetSubtype="0" fill="hold" grpId="0" nodeType="withEffect">
+                                  <p:stCondLst>
+                                    <p:cond delay="0"/>
+                                  </p:stCondLst>
+                                  <p:childTnLst>
+                                    <p:set>
+                                      <p:cBhvr>
+                                        <p:cTn id="10" dur="1" fill="hold">
+                                          <p:stCondLst>
+                                            <p:cond delay="0"/>
+                                          </p:stCondLst>
+                                        </p:cTn>
+                                        <p:tgtEl>
+                                          <p:spTgt spid="10"/>
+                                        </p:tgtEl>
+                                        <p:attrNameLst>
+                                          <p:attrName>style.visibility</p:attrName>
+                                        </p:attrNameLst>
+                                      </p:cBhvr>
+                                      <p:to>
+                                        <p:strVal val="visible"/>
+                                      </p:to>
+                                    </p:set>
+                                  </p:childTnLst>
+                                </p:cTn>
+                              </p:par>
+                              <p:par>
+                                <p:cTn id="11" presetID="1" presetClass="entr" presetSubtype="0" fill="hold" grpId="0" nodeType="withEffect">
+                                  <p:stCondLst>
+                                    <p:cond delay="0"/>
+                                  </p:stCondLst>
+                                  <p:childTnLst>
+                                    <p:set>
+                                      <p:cBhvr>
+                                        <p:cTn id="12" dur="1" fill="hold">
+                                          <p:stCondLst>
+                                            <p:cond delay="0"/>
+                                          </p:stCondLst>
+                                        </p:cTn>
+                                        <p:tgtEl>
+                                          <p:spTgt spid="11"/>
+                                        </p:tgtEl>
+                                        <p:attrNameLst>
+                                          <p:attrName>style.visibility</p:attrName>
+                                        </p:attrNameLst>
+                                      </p:cBhvr>
+                                      <p:to>
+                                        <p:strVal val="visible"/>
+                                      </p:to>
+                                    </p:set>
+                                  </p:childTnLst>
+                                </p:cTn>
+                              </p:par>
+                            </p:childTnLst>
+                          </p:cTn>
+                        </p:par>
+                      </p:childTnLst>
+                    </p:cTn>
+                  </p:par>
+                </p:childTnLst>
+              </p:cTn>
+              <p:prevCondLst>
+                <p:cond evt="onPrev" delay="0">
+                  <p:tgtEl>
+                    <p:sldTgt/>
+                  </p:tgtEl>
+                </p:cond>
+              </p:prevCondLst>
+              <p:nextCondLst>
+                <p:cond evt="onNext" delay="0">
+                  <p:tgtEl>
+                    <p:sldTgt/>
+                  </p:tgtEl>
+                </p:cond>
+              </p:nextCondLst>
+            </p:seq>
+          </p:childTnLst>
+        </p:cTn>
+      </p:par>
+    </p:tnLst>
+    <p:bldLst>
+      <p:bldP spid="8" grpId="0"/>
+      <p:bldP spid="9" grpId="0"/>
+      <p:bldP spid="10" grpId="0"/>
+      <p:bldP spid="11" grpId="0"/>
+    </p:bldLst>
+  </p:timing>
+</p:sld>
+</file>
+
+<file path=ppt/slides/slide14.xml><?xml version="1.0" encoding="utf-8"?>
+<p:sld xmlns:a="http://schemas.openxmlformats.org/drawingml/2006/main" xmlns:r="http://schemas.openxmlformats.org/officeDocument/2006/relationships" xmlns:p="http://schemas.openxmlformats.org/presentationml/2006/main">
+  <p:cSld>
+    <p:spTree>
+      <p:nvGrpSpPr>
+        <p:cNvPr id="1" name=""/>
+        <p:cNvGrpSpPr/>
+        <p:nvPr/>
+      </p:nvGrpSpPr>
+      <p:grpSpPr>
+        <a:xfrm>
+          <a:off x="0" y="0"/>
+          <a:ext cx="0" cy="0"/>
+          <a:chOff x="0" y="0"/>
+          <a:chExt cx="0" cy="0"/>
+        </a:xfrm>
+      </p:grpSpPr>
+      <p:sp>
+        <p:nvSpPr>
+          <p:cNvPr id="3" name="Title 2">
+            <a:extLst>
+              <a:ext uri="{FF2B5EF4-FFF2-40B4-BE49-F238E27FC236}">
+                <a16:creationId xmlns:a16="http://schemas.microsoft.com/office/drawing/2014/main" id="{F67CDEAD-1CCF-8248-99C7-96E6A06BB88A}"/>
+              </a:ext>
+            </a:extLst>
+          </p:cNvPr>
+          <p:cNvSpPr>
+            <a:spLocks noGrp="1"/>
+          </p:cNvSpPr>
+          <p:nvPr>
+            <p:ph type="title"/>
+          </p:nvPr>
+        </p:nvSpPr>
+        <p:spPr/>
+        <p:txBody>
+          <a:bodyPr/>
+          <a:lstStyle/>
+          <a:p>
+            <a:r>
+              <a:rPr lang="en-US" dirty="0"/>
+              <a:t>Finding Stoichiometric Inconsistencies</a:t>
+            </a:r>
+          </a:p>
+        </p:txBody>
+      </p:sp>
+      <p:sp>
+        <p:nvSpPr>
+          <p:cNvPr id="2" name="Slide Number Placeholder 1">
+            <a:extLst>
+              <a:ext uri="{FF2B5EF4-FFF2-40B4-BE49-F238E27FC236}">
+                <a16:creationId xmlns:a16="http://schemas.microsoft.com/office/drawing/2014/main" id="{622FEF08-C9C7-924C-8702-97FB52BD0915}"/>
+              </a:ext>
+            </a:extLst>
+          </p:cNvPr>
+          <p:cNvSpPr>
+            <a:spLocks noGrp="1"/>
+          </p:cNvSpPr>
+          <p:nvPr>
+            <p:ph type="sldNum" sz="quarter" idx="11"/>
+          </p:nvPr>
+        </p:nvSpPr>
+        <p:spPr/>
+        <p:txBody>
+          <a:bodyPr/>
+          <a:lstStyle/>
+          <a:p>
+            <a:pPr>
+              <a:defRPr/>
+            </a:pPr>
+            <a:fld id="{21F96DF4-0A1C-4FFD-A010-55DAD04D9A67}" type="slidenum">
+              <a:rPr lang="en-US" altLang="x-none" smtClean="0"/>
+              <a:pPr>
+                <a:defRPr/>
+              </a:pPr>
+              <a:t>14</a:t>
+            </a:fld>
+            <a:endParaRPr lang="en-US" altLang="x-none"/>
+          </a:p>
+        </p:txBody>
+      </p:sp>
+      <mc:AlternateContent xmlns:mc="http://schemas.openxmlformats.org/markup-compatibility/2006">
+        <mc:Choice xmlns:a14="http://schemas.microsoft.com/office/drawing/2010/main" Requires="a14">
+          <p:sp>
+            <p:nvSpPr>
+              <p:cNvPr id="4" name="TextBox 3">
+                <a:extLst>
+                  <a:ext uri="{FF2B5EF4-FFF2-40B4-BE49-F238E27FC236}">
+                    <a16:creationId xmlns:a16="http://schemas.microsoft.com/office/drawing/2014/main" id="{C7F8139E-AD5D-A64E-8FC0-C4EC9AE529EF}"/>
+                  </a:ext>
+                </a:extLst>
+              </p:cNvPr>
+              <p:cNvSpPr txBox="1"/>
+              <p:nvPr/>
+            </p:nvSpPr>
+            <p:spPr>
+              <a:xfrm>
+                <a:off x="457200" y="928300"/>
+                <a:ext cx="2055947" cy="276999"/>
+              </a:xfrm>
+              <a:prstGeom prst="rect">
+                <a:avLst/>
+              </a:prstGeom>
+              <a:noFill/>
+            </p:spPr>
+            <p:txBody>
+              <a:bodyPr wrap="none" lIns="0" tIns="0" rIns="0" bIns="0" rtlCol="0">
+                <a:spAutoFit/>
+              </a:bodyPr>
+              <a:lstStyle/>
+              <a:p>
+                <a:r>
+                  <a:rPr lang="en-US" b="0" dirty="0"/>
+                  <a:t>R1: </a:t>
+                </a:r>
+                <a14:m>
+                  <m:oMath xmlns:m="http://schemas.openxmlformats.org/officeDocument/2006/math">
+                    <m:r>
+                      <a:rPr lang="en-US" b="0" i="1" smtClean="0">
+                        <a:latin typeface="Cambria Math" panose="02040503050406030204" pitchFamily="18" charset="0"/>
+                      </a:rPr>
+                      <m:t>𝐴𝑇𝑃</m:t>
+                    </m:r>
+                    <m:r>
+                      <a:rPr lang="en-US" b="0" i="1" smtClean="0">
+                        <a:latin typeface="Cambria Math" panose="02040503050406030204" pitchFamily="18" charset="0"/>
+                      </a:rPr>
+                      <m:t>→</m:t>
+                    </m:r>
+                    <m:r>
+                      <a:rPr lang="en-US" b="0" i="1" smtClean="0">
+                        <a:latin typeface="Cambria Math" panose="02040503050406030204" pitchFamily="18" charset="0"/>
+                      </a:rPr>
+                      <m:t>𝐴𝐷𝑃</m:t>
+                    </m:r>
+                    <m:r>
+                      <a:rPr lang="en-US" b="0" i="1" smtClean="0">
+                        <a:latin typeface="Cambria Math" panose="02040503050406030204" pitchFamily="18" charset="0"/>
+                      </a:rPr>
+                      <m:t>+</m:t>
+                    </m:r>
+                    <m:r>
+                      <a:rPr lang="en-US" b="0" i="1" smtClean="0">
+                        <a:latin typeface="Cambria Math" panose="02040503050406030204" pitchFamily="18" charset="0"/>
+                      </a:rPr>
+                      <m:t>𝑃</m:t>
+                    </m:r>
+                  </m:oMath>
+                </a14:m>
+                <a:endParaRPr lang="en-US" dirty="0"/>
+              </a:p>
+            </p:txBody>
+          </p:sp>
+        </mc:Choice>
+        <mc:Fallback>
+          <p:sp>
+            <p:nvSpPr>
+              <p:cNvPr id="4" name="TextBox 3">
+                <a:extLst>
+                  <a:ext uri="{FF2B5EF4-FFF2-40B4-BE49-F238E27FC236}">
+                    <a16:creationId xmlns:a16="http://schemas.microsoft.com/office/drawing/2014/main" id="{C7F8139E-AD5D-A64E-8FC0-C4EC9AE529EF}"/>
+                  </a:ext>
+                </a:extLst>
+              </p:cNvPr>
+              <p:cNvSpPr txBox="1">
+                <a:spLocks noRot="1" noChangeAspect="1" noMove="1" noResize="1" noEditPoints="1" noAdjustHandles="1" noChangeArrowheads="1" noChangeShapeType="1" noTextEdit="1"/>
+              </p:cNvSpPr>
+              <p:nvPr/>
+            </p:nvSpPr>
+            <p:spPr>
+              <a:xfrm>
+                <a:off x="457200" y="928300"/>
+                <a:ext cx="2055947" cy="276999"/>
+              </a:xfrm>
+              <a:prstGeom prst="rect">
+                <a:avLst/>
+              </a:prstGeom>
+              <a:blipFill>
+                <a:blip r:embed="rId2"/>
+                <a:stretch>
+                  <a:fillRect l="-7407" t="-20833" r="-3086" b="-45833"/>
+                </a:stretch>
+              </a:blipFill>
+            </p:spPr>
+            <p:txBody>
+              <a:bodyPr/>
+              <a:lstStyle/>
+              <a:p>
+                <a:r>
+                  <a:rPr lang="en-US">
+                    <a:noFill/>
+                  </a:rPr>
+                  <a:t> </a:t>
+                </a:r>
+              </a:p>
+            </p:txBody>
+          </p:sp>
+        </mc:Fallback>
+      </mc:AlternateContent>
+      <mc:AlternateContent xmlns:mc="http://schemas.openxmlformats.org/markup-compatibility/2006">
+        <mc:Choice xmlns:a14="http://schemas.microsoft.com/office/drawing/2010/main" Requires="a14">
+          <p:sp>
+            <p:nvSpPr>
+              <p:cNvPr id="5" name="TextBox 4">
+                <a:extLst>
+                  <a:ext uri="{FF2B5EF4-FFF2-40B4-BE49-F238E27FC236}">
+                    <a16:creationId xmlns:a16="http://schemas.microsoft.com/office/drawing/2014/main" id="{EC0A1476-71FE-084E-B3E3-2F608DBF2C76}"/>
+                  </a:ext>
+                </a:extLst>
+              </p:cNvPr>
+              <p:cNvSpPr txBox="1"/>
+              <p:nvPr/>
+            </p:nvSpPr>
+            <p:spPr>
+              <a:xfrm>
+                <a:off x="457200" y="1254084"/>
+                <a:ext cx="1631922" cy="276999"/>
+              </a:xfrm>
+              <a:prstGeom prst="rect">
+                <a:avLst/>
+              </a:prstGeom>
+              <a:noFill/>
+            </p:spPr>
+            <p:txBody>
+              <a:bodyPr wrap="none" lIns="0" tIns="0" rIns="0" bIns="0" rtlCol="0">
+                <a:spAutoFit/>
+              </a:bodyPr>
+              <a:lstStyle/>
+              <a:p>
+                <a:r>
+                  <a:rPr lang="en-US" b="0" dirty="0"/>
+                  <a:t>R2: </a:t>
+                </a:r>
+                <a14:m>
+                  <m:oMath xmlns:m="http://schemas.openxmlformats.org/officeDocument/2006/math">
+                    <m:r>
+                      <a:rPr lang="en-US" b="0" i="1" smtClean="0">
+                        <a:latin typeface="Cambria Math" panose="02040503050406030204" pitchFamily="18" charset="0"/>
+                      </a:rPr>
+                      <m:t>𝐴𝐷𝑃</m:t>
+                    </m:r>
+                    <m:r>
+                      <a:rPr lang="en-US" b="0" i="1" smtClean="0">
+                        <a:latin typeface="Cambria Math" panose="02040503050406030204" pitchFamily="18" charset="0"/>
+                      </a:rPr>
+                      <m:t>→</m:t>
+                    </m:r>
+                    <m:r>
+                      <a:rPr lang="en-US" b="0" i="1" smtClean="0">
+                        <a:latin typeface="Cambria Math" panose="02040503050406030204" pitchFamily="18" charset="0"/>
+                      </a:rPr>
+                      <m:t>𝐴𝑇𝑃</m:t>
+                    </m:r>
+                  </m:oMath>
+                </a14:m>
+                <a:endParaRPr lang="en-US" dirty="0"/>
+              </a:p>
+            </p:txBody>
+          </p:sp>
+        </mc:Choice>
+        <mc:Fallback>
+          <p:sp>
+            <p:nvSpPr>
+              <p:cNvPr id="5" name="TextBox 4">
+                <a:extLst>
+                  <a:ext uri="{FF2B5EF4-FFF2-40B4-BE49-F238E27FC236}">
+                    <a16:creationId xmlns:a16="http://schemas.microsoft.com/office/drawing/2014/main" id="{EC0A1476-71FE-084E-B3E3-2F608DBF2C76}"/>
+                  </a:ext>
+                </a:extLst>
+              </p:cNvPr>
+              <p:cNvSpPr txBox="1">
+                <a:spLocks noRot="1" noChangeAspect="1" noMove="1" noResize="1" noEditPoints="1" noAdjustHandles="1" noChangeArrowheads="1" noChangeShapeType="1" noTextEdit="1"/>
+              </p:cNvSpPr>
+              <p:nvPr/>
+            </p:nvSpPr>
+            <p:spPr>
+              <a:xfrm>
+                <a:off x="457200" y="1254084"/>
+                <a:ext cx="1631922" cy="276999"/>
+              </a:xfrm>
+              <a:prstGeom prst="rect">
+                <a:avLst/>
+              </a:prstGeom>
+              <a:blipFill>
+                <a:blip r:embed="rId3"/>
+                <a:stretch>
+                  <a:fillRect l="-9302" t="-21739" r="-3101" b="-47826"/>
+                </a:stretch>
+              </a:blipFill>
+            </p:spPr>
+            <p:txBody>
+              <a:bodyPr/>
+              <a:lstStyle/>
+              <a:p>
+                <a:r>
+                  <a:rPr lang="en-US">
+                    <a:noFill/>
+                  </a:rPr>
+                  <a:t> </a:t>
+                </a:r>
+              </a:p>
+            </p:txBody>
+          </p:sp>
+        </mc:Fallback>
+      </mc:AlternateContent>
+      <p:sp>
+        <p:nvSpPr>
+          <p:cNvPr id="6" name="TextBox 5">
+            <a:extLst>
+              <a:ext uri="{FF2B5EF4-FFF2-40B4-BE49-F238E27FC236}">
+                <a16:creationId xmlns:a16="http://schemas.microsoft.com/office/drawing/2014/main" id="{D427A6C3-6CEF-0C48-8352-E77C76F64141}"/>
+              </a:ext>
+            </a:extLst>
+          </p:cNvPr>
+          <p:cNvSpPr txBox="1"/>
+          <p:nvPr/>
+        </p:nvSpPr>
+        <p:spPr>
+          <a:xfrm>
+            <a:off x="559837" y="2090057"/>
+            <a:ext cx="4878259" cy="369332"/>
+          </a:xfrm>
+          <a:prstGeom prst="rect">
+            <a:avLst/>
+          </a:prstGeom>
+          <a:noFill/>
+        </p:spPr>
+        <p:txBody>
+          <a:bodyPr wrap="none" rtlCol="0">
+            <a:spAutoFit/>
+          </a:bodyPr>
+          <a:lstStyle/>
+          <a:p>
+            <a:r>
+              <a:rPr lang="en-US" dirty="0"/>
+              <a:t>1. Construct transpose of stoichiometry matrix</a:t>
+            </a:r>
+          </a:p>
+        </p:txBody>
+      </p:sp>
+      <mc:AlternateContent xmlns:mc="http://schemas.openxmlformats.org/markup-compatibility/2006">
+        <mc:Choice xmlns:a14="http://schemas.microsoft.com/office/drawing/2010/main" Requires="a14">
+          <p:sp>
+            <p:nvSpPr>
+              <p:cNvPr id="7" name="TextBox 6">
+                <a:extLst>
+                  <a:ext uri="{FF2B5EF4-FFF2-40B4-BE49-F238E27FC236}">
+                    <a16:creationId xmlns:a16="http://schemas.microsoft.com/office/drawing/2014/main" id="{92206DAC-2873-3D46-907E-403B718174BC}"/>
+                  </a:ext>
+                </a:extLst>
+              </p:cNvPr>
+              <p:cNvSpPr txBox="1"/>
+              <p:nvPr/>
+            </p:nvSpPr>
+            <p:spPr>
+              <a:xfrm>
+                <a:off x="802433" y="2741364"/>
+                <a:ext cx="3307893" cy="725648"/>
+              </a:xfrm>
+              <a:prstGeom prst="rect">
+                <a:avLst/>
+              </a:prstGeom>
+              <a:noFill/>
+            </p:spPr>
+            <p:txBody>
+              <a:bodyPr wrap="none" lIns="0" tIns="0" rIns="0" bIns="0" rtlCol="0">
+                <a:spAutoFit/>
+              </a:bodyPr>
+              <a:lstStyle/>
+              <a:p>
+                <a14:m>
+                  <m:oMathPara xmlns:m="http://schemas.openxmlformats.org/officeDocument/2006/math">
+                    <m:oMathParaPr>
+                      <m:jc m:val="centerGroup"/>
+                    </m:oMathParaPr>
+                    <m:oMath xmlns:m="http://schemas.openxmlformats.org/officeDocument/2006/math">
+                      <m:d>
+                        <m:dPr>
+                          <m:ctrlPr>
+                            <a:rPr lang="en-US" sz="2800" i="1" smtClean="0">
+                              <a:latin typeface="Cambria Math" panose="02040503050406030204" pitchFamily="18" charset="0"/>
+                            </a:rPr>
+                          </m:ctrlPr>
+                        </m:dPr>
+                        <m:e>
+                          <m:m>
+                            <m:mPr>
+                              <m:mcs>
+                                <m:mc>
+                                  <m:mcPr>
+                                    <m:count m:val="3"/>
+                                    <m:mcJc m:val="center"/>
+                                  </m:mcPr>
+                                </m:mc>
+                              </m:mcs>
+                              <m:ctrlPr>
+                                <a:rPr lang="en-US" sz="2800" i="1" smtClean="0">
+                                  <a:latin typeface="Cambria Math" panose="02040503050406030204" pitchFamily="18" charset="0"/>
+                                </a:rPr>
+                              </m:ctrlPr>
+                            </m:mPr>
+                            <m:mr>
+                              <m:e>
+                                <m:r>
+                                  <m:rPr>
+                                    <m:brk m:alnAt="7"/>
+                                  </m:rPr>
+                                  <a:rPr lang="en-US" sz="2800" b="0" i="1" smtClean="0">
+                                    <a:latin typeface="Cambria Math" panose="02040503050406030204" pitchFamily="18" charset="0"/>
+                                  </a:rPr>
+                                  <m:t>−1</m:t>
+                                </m:r>
+                              </m:e>
+                              <m:e>
+                                <m:r>
+                                  <a:rPr lang="en-US" sz="2800" b="0" i="1" smtClean="0">
+                                    <a:latin typeface="Cambria Math" panose="02040503050406030204" pitchFamily="18" charset="0"/>
+                                  </a:rPr>
+                                  <m:t>+1</m:t>
+                                </m:r>
+                              </m:e>
+                              <m:e>
+                                <m:r>
+                                  <a:rPr lang="en-US" sz="2800" b="0" i="1" smtClean="0">
+                                    <a:latin typeface="Cambria Math" panose="02040503050406030204" pitchFamily="18" charset="0"/>
+                                  </a:rPr>
+                                  <m:t>+1</m:t>
+                                </m:r>
+                              </m:e>
+                            </m:mr>
+                            <m:mr>
+                              <m:e>
+                                <m:r>
+                                  <a:rPr lang="en-US" sz="2800" b="0" i="1" smtClean="0">
+                                    <a:latin typeface="Cambria Math" panose="02040503050406030204" pitchFamily="18" charset="0"/>
+                                  </a:rPr>
+                                  <m:t>+1</m:t>
+                                </m:r>
+                              </m:e>
+                              <m:e>
+                                <m:r>
+                                  <a:rPr lang="en-US" sz="2800" b="0" i="1" smtClean="0">
+                                    <a:latin typeface="Cambria Math" panose="02040503050406030204" pitchFamily="18" charset="0"/>
+                                  </a:rPr>
+                                  <m:t>−1</m:t>
+                                </m:r>
+                              </m:e>
+                              <m:e>
+                                <m:r>
+                                  <a:rPr lang="en-US" sz="2800" b="0" i="1" smtClean="0">
+                                    <a:latin typeface="Cambria Math" panose="02040503050406030204" pitchFamily="18" charset="0"/>
+                                  </a:rPr>
+                                  <m:t>0</m:t>
+                                </m:r>
+                              </m:e>
+                            </m:mr>
+                          </m:m>
+                        </m:e>
+                      </m:d>
+                      <m:r>
+                        <a:rPr lang="en-US" sz="2800" b="0" i="1" smtClean="0">
+                          <a:latin typeface="Cambria Math" panose="02040503050406030204" pitchFamily="18" charset="0"/>
+                        </a:rPr>
+                        <m:t>=</m:t>
+                      </m:r>
+                      <m:r>
+                        <a:rPr lang="en-US" sz="2800" b="0" i="1" smtClean="0">
+                          <a:latin typeface="Cambria Math" panose="02040503050406030204" pitchFamily="18" charset="0"/>
+                        </a:rPr>
+                        <m:t>𝑁</m:t>
+                      </m:r>
+                    </m:oMath>
+                  </m:oMathPara>
+                </a14:m>
+                <a:endParaRPr lang="en-US" sz="2800" dirty="0"/>
+              </a:p>
+            </p:txBody>
+          </p:sp>
+        </mc:Choice>
+        <mc:Fallback>
+          <p:sp>
+            <p:nvSpPr>
+              <p:cNvPr id="7" name="TextBox 6">
+                <a:extLst>
+                  <a:ext uri="{FF2B5EF4-FFF2-40B4-BE49-F238E27FC236}">
+                    <a16:creationId xmlns:a16="http://schemas.microsoft.com/office/drawing/2014/main" id="{92206DAC-2873-3D46-907E-403B718174BC}"/>
+                  </a:ext>
+                </a:extLst>
+              </p:cNvPr>
+              <p:cNvSpPr txBox="1">
+                <a:spLocks noRot="1" noChangeAspect="1" noMove="1" noResize="1" noEditPoints="1" noAdjustHandles="1" noChangeArrowheads="1" noChangeShapeType="1" noTextEdit="1"/>
+              </p:cNvSpPr>
+              <p:nvPr/>
+            </p:nvSpPr>
+            <p:spPr>
+              <a:xfrm>
+                <a:off x="802433" y="2741364"/>
+                <a:ext cx="3307893" cy="725648"/>
+              </a:xfrm>
+              <a:prstGeom prst="rect">
+                <a:avLst/>
+              </a:prstGeom>
+              <a:blipFill>
+                <a:blip r:embed="rId4"/>
+                <a:stretch>
+                  <a:fillRect t="-3448" r="-1533" b="-13793"/>
+                </a:stretch>
+              </a:blipFill>
+            </p:spPr>
+            <p:txBody>
+              <a:bodyPr/>
+              <a:lstStyle/>
+              <a:p>
+                <a:r>
+                  <a:rPr lang="en-US">
+                    <a:noFill/>
+                  </a:rPr>
+                  <a:t> </a:t>
+                </a:r>
+              </a:p>
+            </p:txBody>
+          </p:sp>
+        </mc:Fallback>
+      </mc:AlternateContent>
+      <p:sp>
+        <p:nvSpPr>
+          <p:cNvPr id="8" name="TextBox 7">
+            <a:extLst>
+              <a:ext uri="{FF2B5EF4-FFF2-40B4-BE49-F238E27FC236}">
+                <a16:creationId xmlns:a16="http://schemas.microsoft.com/office/drawing/2014/main" id="{88D331ED-B623-2D4F-AD26-771C94244F64}"/>
+              </a:ext>
+            </a:extLst>
+          </p:cNvPr>
+          <p:cNvSpPr txBox="1"/>
+          <p:nvPr/>
+        </p:nvSpPr>
+        <p:spPr>
+          <a:xfrm>
+            <a:off x="322815" y="2741364"/>
+            <a:ext cx="479618" cy="369332"/>
+          </a:xfrm>
+          <a:prstGeom prst="rect">
+            <a:avLst/>
+          </a:prstGeom>
+          <a:noFill/>
+        </p:spPr>
+        <p:txBody>
+          <a:bodyPr wrap="square" rtlCol="0">
+            <a:spAutoFit/>
+          </a:bodyPr>
+          <a:lstStyle/>
+          <a:p>
+            <a:r>
+              <a:rPr lang="en-US" dirty="0"/>
+              <a:t>R1</a:t>
+            </a:r>
+          </a:p>
+        </p:txBody>
+      </p:sp>
+      <p:sp>
+        <p:nvSpPr>
+          <p:cNvPr id="9" name="TextBox 8">
+            <a:extLst>
+              <a:ext uri="{FF2B5EF4-FFF2-40B4-BE49-F238E27FC236}">
+                <a16:creationId xmlns:a16="http://schemas.microsoft.com/office/drawing/2014/main" id="{2BDA0FFD-ECE6-C140-A207-FD7F8660150E}"/>
+              </a:ext>
+            </a:extLst>
+          </p:cNvPr>
+          <p:cNvSpPr txBox="1"/>
+          <p:nvPr/>
+        </p:nvSpPr>
+        <p:spPr>
+          <a:xfrm>
+            <a:off x="325923" y="3145693"/>
+            <a:ext cx="479618" cy="369332"/>
+          </a:xfrm>
+          <a:prstGeom prst="rect">
+            <a:avLst/>
+          </a:prstGeom>
+          <a:noFill/>
+        </p:spPr>
+        <p:txBody>
+          <a:bodyPr wrap="square" rtlCol="0">
+            <a:spAutoFit/>
+          </a:bodyPr>
+          <a:lstStyle/>
+          <a:p>
+            <a:r>
+              <a:rPr lang="en-US" dirty="0"/>
+              <a:t>R2</a:t>
+            </a:r>
+          </a:p>
+        </p:txBody>
+      </p:sp>
+      <p:sp>
+        <p:nvSpPr>
+          <p:cNvPr id="10" name="TextBox 9">
+            <a:extLst>
+              <a:ext uri="{FF2B5EF4-FFF2-40B4-BE49-F238E27FC236}">
+                <a16:creationId xmlns:a16="http://schemas.microsoft.com/office/drawing/2014/main" id="{C3172860-8A9D-A440-B486-1B32605B2742}"/>
+              </a:ext>
+            </a:extLst>
+          </p:cNvPr>
+          <p:cNvSpPr txBox="1"/>
+          <p:nvPr/>
+        </p:nvSpPr>
+        <p:spPr>
+          <a:xfrm>
+            <a:off x="1063045" y="2417897"/>
+            <a:ext cx="737763" cy="369332"/>
+          </a:xfrm>
+          <a:prstGeom prst="rect">
+            <a:avLst/>
+          </a:prstGeom>
+          <a:noFill/>
+        </p:spPr>
+        <p:txBody>
+          <a:bodyPr wrap="square" rtlCol="0">
+            <a:spAutoFit/>
+          </a:bodyPr>
+          <a:lstStyle/>
+          <a:p>
+            <a:r>
+              <a:rPr lang="en-US" dirty="0"/>
+              <a:t>ATP</a:t>
+            </a:r>
+          </a:p>
+        </p:txBody>
+      </p:sp>
+      <p:sp>
+        <p:nvSpPr>
+          <p:cNvPr id="11" name="TextBox 10">
+            <a:extLst>
+              <a:ext uri="{FF2B5EF4-FFF2-40B4-BE49-F238E27FC236}">
+                <a16:creationId xmlns:a16="http://schemas.microsoft.com/office/drawing/2014/main" id="{17390845-3827-D44B-9980-0D42143628CB}"/>
+              </a:ext>
+            </a:extLst>
+          </p:cNvPr>
+          <p:cNvSpPr txBox="1"/>
+          <p:nvPr/>
+        </p:nvSpPr>
+        <p:spPr>
+          <a:xfrm>
+            <a:off x="1821936" y="2430336"/>
+            <a:ext cx="737763" cy="369332"/>
+          </a:xfrm>
+          <a:prstGeom prst="rect">
+            <a:avLst/>
+          </a:prstGeom>
+          <a:noFill/>
+        </p:spPr>
+        <p:txBody>
+          <a:bodyPr wrap="square" rtlCol="0">
+            <a:spAutoFit/>
+          </a:bodyPr>
+          <a:lstStyle/>
+          <a:p>
+            <a:r>
+              <a:rPr lang="en-US" dirty="0"/>
+              <a:t>ADP</a:t>
+            </a:r>
+          </a:p>
+        </p:txBody>
+      </p:sp>
+      <p:sp>
+        <p:nvSpPr>
+          <p:cNvPr id="12" name="TextBox 11">
+            <a:extLst>
+              <a:ext uri="{FF2B5EF4-FFF2-40B4-BE49-F238E27FC236}">
+                <a16:creationId xmlns:a16="http://schemas.microsoft.com/office/drawing/2014/main" id="{956ADE2A-F096-E049-AD8D-038406979EDB}"/>
+              </a:ext>
+            </a:extLst>
+          </p:cNvPr>
+          <p:cNvSpPr txBox="1"/>
+          <p:nvPr/>
+        </p:nvSpPr>
+        <p:spPr>
+          <a:xfrm>
+            <a:off x="2702126" y="2424113"/>
+            <a:ext cx="737763" cy="369332"/>
+          </a:xfrm>
+          <a:prstGeom prst="rect">
+            <a:avLst/>
+          </a:prstGeom>
+          <a:noFill/>
+        </p:spPr>
+        <p:txBody>
+          <a:bodyPr wrap="square" rtlCol="0">
+            <a:spAutoFit/>
+          </a:bodyPr>
+          <a:lstStyle/>
+          <a:p>
+            <a:r>
+              <a:rPr lang="en-US" dirty="0"/>
+              <a:t>P</a:t>
+            </a:r>
+          </a:p>
+        </p:txBody>
+      </p:sp>
+      <mc:AlternateContent xmlns:mc="http://schemas.openxmlformats.org/markup-compatibility/2006">
+        <mc:Choice xmlns:a14="http://schemas.microsoft.com/office/drawing/2010/main" Requires="a14">
+          <p:sp>
+            <p:nvSpPr>
+              <p:cNvPr id="14" name="TextBox 13">
+                <a:extLst>
+                  <a:ext uri="{FF2B5EF4-FFF2-40B4-BE49-F238E27FC236}">
+                    <a16:creationId xmlns:a16="http://schemas.microsoft.com/office/drawing/2014/main" id="{9ED2D593-BE7D-814B-8D6C-25A6DFC105C3}"/>
+                  </a:ext>
+                </a:extLst>
+              </p:cNvPr>
+              <p:cNvSpPr txBox="1"/>
+              <p:nvPr/>
+            </p:nvSpPr>
+            <p:spPr>
+              <a:xfrm>
+                <a:off x="544289" y="3921967"/>
+                <a:ext cx="8229600" cy="646331"/>
+              </a:xfrm>
+              <a:prstGeom prst="rect">
+                <a:avLst/>
+              </a:prstGeom>
+              <a:noFill/>
+            </p:spPr>
+            <p:txBody>
+              <a:bodyPr wrap="square" rtlCol="0">
+                <a:spAutoFit/>
+              </a:bodyPr>
+              <a:lstStyle/>
+              <a:p>
+                <a:r>
+                  <a:rPr lang="en-US" dirty="0"/>
+                  <a:t>2. Determine if there is a vector of </a:t>
+                </a:r>
+                <a14:m>
+                  <m:oMath xmlns:m="http://schemas.openxmlformats.org/officeDocument/2006/math">
+                    <m:r>
+                      <a:rPr lang="en-US" b="0" i="1" smtClean="0">
+                        <a:latin typeface="Cambria Math" panose="02040503050406030204" pitchFamily="18" charset="0"/>
+                      </a:rPr>
+                      <m:t>𝑚</m:t>
+                    </m:r>
+                    <m:r>
+                      <a:rPr lang="en-US" b="0" i="1" smtClean="0">
+                        <a:latin typeface="Cambria Math" panose="02040503050406030204" pitchFamily="18" charset="0"/>
+                      </a:rPr>
+                      <m:t>=(</m:t>
+                    </m:r>
+                    <m:sSub>
+                      <m:sSubPr>
+                        <m:ctrlPr>
+                          <a:rPr lang="en-US" b="0" i="1" smtClean="0">
+                            <a:latin typeface="Cambria Math" panose="02040503050406030204" pitchFamily="18" charset="0"/>
+                          </a:rPr>
+                        </m:ctrlPr>
+                      </m:sSubPr>
+                      <m:e>
+                        <m:r>
+                          <a:rPr lang="en-US" b="0" i="1" smtClean="0">
+                            <a:latin typeface="Cambria Math" panose="02040503050406030204" pitchFamily="18" charset="0"/>
+                          </a:rPr>
+                          <m:t>𝑚</m:t>
+                        </m:r>
+                      </m:e>
+                      <m:sub>
+                        <m:r>
+                          <a:rPr lang="en-US" b="0" i="1" smtClean="0">
+                            <a:latin typeface="Cambria Math" panose="02040503050406030204" pitchFamily="18" charset="0"/>
+                          </a:rPr>
+                          <m:t>1</m:t>
+                        </m:r>
+                      </m:sub>
+                    </m:sSub>
+                    <m:r>
+                      <a:rPr lang="en-US" b="0" i="1" smtClean="0">
+                        <a:latin typeface="Cambria Math" panose="02040503050406030204" pitchFamily="18" charset="0"/>
+                      </a:rPr>
+                      <m:t>,⋯</m:t>
+                    </m:r>
+                    <m:sSub>
+                      <m:sSubPr>
+                        <m:ctrlPr>
+                          <a:rPr lang="en-US" b="0" i="1" smtClean="0">
+                            <a:latin typeface="Cambria Math" panose="02040503050406030204" pitchFamily="18" charset="0"/>
+                          </a:rPr>
+                        </m:ctrlPr>
+                      </m:sSubPr>
+                      <m:e>
+                        <m:r>
+                          <a:rPr lang="en-US" b="0" i="1" smtClean="0">
+                            <a:latin typeface="Cambria Math" panose="02040503050406030204" pitchFamily="18" charset="0"/>
+                          </a:rPr>
+                          <m:t>𝑚</m:t>
+                        </m:r>
+                      </m:e>
+                      <m:sub>
+                        <m:r>
+                          <a:rPr lang="en-US" b="0" i="1" smtClean="0">
+                            <a:latin typeface="Cambria Math" panose="02040503050406030204" pitchFamily="18" charset="0"/>
+                          </a:rPr>
+                          <m:t>𝑘</m:t>
+                        </m:r>
+                      </m:sub>
+                    </m:sSub>
+                    <m:r>
+                      <a:rPr lang="en-US" b="0" i="1" smtClean="0">
+                        <a:latin typeface="Cambria Math" panose="02040503050406030204" pitchFamily="18" charset="0"/>
+                      </a:rPr>
+                      <m:t>)</m:t>
+                    </m:r>
+                  </m:oMath>
+                </a14:m>
+                <a:r>
+                  <a:rPr lang="en-US" dirty="0"/>
+                  <a:t> of mass assignments for the </a:t>
+                </a:r>
+                <a:r>
+                  <a:rPr lang="en-US" i="1" dirty="0"/>
+                  <a:t>k</a:t>
+                </a:r>
+                <a:r>
+                  <a:rPr lang="en-US" dirty="0"/>
+                  <a:t> chemical species such that </a:t>
+                </a:r>
+                <a14:m>
+                  <m:oMath xmlns:m="http://schemas.openxmlformats.org/officeDocument/2006/math">
+                    <m:r>
+                      <a:rPr lang="en-US" b="0" i="1" smtClean="0">
+                        <a:latin typeface="Cambria Math" panose="02040503050406030204" pitchFamily="18" charset="0"/>
+                      </a:rPr>
+                      <m:t>𝑁𝑚</m:t>
+                    </m:r>
+                    <m:r>
+                      <a:rPr lang="en-US" b="0" i="1" smtClean="0">
+                        <a:latin typeface="Cambria Math" panose="02040503050406030204" pitchFamily="18" charset="0"/>
+                      </a:rPr>
+                      <m:t>=0</m:t>
+                    </m:r>
+                  </m:oMath>
+                </a14:m>
+                <a:r>
+                  <a:rPr lang="en-US" dirty="0"/>
+                  <a:t>, where </a:t>
+                </a:r>
+                <a14:m>
+                  <m:oMath xmlns:m="http://schemas.openxmlformats.org/officeDocument/2006/math">
+                    <m:sSub>
+                      <m:sSubPr>
+                        <m:ctrlPr>
+                          <a:rPr lang="en-US" b="0" i="1" smtClean="0">
+                            <a:latin typeface="Cambria Math" panose="02040503050406030204" pitchFamily="18" charset="0"/>
+                          </a:rPr>
+                        </m:ctrlPr>
+                      </m:sSubPr>
+                      <m:e>
+                        <m:r>
+                          <a:rPr lang="en-US" b="0" i="1" smtClean="0">
+                            <a:latin typeface="Cambria Math" panose="02040503050406030204" pitchFamily="18" charset="0"/>
+                          </a:rPr>
+                          <m:t>𝑚</m:t>
+                        </m:r>
+                      </m:e>
+                      <m:sub>
+                        <m:r>
+                          <a:rPr lang="en-US" b="0" i="1" smtClean="0">
+                            <a:latin typeface="Cambria Math" panose="02040503050406030204" pitchFamily="18" charset="0"/>
+                          </a:rPr>
+                          <m:t>𝑖</m:t>
+                        </m:r>
+                      </m:sub>
+                    </m:sSub>
+                    <m:r>
+                      <a:rPr lang="en-US" b="0" i="1" smtClean="0">
+                        <a:latin typeface="Cambria Math" panose="02040503050406030204" pitchFamily="18" charset="0"/>
+                      </a:rPr>
+                      <m:t>&gt;0</m:t>
+                    </m:r>
+                  </m:oMath>
+                </a14:m>
+                <a:r>
+                  <a:rPr lang="en-US" dirty="0"/>
+                  <a:t>.</a:t>
+                </a:r>
+              </a:p>
+            </p:txBody>
+          </p:sp>
+        </mc:Choice>
+        <mc:Fallback>
+          <p:sp>
+            <p:nvSpPr>
+              <p:cNvPr id="14" name="TextBox 13">
+                <a:extLst>
+                  <a:ext uri="{FF2B5EF4-FFF2-40B4-BE49-F238E27FC236}">
+                    <a16:creationId xmlns:a16="http://schemas.microsoft.com/office/drawing/2014/main" id="{9ED2D593-BE7D-814B-8D6C-25A6DFC105C3}"/>
+                  </a:ext>
+                </a:extLst>
+              </p:cNvPr>
+              <p:cNvSpPr txBox="1">
+                <a:spLocks noRot="1" noChangeAspect="1" noMove="1" noResize="1" noEditPoints="1" noAdjustHandles="1" noChangeArrowheads="1" noChangeShapeType="1" noTextEdit="1"/>
+              </p:cNvSpPr>
+              <p:nvPr/>
+            </p:nvSpPr>
+            <p:spPr>
+              <a:xfrm>
+                <a:off x="544289" y="3921967"/>
+                <a:ext cx="8229600" cy="646331"/>
+              </a:xfrm>
+              <a:prstGeom prst="rect">
+                <a:avLst/>
+              </a:prstGeom>
+              <a:blipFill>
+                <a:blip r:embed="rId5"/>
+                <a:stretch>
+                  <a:fillRect l="-616" t="-3846" r="-1079" b="-13462"/>
+                </a:stretch>
+              </a:blipFill>
+            </p:spPr>
+            <p:txBody>
+              <a:bodyPr/>
+              <a:lstStyle/>
+              <a:p>
+                <a:r>
+                  <a:rPr lang="en-US">
+                    <a:noFill/>
+                  </a:rPr>
+                  <a:t> </a:t>
+                </a:r>
+              </a:p>
+            </p:txBody>
+          </p:sp>
+        </mc:Fallback>
+      </mc:AlternateContent>
+    </p:spTree>
+    <p:extLst>
+      <p:ext uri="{BB962C8B-B14F-4D97-AF65-F5344CB8AC3E}">
+        <p14:creationId xmlns:p14="http://schemas.microsoft.com/office/powerpoint/2010/main" val="659805266"/>
+      </p:ext>
+    </p:extLst>
+  </p:cSld>
+  <p:clrMapOvr>
+    <a:masterClrMapping/>
+  </p:clrMapOvr>
+</p:sld>
+</file>
+
+<file path=ppt/slides/slide15.xml><?xml version="1.0" encoding="utf-8"?>
+<p:sld xmlns:a="http://schemas.openxmlformats.org/drawingml/2006/main" xmlns:r="http://schemas.openxmlformats.org/officeDocument/2006/relationships" xmlns:p="http://schemas.openxmlformats.org/presentationml/2006/main">
+  <p:cSld>
+    <p:spTree>
+      <p:nvGrpSpPr>
+        <p:cNvPr id="1" name=""/>
+        <p:cNvGrpSpPr/>
+        <p:nvPr/>
+      </p:nvGrpSpPr>
+      <p:grpSpPr>
+        <a:xfrm>
+          <a:off x="0" y="0"/>
+          <a:ext cx="0" cy="0"/>
+          <a:chOff x="0" y="0"/>
+          <a:chExt cx="0" cy="0"/>
+        </a:xfrm>
+      </p:grpSpPr>
+      <p:sp>
+        <p:nvSpPr>
+          <p:cNvPr id="2" name="Title 1">
+            <a:extLst>
+              <a:ext uri="{FF2B5EF4-FFF2-40B4-BE49-F238E27FC236}">
+                <a16:creationId xmlns:a16="http://schemas.microsoft.com/office/drawing/2014/main" id="{1E333B9E-3557-0243-B946-B5577AA1B3D5}"/>
+              </a:ext>
+            </a:extLst>
+          </p:cNvPr>
+          <p:cNvSpPr>
+            <a:spLocks noGrp="1"/>
+          </p:cNvSpPr>
+          <p:nvPr>
+            <p:ph type="title"/>
+          </p:nvPr>
+        </p:nvSpPr>
+        <p:spPr/>
+        <p:txBody>
+          <a:bodyPr/>
+          <a:lstStyle/>
+          <a:p>
+            <a:r>
+              <a:rPr lang="en-US" dirty="0"/>
+              <a:t>BACKUP</a:t>
+            </a:r>
+          </a:p>
+        </p:txBody>
+      </p:sp>
+      <p:sp>
+        <p:nvSpPr>
+          <p:cNvPr id="3" name="Slide Number Placeholder 2">
+            <a:extLst>
+              <a:ext uri="{FF2B5EF4-FFF2-40B4-BE49-F238E27FC236}">
+                <a16:creationId xmlns:a16="http://schemas.microsoft.com/office/drawing/2014/main" id="{5403046D-F06B-6140-B7B3-D5190DD458CB}"/>
+              </a:ext>
+            </a:extLst>
+          </p:cNvPr>
+          <p:cNvSpPr>
+            <a:spLocks noGrp="1"/>
+          </p:cNvSpPr>
+          <p:nvPr>
+            <p:ph type="sldNum" sz="quarter" idx="11"/>
+          </p:nvPr>
+        </p:nvSpPr>
+        <p:spPr/>
+        <p:txBody>
+          <a:bodyPr/>
+          <a:lstStyle/>
+          <a:p>
+            <a:pPr>
+              <a:defRPr/>
+            </a:pPr>
+            <a:fld id="{2E4304A7-0FB2-4094-BC1E-DB17183AD0C1}" type="slidenum">
+              <a:rPr lang="en-US" altLang="x-none" smtClean="0"/>
+              <a:pPr>
+                <a:defRPr/>
+              </a:pPr>
+              <a:t>15</a:t>
+            </a:fld>
+            <a:endParaRPr lang="en-US" altLang="x-none"/>
+          </a:p>
+        </p:txBody>
+      </p:sp>
+    </p:spTree>
+    <p:extLst>
+      <p:ext uri="{BB962C8B-B14F-4D97-AF65-F5344CB8AC3E}">
+        <p14:creationId xmlns:p14="http://schemas.microsoft.com/office/powerpoint/2010/main" val="2346420652"/>
+      </p:ext>
+    </p:extLst>
+  </p:cSld>
+  <p:clrMapOvr>
+    <a:masterClrMapping/>
+  </p:clrMapOvr>
+</p:sld>
+</file>
+
+<file path=ppt/slides/slide16.xml><?xml version="1.0" encoding="utf-8"?>
+<p:sld xmlns:a="http://schemas.openxmlformats.org/drawingml/2006/main" xmlns:r="http://schemas.openxmlformats.org/officeDocument/2006/relationships" xmlns:p="http://schemas.openxmlformats.org/presentationml/2006/main">
+  <p:cSld>
+    <p:spTree>
+      <p:nvGrpSpPr>
+        <p:cNvPr id="1" name=""/>
+        <p:cNvGrpSpPr/>
+        <p:nvPr/>
+      </p:nvGrpSpPr>
+      <p:grpSpPr>
+        <a:xfrm>
+          <a:off x="0" y="0"/>
+          <a:ext cx="0" cy="0"/>
+          <a:chOff x="0" y="0"/>
+          <a:chExt cx="0" cy="0"/>
+        </a:xfrm>
+      </p:grpSpPr>
+      <p:sp>
+        <p:nvSpPr>
+          <p:cNvPr id="2" name="Title 1">
+            <a:extLst>
+              <a:ext uri="{FF2B5EF4-FFF2-40B4-BE49-F238E27FC236}">
+                <a16:creationId xmlns:a16="http://schemas.microsoft.com/office/drawing/2014/main" id="{1AA164E0-350E-1E40-8A29-489DBF8C9935}"/>
+              </a:ext>
+            </a:extLst>
+          </p:cNvPr>
+          <p:cNvSpPr>
+            <a:spLocks noGrp="1"/>
+          </p:cNvSpPr>
+          <p:nvPr>
+            <p:ph type="title"/>
+          </p:nvPr>
+        </p:nvSpPr>
+        <p:spPr/>
+        <p:txBody>
+          <a:bodyPr/>
+          <a:lstStyle/>
+          <a:p>
+            <a:endParaRPr lang="en-US"/>
+          </a:p>
+        </p:txBody>
+      </p:sp>
+      <p:sp>
+        <p:nvSpPr>
+          <p:cNvPr id="3" name="Slide Number Placeholder 2">
+            <a:extLst>
+              <a:ext uri="{FF2B5EF4-FFF2-40B4-BE49-F238E27FC236}">
+                <a16:creationId xmlns:a16="http://schemas.microsoft.com/office/drawing/2014/main" id="{9167EB51-717A-B944-B2A4-06F5784A3A36}"/>
+              </a:ext>
+            </a:extLst>
+          </p:cNvPr>
+          <p:cNvSpPr>
+            <a:spLocks noGrp="1"/>
+          </p:cNvSpPr>
+          <p:nvPr>
+            <p:ph type="sldNum" sz="quarter" idx="11"/>
+          </p:nvPr>
+        </p:nvSpPr>
+        <p:spPr/>
+        <p:txBody>
+          <a:bodyPr/>
+          <a:lstStyle/>
+          <a:p>
+            <a:pPr>
+              <a:defRPr/>
+            </a:pPr>
+            <a:fld id="{2E4304A7-0FB2-4094-BC1E-DB17183AD0C1}" type="slidenum">
+              <a:rPr lang="en-US" altLang="x-none" smtClean="0"/>
+              <a:pPr>
+                <a:defRPr/>
+              </a:pPr>
+              <a:t>16</a:t>
+            </a:fld>
+            <a:endParaRPr lang="en-US" altLang="x-none"/>
+          </a:p>
+        </p:txBody>
+      </p:sp>
+      <p:pic>
+        <p:nvPicPr>
+          <p:cNvPr id="5" name="Picture 4" descr="A picture containing text&#10;&#10;Description automatically generated">
+            <a:extLst>
+              <a:ext uri="{FF2B5EF4-FFF2-40B4-BE49-F238E27FC236}">
+                <a16:creationId xmlns:a16="http://schemas.microsoft.com/office/drawing/2014/main" id="{2A854A49-11C5-1947-B6C1-0FEA8FE820B4}"/>
+              </a:ext>
+            </a:extLst>
+          </p:cNvPr>
+          <p:cNvPicPr>
+            <a:picLocks noChangeAspect="1"/>
+          </p:cNvPicPr>
+          <p:nvPr/>
+        </p:nvPicPr>
+        <p:blipFill>
+          <a:blip r:embed="rId2"/>
+          <a:stretch>
+            <a:fillRect/>
+          </a:stretch>
+        </p:blipFill>
+        <p:spPr>
+          <a:xfrm>
+            <a:off x="878586" y="1147803"/>
+            <a:ext cx="4412742" cy="2947317"/>
+          </a:xfrm>
+          <a:prstGeom prst="rect">
+            <a:avLst/>
+          </a:prstGeom>
+        </p:spPr>
+      </p:pic>
+      <p:pic>
+        <p:nvPicPr>
+          <p:cNvPr id="8" name="Picture 7" descr="A picture containing text, indoor, screenshot&#10;&#10;Description automatically generated">
+            <a:extLst>
+              <a:ext uri="{FF2B5EF4-FFF2-40B4-BE49-F238E27FC236}">
+                <a16:creationId xmlns:a16="http://schemas.microsoft.com/office/drawing/2014/main" id="{8DF076A3-9E9D-D343-A1B2-08B717D1FD00}"/>
+              </a:ext>
+            </a:extLst>
+          </p:cNvPr>
+          <p:cNvPicPr>
+            <a:picLocks noChangeAspect="1"/>
+          </p:cNvPicPr>
+          <p:nvPr/>
+        </p:nvPicPr>
+        <p:blipFill>
+          <a:blip r:embed="rId3"/>
+          <a:stretch>
+            <a:fillRect/>
+          </a:stretch>
+        </p:blipFill>
+        <p:spPr>
+          <a:xfrm>
+            <a:off x="878586" y="4157662"/>
+            <a:ext cx="7581900" cy="2349500"/>
+          </a:xfrm>
+          <a:prstGeom prst="rect">
+            <a:avLst/>
+          </a:prstGeom>
+        </p:spPr>
+      </p:pic>
+    </p:spTree>
+    <p:extLst>
+      <p:ext uri="{BB962C8B-B14F-4D97-AF65-F5344CB8AC3E}">
+        <p14:creationId xmlns:p14="http://schemas.microsoft.com/office/powerpoint/2010/main" val="4024073485"/>
+      </p:ext>
+    </p:extLst>
+  </p:cSld>
+  <p:clrMapOvr>
+    <a:masterClrMapping/>
+  </p:clrMapOvr>
+</p:sld>
+</file>
+
 <file path=ppt/slides/slide2.xml><?xml version="1.0" encoding="utf-8"?>
 <p:sld xmlns:a="http://schemas.openxmlformats.org/drawingml/2006/main" xmlns:r="http://schemas.openxmlformats.org/officeDocument/2006/relationships" xmlns:p="http://schemas.openxmlformats.org/presentationml/2006/main">
   <p:cSld>
@@ -5258,57 +8093,86 @@
           <a:lstStyle/>
           <a:p>
             <a:r>
-              <a:rPr lang="en-US" dirty="0"/>
+              <a:rPr lang="en-US" sz="1600" dirty="0"/>
               <a:t>Kinds of tests</a:t>
             </a:r>
           </a:p>
           <a:p>
             <a:pPr lvl="1"/>
             <a:r>
-              <a:rPr lang="en-US" dirty="0"/>
+              <a:rPr lang="en-US" sz="1600" dirty="0"/>
               <a:t>Validation</a:t>
             </a:r>
           </a:p>
           <a:p>
             <a:pPr lvl="1"/>
             <a:r>
-              <a:rPr lang="en-US" dirty="0"/>
+              <a:rPr lang="en-US" sz="1600" dirty="0"/>
               <a:t>Verification</a:t>
             </a:r>
           </a:p>
           <a:p>
             <a:pPr lvl="2"/>
             <a:r>
-              <a:rPr lang="en-US" dirty="0"/>
+              <a:rPr lang="en-US" sz="1600" dirty="0"/>
               <a:t>Static</a:t>
             </a:r>
           </a:p>
           <a:p>
             <a:pPr lvl="2"/>
             <a:r>
-              <a:rPr lang="en-US" dirty="0"/>
+              <a:rPr lang="en-US" sz="1600" dirty="0"/>
               <a:t>Dynamic</a:t>
             </a:r>
           </a:p>
           <a:p>
             <a:r>
-              <a:rPr lang="en-US" dirty="0"/>
+              <a:rPr lang="en-US" sz="1600" dirty="0"/>
               <a:t>Static tests in software</a:t>
             </a:r>
           </a:p>
           <a:p>
             <a:r>
-              <a:rPr lang="en-US" dirty="0"/>
+              <a:rPr lang="en-US" sz="1600" dirty="0"/>
               <a:t>Static tests for biological models</a:t>
             </a:r>
           </a:p>
           <a:p>
             <a:pPr lvl="1"/>
             <a:r>
-              <a:rPr lang="en-US"/>
+              <a:rPr lang="en-US" sz="1600" dirty="0"/>
               <a:t>MEMOTE</a:t>
             </a:r>
-            <a:endParaRPr lang="en-US" dirty="0"/>
+          </a:p>
+          <a:p>
+            <a:r>
+              <a:rPr lang="en-US" sz="1600" dirty="0"/>
+              <a:t>Mass balance errors</a:t>
+            </a:r>
+          </a:p>
+          <a:p>
+            <a:r>
+              <a:rPr lang="en-US" sz="1600" dirty="0"/>
+              <a:t>Problems with atomic mass analysis</a:t>
+            </a:r>
+          </a:p>
+          <a:p>
+            <a:r>
+              <a:rPr lang="en-US" sz="1600" dirty="0"/>
+              <a:t>Moiety analysis and its shortcomings</a:t>
+            </a:r>
+          </a:p>
+          <a:p>
+            <a:r>
+              <a:rPr lang="en-US" sz="1600" dirty="0"/>
+              <a:t>Stoichiometric inconsistencies</a:t>
+            </a:r>
+          </a:p>
+          <a:p>
+            <a:r>
+              <a:rPr lang="en-US" sz="1600" dirty="0"/>
+              <a:t>SI with isolation - GAMES</a:t>
+            </a:r>
           </a:p>
         </p:txBody>
       </p:sp>
@@ -5357,6 +8221,4256 @@
   <p:clrMapOvr>
     <a:masterClrMapping/>
   </p:clrMapOvr>
+</p:sld>
+</file>
+
+<file path=ppt/slides/slide3.xml><?xml version="1.0" encoding="utf-8"?>
+<p:sld xmlns:a="http://schemas.openxmlformats.org/drawingml/2006/main" xmlns:r="http://schemas.openxmlformats.org/officeDocument/2006/relationships" xmlns:p="http://schemas.openxmlformats.org/presentationml/2006/main">
+  <p:cSld>
+    <p:spTree>
+      <p:nvGrpSpPr>
+        <p:cNvPr id="1" name=""/>
+        <p:cNvGrpSpPr/>
+        <p:nvPr/>
+      </p:nvGrpSpPr>
+      <p:grpSpPr>
+        <a:xfrm>
+          <a:off x="0" y="0"/>
+          <a:ext cx="0" cy="0"/>
+          <a:chOff x="0" y="0"/>
+          <a:chExt cx="0" cy="0"/>
+        </a:xfrm>
+      </p:grpSpPr>
+      <p:sp>
+        <p:nvSpPr>
+          <p:cNvPr id="4" name="Slide Number Placeholder 3">
+            <a:extLst>
+              <a:ext uri="{FF2B5EF4-FFF2-40B4-BE49-F238E27FC236}">
+                <a16:creationId xmlns:a16="http://schemas.microsoft.com/office/drawing/2014/main" id="{9531FB65-CF09-0843-B203-1D00CCA55486}"/>
+              </a:ext>
+            </a:extLst>
+          </p:cNvPr>
+          <p:cNvSpPr>
+            <a:spLocks noGrp="1"/>
+          </p:cNvSpPr>
+          <p:nvPr>
+            <p:ph type="sldNum" sz="quarter" idx="11"/>
+          </p:nvPr>
+        </p:nvSpPr>
+        <p:spPr/>
+        <p:txBody>
+          <a:bodyPr/>
+          <a:lstStyle/>
+          <a:p>
+            <a:pPr>
+              <a:defRPr/>
+            </a:pPr>
+            <a:fld id="{3EF4E9CC-9D91-476E-91FD-5BEEC1642931}" type="slidenum">
+              <a:rPr lang="en-US" altLang="x-none" smtClean="0"/>
+              <a:pPr>
+                <a:defRPr/>
+              </a:pPr>
+              <a:t>3</a:t>
+            </a:fld>
+            <a:endParaRPr lang="en-US" altLang="x-none"/>
+          </a:p>
+        </p:txBody>
+      </p:sp>
+      <p:pic>
+        <p:nvPicPr>
+          <p:cNvPr id="2050" name="Picture 2" descr="Types of Software Testing | Two Main Types of Software Testing">
+            <a:extLst>
+              <a:ext uri="{FF2B5EF4-FFF2-40B4-BE49-F238E27FC236}">
+                <a16:creationId xmlns:a16="http://schemas.microsoft.com/office/drawing/2014/main" id="{A06E7787-094F-4E42-9BC4-831EA3E0B51F}"/>
+              </a:ext>
+            </a:extLst>
+          </p:cNvPr>
+          <p:cNvPicPr>
+            <a:picLocks noChangeAspect="1" noChangeArrowheads="1"/>
+          </p:cNvPicPr>
+          <p:nvPr/>
+        </p:nvPicPr>
+        <p:blipFill>
+          <a:blip r:embed="rId2">
+            <a:extLst>
+              <a:ext uri="{28A0092B-C50C-407E-A947-70E740481C1C}">
+                <a14:useLocalDpi xmlns:a14="http://schemas.microsoft.com/office/drawing/2010/main" val="0"/>
+              </a:ext>
+            </a:extLst>
+          </a:blip>
+          <a:srcRect/>
+          <a:stretch>
+            <a:fillRect/>
+          </a:stretch>
+        </p:blipFill>
+        <p:spPr bwMode="auto">
+          <a:xfrm>
+            <a:off x="471972" y="1012507"/>
+            <a:ext cx="8374848" cy="4832985"/>
+          </a:xfrm>
+          <a:prstGeom prst="rect">
+            <a:avLst/>
+          </a:prstGeom>
+          <a:noFill/>
+          <a:extLst>
+            <a:ext uri="{909E8E84-426E-40DD-AFC4-6F175D3DCCD1}">
+              <a14:hiddenFill xmlns:a14="http://schemas.microsoft.com/office/drawing/2010/main">
+                <a:solidFill>
+                  <a:srgbClr val="FFFFFF"/>
+                </a:solidFill>
+              </a14:hiddenFill>
+            </a:ext>
+          </a:extLst>
+        </p:spPr>
+      </p:pic>
+    </p:spTree>
+    <p:extLst>
+      <p:ext uri="{BB962C8B-B14F-4D97-AF65-F5344CB8AC3E}">
+        <p14:creationId xmlns:p14="http://schemas.microsoft.com/office/powerpoint/2010/main" val="1248361727"/>
+      </p:ext>
+    </p:extLst>
+  </p:cSld>
+  <p:clrMapOvr>
+    <a:masterClrMapping/>
+  </p:clrMapOvr>
+</p:sld>
+</file>
+
+<file path=ppt/slides/slide4.xml><?xml version="1.0" encoding="utf-8"?>
+<p:sld xmlns:a="http://schemas.openxmlformats.org/drawingml/2006/main" xmlns:r="http://schemas.openxmlformats.org/officeDocument/2006/relationships" xmlns:p="http://schemas.openxmlformats.org/presentationml/2006/main">
+  <p:cSld>
+    <p:spTree>
+      <p:nvGrpSpPr>
+        <p:cNvPr id="1" name=""/>
+        <p:cNvGrpSpPr/>
+        <p:nvPr/>
+      </p:nvGrpSpPr>
+      <p:grpSpPr>
+        <a:xfrm>
+          <a:off x="0" y="0"/>
+          <a:ext cx="0" cy="0"/>
+          <a:chOff x="0" y="0"/>
+          <a:chExt cx="0" cy="0"/>
+        </a:xfrm>
+      </p:grpSpPr>
+      <p:sp>
+        <p:nvSpPr>
+          <p:cNvPr id="3" name="Title 2">
+            <a:extLst>
+              <a:ext uri="{FF2B5EF4-FFF2-40B4-BE49-F238E27FC236}">
+                <a16:creationId xmlns:a16="http://schemas.microsoft.com/office/drawing/2014/main" id="{4315CB68-6B4E-B841-9510-2D381C7056C5}"/>
+              </a:ext>
+            </a:extLst>
+          </p:cNvPr>
+          <p:cNvSpPr>
+            <a:spLocks noGrp="1"/>
+          </p:cNvSpPr>
+          <p:nvPr>
+            <p:ph type="title"/>
+          </p:nvPr>
+        </p:nvSpPr>
+        <p:spPr/>
+        <p:txBody>
+          <a:bodyPr/>
+          <a:lstStyle/>
+          <a:p>
+            <a:r>
+              <a:rPr lang="en-US" dirty="0"/>
+              <a:t>Software Linting Catches Errors Without Running the Program</a:t>
+            </a:r>
+          </a:p>
+        </p:txBody>
+      </p:sp>
+      <p:sp>
+        <p:nvSpPr>
+          <p:cNvPr id="2" name="Slide Number Placeholder 1">
+            <a:extLst>
+              <a:ext uri="{FF2B5EF4-FFF2-40B4-BE49-F238E27FC236}">
+                <a16:creationId xmlns:a16="http://schemas.microsoft.com/office/drawing/2014/main" id="{3ACEC736-30D6-0346-859A-B22542301A15}"/>
+              </a:ext>
+            </a:extLst>
+          </p:cNvPr>
+          <p:cNvSpPr>
+            <a:spLocks noGrp="1"/>
+          </p:cNvSpPr>
+          <p:nvPr>
+            <p:ph type="sldNum" sz="quarter" idx="11"/>
+          </p:nvPr>
+        </p:nvSpPr>
+        <p:spPr/>
+        <p:txBody>
+          <a:bodyPr/>
+          <a:lstStyle/>
+          <a:p>
+            <a:pPr>
+              <a:defRPr/>
+            </a:pPr>
+            <a:fld id="{21F96DF4-0A1C-4FFD-A010-55DAD04D9A67}" type="slidenum">
+              <a:rPr lang="en-US" altLang="x-none" smtClean="0"/>
+              <a:pPr>
+                <a:defRPr/>
+              </a:pPr>
+              <a:t>4</a:t>
+            </a:fld>
+            <a:endParaRPr lang="en-US" altLang="x-none"/>
+          </a:p>
+        </p:txBody>
+      </p:sp>
+      <p:pic>
+        <p:nvPicPr>
+          <p:cNvPr id="3074" name="Picture 2" descr="enter image description here">
+            <a:extLst>
+              <a:ext uri="{FF2B5EF4-FFF2-40B4-BE49-F238E27FC236}">
+                <a16:creationId xmlns:a16="http://schemas.microsoft.com/office/drawing/2014/main" id="{FAC0213B-67A8-614A-A46C-8AB31F948B91}"/>
+              </a:ext>
+            </a:extLst>
+          </p:cNvPr>
+          <p:cNvPicPr>
+            <a:picLocks noChangeAspect="1" noChangeArrowheads="1"/>
+          </p:cNvPicPr>
+          <p:nvPr/>
+        </p:nvPicPr>
+        <p:blipFill>
+          <a:blip r:embed="rId2">
+            <a:extLst>
+              <a:ext uri="{28A0092B-C50C-407E-A947-70E740481C1C}">
+                <a14:useLocalDpi xmlns:a14="http://schemas.microsoft.com/office/drawing/2010/main" val="0"/>
+              </a:ext>
+            </a:extLst>
+          </a:blip>
+          <a:srcRect/>
+          <a:stretch>
+            <a:fillRect/>
+          </a:stretch>
+        </p:blipFill>
+        <p:spPr bwMode="auto">
+          <a:xfrm>
+            <a:off x="424327" y="2089150"/>
+            <a:ext cx="8342483" cy="3605144"/>
+          </a:xfrm>
+          <a:prstGeom prst="rect">
+            <a:avLst/>
+          </a:prstGeom>
+          <a:noFill/>
+          <a:extLst>
+            <a:ext uri="{909E8E84-426E-40DD-AFC4-6F175D3DCCD1}">
+              <a14:hiddenFill xmlns:a14="http://schemas.microsoft.com/office/drawing/2010/main">
+                <a:solidFill>
+                  <a:srgbClr val="FFFFFF"/>
+                </a:solidFill>
+              </a14:hiddenFill>
+            </a:ext>
+          </a:extLst>
+        </p:spPr>
+      </p:pic>
+    </p:spTree>
+    <p:extLst>
+      <p:ext uri="{BB962C8B-B14F-4D97-AF65-F5344CB8AC3E}">
+        <p14:creationId xmlns:p14="http://schemas.microsoft.com/office/powerpoint/2010/main" val="3050169081"/>
+      </p:ext>
+    </p:extLst>
+  </p:cSld>
+  <p:clrMapOvr>
+    <a:masterClrMapping/>
+  </p:clrMapOvr>
+</p:sld>
+</file>
+
+<file path=ppt/slides/slide5.xml><?xml version="1.0" encoding="utf-8"?>
+<p:sld xmlns:a="http://schemas.openxmlformats.org/drawingml/2006/main" xmlns:r="http://schemas.openxmlformats.org/officeDocument/2006/relationships" xmlns:p="http://schemas.openxmlformats.org/presentationml/2006/main">
+  <p:cSld>
+    <p:spTree>
+      <p:nvGrpSpPr>
+        <p:cNvPr id="1" name=""/>
+        <p:cNvGrpSpPr/>
+        <p:nvPr/>
+      </p:nvGrpSpPr>
+      <p:grpSpPr>
+        <a:xfrm>
+          <a:off x="0" y="0"/>
+          <a:ext cx="0" cy="0"/>
+          <a:chOff x="0" y="0"/>
+          <a:chExt cx="0" cy="0"/>
+        </a:xfrm>
+      </p:grpSpPr>
+      <p:sp>
+        <p:nvSpPr>
+          <p:cNvPr id="2" name="Title 1">
+            <a:extLst>
+              <a:ext uri="{FF2B5EF4-FFF2-40B4-BE49-F238E27FC236}">
+                <a16:creationId xmlns:a16="http://schemas.microsoft.com/office/drawing/2014/main" id="{FA1913A9-E32E-8340-97C0-B4945EA43EE4}"/>
+              </a:ext>
+            </a:extLst>
+          </p:cNvPr>
+          <p:cNvSpPr>
+            <a:spLocks noGrp="1"/>
+          </p:cNvSpPr>
+          <p:nvPr>
+            <p:ph type="title"/>
+          </p:nvPr>
+        </p:nvSpPr>
+        <p:spPr/>
+        <p:txBody>
+          <a:bodyPr/>
+          <a:lstStyle/>
+          <a:p>
+            <a:r>
+              <a:rPr lang="en-US" dirty="0"/>
+              <a:t>What’s Wrong With This Model?</a:t>
+            </a:r>
+          </a:p>
+        </p:txBody>
+      </p:sp>
+      <p:sp>
+        <p:nvSpPr>
+          <p:cNvPr id="4" name="Slide Number Placeholder 3">
+            <a:extLst>
+              <a:ext uri="{FF2B5EF4-FFF2-40B4-BE49-F238E27FC236}">
+                <a16:creationId xmlns:a16="http://schemas.microsoft.com/office/drawing/2014/main" id="{53E7B570-7D86-DA4D-9E39-19244C073692}"/>
+              </a:ext>
+            </a:extLst>
+          </p:cNvPr>
+          <p:cNvSpPr>
+            <a:spLocks noGrp="1"/>
+          </p:cNvSpPr>
+          <p:nvPr>
+            <p:ph type="sldNum" sz="quarter" idx="11"/>
+          </p:nvPr>
+        </p:nvSpPr>
+        <p:spPr/>
+        <p:txBody>
+          <a:bodyPr/>
+          <a:lstStyle/>
+          <a:p>
+            <a:pPr>
+              <a:defRPr/>
+            </a:pPr>
+            <a:fld id="{3EF4E9CC-9D91-476E-91FD-5BEEC1642931}" type="slidenum">
+              <a:rPr lang="en-US" altLang="x-none" smtClean="0"/>
+              <a:pPr>
+                <a:defRPr/>
+              </a:pPr>
+              <a:t>5</a:t>
+            </a:fld>
+            <a:endParaRPr lang="en-US" altLang="x-none"/>
+          </a:p>
+        </p:txBody>
+      </p:sp>
+      <p:pic>
+        <p:nvPicPr>
+          <p:cNvPr id="6" name="Picture 5" descr="Chart, line chart&#10;&#10;Description automatically generated">
+            <a:extLst>
+              <a:ext uri="{FF2B5EF4-FFF2-40B4-BE49-F238E27FC236}">
+                <a16:creationId xmlns:a16="http://schemas.microsoft.com/office/drawing/2014/main" id="{4F820A8A-A26B-E943-8DC0-101BD53B249C}"/>
+              </a:ext>
+            </a:extLst>
+          </p:cNvPr>
+          <p:cNvPicPr>
+            <a:picLocks noChangeAspect="1"/>
+          </p:cNvPicPr>
+          <p:nvPr/>
+        </p:nvPicPr>
+        <p:blipFill>
+          <a:blip r:embed="rId2"/>
+          <a:stretch>
+            <a:fillRect/>
+          </a:stretch>
+        </p:blipFill>
+        <p:spPr>
+          <a:xfrm>
+            <a:off x="452628" y="3776980"/>
+            <a:ext cx="3817112" cy="2547620"/>
+          </a:xfrm>
+          <a:prstGeom prst="rect">
+            <a:avLst/>
+          </a:prstGeom>
+        </p:spPr>
+      </p:pic>
+      <p:pic>
+        <p:nvPicPr>
+          <p:cNvPr id="8" name="Picture 7" descr="Text&#10;&#10;Description automatically generated">
+            <a:extLst>
+              <a:ext uri="{FF2B5EF4-FFF2-40B4-BE49-F238E27FC236}">
+                <a16:creationId xmlns:a16="http://schemas.microsoft.com/office/drawing/2014/main" id="{B67E1149-D3CF-3449-AA33-B69E0161FDAD}"/>
+              </a:ext>
+            </a:extLst>
+          </p:cNvPr>
+          <p:cNvPicPr>
+            <a:picLocks noChangeAspect="1"/>
+          </p:cNvPicPr>
+          <p:nvPr/>
+        </p:nvPicPr>
+        <p:blipFill>
+          <a:blip r:embed="rId3"/>
+          <a:stretch>
+            <a:fillRect/>
+          </a:stretch>
+        </p:blipFill>
+        <p:spPr>
+          <a:xfrm>
+            <a:off x="748284" y="1333500"/>
+            <a:ext cx="3225800" cy="2095500"/>
+          </a:xfrm>
+          <a:prstGeom prst="rect">
+            <a:avLst/>
+          </a:prstGeom>
+        </p:spPr>
+      </p:pic>
+      <p:sp>
+        <p:nvSpPr>
+          <p:cNvPr id="9" name="TextBox 8">
+            <a:extLst>
+              <a:ext uri="{FF2B5EF4-FFF2-40B4-BE49-F238E27FC236}">
+                <a16:creationId xmlns:a16="http://schemas.microsoft.com/office/drawing/2014/main" id="{C6C7E600-839F-EE42-9D47-8CAA5FAF0838}"/>
+              </a:ext>
+            </a:extLst>
+          </p:cNvPr>
+          <p:cNvSpPr txBox="1"/>
+          <p:nvPr/>
+        </p:nvSpPr>
+        <p:spPr>
+          <a:xfrm>
+            <a:off x="4269740" y="4404459"/>
+            <a:ext cx="4417060" cy="369332"/>
+          </a:xfrm>
+          <a:prstGeom prst="rect">
+            <a:avLst/>
+          </a:prstGeom>
+          <a:noFill/>
+        </p:spPr>
+        <p:txBody>
+          <a:bodyPr wrap="square" rtlCol="0">
+            <a:spAutoFit/>
+          </a:bodyPr>
+          <a:lstStyle/>
+          <a:p>
+            <a:r>
+              <a:rPr lang="en-US" b="1" dirty="0"/>
+              <a:t>Why does [P] increase without bound?</a:t>
+            </a:r>
+          </a:p>
+        </p:txBody>
+      </p:sp>
+    </p:spTree>
+    <p:extLst>
+      <p:ext uri="{BB962C8B-B14F-4D97-AF65-F5344CB8AC3E}">
+        <p14:creationId xmlns:p14="http://schemas.microsoft.com/office/powerpoint/2010/main" val="2397231660"/>
+      </p:ext>
+    </p:extLst>
+  </p:cSld>
+  <p:clrMapOvr>
+    <a:masterClrMapping/>
+  </p:clrMapOvr>
+  <p:timing>
+    <p:tnLst>
+      <p:par>
+        <p:cTn id="1" dur="indefinite" restart="never" nodeType="tmRoot">
+          <p:childTnLst>
+            <p:seq concurrent="1" nextAc="seek">
+              <p:cTn id="2" dur="indefinite" nodeType="mainSeq">
+                <p:childTnLst>
+                  <p:par>
+                    <p:cTn id="3" fill="hold">
+                      <p:stCondLst>
+                        <p:cond delay="indefinite"/>
+                      </p:stCondLst>
+                      <p:childTnLst>
+                        <p:par>
+                          <p:cTn id="4" fill="hold">
+                            <p:stCondLst>
+                              <p:cond delay="0"/>
+                            </p:stCondLst>
+                            <p:childTnLst>
+                              <p:par>
+                                <p:cTn id="5" presetID="1" presetClass="entr" presetSubtype="0" fill="hold" nodeType="clickEffect">
+                                  <p:stCondLst>
+                                    <p:cond delay="0"/>
+                                  </p:stCondLst>
+                                  <p:childTnLst>
+                                    <p:set>
+                                      <p:cBhvr>
+                                        <p:cTn id="6" dur="1" fill="hold">
+                                          <p:stCondLst>
+                                            <p:cond delay="0"/>
+                                          </p:stCondLst>
+                                        </p:cTn>
+                                        <p:tgtEl>
+                                          <p:spTgt spid="6"/>
+                                        </p:tgtEl>
+                                        <p:attrNameLst>
+                                          <p:attrName>style.visibility</p:attrName>
+                                        </p:attrNameLst>
+                                      </p:cBhvr>
+                                      <p:to>
+                                        <p:strVal val="visible"/>
+                                      </p:to>
+                                    </p:set>
+                                  </p:childTnLst>
+                                </p:cTn>
+                              </p:par>
+                              <p:par>
+                                <p:cTn id="7" presetID="1" presetClass="entr" presetSubtype="0" fill="hold" grpId="0" nodeType="withEffect">
+                                  <p:stCondLst>
+                                    <p:cond delay="0"/>
+                                  </p:stCondLst>
+                                  <p:childTnLst>
+                                    <p:set>
+                                      <p:cBhvr>
+                                        <p:cTn id="8" dur="1" fill="hold">
+                                          <p:stCondLst>
+                                            <p:cond delay="0"/>
+                                          </p:stCondLst>
+                                        </p:cTn>
+                                        <p:tgtEl>
+                                          <p:spTgt spid="9"/>
+                                        </p:tgtEl>
+                                        <p:attrNameLst>
+                                          <p:attrName>style.visibility</p:attrName>
+                                        </p:attrNameLst>
+                                      </p:cBhvr>
+                                      <p:to>
+                                        <p:strVal val="visible"/>
+                                      </p:to>
+                                    </p:set>
+                                  </p:childTnLst>
+                                </p:cTn>
+                              </p:par>
+                            </p:childTnLst>
+                          </p:cTn>
+                        </p:par>
+                      </p:childTnLst>
+                    </p:cTn>
+                  </p:par>
+                </p:childTnLst>
+              </p:cTn>
+              <p:prevCondLst>
+                <p:cond evt="onPrev" delay="0">
+                  <p:tgtEl>
+                    <p:sldTgt/>
+                  </p:tgtEl>
+                </p:cond>
+              </p:prevCondLst>
+              <p:nextCondLst>
+                <p:cond evt="onNext" delay="0">
+                  <p:tgtEl>
+                    <p:sldTgt/>
+                  </p:tgtEl>
+                </p:cond>
+              </p:nextCondLst>
+            </p:seq>
+          </p:childTnLst>
+        </p:cTn>
+      </p:par>
+    </p:tnLst>
+    <p:bldLst>
+      <p:bldP spid="9" grpId="0"/>
+    </p:bldLst>
+  </p:timing>
+</p:sld>
+</file>
+
+<file path=ppt/slides/slide6.xml><?xml version="1.0" encoding="utf-8"?>
+<p:sld xmlns:a="http://schemas.openxmlformats.org/drawingml/2006/main" xmlns:r="http://schemas.openxmlformats.org/officeDocument/2006/relationships" xmlns:p="http://schemas.openxmlformats.org/presentationml/2006/main">
+  <p:cSld>
+    <p:spTree>
+      <p:nvGrpSpPr>
+        <p:cNvPr id="1" name=""/>
+        <p:cNvGrpSpPr/>
+        <p:nvPr/>
+      </p:nvGrpSpPr>
+      <p:grpSpPr>
+        <a:xfrm>
+          <a:off x="0" y="0"/>
+          <a:ext cx="0" cy="0"/>
+          <a:chOff x="0" y="0"/>
+          <a:chExt cx="0" cy="0"/>
+        </a:xfrm>
+      </p:grpSpPr>
+      <p:sp>
+        <p:nvSpPr>
+          <p:cNvPr id="2" name="Title 1">
+            <a:extLst>
+              <a:ext uri="{FF2B5EF4-FFF2-40B4-BE49-F238E27FC236}">
+                <a16:creationId xmlns:a16="http://schemas.microsoft.com/office/drawing/2014/main" id="{444B29B2-13E0-B944-8113-805B29989E32}"/>
+              </a:ext>
+            </a:extLst>
+          </p:cNvPr>
+          <p:cNvSpPr>
+            <a:spLocks noGrp="1"/>
+          </p:cNvSpPr>
+          <p:nvPr>
+            <p:ph type="title"/>
+          </p:nvPr>
+        </p:nvSpPr>
+        <p:spPr/>
+        <p:txBody>
+          <a:bodyPr/>
+          <a:lstStyle/>
+          <a:p>
+            <a:r>
+              <a:rPr lang="en-US" dirty="0"/>
+              <a:t>What Do We Mean by Mass Balance Errors</a:t>
+            </a:r>
+          </a:p>
+        </p:txBody>
+      </p:sp>
+      <p:sp>
+        <p:nvSpPr>
+          <p:cNvPr id="4" name="Slide Number Placeholder 3">
+            <a:extLst>
+              <a:ext uri="{FF2B5EF4-FFF2-40B4-BE49-F238E27FC236}">
+                <a16:creationId xmlns:a16="http://schemas.microsoft.com/office/drawing/2014/main" id="{9E8FE254-B0DF-124A-A18D-B2F064F02657}"/>
+              </a:ext>
+            </a:extLst>
+          </p:cNvPr>
+          <p:cNvSpPr>
+            <a:spLocks noGrp="1"/>
+          </p:cNvSpPr>
+          <p:nvPr>
+            <p:ph type="sldNum" sz="quarter" idx="11"/>
+          </p:nvPr>
+        </p:nvSpPr>
+        <p:spPr/>
+        <p:txBody>
+          <a:bodyPr/>
+          <a:lstStyle/>
+          <a:p>
+            <a:pPr>
+              <a:defRPr/>
+            </a:pPr>
+            <a:fld id="{3EF4E9CC-9D91-476E-91FD-5BEEC1642931}" type="slidenum">
+              <a:rPr lang="en-US" altLang="x-none" smtClean="0"/>
+              <a:pPr>
+                <a:defRPr/>
+              </a:pPr>
+              <a:t>6</a:t>
+            </a:fld>
+            <a:endParaRPr lang="en-US" altLang="x-none"/>
+          </a:p>
+        </p:txBody>
+      </p:sp>
+      <mc:AlternateContent xmlns:mc="http://schemas.openxmlformats.org/markup-compatibility/2006">
+        <mc:Choice xmlns:a14="http://schemas.microsoft.com/office/drawing/2010/main" Requires="a14">
+          <p:sp>
+            <p:nvSpPr>
+              <p:cNvPr id="7" name="TextBox 6">
+                <a:extLst>
+                  <a:ext uri="{FF2B5EF4-FFF2-40B4-BE49-F238E27FC236}">
+                    <a16:creationId xmlns:a16="http://schemas.microsoft.com/office/drawing/2014/main" id="{278B3BEA-4AF0-674D-BEF5-7D09BD69B069}"/>
+                  </a:ext>
+                </a:extLst>
+              </p:cNvPr>
+              <p:cNvSpPr txBox="1"/>
+              <p:nvPr/>
+            </p:nvSpPr>
+            <p:spPr>
+              <a:xfrm>
+                <a:off x="615696" y="1170432"/>
+                <a:ext cx="1980414" cy="430887"/>
+              </a:xfrm>
+              <a:prstGeom prst="rect">
+                <a:avLst/>
+              </a:prstGeom>
+              <a:noFill/>
+            </p:spPr>
+            <p:txBody>
+              <a:bodyPr wrap="none" lIns="0" tIns="0" rIns="0" bIns="0" rtlCol="0">
+                <a:spAutoFit/>
+              </a:bodyPr>
+              <a:lstStyle/>
+              <a:p>
+                <a14:m>
+                  <m:oMathPara xmlns:m="http://schemas.openxmlformats.org/officeDocument/2006/math">
+                    <m:oMathParaPr>
+                      <m:jc m:val="centerGroup"/>
+                    </m:oMathParaPr>
+                    <m:oMath xmlns:m="http://schemas.openxmlformats.org/officeDocument/2006/math">
+                      <m:r>
+                        <a:rPr lang="en-US" sz="2800" b="0" i="1" smtClean="0">
+                          <a:latin typeface="Cambria Math" panose="02040503050406030204" pitchFamily="18" charset="0"/>
+                        </a:rPr>
+                        <m:t>𝐴𝑇𝑃</m:t>
+                      </m:r>
+                      <m:r>
+                        <a:rPr lang="en-US" sz="2800" b="0" i="1" smtClean="0">
+                          <a:latin typeface="Cambria Math" panose="02040503050406030204" pitchFamily="18" charset="0"/>
+                        </a:rPr>
+                        <m:t>→</m:t>
+                      </m:r>
+                      <m:r>
+                        <a:rPr lang="en-US" sz="2800" b="0" i="1" smtClean="0">
+                          <a:latin typeface="Cambria Math" panose="02040503050406030204" pitchFamily="18" charset="0"/>
+                        </a:rPr>
+                        <m:t>𝐴𝐷𝑃</m:t>
+                      </m:r>
+                    </m:oMath>
+                  </m:oMathPara>
+                </a14:m>
+                <a:endParaRPr lang="en-US" sz="2800" dirty="0"/>
+              </a:p>
+            </p:txBody>
+          </p:sp>
+        </mc:Choice>
+        <mc:Fallback>
+          <p:sp>
+            <p:nvSpPr>
+              <p:cNvPr id="7" name="TextBox 6">
+                <a:extLst>
+                  <a:ext uri="{FF2B5EF4-FFF2-40B4-BE49-F238E27FC236}">
+                    <a16:creationId xmlns:a16="http://schemas.microsoft.com/office/drawing/2014/main" id="{278B3BEA-4AF0-674D-BEF5-7D09BD69B069}"/>
+                  </a:ext>
+                </a:extLst>
+              </p:cNvPr>
+              <p:cNvSpPr txBox="1">
+                <a:spLocks noRot="1" noChangeAspect="1" noMove="1" noResize="1" noEditPoints="1" noAdjustHandles="1" noChangeArrowheads="1" noChangeShapeType="1" noTextEdit="1"/>
+              </p:cNvSpPr>
+              <p:nvPr/>
+            </p:nvSpPr>
+            <p:spPr>
+              <a:xfrm>
+                <a:off x="615696" y="1170432"/>
+                <a:ext cx="1980414" cy="430887"/>
+              </a:xfrm>
+              <a:prstGeom prst="rect">
+                <a:avLst/>
+              </a:prstGeom>
+              <a:blipFill>
+                <a:blip r:embed="rId3"/>
+                <a:stretch>
+                  <a:fillRect l="-3185" r="-2548" b="-8571"/>
+                </a:stretch>
+              </a:blipFill>
+            </p:spPr>
+            <p:txBody>
+              <a:bodyPr/>
+              <a:lstStyle/>
+              <a:p>
+                <a:r>
+                  <a:rPr lang="en-US">
+                    <a:noFill/>
+                  </a:rPr>
+                  <a:t> </a:t>
+                </a:r>
+              </a:p>
+            </p:txBody>
+          </p:sp>
+        </mc:Fallback>
+      </mc:AlternateContent>
+      <p:sp>
+        <p:nvSpPr>
+          <p:cNvPr id="8" name="TextBox 7">
+            <a:extLst>
+              <a:ext uri="{FF2B5EF4-FFF2-40B4-BE49-F238E27FC236}">
+                <a16:creationId xmlns:a16="http://schemas.microsoft.com/office/drawing/2014/main" id="{C62ED6C9-FB17-4D43-85F6-A9D753D57478}"/>
+              </a:ext>
+            </a:extLst>
+          </p:cNvPr>
+          <p:cNvSpPr txBox="1"/>
+          <p:nvPr/>
+        </p:nvSpPr>
+        <p:spPr>
+          <a:xfrm>
+            <a:off x="548113" y="801100"/>
+            <a:ext cx="4527201" cy="400110"/>
+          </a:xfrm>
+          <a:prstGeom prst="rect">
+            <a:avLst/>
+          </a:prstGeom>
+          <a:noFill/>
+        </p:spPr>
+        <p:txBody>
+          <a:bodyPr wrap="none" rtlCol="0">
+            <a:spAutoFit/>
+          </a:bodyPr>
+          <a:lstStyle/>
+          <a:p>
+            <a:r>
+              <a:rPr lang="en-US" sz="2000" dirty="0"/>
+              <a:t>Is there mass missing in this reaction?</a:t>
+            </a:r>
+          </a:p>
+        </p:txBody>
+      </p:sp>
+      <mc:AlternateContent xmlns:mc="http://schemas.openxmlformats.org/markup-compatibility/2006">
+        <mc:Choice xmlns:a14="http://schemas.microsoft.com/office/drawing/2010/main" Requires="a14">
+          <p:sp>
+            <p:nvSpPr>
+              <p:cNvPr id="9" name="TextBox 8">
+                <a:extLst>
+                  <a:ext uri="{FF2B5EF4-FFF2-40B4-BE49-F238E27FC236}">
+                    <a16:creationId xmlns:a16="http://schemas.microsoft.com/office/drawing/2014/main" id="{4887A0A3-A6EC-EF41-9768-1200EDC87F9E}"/>
+                  </a:ext>
+                </a:extLst>
+              </p:cNvPr>
+              <p:cNvSpPr txBox="1"/>
+              <p:nvPr/>
+            </p:nvSpPr>
+            <p:spPr>
+              <a:xfrm>
+                <a:off x="621792" y="2273808"/>
+                <a:ext cx="2639249" cy="430887"/>
+              </a:xfrm>
+              <a:prstGeom prst="rect">
+                <a:avLst/>
+              </a:prstGeom>
+              <a:noFill/>
+            </p:spPr>
+            <p:txBody>
+              <a:bodyPr wrap="none" lIns="0" tIns="0" rIns="0" bIns="0" rtlCol="0">
+                <a:spAutoFit/>
+              </a:bodyPr>
+              <a:lstStyle/>
+              <a:p>
+                <a14:m>
+                  <m:oMathPara xmlns:m="http://schemas.openxmlformats.org/officeDocument/2006/math">
+                    <m:oMathParaPr>
+                      <m:jc m:val="centerGroup"/>
+                    </m:oMathParaPr>
+                    <m:oMath xmlns:m="http://schemas.openxmlformats.org/officeDocument/2006/math">
+                      <m:r>
+                        <a:rPr lang="en-US" sz="2800" b="0" i="1" smtClean="0">
+                          <a:latin typeface="Cambria Math" panose="02040503050406030204" pitchFamily="18" charset="0"/>
+                        </a:rPr>
+                        <m:t>𝐴𝑇𝑃</m:t>
+                      </m:r>
+                      <m:r>
+                        <a:rPr lang="en-US" sz="2800" b="0" i="1" smtClean="0">
+                          <a:latin typeface="Cambria Math" panose="02040503050406030204" pitchFamily="18" charset="0"/>
+                        </a:rPr>
+                        <m:t>→</m:t>
+                      </m:r>
+                      <m:r>
+                        <a:rPr lang="en-US" sz="2800" b="0" i="1" smtClean="0">
+                          <a:latin typeface="Cambria Math" panose="02040503050406030204" pitchFamily="18" charset="0"/>
+                        </a:rPr>
+                        <m:t>𝐴𝐷𝑃</m:t>
+                      </m:r>
+                      <m:r>
+                        <a:rPr lang="en-US" sz="2800" b="0" i="1" smtClean="0">
+                          <a:latin typeface="Cambria Math" panose="02040503050406030204" pitchFamily="18" charset="0"/>
+                        </a:rPr>
+                        <m:t>+</m:t>
+                      </m:r>
+                      <m:r>
+                        <a:rPr lang="en-US" sz="2800" b="0" i="1" smtClean="0">
+                          <a:latin typeface="Cambria Math" panose="02040503050406030204" pitchFamily="18" charset="0"/>
+                        </a:rPr>
+                        <m:t>𝑃</m:t>
+                      </m:r>
+                    </m:oMath>
+                  </m:oMathPara>
+                </a14:m>
+                <a:endParaRPr lang="en-US" sz="2800" dirty="0"/>
+              </a:p>
+            </p:txBody>
+          </p:sp>
+        </mc:Choice>
+        <mc:Fallback>
+          <p:sp>
+            <p:nvSpPr>
+              <p:cNvPr id="9" name="TextBox 8">
+                <a:extLst>
+                  <a:ext uri="{FF2B5EF4-FFF2-40B4-BE49-F238E27FC236}">
+                    <a16:creationId xmlns:a16="http://schemas.microsoft.com/office/drawing/2014/main" id="{4887A0A3-A6EC-EF41-9768-1200EDC87F9E}"/>
+                  </a:ext>
+                </a:extLst>
+              </p:cNvPr>
+              <p:cNvSpPr txBox="1">
+                <a:spLocks noRot="1" noChangeAspect="1" noMove="1" noResize="1" noEditPoints="1" noAdjustHandles="1" noChangeArrowheads="1" noChangeShapeType="1" noTextEdit="1"/>
+              </p:cNvSpPr>
+              <p:nvPr/>
+            </p:nvSpPr>
+            <p:spPr>
+              <a:xfrm>
+                <a:off x="621792" y="2273808"/>
+                <a:ext cx="2639249" cy="430887"/>
+              </a:xfrm>
+              <a:prstGeom prst="rect">
+                <a:avLst/>
+              </a:prstGeom>
+              <a:blipFill>
+                <a:blip r:embed="rId4"/>
+                <a:stretch>
+                  <a:fillRect l="-1914" r="-2392" b="-8571"/>
+                </a:stretch>
+              </a:blipFill>
+            </p:spPr>
+            <p:txBody>
+              <a:bodyPr/>
+              <a:lstStyle/>
+              <a:p>
+                <a:r>
+                  <a:rPr lang="en-US">
+                    <a:noFill/>
+                  </a:rPr>
+                  <a:t> </a:t>
+                </a:r>
+              </a:p>
+            </p:txBody>
+          </p:sp>
+        </mc:Fallback>
+      </mc:AlternateContent>
+      <p:sp>
+        <p:nvSpPr>
+          <p:cNvPr id="10" name="TextBox 9">
+            <a:extLst>
+              <a:ext uri="{FF2B5EF4-FFF2-40B4-BE49-F238E27FC236}">
+                <a16:creationId xmlns:a16="http://schemas.microsoft.com/office/drawing/2014/main" id="{2FD0C07D-FA34-BD4D-BABE-BB2CA5D05741}"/>
+              </a:ext>
+            </a:extLst>
+          </p:cNvPr>
+          <p:cNvSpPr txBox="1"/>
+          <p:nvPr/>
+        </p:nvSpPr>
+        <p:spPr>
+          <a:xfrm>
+            <a:off x="554209" y="1904476"/>
+            <a:ext cx="1992853" cy="400110"/>
+          </a:xfrm>
+          <a:prstGeom prst="rect">
+            <a:avLst/>
+          </a:prstGeom>
+          <a:noFill/>
+        </p:spPr>
+        <p:txBody>
+          <a:bodyPr wrap="none" rtlCol="0">
+            <a:spAutoFit/>
+          </a:bodyPr>
+          <a:lstStyle/>
+          <a:p>
+            <a:r>
+              <a:rPr lang="en-US" sz="2000" dirty="0"/>
+              <a:t>In this reaction?</a:t>
+            </a:r>
+          </a:p>
+        </p:txBody>
+      </p:sp>
+      <p:pic>
+        <p:nvPicPr>
+          <p:cNvPr id="1026" name="Picture 2" descr="ATP structure + function">
+            <a:extLst>
+              <a:ext uri="{FF2B5EF4-FFF2-40B4-BE49-F238E27FC236}">
+                <a16:creationId xmlns:a16="http://schemas.microsoft.com/office/drawing/2014/main" id="{529501AA-13E7-9B4A-81B4-BE5E2E456BF4}"/>
+              </a:ext>
+            </a:extLst>
+          </p:cNvPr>
+          <p:cNvPicPr>
+            <a:picLocks noChangeAspect="1" noChangeArrowheads="1"/>
+          </p:cNvPicPr>
+          <p:nvPr/>
+        </p:nvPicPr>
+        <p:blipFill>
+          <a:blip r:embed="rId5">
+            <a:extLst>
+              <a:ext uri="{28A0092B-C50C-407E-A947-70E740481C1C}">
+                <a14:useLocalDpi xmlns:a14="http://schemas.microsoft.com/office/drawing/2010/main" val="0"/>
+              </a:ext>
+            </a:extLst>
+          </a:blip>
+          <a:srcRect/>
+          <a:stretch>
+            <a:fillRect/>
+          </a:stretch>
+        </p:blipFill>
+        <p:spPr bwMode="auto">
+          <a:xfrm>
+            <a:off x="3803904" y="1128269"/>
+            <a:ext cx="4718304" cy="2660599"/>
+          </a:xfrm>
+          <a:prstGeom prst="rect">
+            <a:avLst/>
+          </a:prstGeom>
+          <a:noFill/>
+          <a:extLst>
+            <a:ext uri="{909E8E84-426E-40DD-AFC4-6F175D3DCCD1}">
+              <a14:hiddenFill xmlns:a14="http://schemas.microsoft.com/office/drawing/2010/main">
+                <a:solidFill>
+                  <a:srgbClr val="FFFFFF"/>
+                </a:solidFill>
+              </a14:hiddenFill>
+            </a:ext>
+          </a:extLst>
+        </p:spPr>
+      </p:pic>
+      <p:pic>
+        <p:nvPicPr>
+          <p:cNvPr id="1028" name="Picture 4" descr="Adenosine diphosphate - Wikipedia">
+            <a:extLst>
+              <a:ext uri="{FF2B5EF4-FFF2-40B4-BE49-F238E27FC236}">
+                <a16:creationId xmlns:a16="http://schemas.microsoft.com/office/drawing/2014/main" id="{3FD388CD-45FE-9F4A-945F-2B87A12A1F3F}"/>
+              </a:ext>
+            </a:extLst>
+          </p:cNvPr>
+          <p:cNvPicPr>
+            <a:picLocks noChangeAspect="1" noChangeArrowheads="1"/>
+          </p:cNvPicPr>
+          <p:nvPr/>
+        </p:nvPicPr>
+        <p:blipFill>
+          <a:blip r:embed="rId6">
+            <a:extLst>
+              <a:ext uri="{28A0092B-C50C-407E-A947-70E740481C1C}">
+                <a14:useLocalDpi xmlns:a14="http://schemas.microsoft.com/office/drawing/2010/main" val="0"/>
+              </a:ext>
+            </a:extLst>
+          </a:blip>
+          <a:srcRect/>
+          <a:stretch>
+            <a:fillRect/>
+          </a:stretch>
+        </p:blipFill>
+        <p:spPr bwMode="auto">
+          <a:xfrm>
+            <a:off x="250053" y="3207279"/>
+            <a:ext cx="4069478" cy="2373862"/>
+          </a:xfrm>
+          <a:prstGeom prst="rect">
+            <a:avLst/>
+          </a:prstGeom>
+          <a:solidFill>
+            <a:schemeClr val="bg1"/>
+          </a:solidFill>
+        </p:spPr>
+      </p:pic>
+      <p:pic>
+        <p:nvPicPr>
+          <p:cNvPr id="12" name="Picture 11" descr="Chart&#10;&#10;Description automatically generated with medium confidence">
+            <a:extLst>
+              <a:ext uri="{FF2B5EF4-FFF2-40B4-BE49-F238E27FC236}">
+                <a16:creationId xmlns:a16="http://schemas.microsoft.com/office/drawing/2014/main" id="{83428B38-BCB4-E944-9E68-1D7C4C56DB9B}"/>
+              </a:ext>
+            </a:extLst>
+          </p:cNvPr>
+          <p:cNvPicPr>
+            <a:picLocks noChangeAspect="1"/>
+          </p:cNvPicPr>
+          <p:nvPr/>
+        </p:nvPicPr>
+        <p:blipFill>
+          <a:blip r:embed="rId7"/>
+          <a:stretch>
+            <a:fillRect/>
+          </a:stretch>
+        </p:blipFill>
+        <p:spPr>
+          <a:xfrm>
+            <a:off x="7051208" y="4386124"/>
+            <a:ext cx="1376688" cy="1201314"/>
+          </a:xfrm>
+          <a:prstGeom prst="rect">
+            <a:avLst/>
+          </a:prstGeom>
+        </p:spPr>
+      </p:pic>
+      <p:pic>
+        <p:nvPicPr>
+          <p:cNvPr id="14" name="Picture 13" descr="Chart&#10;&#10;Description automatically generated">
+            <a:extLst>
+              <a:ext uri="{FF2B5EF4-FFF2-40B4-BE49-F238E27FC236}">
+                <a16:creationId xmlns:a16="http://schemas.microsoft.com/office/drawing/2014/main" id="{7965E14B-AC29-794D-A8FC-4186452076E2}"/>
+              </a:ext>
+            </a:extLst>
+          </p:cNvPr>
+          <p:cNvPicPr>
+            <a:picLocks noChangeAspect="1"/>
+          </p:cNvPicPr>
+          <p:nvPr/>
+        </p:nvPicPr>
+        <p:blipFill>
+          <a:blip r:embed="rId8"/>
+          <a:stretch>
+            <a:fillRect/>
+          </a:stretch>
+        </p:blipFill>
+        <p:spPr>
+          <a:xfrm>
+            <a:off x="5279029" y="4386124"/>
+            <a:ext cx="1533986" cy="1201314"/>
+          </a:xfrm>
+          <a:prstGeom prst="rect">
+            <a:avLst/>
+          </a:prstGeom>
+        </p:spPr>
+      </p:pic>
+      <p:sp>
+        <p:nvSpPr>
+          <p:cNvPr id="17" name="Rectangle 16">
+            <a:extLst>
+              <a:ext uri="{FF2B5EF4-FFF2-40B4-BE49-F238E27FC236}">
+                <a16:creationId xmlns:a16="http://schemas.microsoft.com/office/drawing/2014/main" id="{61780ED7-52B4-E24F-A49E-99EF23C876CE}"/>
+              </a:ext>
+            </a:extLst>
+          </p:cNvPr>
+          <p:cNvSpPr/>
+          <p:nvPr/>
+        </p:nvSpPr>
+        <p:spPr>
+          <a:xfrm>
+            <a:off x="4777740" y="1022020"/>
+            <a:ext cx="2787626" cy="400110"/>
+          </a:xfrm>
+          <a:prstGeom prst="rect">
+            <a:avLst/>
+          </a:prstGeom>
+          <a:solidFill>
+            <a:schemeClr val="bg1"/>
+          </a:solidFill>
+          <a:ln>
+            <a:noFill/>
+          </a:ln>
+          <a:effectLst>
+            <a:outerShdw dist="23000" sx="1000" sy="1000" rotWithShape="0">
+              <a:srgbClr val="000000"/>
+            </a:outerShdw>
+          </a:effectLst>
+        </p:spPr>
+        <p:style>
+          <a:lnRef idx="1">
+            <a:schemeClr val="accent1"/>
+          </a:lnRef>
+          <a:fillRef idx="3">
+            <a:schemeClr val="accent1"/>
+          </a:fillRef>
+          <a:effectRef idx="2">
+            <a:schemeClr val="accent1"/>
+          </a:effectRef>
+          <a:fontRef idx="minor">
+            <a:schemeClr val="lt1"/>
+          </a:fontRef>
+        </p:style>
+        <p:txBody>
+          <a:bodyPr rtlCol="0" anchor="ctr"/>
+          <a:lstStyle/>
+          <a:p>
+            <a:pPr algn="ctr"/>
+            <a:endParaRPr lang="en-US"/>
+          </a:p>
+        </p:txBody>
+      </p:sp>
+      <p:sp>
+        <p:nvSpPr>
+          <p:cNvPr id="15" name="TextBox 14">
+            <a:extLst>
+              <a:ext uri="{FF2B5EF4-FFF2-40B4-BE49-F238E27FC236}">
+                <a16:creationId xmlns:a16="http://schemas.microsoft.com/office/drawing/2014/main" id="{8B2156F0-2582-B249-8810-033AC520E761}"/>
+              </a:ext>
+            </a:extLst>
+          </p:cNvPr>
+          <p:cNvSpPr txBox="1"/>
+          <p:nvPr/>
+        </p:nvSpPr>
+        <p:spPr>
+          <a:xfrm>
+            <a:off x="6217920" y="1422130"/>
+            <a:ext cx="629211" cy="369332"/>
+          </a:xfrm>
+          <a:prstGeom prst="rect">
+            <a:avLst/>
+          </a:prstGeom>
+          <a:noFill/>
+        </p:spPr>
+        <p:txBody>
+          <a:bodyPr wrap="none" rtlCol="0">
+            <a:spAutoFit/>
+          </a:bodyPr>
+          <a:lstStyle/>
+          <a:p>
+            <a:r>
+              <a:rPr lang="en-US" b="1" dirty="0"/>
+              <a:t>ATP</a:t>
+            </a:r>
+          </a:p>
+        </p:txBody>
+      </p:sp>
+      <p:sp>
+        <p:nvSpPr>
+          <p:cNvPr id="19" name="TextBox 18">
+            <a:extLst>
+              <a:ext uri="{FF2B5EF4-FFF2-40B4-BE49-F238E27FC236}">
+                <a16:creationId xmlns:a16="http://schemas.microsoft.com/office/drawing/2014/main" id="{0A187F6D-8322-D643-806A-BCD7DD3B49B8}"/>
+              </a:ext>
+            </a:extLst>
+          </p:cNvPr>
+          <p:cNvSpPr txBox="1"/>
+          <p:nvPr/>
+        </p:nvSpPr>
+        <p:spPr>
+          <a:xfrm>
+            <a:off x="2234217" y="3553157"/>
+            <a:ext cx="671979" cy="369332"/>
+          </a:xfrm>
+          <a:prstGeom prst="rect">
+            <a:avLst/>
+          </a:prstGeom>
+          <a:noFill/>
+        </p:spPr>
+        <p:txBody>
+          <a:bodyPr wrap="none" rtlCol="0">
+            <a:spAutoFit/>
+          </a:bodyPr>
+          <a:lstStyle/>
+          <a:p>
+            <a:r>
+              <a:rPr lang="en-US" b="1" dirty="0"/>
+              <a:t>ADP</a:t>
+            </a:r>
+          </a:p>
+        </p:txBody>
+      </p:sp>
+      <p:sp>
+        <p:nvSpPr>
+          <p:cNvPr id="20" name="TextBox 19">
+            <a:extLst>
+              <a:ext uri="{FF2B5EF4-FFF2-40B4-BE49-F238E27FC236}">
+                <a16:creationId xmlns:a16="http://schemas.microsoft.com/office/drawing/2014/main" id="{94BFA92E-AE44-494C-B8DE-2C91D6D7F96C}"/>
+              </a:ext>
+            </a:extLst>
+          </p:cNvPr>
+          <p:cNvSpPr txBox="1"/>
+          <p:nvPr/>
+        </p:nvSpPr>
+        <p:spPr>
+          <a:xfrm>
+            <a:off x="6681582" y="4218918"/>
+            <a:ext cx="479618" cy="369332"/>
+          </a:xfrm>
+          <a:prstGeom prst="rect">
+            <a:avLst/>
+          </a:prstGeom>
+          <a:noFill/>
+        </p:spPr>
+        <p:txBody>
+          <a:bodyPr wrap="none" rtlCol="0">
+            <a:spAutoFit/>
+          </a:bodyPr>
+          <a:lstStyle/>
+          <a:p>
+            <a:r>
+              <a:rPr lang="en-US" b="1" dirty="0"/>
+              <a:t>P?</a:t>
+            </a:r>
+          </a:p>
+        </p:txBody>
+      </p:sp>
+      <mc:AlternateContent xmlns:mc="http://schemas.openxmlformats.org/markup-compatibility/2006">
+        <mc:Choice xmlns:a14="http://schemas.microsoft.com/office/drawing/2010/main" Requires="a14">
+          <p:sp>
+            <p:nvSpPr>
+              <p:cNvPr id="22" name="TextBox 21">
+                <a:extLst>
+                  <a:ext uri="{FF2B5EF4-FFF2-40B4-BE49-F238E27FC236}">
+                    <a16:creationId xmlns:a16="http://schemas.microsoft.com/office/drawing/2014/main" id="{305F3607-6706-4746-ADE2-D8DFD8AE9601}"/>
+                  </a:ext>
+                </a:extLst>
+              </p:cNvPr>
+              <p:cNvSpPr txBox="1"/>
+              <p:nvPr/>
+            </p:nvSpPr>
+            <p:spPr>
+              <a:xfrm>
+                <a:off x="1337243" y="6109156"/>
+                <a:ext cx="3841180" cy="430887"/>
+              </a:xfrm>
+              <a:prstGeom prst="rect">
+                <a:avLst/>
+              </a:prstGeom>
+              <a:noFill/>
+            </p:spPr>
+            <p:txBody>
+              <a:bodyPr wrap="none" lIns="0" tIns="0" rIns="0" bIns="0" rtlCol="0">
+                <a:spAutoFit/>
+              </a:bodyPr>
+              <a:lstStyle/>
+              <a:p>
+                <a14:m>
+                  <m:oMathPara xmlns:m="http://schemas.openxmlformats.org/officeDocument/2006/math">
+                    <m:oMathParaPr>
+                      <m:jc m:val="centerGroup"/>
+                    </m:oMathParaPr>
+                    <m:oMath xmlns:m="http://schemas.openxmlformats.org/officeDocument/2006/math">
+                      <m:r>
+                        <a:rPr lang="en-US" sz="2800" b="0" i="1" smtClean="0">
+                          <a:latin typeface="Cambria Math" panose="02040503050406030204" pitchFamily="18" charset="0"/>
+                        </a:rPr>
+                        <m:t>𝐴𝑇𝑃</m:t>
+                      </m:r>
+                      <m:r>
+                        <a:rPr lang="en-US" sz="2800" b="0" i="1" smtClean="0">
+                          <a:latin typeface="Cambria Math" panose="02040503050406030204" pitchFamily="18" charset="0"/>
+                        </a:rPr>
+                        <m:t>+</m:t>
+                      </m:r>
+                      <m:sSub>
+                        <m:sSubPr>
+                          <m:ctrlPr>
+                            <a:rPr lang="en-US" sz="2800" b="0" i="1" smtClean="0">
+                              <a:latin typeface="Cambria Math" panose="02040503050406030204" pitchFamily="18" charset="0"/>
+                            </a:rPr>
+                          </m:ctrlPr>
+                        </m:sSubPr>
+                        <m:e>
+                          <m:r>
+                            <a:rPr lang="en-US" sz="2800" b="0" i="1" smtClean="0">
+                              <a:latin typeface="Cambria Math" panose="02040503050406030204" pitchFamily="18" charset="0"/>
+                            </a:rPr>
+                            <m:t>𝐻</m:t>
+                          </m:r>
+                        </m:e>
+                        <m:sub>
+                          <m:r>
+                            <a:rPr lang="en-US" sz="2800" b="0" i="1" smtClean="0">
+                              <a:latin typeface="Cambria Math" panose="02040503050406030204" pitchFamily="18" charset="0"/>
+                            </a:rPr>
+                            <m:t>2</m:t>
+                          </m:r>
+                        </m:sub>
+                      </m:sSub>
+                      <m:r>
+                        <a:rPr lang="en-US" sz="2800" b="0" i="1" smtClean="0">
+                          <a:latin typeface="Cambria Math" panose="02040503050406030204" pitchFamily="18" charset="0"/>
+                        </a:rPr>
+                        <m:t>𝑂</m:t>
+                      </m:r>
+                      <m:r>
+                        <a:rPr lang="en-US" sz="2800" b="0" i="1" smtClean="0">
+                          <a:latin typeface="Cambria Math" panose="02040503050406030204" pitchFamily="18" charset="0"/>
+                        </a:rPr>
+                        <m:t>→</m:t>
+                      </m:r>
+                      <m:r>
+                        <a:rPr lang="en-US" sz="2800" b="0" i="1" smtClean="0">
+                          <a:latin typeface="Cambria Math" panose="02040503050406030204" pitchFamily="18" charset="0"/>
+                        </a:rPr>
+                        <m:t>𝐴𝐷𝑃</m:t>
+                      </m:r>
+                      <m:r>
+                        <a:rPr lang="en-US" sz="2800" b="0" i="1" smtClean="0">
+                          <a:latin typeface="Cambria Math" panose="02040503050406030204" pitchFamily="18" charset="0"/>
+                        </a:rPr>
+                        <m:t>+</m:t>
+                      </m:r>
+                      <m:r>
+                        <a:rPr lang="en-US" sz="2800" b="0" i="1" smtClean="0">
+                          <a:latin typeface="Cambria Math" panose="02040503050406030204" pitchFamily="18" charset="0"/>
+                        </a:rPr>
+                        <m:t>𝑃</m:t>
+                      </m:r>
+                    </m:oMath>
+                  </m:oMathPara>
+                </a14:m>
+                <a:endParaRPr lang="en-US" sz="2800" dirty="0"/>
+              </a:p>
+            </p:txBody>
+          </p:sp>
+        </mc:Choice>
+        <mc:Fallback>
+          <p:sp>
+            <p:nvSpPr>
+              <p:cNvPr id="22" name="TextBox 21">
+                <a:extLst>
+                  <a:ext uri="{FF2B5EF4-FFF2-40B4-BE49-F238E27FC236}">
+                    <a16:creationId xmlns:a16="http://schemas.microsoft.com/office/drawing/2014/main" id="{305F3607-6706-4746-ADE2-D8DFD8AE9601}"/>
+                  </a:ext>
+                </a:extLst>
+              </p:cNvPr>
+              <p:cNvSpPr txBox="1">
+                <a:spLocks noRot="1" noChangeAspect="1" noMove="1" noResize="1" noEditPoints="1" noAdjustHandles="1" noChangeArrowheads="1" noChangeShapeType="1" noTextEdit="1"/>
+              </p:cNvSpPr>
+              <p:nvPr/>
+            </p:nvSpPr>
+            <p:spPr>
+              <a:xfrm>
+                <a:off x="1337243" y="6109156"/>
+                <a:ext cx="3841180" cy="430887"/>
+              </a:xfrm>
+              <a:prstGeom prst="rect">
+                <a:avLst/>
+              </a:prstGeom>
+              <a:blipFill>
+                <a:blip r:embed="rId9"/>
+                <a:stretch>
+                  <a:fillRect b="-13889"/>
+                </a:stretch>
+              </a:blipFill>
+            </p:spPr>
+            <p:txBody>
+              <a:bodyPr/>
+              <a:lstStyle/>
+              <a:p>
+                <a:r>
+                  <a:rPr lang="en-US">
+                    <a:noFill/>
+                  </a:rPr>
+                  <a:t> </a:t>
+                </a:r>
+              </a:p>
+            </p:txBody>
+          </p:sp>
+        </mc:Fallback>
+      </mc:AlternateContent>
+    </p:spTree>
+    <p:extLst>
+      <p:ext uri="{BB962C8B-B14F-4D97-AF65-F5344CB8AC3E}">
+        <p14:creationId xmlns:p14="http://schemas.microsoft.com/office/powerpoint/2010/main" val="2069600624"/>
+      </p:ext>
+    </p:extLst>
+  </p:cSld>
+  <p:clrMapOvr>
+    <a:masterClrMapping/>
+  </p:clrMapOvr>
+  <p:timing>
+    <p:tnLst>
+      <p:par>
+        <p:cTn id="1" dur="indefinite" restart="never" nodeType="tmRoot">
+          <p:childTnLst>
+            <p:seq concurrent="1" nextAc="seek">
+              <p:cTn id="2" dur="indefinite" nodeType="mainSeq">
+                <p:childTnLst>
+                  <p:par>
+                    <p:cTn id="3" fill="hold">
+                      <p:stCondLst>
+                        <p:cond delay="indefinite"/>
+                      </p:stCondLst>
+                      <p:childTnLst>
+                        <p:par>
+                          <p:cTn id="4" fill="hold">
+                            <p:stCondLst>
+                              <p:cond delay="0"/>
+                            </p:stCondLst>
+                            <p:childTnLst>
+                              <p:par>
+                                <p:cTn id="5" presetID="1" presetClass="entr" presetSubtype="0" fill="hold" grpId="0" nodeType="clickEffect">
+                                  <p:stCondLst>
+                                    <p:cond delay="0"/>
+                                  </p:stCondLst>
+                                  <p:childTnLst>
+                                    <p:set>
+                                      <p:cBhvr>
+                                        <p:cTn id="6" dur="1" fill="hold">
+                                          <p:stCondLst>
+                                            <p:cond delay="0"/>
+                                          </p:stCondLst>
+                                        </p:cTn>
+                                        <p:tgtEl>
+                                          <p:spTgt spid="10"/>
+                                        </p:tgtEl>
+                                        <p:attrNameLst>
+                                          <p:attrName>style.visibility</p:attrName>
+                                        </p:attrNameLst>
+                                      </p:cBhvr>
+                                      <p:to>
+                                        <p:strVal val="visible"/>
+                                      </p:to>
+                                    </p:set>
+                                  </p:childTnLst>
+                                </p:cTn>
+                              </p:par>
+                              <p:par>
+                                <p:cTn id="7" presetID="1" presetClass="entr" presetSubtype="0" fill="hold" grpId="0" nodeType="withEffect">
+                                  <p:stCondLst>
+                                    <p:cond delay="0"/>
+                                  </p:stCondLst>
+                                  <p:childTnLst>
+                                    <p:set>
+                                      <p:cBhvr>
+                                        <p:cTn id="8" dur="1" fill="hold">
+                                          <p:stCondLst>
+                                            <p:cond delay="0"/>
+                                          </p:stCondLst>
+                                        </p:cTn>
+                                        <p:tgtEl>
+                                          <p:spTgt spid="9"/>
+                                        </p:tgtEl>
+                                        <p:attrNameLst>
+                                          <p:attrName>style.visibility</p:attrName>
+                                        </p:attrNameLst>
+                                      </p:cBhvr>
+                                      <p:to>
+                                        <p:strVal val="visible"/>
+                                      </p:to>
+                                    </p:set>
+                                  </p:childTnLst>
+                                </p:cTn>
+                              </p:par>
+                            </p:childTnLst>
+                          </p:cTn>
+                        </p:par>
+                      </p:childTnLst>
+                    </p:cTn>
+                  </p:par>
+                  <p:par>
+                    <p:cTn id="9" fill="hold">
+                      <p:stCondLst>
+                        <p:cond delay="indefinite"/>
+                      </p:stCondLst>
+                      <p:childTnLst>
+                        <p:par>
+                          <p:cTn id="10" fill="hold">
+                            <p:stCondLst>
+                              <p:cond delay="0"/>
+                            </p:stCondLst>
+                            <p:childTnLst>
+                              <p:par>
+                                <p:cTn id="11" presetID="1" presetClass="entr" presetSubtype="0" fill="hold" grpId="0" nodeType="clickEffect">
+                                  <p:stCondLst>
+                                    <p:cond delay="0"/>
+                                  </p:stCondLst>
+                                  <p:childTnLst>
+                                    <p:set>
+                                      <p:cBhvr>
+                                        <p:cTn id="12" dur="1" fill="hold">
+                                          <p:stCondLst>
+                                            <p:cond delay="0"/>
+                                          </p:stCondLst>
+                                        </p:cTn>
+                                        <p:tgtEl>
+                                          <p:spTgt spid="15"/>
+                                        </p:tgtEl>
+                                        <p:attrNameLst>
+                                          <p:attrName>style.visibility</p:attrName>
+                                        </p:attrNameLst>
+                                      </p:cBhvr>
+                                      <p:to>
+                                        <p:strVal val="visible"/>
+                                      </p:to>
+                                    </p:set>
+                                  </p:childTnLst>
+                                </p:cTn>
+                              </p:par>
+                              <p:par>
+                                <p:cTn id="13" presetID="1" presetClass="entr" presetSubtype="0" fill="hold" nodeType="withEffect">
+                                  <p:stCondLst>
+                                    <p:cond delay="0"/>
+                                  </p:stCondLst>
+                                  <p:childTnLst>
+                                    <p:set>
+                                      <p:cBhvr>
+                                        <p:cTn id="14" dur="1" fill="hold">
+                                          <p:stCondLst>
+                                            <p:cond delay="0"/>
+                                          </p:stCondLst>
+                                        </p:cTn>
+                                        <p:tgtEl>
+                                          <p:spTgt spid="1026"/>
+                                        </p:tgtEl>
+                                        <p:attrNameLst>
+                                          <p:attrName>style.visibility</p:attrName>
+                                        </p:attrNameLst>
+                                      </p:cBhvr>
+                                      <p:to>
+                                        <p:strVal val="visible"/>
+                                      </p:to>
+                                    </p:set>
+                                  </p:childTnLst>
+                                </p:cTn>
+                              </p:par>
+                              <p:par>
+                                <p:cTn id="15" presetID="1" presetClass="entr" presetSubtype="0" fill="hold" grpId="0" nodeType="withEffect">
+                                  <p:stCondLst>
+                                    <p:cond delay="0"/>
+                                  </p:stCondLst>
+                                  <p:childTnLst>
+                                    <p:set>
+                                      <p:cBhvr>
+                                        <p:cTn id="16" dur="1" fill="hold">
+                                          <p:stCondLst>
+                                            <p:cond delay="0"/>
+                                          </p:stCondLst>
+                                        </p:cTn>
+                                        <p:tgtEl>
+                                          <p:spTgt spid="19"/>
+                                        </p:tgtEl>
+                                        <p:attrNameLst>
+                                          <p:attrName>style.visibility</p:attrName>
+                                        </p:attrNameLst>
+                                      </p:cBhvr>
+                                      <p:to>
+                                        <p:strVal val="visible"/>
+                                      </p:to>
+                                    </p:set>
+                                  </p:childTnLst>
+                                </p:cTn>
+                              </p:par>
+                              <p:par>
+                                <p:cTn id="17" presetID="1" presetClass="entr" presetSubtype="0" fill="hold" nodeType="withEffect">
+                                  <p:stCondLst>
+                                    <p:cond delay="0"/>
+                                  </p:stCondLst>
+                                  <p:childTnLst>
+                                    <p:set>
+                                      <p:cBhvr>
+                                        <p:cTn id="18" dur="1" fill="hold">
+                                          <p:stCondLst>
+                                            <p:cond delay="0"/>
+                                          </p:stCondLst>
+                                        </p:cTn>
+                                        <p:tgtEl>
+                                          <p:spTgt spid="1028"/>
+                                        </p:tgtEl>
+                                        <p:attrNameLst>
+                                          <p:attrName>style.visibility</p:attrName>
+                                        </p:attrNameLst>
+                                      </p:cBhvr>
+                                      <p:to>
+                                        <p:strVal val="visible"/>
+                                      </p:to>
+                                    </p:set>
+                                  </p:childTnLst>
+                                </p:cTn>
+                              </p:par>
+                              <p:par>
+                                <p:cTn id="19" presetID="1" presetClass="entr" presetSubtype="0" fill="hold" grpId="0" nodeType="withEffect">
+                                  <p:stCondLst>
+                                    <p:cond delay="0"/>
+                                  </p:stCondLst>
+                                  <p:childTnLst>
+                                    <p:set>
+                                      <p:cBhvr>
+                                        <p:cTn id="20" dur="1" fill="hold">
+                                          <p:stCondLst>
+                                            <p:cond delay="0"/>
+                                          </p:stCondLst>
+                                        </p:cTn>
+                                        <p:tgtEl>
+                                          <p:spTgt spid="20"/>
+                                        </p:tgtEl>
+                                        <p:attrNameLst>
+                                          <p:attrName>style.visibility</p:attrName>
+                                        </p:attrNameLst>
+                                      </p:cBhvr>
+                                      <p:to>
+                                        <p:strVal val="visible"/>
+                                      </p:to>
+                                    </p:set>
+                                  </p:childTnLst>
+                                </p:cTn>
+                              </p:par>
+                              <p:par>
+                                <p:cTn id="21" presetID="1" presetClass="entr" presetSubtype="0" fill="hold" nodeType="withEffect">
+                                  <p:stCondLst>
+                                    <p:cond delay="0"/>
+                                  </p:stCondLst>
+                                  <p:childTnLst>
+                                    <p:set>
+                                      <p:cBhvr>
+                                        <p:cTn id="22" dur="1" fill="hold">
+                                          <p:stCondLst>
+                                            <p:cond delay="0"/>
+                                          </p:stCondLst>
+                                        </p:cTn>
+                                        <p:tgtEl>
+                                          <p:spTgt spid="14"/>
+                                        </p:tgtEl>
+                                        <p:attrNameLst>
+                                          <p:attrName>style.visibility</p:attrName>
+                                        </p:attrNameLst>
+                                      </p:cBhvr>
+                                      <p:to>
+                                        <p:strVal val="visible"/>
+                                      </p:to>
+                                    </p:set>
+                                  </p:childTnLst>
+                                </p:cTn>
+                              </p:par>
+                              <p:par>
+                                <p:cTn id="23" presetID="1" presetClass="entr" presetSubtype="0" fill="hold" nodeType="withEffect">
+                                  <p:stCondLst>
+                                    <p:cond delay="0"/>
+                                  </p:stCondLst>
+                                  <p:childTnLst>
+                                    <p:set>
+                                      <p:cBhvr>
+                                        <p:cTn id="24" dur="1" fill="hold">
+                                          <p:stCondLst>
+                                            <p:cond delay="0"/>
+                                          </p:stCondLst>
+                                        </p:cTn>
+                                        <p:tgtEl>
+                                          <p:spTgt spid="12"/>
+                                        </p:tgtEl>
+                                        <p:attrNameLst>
+                                          <p:attrName>style.visibility</p:attrName>
+                                        </p:attrNameLst>
+                                      </p:cBhvr>
+                                      <p:to>
+                                        <p:strVal val="visible"/>
+                                      </p:to>
+                                    </p:set>
+                                  </p:childTnLst>
+                                </p:cTn>
+                              </p:par>
+                            </p:childTnLst>
+                          </p:cTn>
+                        </p:par>
+                      </p:childTnLst>
+                    </p:cTn>
+                  </p:par>
+                  <p:par>
+                    <p:cTn id="25" fill="hold">
+                      <p:stCondLst>
+                        <p:cond delay="indefinite"/>
+                      </p:stCondLst>
+                      <p:childTnLst>
+                        <p:par>
+                          <p:cTn id="26" fill="hold">
+                            <p:stCondLst>
+                              <p:cond delay="0"/>
+                            </p:stCondLst>
+                            <p:childTnLst>
+                              <p:par>
+                                <p:cTn id="27" presetID="1" presetClass="entr" presetSubtype="0" fill="hold" grpId="0" nodeType="clickEffect">
+                                  <p:stCondLst>
+                                    <p:cond delay="0"/>
+                                  </p:stCondLst>
+                                  <p:childTnLst>
+                                    <p:set>
+                                      <p:cBhvr>
+                                        <p:cTn id="28" dur="1" fill="hold">
+                                          <p:stCondLst>
+                                            <p:cond delay="0"/>
+                                          </p:stCondLst>
+                                        </p:cTn>
+                                        <p:tgtEl>
+                                          <p:spTgt spid="22"/>
+                                        </p:tgtEl>
+                                        <p:attrNameLst>
+                                          <p:attrName>style.visibility</p:attrName>
+                                        </p:attrNameLst>
+                                      </p:cBhvr>
+                                      <p:to>
+                                        <p:strVal val="visible"/>
+                                      </p:to>
+                                    </p:set>
+                                  </p:childTnLst>
+                                </p:cTn>
+                              </p:par>
+                            </p:childTnLst>
+                          </p:cTn>
+                        </p:par>
+                      </p:childTnLst>
+                    </p:cTn>
+                  </p:par>
+                </p:childTnLst>
+              </p:cTn>
+              <p:prevCondLst>
+                <p:cond evt="onPrev" delay="0">
+                  <p:tgtEl>
+                    <p:sldTgt/>
+                  </p:tgtEl>
+                </p:cond>
+              </p:prevCondLst>
+              <p:nextCondLst>
+                <p:cond evt="onNext" delay="0">
+                  <p:tgtEl>
+                    <p:sldTgt/>
+                  </p:tgtEl>
+                </p:cond>
+              </p:nextCondLst>
+            </p:seq>
+          </p:childTnLst>
+        </p:cTn>
+      </p:par>
+    </p:tnLst>
+    <p:bldLst>
+      <p:bldP spid="9" grpId="0"/>
+      <p:bldP spid="10" grpId="0"/>
+      <p:bldP spid="15" grpId="0"/>
+      <p:bldP spid="19" grpId="0"/>
+      <p:bldP spid="20" grpId="0"/>
+      <p:bldP spid="22" grpId="0"/>
+    </p:bldLst>
+  </p:timing>
+</p:sld>
+</file>
+
+<file path=ppt/slides/slide7.xml><?xml version="1.0" encoding="utf-8"?>
+<p:sld xmlns:a="http://schemas.openxmlformats.org/drawingml/2006/main" xmlns:r="http://schemas.openxmlformats.org/officeDocument/2006/relationships" xmlns:p="http://schemas.openxmlformats.org/presentationml/2006/main">
+  <p:cSld>
+    <p:spTree>
+      <p:nvGrpSpPr>
+        <p:cNvPr id="1" name=""/>
+        <p:cNvGrpSpPr/>
+        <p:nvPr/>
+      </p:nvGrpSpPr>
+      <p:grpSpPr>
+        <a:xfrm>
+          <a:off x="0" y="0"/>
+          <a:ext cx="0" cy="0"/>
+          <a:chOff x="0" y="0"/>
+          <a:chExt cx="0" cy="0"/>
+        </a:xfrm>
+      </p:grpSpPr>
+      <p:sp>
+        <p:nvSpPr>
+          <p:cNvPr id="2" name="Title 1">
+            <a:extLst>
+              <a:ext uri="{FF2B5EF4-FFF2-40B4-BE49-F238E27FC236}">
+                <a16:creationId xmlns:a16="http://schemas.microsoft.com/office/drawing/2014/main" id="{CBF15FD7-E000-4D40-AD8C-219E183058CE}"/>
+              </a:ext>
+            </a:extLst>
+          </p:cNvPr>
+          <p:cNvSpPr>
+            <a:spLocks noGrp="1"/>
+          </p:cNvSpPr>
+          <p:nvPr>
+            <p:ph type="title"/>
+          </p:nvPr>
+        </p:nvSpPr>
+        <p:spPr/>
+        <p:txBody>
+          <a:bodyPr/>
+          <a:lstStyle/>
+          <a:p>
+            <a:r>
+              <a:rPr lang="en-US" dirty="0"/>
+              <a:t>True Mass Balance May Not Be Desirable</a:t>
+            </a:r>
+          </a:p>
+        </p:txBody>
+      </p:sp>
+      <p:sp>
+        <p:nvSpPr>
+          <p:cNvPr id="4" name="Content Placeholder 3">
+            <a:extLst>
+              <a:ext uri="{FF2B5EF4-FFF2-40B4-BE49-F238E27FC236}">
+                <a16:creationId xmlns:a16="http://schemas.microsoft.com/office/drawing/2014/main" id="{0793E5C7-54D5-C14A-BD4B-D73C363C0C8A}"/>
+              </a:ext>
+            </a:extLst>
+          </p:cNvPr>
+          <p:cNvSpPr>
+            <a:spLocks noGrp="1"/>
+          </p:cNvSpPr>
+          <p:nvPr>
+            <p:ph idx="1"/>
+          </p:nvPr>
+        </p:nvSpPr>
+        <p:spPr>
+          <a:xfrm>
+            <a:off x="457200" y="2209799"/>
+            <a:ext cx="8229600" cy="2948941"/>
+          </a:xfrm>
+        </p:spPr>
+        <p:txBody>
+          <a:bodyPr/>
+          <a:lstStyle/>
+          <a:p>
+            <a:r>
+              <a:rPr lang="en-US" dirty="0"/>
+              <a:t>True mass balance precludes having implicit chemical species</a:t>
+            </a:r>
+          </a:p>
+          <a:p>
+            <a:pPr lvl="1"/>
+            <a:r>
+              <a:rPr lang="en-US" dirty="0"/>
+              <a:t>Present in large quantities so that concentration does not change (e.g., water)</a:t>
+            </a:r>
+          </a:p>
+          <a:p>
+            <a:r>
+              <a:rPr lang="en-US" dirty="0"/>
+              <a:t>Appeal of implicit chemical species</a:t>
+            </a:r>
+          </a:p>
+          <a:p>
+            <a:pPr lvl="1"/>
+            <a:r>
+              <a:rPr lang="en-US" dirty="0"/>
+              <a:t>Simpler reactions</a:t>
+            </a:r>
+          </a:p>
+          <a:p>
+            <a:pPr lvl="1"/>
+            <a:r>
+              <a:rPr lang="en-US" dirty="0"/>
+              <a:t>More efficient simulation</a:t>
+            </a:r>
+          </a:p>
+        </p:txBody>
+      </p:sp>
+      <p:sp>
+        <p:nvSpPr>
+          <p:cNvPr id="3" name="Slide Number Placeholder 2">
+            <a:extLst>
+              <a:ext uri="{FF2B5EF4-FFF2-40B4-BE49-F238E27FC236}">
+                <a16:creationId xmlns:a16="http://schemas.microsoft.com/office/drawing/2014/main" id="{13472C6D-DC89-1B4A-B360-508FC791B2AB}"/>
+              </a:ext>
+            </a:extLst>
+          </p:cNvPr>
+          <p:cNvSpPr>
+            <a:spLocks noGrp="1"/>
+          </p:cNvSpPr>
+          <p:nvPr>
+            <p:ph type="sldNum" sz="quarter" idx="11"/>
+          </p:nvPr>
+        </p:nvSpPr>
+        <p:spPr/>
+        <p:txBody>
+          <a:bodyPr/>
+          <a:lstStyle/>
+          <a:p>
+            <a:pPr>
+              <a:defRPr/>
+            </a:pPr>
+            <a:fld id="{2E4304A7-0FB2-4094-BC1E-DB17183AD0C1}" type="slidenum">
+              <a:rPr lang="en-US" altLang="x-none" smtClean="0"/>
+              <a:pPr>
+                <a:defRPr/>
+              </a:pPr>
+              <a:t>7</a:t>
+            </a:fld>
+            <a:endParaRPr lang="en-US" altLang="x-none"/>
+          </a:p>
+        </p:txBody>
+      </p:sp>
+      <mc:AlternateContent xmlns:mc="http://schemas.openxmlformats.org/markup-compatibility/2006">
+        <mc:Choice xmlns:a14="http://schemas.microsoft.com/office/drawing/2010/main" Requires="a14">
+          <p:sp>
+            <p:nvSpPr>
+              <p:cNvPr id="5" name="TextBox 4">
+                <a:extLst>
+                  <a:ext uri="{FF2B5EF4-FFF2-40B4-BE49-F238E27FC236}">
+                    <a16:creationId xmlns:a16="http://schemas.microsoft.com/office/drawing/2014/main" id="{242A1149-EC8C-2844-A486-80D0D75441C3}"/>
+                  </a:ext>
+                </a:extLst>
+              </p:cNvPr>
+              <p:cNvSpPr txBox="1"/>
+              <p:nvPr/>
+            </p:nvSpPr>
+            <p:spPr>
+              <a:xfrm>
+                <a:off x="2331653" y="1333142"/>
+                <a:ext cx="3841180" cy="430887"/>
+              </a:xfrm>
+              <a:prstGeom prst="rect">
+                <a:avLst/>
+              </a:prstGeom>
+              <a:noFill/>
+            </p:spPr>
+            <p:txBody>
+              <a:bodyPr wrap="none" lIns="0" tIns="0" rIns="0" bIns="0" rtlCol="0">
+                <a:spAutoFit/>
+              </a:bodyPr>
+              <a:lstStyle/>
+              <a:p>
+                <a14:m>
+                  <m:oMathPara xmlns:m="http://schemas.openxmlformats.org/officeDocument/2006/math">
+                    <m:oMathParaPr>
+                      <m:jc m:val="centerGroup"/>
+                    </m:oMathParaPr>
+                    <m:oMath xmlns:m="http://schemas.openxmlformats.org/officeDocument/2006/math">
+                      <m:r>
+                        <a:rPr lang="en-US" sz="2800" b="0" i="1" smtClean="0">
+                          <a:latin typeface="Cambria Math" panose="02040503050406030204" pitchFamily="18" charset="0"/>
+                        </a:rPr>
+                        <m:t>𝐴𝑇𝑃</m:t>
+                      </m:r>
+                      <m:r>
+                        <a:rPr lang="en-US" sz="2800" b="0" i="1" smtClean="0">
+                          <a:latin typeface="Cambria Math" panose="02040503050406030204" pitchFamily="18" charset="0"/>
+                        </a:rPr>
+                        <m:t>+</m:t>
+                      </m:r>
+                      <m:sSub>
+                        <m:sSubPr>
+                          <m:ctrlPr>
+                            <a:rPr lang="en-US" sz="2800" b="0" i="1" smtClean="0">
+                              <a:latin typeface="Cambria Math" panose="02040503050406030204" pitchFamily="18" charset="0"/>
+                            </a:rPr>
+                          </m:ctrlPr>
+                        </m:sSubPr>
+                        <m:e>
+                          <m:r>
+                            <a:rPr lang="en-US" sz="2800" b="0" i="1" smtClean="0">
+                              <a:latin typeface="Cambria Math" panose="02040503050406030204" pitchFamily="18" charset="0"/>
+                            </a:rPr>
+                            <m:t>𝐻</m:t>
+                          </m:r>
+                        </m:e>
+                        <m:sub>
+                          <m:r>
+                            <a:rPr lang="en-US" sz="2800" b="0" i="1" smtClean="0">
+                              <a:latin typeface="Cambria Math" panose="02040503050406030204" pitchFamily="18" charset="0"/>
+                            </a:rPr>
+                            <m:t>2</m:t>
+                          </m:r>
+                        </m:sub>
+                      </m:sSub>
+                      <m:r>
+                        <a:rPr lang="en-US" sz="2800" b="0" i="1" smtClean="0">
+                          <a:latin typeface="Cambria Math" panose="02040503050406030204" pitchFamily="18" charset="0"/>
+                        </a:rPr>
+                        <m:t>𝑂</m:t>
+                      </m:r>
+                      <m:r>
+                        <a:rPr lang="en-US" sz="2800" b="0" i="1" smtClean="0">
+                          <a:latin typeface="Cambria Math" panose="02040503050406030204" pitchFamily="18" charset="0"/>
+                        </a:rPr>
+                        <m:t>→</m:t>
+                      </m:r>
+                      <m:r>
+                        <a:rPr lang="en-US" sz="2800" b="0" i="1" smtClean="0">
+                          <a:latin typeface="Cambria Math" panose="02040503050406030204" pitchFamily="18" charset="0"/>
+                        </a:rPr>
+                        <m:t>𝐴𝐷𝑃</m:t>
+                      </m:r>
+                      <m:r>
+                        <a:rPr lang="en-US" sz="2800" b="0" i="1" smtClean="0">
+                          <a:latin typeface="Cambria Math" panose="02040503050406030204" pitchFamily="18" charset="0"/>
+                        </a:rPr>
+                        <m:t>+</m:t>
+                      </m:r>
+                      <m:r>
+                        <a:rPr lang="en-US" sz="2800" b="0" i="1" smtClean="0">
+                          <a:latin typeface="Cambria Math" panose="02040503050406030204" pitchFamily="18" charset="0"/>
+                        </a:rPr>
+                        <m:t>𝑃</m:t>
+                      </m:r>
+                    </m:oMath>
+                  </m:oMathPara>
+                </a14:m>
+                <a:endParaRPr lang="en-US" sz="2800" dirty="0"/>
+              </a:p>
+            </p:txBody>
+          </p:sp>
+        </mc:Choice>
+        <mc:Fallback>
+          <p:sp>
+            <p:nvSpPr>
+              <p:cNvPr id="5" name="TextBox 4">
+                <a:extLst>
+                  <a:ext uri="{FF2B5EF4-FFF2-40B4-BE49-F238E27FC236}">
+                    <a16:creationId xmlns:a16="http://schemas.microsoft.com/office/drawing/2014/main" id="{242A1149-EC8C-2844-A486-80D0D75441C3}"/>
+                  </a:ext>
+                </a:extLst>
+              </p:cNvPr>
+              <p:cNvSpPr txBox="1">
+                <a:spLocks noRot="1" noChangeAspect="1" noMove="1" noResize="1" noEditPoints="1" noAdjustHandles="1" noChangeArrowheads="1" noChangeShapeType="1" noTextEdit="1"/>
+              </p:cNvSpPr>
+              <p:nvPr/>
+            </p:nvSpPr>
+            <p:spPr>
+              <a:xfrm>
+                <a:off x="2331653" y="1333142"/>
+                <a:ext cx="3841180" cy="430887"/>
+              </a:xfrm>
+              <a:prstGeom prst="rect">
+                <a:avLst/>
+              </a:prstGeom>
+              <a:blipFill>
+                <a:blip r:embed="rId2"/>
+                <a:stretch>
+                  <a:fillRect b="-17647"/>
+                </a:stretch>
+              </a:blipFill>
+            </p:spPr>
+            <p:txBody>
+              <a:bodyPr/>
+              <a:lstStyle/>
+              <a:p>
+                <a:r>
+                  <a:rPr lang="en-US">
+                    <a:noFill/>
+                  </a:rPr>
+                  <a:t> </a:t>
+                </a:r>
+              </a:p>
+            </p:txBody>
+          </p:sp>
+        </mc:Fallback>
+      </mc:AlternateContent>
+    </p:spTree>
+    <p:extLst>
+      <p:ext uri="{BB962C8B-B14F-4D97-AF65-F5344CB8AC3E}">
+        <p14:creationId xmlns:p14="http://schemas.microsoft.com/office/powerpoint/2010/main" val="2376928042"/>
+      </p:ext>
+    </p:extLst>
+  </p:cSld>
+  <p:clrMapOvr>
+    <a:masterClrMapping/>
+  </p:clrMapOvr>
+  <p:timing>
+    <p:tnLst>
+      <p:par>
+        <p:cTn id="1" dur="indefinite" restart="never" nodeType="tmRoot">
+          <p:childTnLst>
+            <p:seq concurrent="1" nextAc="seek">
+              <p:cTn id="2" dur="indefinite" nodeType="mainSeq">
+                <p:childTnLst>
+                  <p:par>
+                    <p:cTn id="3" fill="hold">
+                      <p:stCondLst>
+                        <p:cond delay="indefinite"/>
+                      </p:stCondLst>
+                      <p:childTnLst>
+                        <p:par>
+                          <p:cTn id="4" fill="hold">
+                            <p:stCondLst>
+                              <p:cond delay="0"/>
+                            </p:stCondLst>
+                            <p:childTnLst>
+                              <p:par>
+                                <p:cTn id="5" presetID="1" presetClass="entr" presetSubtype="0" fill="hold" grpId="0" nodeType="clickEffect">
+                                  <p:stCondLst>
+                                    <p:cond delay="0"/>
+                                  </p:stCondLst>
+                                  <p:childTnLst>
+                                    <p:set>
+                                      <p:cBhvr>
+                                        <p:cTn id="6" dur="1" fill="hold">
+                                          <p:stCondLst>
+                                            <p:cond delay="0"/>
+                                          </p:stCondLst>
+                                        </p:cTn>
+                                        <p:tgtEl>
+                                          <p:spTgt spid="5"/>
+                                        </p:tgtEl>
+                                        <p:attrNameLst>
+                                          <p:attrName>style.visibility</p:attrName>
+                                        </p:attrNameLst>
+                                      </p:cBhvr>
+                                      <p:to>
+                                        <p:strVal val="visible"/>
+                                      </p:to>
+                                    </p:set>
+                                  </p:childTnLst>
+                                </p:cTn>
+                              </p:par>
+                            </p:childTnLst>
+                          </p:cTn>
+                        </p:par>
+                      </p:childTnLst>
+                    </p:cTn>
+                  </p:par>
+                </p:childTnLst>
+              </p:cTn>
+              <p:prevCondLst>
+                <p:cond evt="onPrev" delay="0">
+                  <p:tgtEl>
+                    <p:sldTgt/>
+                  </p:tgtEl>
+                </p:cond>
+              </p:prevCondLst>
+              <p:nextCondLst>
+                <p:cond evt="onNext" delay="0">
+                  <p:tgtEl>
+                    <p:sldTgt/>
+                  </p:tgtEl>
+                </p:cond>
+              </p:nextCondLst>
+            </p:seq>
+          </p:childTnLst>
+        </p:cTn>
+      </p:par>
+    </p:tnLst>
+    <p:bldLst>
+      <p:bldP spid="5" grpId="0"/>
+    </p:bldLst>
+  </p:timing>
+</p:sld>
+</file>
+
+<file path=ppt/slides/slide8.xml><?xml version="1.0" encoding="utf-8"?>
+<p:sld xmlns:a="http://schemas.openxmlformats.org/drawingml/2006/main" xmlns:r="http://schemas.openxmlformats.org/officeDocument/2006/relationships" xmlns:p="http://schemas.openxmlformats.org/presentationml/2006/main">
+  <p:cSld>
+    <p:spTree>
+      <p:nvGrpSpPr>
+        <p:cNvPr id="1" name=""/>
+        <p:cNvGrpSpPr/>
+        <p:nvPr/>
+      </p:nvGrpSpPr>
+      <p:grpSpPr>
+        <a:xfrm>
+          <a:off x="0" y="0"/>
+          <a:ext cx="0" cy="0"/>
+          <a:chOff x="0" y="0"/>
+          <a:chExt cx="0" cy="0"/>
+        </a:xfrm>
+      </p:grpSpPr>
+      <p:sp>
+        <p:nvSpPr>
+          <p:cNvPr id="2" name="Title 1">
+            <a:extLst>
+              <a:ext uri="{FF2B5EF4-FFF2-40B4-BE49-F238E27FC236}">
+                <a16:creationId xmlns:a16="http://schemas.microsoft.com/office/drawing/2014/main" id="{B7E89191-1199-B54C-9C80-2769873E61C6}"/>
+              </a:ext>
+            </a:extLst>
+          </p:cNvPr>
+          <p:cNvSpPr>
+            <a:spLocks noGrp="1"/>
+          </p:cNvSpPr>
+          <p:nvPr>
+            <p:ph type="title"/>
+          </p:nvPr>
+        </p:nvSpPr>
+        <p:spPr/>
+        <p:txBody>
+          <a:bodyPr/>
+          <a:lstStyle/>
+          <a:p>
+            <a:r>
+              <a:rPr lang="en-US" dirty="0" err="1"/>
+              <a:t>Moietities</a:t>
+            </a:r>
+            <a:endParaRPr lang="en-US" dirty="0"/>
+          </a:p>
+        </p:txBody>
+      </p:sp>
+      <p:sp>
+        <p:nvSpPr>
+          <p:cNvPr id="3" name="Content Placeholder 2">
+            <a:extLst>
+              <a:ext uri="{FF2B5EF4-FFF2-40B4-BE49-F238E27FC236}">
+                <a16:creationId xmlns:a16="http://schemas.microsoft.com/office/drawing/2014/main" id="{C5775E74-9B5C-FA45-B08C-8793854AEA50}"/>
+              </a:ext>
+            </a:extLst>
+          </p:cNvPr>
+          <p:cNvSpPr>
+            <a:spLocks noGrp="1"/>
+          </p:cNvSpPr>
+          <p:nvPr>
+            <p:ph idx="1"/>
+          </p:nvPr>
+        </p:nvSpPr>
+        <p:spPr>
+          <a:xfrm>
+            <a:off x="457200" y="1371599"/>
+            <a:ext cx="8229600" cy="1783081"/>
+          </a:xfrm>
+        </p:spPr>
+        <p:txBody>
+          <a:bodyPr/>
+          <a:lstStyle/>
+          <a:p>
+            <a:r>
+              <a:rPr lang="en-US" dirty="0"/>
+              <a:t>A moiety refers to a collection of chemical species that have similar chemical functions.</a:t>
+            </a:r>
+          </a:p>
+          <a:p>
+            <a:r>
+              <a:rPr lang="en-US" dirty="0"/>
+              <a:t>Example: Variations in the chemical structure of inorganic phosphates.</a:t>
+            </a:r>
+          </a:p>
+        </p:txBody>
+      </p:sp>
+      <p:sp>
+        <p:nvSpPr>
+          <p:cNvPr id="4" name="Slide Number Placeholder 3">
+            <a:extLst>
+              <a:ext uri="{FF2B5EF4-FFF2-40B4-BE49-F238E27FC236}">
+                <a16:creationId xmlns:a16="http://schemas.microsoft.com/office/drawing/2014/main" id="{59FA6603-CC09-9543-81B6-D13EB8D38DB7}"/>
+              </a:ext>
+            </a:extLst>
+          </p:cNvPr>
+          <p:cNvSpPr>
+            <a:spLocks noGrp="1"/>
+          </p:cNvSpPr>
+          <p:nvPr>
+            <p:ph type="sldNum" sz="quarter" idx="11"/>
+          </p:nvPr>
+        </p:nvSpPr>
+        <p:spPr/>
+        <p:txBody>
+          <a:bodyPr/>
+          <a:lstStyle/>
+          <a:p>
+            <a:pPr>
+              <a:defRPr/>
+            </a:pPr>
+            <a:fld id="{3EF4E9CC-9D91-476E-91FD-5BEEC1642931}" type="slidenum">
+              <a:rPr lang="en-US" altLang="x-none" smtClean="0"/>
+              <a:pPr>
+                <a:defRPr/>
+              </a:pPr>
+              <a:t>8</a:t>
+            </a:fld>
+            <a:endParaRPr lang="en-US" altLang="x-none"/>
+          </a:p>
+        </p:txBody>
+      </p:sp>
+      <p:pic>
+        <p:nvPicPr>
+          <p:cNvPr id="5" name="Picture 2" descr="ATP structure + function">
+            <a:extLst>
+              <a:ext uri="{FF2B5EF4-FFF2-40B4-BE49-F238E27FC236}">
+                <a16:creationId xmlns:a16="http://schemas.microsoft.com/office/drawing/2014/main" id="{1906D2C7-8548-F644-9269-F68B50DD06C9}"/>
+              </a:ext>
+            </a:extLst>
+          </p:cNvPr>
+          <p:cNvPicPr>
+            <a:picLocks noChangeAspect="1" noChangeArrowheads="1"/>
+          </p:cNvPicPr>
+          <p:nvPr/>
+        </p:nvPicPr>
+        <p:blipFill>
+          <a:blip r:embed="rId2">
+            <a:extLst>
+              <a:ext uri="{28A0092B-C50C-407E-A947-70E740481C1C}">
+                <a14:useLocalDpi xmlns:a14="http://schemas.microsoft.com/office/drawing/2010/main" val="0"/>
+              </a:ext>
+            </a:extLst>
+          </a:blip>
+          <a:srcRect/>
+          <a:stretch>
+            <a:fillRect/>
+          </a:stretch>
+        </p:blipFill>
+        <p:spPr bwMode="auto">
+          <a:xfrm>
+            <a:off x="1243584" y="3321711"/>
+            <a:ext cx="4718304" cy="2660599"/>
+          </a:xfrm>
+          <a:prstGeom prst="rect">
+            <a:avLst/>
+          </a:prstGeom>
+          <a:noFill/>
+          <a:extLst>
+            <a:ext uri="{909E8E84-426E-40DD-AFC4-6F175D3DCCD1}">
+              <a14:hiddenFill xmlns:a14="http://schemas.microsoft.com/office/drawing/2010/main">
+                <a:solidFill>
+                  <a:srgbClr val="FFFFFF"/>
+                </a:solidFill>
+              </a14:hiddenFill>
+            </a:ext>
+          </a:extLst>
+        </p:spPr>
+      </p:pic>
+      <p:sp>
+        <p:nvSpPr>
+          <p:cNvPr id="6" name="Rectangle 5">
+            <a:extLst>
+              <a:ext uri="{FF2B5EF4-FFF2-40B4-BE49-F238E27FC236}">
+                <a16:creationId xmlns:a16="http://schemas.microsoft.com/office/drawing/2014/main" id="{6C3586C1-78B7-4E4F-AFFD-C5A8325726B2}"/>
+              </a:ext>
+            </a:extLst>
+          </p:cNvPr>
+          <p:cNvSpPr/>
+          <p:nvPr/>
+        </p:nvSpPr>
+        <p:spPr>
+          <a:xfrm>
+            <a:off x="2208922" y="3321711"/>
+            <a:ext cx="2843137" cy="347319"/>
+          </a:xfrm>
+          <a:prstGeom prst="rect">
+            <a:avLst/>
+          </a:prstGeom>
+          <a:solidFill>
+            <a:schemeClr val="bg1"/>
+          </a:solidFill>
+          <a:ln>
+            <a:noFill/>
+          </a:ln>
+          <a:effectLst>
+            <a:outerShdw dist="23000" sx="1000" sy="1000" rotWithShape="0">
+              <a:srgbClr val="000000"/>
+            </a:outerShdw>
+          </a:effectLst>
+        </p:spPr>
+        <p:style>
+          <a:lnRef idx="1">
+            <a:schemeClr val="accent1"/>
+          </a:lnRef>
+          <a:fillRef idx="3">
+            <a:schemeClr val="accent1"/>
+          </a:fillRef>
+          <a:effectRef idx="2">
+            <a:schemeClr val="accent1"/>
+          </a:effectRef>
+          <a:fontRef idx="minor">
+            <a:schemeClr val="lt1"/>
+          </a:fontRef>
+        </p:style>
+        <p:txBody>
+          <a:bodyPr rtlCol="0" anchor="ctr"/>
+          <a:lstStyle/>
+          <a:p>
+            <a:pPr algn="ctr"/>
+            <a:endParaRPr lang="en-US"/>
+          </a:p>
+        </p:txBody>
+      </p:sp>
+      <p:sp>
+        <p:nvSpPr>
+          <p:cNvPr id="7" name="Rectangle 6">
+            <a:extLst>
+              <a:ext uri="{FF2B5EF4-FFF2-40B4-BE49-F238E27FC236}">
+                <a16:creationId xmlns:a16="http://schemas.microsoft.com/office/drawing/2014/main" id="{E48CA075-0859-D44F-B8DC-613C4982AB2E}"/>
+              </a:ext>
+            </a:extLst>
+          </p:cNvPr>
+          <p:cNvSpPr/>
+          <p:nvPr/>
+        </p:nvSpPr>
+        <p:spPr>
+          <a:xfrm>
+            <a:off x="3821199" y="3608070"/>
+            <a:ext cx="2843137" cy="2278380"/>
+          </a:xfrm>
+          <a:prstGeom prst="rect">
+            <a:avLst/>
+          </a:prstGeom>
+          <a:solidFill>
+            <a:schemeClr val="bg1"/>
+          </a:solidFill>
+          <a:ln>
+            <a:noFill/>
+          </a:ln>
+          <a:effectLst>
+            <a:outerShdw dist="23000" sx="1000" sy="1000" rotWithShape="0">
+              <a:srgbClr val="000000"/>
+            </a:outerShdw>
+          </a:effectLst>
+        </p:spPr>
+        <p:style>
+          <a:lnRef idx="1">
+            <a:schemeClr val="accent1"/>
+          </a:lnRef>
+          <a:fillRef idx="3">
+            <a:schemeClr val="accent1"/>
+          </a:fillRef>
+          <a:effectRef idx="2">
+            <a:schemeClr val="accent1"/>
+          </a:effectRef>
+          <a:fontRef idx="minor">
+            <a:schemeClr val="lt1"/>
+          </a:fontRef>
+        </p:style>
+        <p:txBody>
+          <a:bodyPr rtlCol="0" anchor="ctr"/>
+          <a:lstStyle/>
+          <a:p>
+            <a:pPr algn="ctr"/>
+            <a:endParaRPr lang="en-US"/>
+          </a:p>
+        </p:txBody>
+      </p:sp>
+      <mc:AlternateContent xmlns:mc="http://schemas.openxmlformats.org/markup-compatibility/2006">
+        <mc:Choice xmlns:a14="http://schemas.microsoft.com/office/drawing/2010/main" Requires="a14">
+          <p:sp>
+            <p:nvSpPr>
+              <p:cNvPr id="8" name="TextBox 7">
+                <a:extLst>
+                  <a:ext uri="{FF2B5EF4-FFF2-40B4-BE49-F238E27FC236}">
+                    <a16:creationId xmlns:a16="http://schemas.microsoft.com/office/drawing/2014/main" id="{D2E5517D-9F49-9D48-A2CD-07B1B8442A60}"/>
+                  </a:ext>
+                </a:extLst>
+              </p:cNvPr>
+              <p:cNvSpPr txBox="1"/>
+              <p:nvPr/>
+            </p:nvSpPr>
+            <p:spPr>
+              <a:xfrm>
+                <a:off x="3076177" y="3807061"/>
+                <a:ext cx="278601" cy="369332"/>
+              </a:xfrm>
+              <a:prstGeom prst="rect">
+                <a:avLst/>
+              </a:prstGeom>
+              <a:noFill/>
+            </p:spPr>
+            <p:txBody>
+              <a:bodyPr wrap="none" lIns="0" tIns="0" rIns="0" bIns="0" rtlCol="0">
+                <a:spAutoFit/>
+              </a:bodyPr>
+              <a:lstStyle/>
+              <a:p>
+                <a14:m>
+                  <m:oMathPara xmlns:m="http://schemas.openxmlformats.org/officeDocument/2006/math">
+                    <m:oMathParaPr>
+                      <m:jc m:val="centerGroup"/>
+                    </m:oMathParaPr>
+                    <m:oMath xmlns:m="http://schemas.openxmlformats.org/officeDocument/2006/math">
+                      <m:r>
+                        <a:rPr lang="en-US" sz="2400" b="0" i="1" smtClean="0">
+                          <a:latin typeface="Cambria Math" panose="02040503050406030204" pitchFamily="18" charset="0"/>
+                        </a:rPr>
+                        <m:t>𝛼</m:t>
+                      </m:r>
+                    </m:oMath>
+                  </m:oMathPara>
+                </a14:m>
+                <a:endParaRPr lang="en-US" dirty="0"/>
+              </a:p>
+            </p:txBody>
+          </p:sp>
+        </mc:Choice>
+        <mc:Fallback>
+          <p:sp>
+            <p:nvSpPr>
+              <p:cNvPr id="8" name="TextBox 7">
+                <a:extLst>
+                  <a:ext uri="{FF2B5EF4-FFF2-40B4-BE49-F238E27FC236}">
+                    <a16:creationId xmlns:a16="http://schemas.microsoft.com/office/drawing/2014/main" id="{D2E5517D-9F49-9D48-A2CD-07B1B8442A60}"/>
+                  </a:ext>
+                </a:extLst>
+              </p:cNvPr>
+              <p:cNvSpPr txBox="1">
+                <a:spLocks noRot="1" noChangeAspect="1" noMove="1" noResize="1" noEditPoints="1" noAdjustHandles="1" noChangeArrowheads="1" noChangeShapeType="1" noTextEdit="1"/>
+              </p:cNvSpPr>
+              <p:nvPr/>
+            </p:nvSpPr>
+            <p:spPr>
+              <a:xfrm>
+                <a:off x="3076177" y="3807061"/>
+                <a:ext cx="278601" cy="369332"/>
+              </a:xfrm>
+              <a:prstGeom prst="rect">
+                <a:avLst/>
+              </a:prstGeom>
+              <a:blipFill>
+                <a:blip r:embed="rId3"/>
+                <a:stretch>
+                  <a:fillRect l="-9091" r="-9091"/>
+                </a:stretch>
+              </a:blipFill>
+            </p:spPr>
+            <p:txBody>
+              <a:bodyPr/>
+              <a:lstStyle/>
+              <a:p>
+                <a:r>
+                  <a:rPr lang="en-US">
+                    <a:noFill/>
+                  </a:rPr>
+                  <a:t> </a:t>
+                </a:r>
+              </a:p>
+            </p:txBody>
+          </p:sp>
+        </mc:Fallback>
+      </mc:AlternateContent>
+      <mc:AlternateContent xmlns:mc="http://schemas.openxmlformats.org/markup-compatibility/2006">
+        <mc:Choice xmlns:a14="http://schemas.microsoft.com/office/drawing/2010/main" Requires="a14">
+          <p:sp>
+            <p:nvSpPr>
+              <p:cNvPr id="9" name="TextBox 8">
+                <a:extLst>
+                  <a:ext uri="{FF2B5EF4-FFF2-40B4-BE49-F238E27FC236}">
+                    <a16:creationId xmlns:a16="http://schemas.microsoft.com/office/drawing/2014/main" id="{1ECCC29B-7E0C-8147-A030-0013F3E36537}"/>
+                  </a:ext>
+                </a:extLst>
+              </p:cNvPr>
+              <p:cNvSpPr txBox="1"/>
+              <p:nvPr/>
+            </p:nvSpPr>
+            <p:spPr>
+              <a:xfrm>
+                <a:off x="2462767" y="3810871"/>
+                <a:ext cx="280205" cy="369332"/>
+              </a:xfrm>
+              <a:prstGeom prst="rect">
+                <a:avLst/>
+              </a:prstGeom>
+              <a:noFill/>
+            </p:spPr>
+            <p:txBody>
+              <a:bodyPr wrap="none" lIns="0" tIns="0" rIns="0" bIns="0" rtlCol="0">
+                <a:spAutoFit/>
+              </a:bodyPr>
+              <a:lstStyle/>
+              <a:p>
+                <a14:m>
+                  <m:oMathPara xmlns:m="http://schemas.openxmlformats.org/officeDocument/2006/math">
+                    <m:oMathParaPr>
+                      <m:jc m:val="centerGroup"/>
+                    </m:oMathParaPr>
+                    <m:oMath xmlns:m="http://schemas.openxmlformats.org/officeDocument/2006/math">
+                      <m:r>
+                        <a:rPr lang="en-US" sz="2400" b="0" i="1" smtClean="0">
+                          <a:latin typeface="Cambria Math" panose="02040503050406030204" pitchFamily="18" charset="0"/>
+                        </a:rPr>
+                        <m:t>𝛽</m:t>
+                      </m:r>
+                    </m:oMath>
+                  </m:oMathPara>
+                </a14:m>
+                <a:endParaRPr lang="en-US" dirty="0"/>
+              </a:p>
+            </p:txBody>
+          </p:sp>
+        </mc:Choice>
+        <mc:Fallback>
+          <p:sp>
+            <p:nvSpPr>
+              <p:cNvPr id="9" name="TextBox 8">
+                <a:extLst>
+                  <a:ext uri="{FF2B5EF4-FFF2-40B4-BE49-F238E27FC236}">
+                    <a16:creationId xmlns:a16="http://schemas.microsoft.com/office/drawing/2014/main" id="{1ECCC29B-7E0C-8147-A030-0013F3E36537}"/>
+                  </a:ext>
+                </a:extLst>
+              </p:cNvPr>
+              <p:cNvSpPr txBox="1">
+                <a:spLocks noRot="1" noChangeAspect="1" noMove="1" noResize="1" noEditPoints="1" noAdjustHandles="1" noChangeArrowheads="1" noChangeShapeType="1" noTextEdit="1"/>
+              </p:cNvSpPr>
+              <p:nvPr/>
+            </p:nvSpPr>
+            <p:spPr>
+              <a:xfrm>
+                <a:off x="2462767" y="3810871"/>
+                <a:ext cx="280205" cy="369332"/>
+              </a:xfrm>
+              <a:prstGeom prst="rect">
+                <a:avLst/>
+              </a:prstGeom>
+              <a:blipFill>
+                <a:blip r:embed="rId4"/>
+                <a:stretch>
+                  <a:fillRect l="-29167" r="-29167" b="-33333"/>
+                </a:stretch>
+              </a:blipFill>
+            </p:spPr>
+            <p:txBody>
+              <a:bodyPr/>
+              <a:lstStyle/>
+              <a:p>
+                <a:r>
+                  <a:rPr lang="en-US">
+                    <a:noFill/>
+                  </a:rPr>
+                  <a:t> </a:t>
+                </a:r>
+              </a:p>
+            </p:txBody>
+          </p:sp>
+        </mc:Fallback>
+      </mc:AlternateContent>
+      <mc:AlternateContent xmlns:mc="http://schemas.openxmlformats.org/markup-compatibility/2006">
+        <mc:Choice xmlns:a14="http://schemas.microsoft.com/office/drawing/2010/main" Requires="a14">
+          <p:sp>
+            <p:nvSpPr>
+              <p:cNvPr id="10" name="TextBox 9">
+                <a:extLst>
+                  <a:ext uri="{FF2B5EF4-FFF2-40B4-BE49-F238E27FC236}">
+                    <a16:creationId xmlns:a16="http://schemas.microsoft.com/office/drawing/2014/main" id="{76B0D32C-7C1E-4E4F-BFE8-0B3D7C3E86C1}"/>
+                  </a:ext>
+                </a:extLst>
+              </p:cNvPr>
+              <p:cNvSpPr txBox="1"/>
+              <p:nvPr/>
+            </p:nvSpPr>
+            <p:spPr>
+              <a:xfrm>
+                <a:off x="1643617" y="3826111"/>
+                <a:ext cx="767839" cy="1015663"/>
+              </a:xfrm>
+              <a:prstGeom prst="rect">
+                <a:avLst/>
+              </a:prstGeom>
+              <a:noFill/>
+            </p:spPr>
+            <p:txBody>
+              <a:bodyPr wrap="none" lIns="0" tIns="0" rIns="0" bIns="0" rtlCol="0">
+                <a:spAutoFit/>
+              </a:bodyPr>
+              <a:lstStyle/>
+              <a:p>
+                <a14:m>
+                  <m:oMathPara xmlns:m="http://schemas.openxmlformats.org/officeDocument/2006/math">
+                    <m:oMathParaPr>
+                      <m:jc m:val="centerGroup"/>
+                    </m:oMathParaPr>
+                    <m:oMath xmlns:m="http://schemas.openxmlformats.org/officeDocument/2006/math">
+                      <m:r>
+                        <m:rPr>
+                          <m:sty m:val="p"/>
+                        </m:rPr>
+                        <a:rPr lang="en-US" sz="2400" b="0" i="1" smtClean="0">
+                          <a:latin typeface="Cambria Math" panose="02040503050406030204" pitchFamily="18" charset="0"/>
+                        </a:rPr>
+                        <m:t>γ</m:t>
+                      </m:r>
+                    </m:oMath>
+                  </m:oMathPara>
+                </a14:m>
+                <a:endParaRPr lang="en-US" sz="2400" b="0" dirty="0"/>
+              </a:p>
+              <a:p>
+                <a:endParaRPr lang="en-US" sz="2400" b="0" dirty="0"/>
+              </a:p>
+              <a:p>
+                <a:endParaRPr lang="en-US" dirty="0"/>
+              </a:p>
+            </p:txBody>
+          </p:sp>
+        </mc:Choice>
+        <mc:Fallback>
+          <p:sp>
+            <p:nvSpPr>
+              <p:cNvPr id="10" name="TextBox 9">
+                <a:extLst>
+                  <a:ext uri="{FF2B5EF4-FFF2-40B4-BE49-F238E27FC236}">
+                    <a16:creationId xmlns:a16="http://schemas.microsoft.com/office/drawing/2014/main" id="{76B0D32C-7C1E-4E4F-BFE8-0B3D7C3E86C1}"/>
+                  </a:ext>
+                </a:extLst>
+              </p:cNvPr>
+              <p:cNvSpPr txBox="1">
+                <a:spLocks noRot="1" noChangeAspect="1" noMove="1" noResize="1" noEditPoints="1" noAdjustHandles="1" noChangeArrowheads="1" noChangeShapeType="1" noTextEdit="1"/>
+              </p:cNvSpPr>
+              <p:nvPr/>
+            </p:nvSpPr>
+            <p:spPr>
+              <a:xfrm>
+                <a:off x="1643617" y="3826111"/>
+                <a:ext cx="767839" cy="1015663"/>
+              </a:xfrm>
+              <a:prstGeom prst="rect">
+                <a:avLst/>
+              </a:prstGeom>
+              <a:blipFill>
+                <a:blip r:embed="rId5"/>
+                <a:stretch>
+                  <a:fillRect/>
+                </a:stretch>
+              </a:blipFill>
+            </p:spPr>
+            <p:txBody>
+              <a:bodyPr/>
+              <a:lstStyle/>
+              <a:p>
+                <a:r>
+                  <a:rPr lang="en-US">
+                    <a:noFill/>
+                  </a:rPr>
+                  <a:t> </a:t>
+                </a:r>
+              </a:p>
+            </p:txBody>
+          </p:sp>
+        </mc:Fallback>
+      </mc:AlternateContent>
+      <p:pic>
+        <p:nvPicPr>
+          <p:cNvPr id="11" name="Picture 10" descr="Chart&#10;&#10;Description automatically generated">
+            <a:extLst>
+              <a:ext uri="{FF2B5EF4-FFF2-40B4-BE49-F238E27FC236}">
+                <a16:creationId xmlns:a16="http://schemas.microsoft.com/office/drawing/2014/main" id="{1C9732C7-E9E9-D04A-B56B-D0094B5EF616}"/>
+              </a:ext>
+            </a:extLst>
+          </p:cNvPr>
+          <p:cNvPicPr>
+            <a:picLocks noChangeAspect="1"/>
+          </p:cNvPicPr>
+          <p:nvPr/>
+        </p:nvPicPr>
+        <p:blipFill>
+          <a:blip r:embed="rId6"/>
+          <a:stretch>
+            <a:fillRect/>
+          </a:stretch>
+        </p:blipFill>
+        <p:spPr>
+          <a:xfrm>
+            <a:off x="4760263" y="4087853"/>
+            <a:ext cx="1533986" cy="1201314"/>
+          </a:xfrm>
+          <a:prstGeom prst="rect">
+            <a:avLst/>
+          </a:prstGeom>
+        </p:spPr>
+      </p:pic>
+    </p:spTree>
+    <p:extLst>
+      <p:ext uri="{BB962C8B-B14F-4D97-AF65-F5344CB8AC3E}">
+        <p14:creationId xmlns:p14="http://schemas.microsoft.com/office/powerpoint/2010/main" val="2045824325"/>
+      </p:ext>
+    </p:extLst>
+  </p:cSld>
+  <p:clrMapOvr>
+    <a:masterClrMapping/>
+  </p:clrMapOvr>
+</p:sld>
+</file>
+
+<file path=ppt/slides/slide9.xml><?xml version="1.0" encoding="utf-8"?>
+<p:sld xmlns:a="http://schemas.openxmlformats.org/drawingml/2006/main" xmlns:r="http://schemas.openxmlformats.org/officeDocument/2006/relationships" xmlns:p="http://schemas.openxmlformats.org/presentationml/2006/main">
+  <p:cSld>
+    <p:spTree>
+      <p:nvGrpSpPr>
+        <p:cNvPr id="1" name=""/>
+        <p:cNvGrpSpPr/>
+        <p:nvPr/>
+      </p:nvGrpSpPr>
+      <p:grpSpPr>
+        <a:xfrm>
+          <a:off x="0" y="0"/>
+          <a:ext cx="0" cy="0"/>
+          <a:chOff x="0" y="0"/>
+          <a:chExt cx="0" cy="0"/>
+        </a:xfrm>
+      </p:grpSpPr>
+      <p:sp>
+        <p:nvSpPr>
+          <p:cNvPr id="2" name="Title 1">
+            <a:extLst>
+              <a:ext uri="{FF2B5EF4-FFF2-40B4-BE49-F238E27FC236}">
+                <a16:creationId xmlns:a16="http://schemas.microsoft.com/office/drawing/2014/main" id="{95574A68-6B44-BD45-9C34-BFD7B2A631D4}"/>
+              </a:ext>
+            </a:extLst>
+          </p:cNvPr>
+          <p:cNvSpPr>
+            <a:spLocks noGrp="1"/>
+          </p:cNvSpPr>
+          <p:nvPr>
+            <p:ph type="title"/>
+          </p:nvPr>
+        </p:nvSpPr>
+        <p:spPr>
+          <a:xfrm>
+            <a:off x="457200" y="297021"/>
+            <a:ext cx="8229600" cy="838200"/>
+          </a:xfrm>
+        </p:spPr>
+        <p:txBody>
+          <a:bodyPr/>
+          <a:lstStyle/>
+          <a:p>
+            <a:r>
+              <a:rPr lang="en-US" dirty="0"/>
+              <a:t>Moiety Analysis</a:t>
+            </a:r>
+          </a:p>
+        </p:txBody>
+      </p:sp>
+      <p:sp>
+        <p:nvSpPr>
+          <p:cNvPr id="3" name="Content Placeholder 2">
+            <a:extLst>
+              <a:ext uri="{FF2B5EF4-FFF2-40B4-BE49-F238E27FC236}">
+                <a16:creationId xmlns:a16="http://schemas.microsoft.com/office/drawing/2014/main" id="{936BFEB7-34E1-F14F-B60C-ED72D40A214D}"/>
+              </a:ext>
+            </a:extLst>
+          </p:cNvPr>
+          <p:cNvSpPr>
+            <a:spLocks noGrp="1"/>
+          </p:cNvSpPr>
+          <p:nvPr>
+            <p:ph idx="1"/>
+          </p:nvPr>
+        </p:nvSpPr>
+        <p:spPr>
+          <a:xfrm>
+            <a:off x="457200" y="876140"/>
+            <a:ext cx="8229600" cy="2537461"/>
+          </a:xfrm>
+        </p:spPr>
+        <p:txBody>
+          <a:bodyPr/>
+          <a:lstStyle/>
+          <a:p>
+            <a:r>
+              <a:rPr lang="en-US" dirty="0"/>
+              <a:t>Moiety analysis provides a way to check consistency of reactions while having flexibility about the exact chemical formula</a:t>
+            </a:r>
+          </a:p>
+          <a:p>
+            <a:r>
+              <a:rPr lang="en-US" dirty="0"/>
+              <a:t>Chemical species are represented by their moiety structure</a:t>
+            </a:r>
+          </a:p>
+          <a:p>
+            <a:r>
+              <a:rPr lang="en-US" dirty="0"/>
+              <a:t>A reaction is “moiety preserving” if the counts of moieties in the reactants is the same as the counts in the products.</a:t>
+            </a:r>
+          </a:p>
+        </p:txBody>
+      </p:sp>
+      <p:sp>
+        <p:nvSpPr>
+          <p:cNvPr id="4" name="Slide Number Placeholder 3">
+            <a:extLst>
+              <a:ext uri="{FF2B5EF4-FFF2-40B4-BE49-F238E27FC236}">
+                <a16:creationId xmlns:a16="http://schemas.microsoft.com/office/drawing/2014/main" id="{FE908DA9-B396-0F44-A4D2-4CC8C3737589}"/>
+              </a:ext>
+            </a:extLst>
+          </p:cNvPr>
+          <p:cNvSpPr>
+            <a:spLocks noGrp="1"/>
+          </p:cNvSpPr>
+          <p:nvPr>
+            <p:ph type="sldNum" sz="quarter" idx="11"/>
+          </p:nvPr>
+        </p:nvSpPr>
+        <p:spPr/>
+        <p:txBody>
+          <a:bodyPr/>
+          <a:lstStyle/>
+          <a:p>
+            <a:pPr>
+              <a:defRPr/>
+            </a:pPr>
+            <a:fld id="{3EF4E9CC-9D91-476E-91FD-5BEEC1642931}" type="slidenum">
+              <a:rPr lang="en-US" altLang="x-none" smtClean="0"/>
+              <a:pPr>
+                <a:defRPr/>
+              </a:pPr>
+              <a:t>9</a:t>
+            </a:fld>
+            <a:endParaRPr lang="en-US" altLang="x-none"/>
+          </a:p>
+        </p:txBody>
+      </p:sp>
+      <p:graphicFrame>
+        <p:nvGraphicFramePr>
+          <p:cNvPr id="5" name="Table 5">
+            <a:extLst>
+              <a:ext uri="{FF2B5EF4-FFF2-40B4-BE49-F238E27FC236}">
+                <a16:creationId xmlns:a16="http://schemas.microsoft.com/office/drawing/2014/main" id="{B25AD06A-7EA3-374D-85AA-7062854324CC}"/>
+              </a:ext>
+            </a:extLst>
+          </p:cNvPr>
+          <p:cNvGraphicFramePr>
+            <a:graphicFrameLocks noGrp="1"/>
+          </p:cNvGraphicFramePr>
+          <p:nvPr>
+            <p:extLst>
+              <p:ext uri="{D42A27DB-BD31-4B8C-83A1-F6EECF244321}">
+                <p14:modId xmlns:p14="http://schemas.microsoft.com/office/powerpoint/2010/main" val="462122071"/>
+              </p:ext>
+            </p:extLst>
+          </p:nvPr>
+        </p:nvGraphicFramePr>
+        <p:xfrm>
+          <a:off x="369571" y="3467099"/>
+          <a:ext cx="3185393" cy="1112520"/>
+        </p:xfrm>
+        <a:graphic>
+          <a:graphicData uri="http://schemas.openxmlformats.org/drawingml/2006/table">
+            <a:tbl>
+              <a:tblPr firstRow="1" bandRow="1">
+                <a:tableStyleId>{5C22544A-7EE6-4342-B048-85BDC9FD1C3A}</a:tableStyleId>
+              </a:tblPr>
+              <a:tblGrid>
+                <a:gridCol w="1151319">
+                  <a:extLst>
+                    <a:ext uri="{9D8B030D-6E8A-4147-A177-3AD203B41FA5}">
+                      <a16:colId xmlns:a16="http://schemas.microsoft.com/office/drawing/2014/main" val="502210968"/>
+                    </a:ext>
+                  </a:extLst>
+                </a:gridCol>
+                <a:gridCol w="681134">
+                  <a:extLst>
+                    <a:ext uri="{9D8B030D-6E8A-4147-A177-3AD203B41FA5}">
+                      <a16:colId xmlns:a16="http://schemas.microsoft.com/office/drawing/2014/main" val="2969247410"/>
+                    </a:ext>
+                  </a:extLst>
+                </a:gridCol>
+                <a:gridCol w="709127">
+                  <a:extLst>
+                    <a:ext uri="{9D8B030D-6E8A-4147-A177-3AD203B41FA5}">
+                      <a16:colId xmlns:a16="http://schemas.microsoft.com/office/drawing/2014/main" val="3150918022"/>
+                    </a:ext>
+                  </a:extLst>
+                </a:gridCol>
+                <a:gridCol w="643813">
+                  <a:extLst>
+                    <a:ext uri="{9D8B030D-6E8A-4147-A177-3AD203B41FA5}">
+                      <a16:colId xmlns:a16="http://schemas.microsoft.com/office/drawing/2014/main" val="1649620434"/>
+                    </a:ext>
+                  </a:extLst>
+                </a:gridCol>
+              </a:tblGrid>
+              <a:tr h="370840">
+                <a:tc>
+                  <a:txBody>
+                    <a:bodyPr/>
+                    <a:lstStyle/>
+                    <a:p>
+                      <a:r>
+                        <a:rPr lang="en-US" dirty="0"/>
+                        <a:t>Moiety</a:t>
+                      </a:r>
+                    </a:p>
+                  </a:txBody>
+                  <a:tcPr/>
+                </a:tc>
+                <a:tc>
+                  <a:txBody>
+                    <a:bodyPr/>
+                    <a:lstStyle/>
+                    <a:p>
+                      <a:pPr algn="ctr"/>
+                      <a:r>
+                        <a:rPr lang="en-US" dirty="0"/>
+                        <a:t>ATP</a:t>
+                      </a:r>
+                    </a:p>
+                  </a:txBody>
+                  <a:tcPr/>
+                </a:tc>
+                <a:tc>
+                  <a:txBody>
+                    <a:bodyPr/>
+                    <a:lstStyle/>
+                    <a:p>
+                      <a:pPr algn="ctr"/>
+                      <a:r>
+                        <a:rPr lang="en-US" dirty="0"/>
+                        <a:t>ADP</a:t>
+                      </a:r>
+                    </a:p>
+                  </a:txBody>
+                  <a:tcPr/>
+                </a:tc>
+                <a:tc>
+                  <a:txBody>
+                    <a:bodyPr/>
+                    <a:lstStyle/>
+                    <a:p>
+                      <a:pPr algn="ctr"/>
+                      <a:r>
+                        <a:rPr lang="en-US" dirty="0"/>
+                        <a:t>P</a:t>
+                      </a:r>
+                    </a:p>
+                  </a:txBody>
+                  <a:tcPr/>
+                </a:tc>
+                <a:extLst>
+                  <a:ext uri="{0D108BD9-81ED-4DB2-BD59-A6C34878D82A}">
+                    <a16:rowId xmlns:a16="http://schemas.microsoft.com/office/drawing/2014/main" val="3737599542"/>
+                  </a:ext>
+                </a:extLst>
+              </a:tr>
+              <a:tr h="370840">
+                <a:tc>
+                  <a:txBody>
+                    <a:bodyPr/>
+                    <a:lstStyle/>
+                    <a:p>
+                      <a:r>
+                        <a:rPr lang="en-US" dirty="0"/>
+                        <a:t>A</a:t>
+                      </a:r>
+                    </a:p>
+                  </a:txBody>
+                  <a:tcPr/>
+                </a:tc>
+                <a:tc>
+                  <a:txBody>
+                    <a:bodyPr/>
+                    <a:lstStyle/>
+                    <a:p>
+                      <a:pPr algn="r"/>
+                      <a:r>
+                        <a:rPr lang="en-US" dirty="0"/>
+                        <a:t>1</a:t>
+                      </a:r>
+                    </a:p>
+                  </a:txBody>
+                  <a:tcPr/>
+                </a:tc>
+                <a:tc>
+                  <a:txBody>
+                    <a:bodyPr/>
+                    <a:lstStyle/>
+                    <a:p>
+                      <a:pPr algn="r"/>
+                      <a:r>
+                        <a:rPr lang="en-US" dirty="0"/>
+                        <a:t>1</a:t>
+                      </a:r>
+                    </a:p>
+                  </a:txBody>
+                  <a:tcPr/>
+                </a:tc>
+                <a:tc>
+                  <a:txBody>
+                    <a:bodyPr/>
+                    <a:lstStyle/>
+                    <a:p>
+                      <a:pPr algn="r"/>
+                      <a:r>
+                        <a:rPr lang="en-US" dirty="0"/>
+                        <a:t>0</a:t>
+                      </a:r>
+                    </a:p>
+                  </a:txBody>
+                  <a:tcPr/>
+                </a:tc>
+                <a:extLst>
+                  <a:ext uri="{0D108BD9-81ED-4DB2-BD59-A6C34878D82A}">
+                    <a16:rowId xmlns:a16="http://schemas.microsoft.com/office/drawing/2014/main" val="3721374494"/>
+                  </a:ext>
+                </a:extLst>
+              </a:tr>
+              <a:tr h="370840">
+                <a:tc>
+                  <a:txBody>
+                    <a:bodyPr/>
+                    <a:lstStyle/>
+                    <a:p>
+                      <a:r>
+                        <a:rPr lang="en-US" dirty="0"/>
+                        <a:t>P</a:t>
+                      </a:r>
+                    </a:p>
+                  </a:txBody>
+                  <a:tcPr/>
+                </a:tc>
+                <a:tc>
+                  <a:txBody>
+                    <a:bodyPr/>
+                    <a:lstStyle/>
+                    <a:p>
+                      <a:pPr algn="r"/>
+                      <a:r>
+                        <a:rPr lang="en-US" dirty="0"/>
+                        <a:t>3</a:t>
+                      </a:r>
+                    </a:p>
+                  </a:txBody>
+                  <a:tcPr/>
+                </a:tc>
+                <a:tc>
+                  <a:txBody>
+                    <a:bodyPr/>
+                    <a:lstStyle/>
+                    <a:p>
+                      <a:pPr algn="r"/>
+                      <a:r>
+                        <a:rPr lang="en-US" dirty="0"/>
+                        <a:t>2</a:t>
+                      </a:r>
+                    </a:p>
+                  </a:txBody>
+                  <a:tcPr/>
+                </a:tc>
+                <a:tc>
+                  <a:txBody>
+                    <a:bodyPr/>
+                    <a:lstStyle/>
+                    <a:p>
+                      <a:pPr algn="r"/>
+                      <a:r>
+                        <a:rPr lang="en-US" dirty="0"/>
+                        <a:t>1</a:t>
+                      </a:r>
+                    </a:p>
+                  </a:txBody>
+                  <a:tcPr/>
+                </a:tc>
+                <a:extLst>
+                  <a:ext uri="{0D108BD9-81ED-4DB2-BD59-A6C34878D82A}">
+                    <a16:rowId xmlns:a16="http://schemas.microsoft.com/office/drawing/2014/main" val="3714415932"/>
+                  </a:ext>
+                </a:extLst>
+              </a:tr>
+            </a:tbl>
+          </a:graphicData>
+        </a:graphic>
+      </p:graphicFrame>
+      <mc:AlternateContent xmlns:mc="http://schemas.openxmlformats.org/markup-compatibility/2006">
+        <mc:Choice xmlns:a14="http://schemas.microsoft.com/office/drawing/2010/main" Requires="a14">
+          <p:sp>
+            <p:nvSpPr>
+              <p:cNvPr id="7" name="TextBox 6">
+                <a:extLst>
+                  <a:ext uri="{FF2B5EF4-FFF2-40B4-BE49-F238E27FC236}">
+                    <a16:creationId xmlns:a16="http://schemas.microsoft.com/office/drawing/2014/main" id="{B40B0DD1-FFBA-6F45-A9B9-990FCC015F54}"/>
+                  </a:ext>
+                </a:extLst>
+              </p:cNvPr>
+              <p:cNvSpPr txBox="1"/>
+              <p:nvPr/>
+            </p:nvSpPr>
+            <p:spPr>
+              <a:xfrm>
+                <a:off x="5589037" y="3337898"/>
+                <a:ext cx="2639249" cy="430887"/>
+              </a:xfrm>
+              <a:prstGeom prst="rect">
+                <a:avLst/>
+              </a:prstGeom>
+              <a:noFill/>
+            </p:spPr>
+            <p:txBody>
+              <a:bodyPr wrap="none" lIns="0" tIns="0" rIns="0" bIns="0" rtlCol="0">
+                <a:spAutoFit/>
+              </a:bodyPr>
+              <a:lstStyle/>
+              <a:p>
+                <a14:m>
+                  <m:oMathPara xmlns:m="http://schemas.openxmlformats.org/officeDocument/2006/math">
+                    <m:oMathParaPr>
+                      <m:jc m:val="centerGroup"/>
+                    </m:oMathParaPr>
+                    <m:oMath xmlns:m="http://schemas.openxmlformats.org/officeDocument/2006/math">
+                      <m:r>
+                        <a:rPr lang="en-US" sz="2800" b="0" i="1" smtClean="0">
+                          <a:latin typeface="Cambria Math" panose="02040503050406030204" pitchFamily="18" charset="0"/>
+                        </a:rPr>
+                        <m:t>𝐴𝑇𝑃</m:t>
+                      </m:r>
+                      <m:r>
+                        <a:rPr lang="en-US" sz="2800" b="0" i="1" smtClean="0">
+                          <a:latin typeface="Cambria Math" panose="02040503050406030204" pitchFamily="18" charset="0"/>
+                        </a:rPr>
+                        <m:t>→</m:t>
+                      </m:r>
+                      <m:r>
+                        <a:rPr lang="en-US" sz="2800" b="0" i="1" smtClean="0">
+                          <a:latin typeface="Cambria Math" panose="02040503050406030204" pitchFamily="18" charset="0"/>
+                        </a:rPr>
+                        <m:t>𝐴𝐷𝑃</m:t>
+                      </m:r>
+                      <m:r>
+                        <a:rPr lang="en-US" sz="2800" b="0" i="1" smtClean="0">
+                          <a:latin typeface="Cambria Math" panose="02040503050406030204" pitchFamily="18" charset="0"/>
+                        </a:rPr>
+                        <m:t>+</m:t>
+                      </m:r>
+                      <m:r>
+                        <a:rPr lang="en-US" sz="2800" b="0" i="1" smtClean="0">
+                          <a:latin typeface="Cambria Math" panose="02040503050406030204" pitchFamily="18" charset="0"/>
+                        </a:rPr>
+                        <m:t>𝑃</m:t>
+                      </m:r>
+                    </m:oMath>
+                  </m:oMathPara>
+                </a14:m>
+                <a:endParaRPr lang="en-US" sz="2800" dirty="0"/>
+              </a:p>
+            </p:txBody>
+          </p:sp>
+        </mc:Choice>
+        <mc:Fallback>
+          <p:sp>
+            <p:nvSpPr>
+              <p:cNvPr id="7" name="TextBox 6">
+                <a:extLst>
+                  <a:ext uri="{FF2B5EF4-FFF2-40B4-BE49-F238E27FC236}">
+                    <a16:creationId xmlns:a16="http://schemas.microsoft.com/office/drawing/2014/main" id="{B40B0DD1-FFBA-6F45-A9B9-990FCC015F54}"/>
+                  </a:ext>
+                </a:extLst>
+              </p:cNvPr>
+              <p:cNvSpPr txBox="1">
+                <a:spLocks noRot="1" noChangeAspect="1" noMove="1" noResize="1" noEditPoints="1" noAdjustHandles="1" noChangeArrowheads="1" noChangeShapeType="1" noTextEdit="1"/>
+              </p:cNvSpPr>
+              <p:nvPr/>
+            </p:nvSpPr>
+            <p:spPr>
+              <a:xfrm>
+                <a:off x="5589037" y="3337898"/>
+                <a:ext cx="2639249" cy="430887"/>
+              </a:xfrm>
+              <a:prstGeom prst="rect">
+                <a:avLst/>
+              </a:prstGeom>
+              <a:blipFill>
+                <a:blip r:embed="rId2"/>
+                <a:stretch>
+                  <a:fillRect l="-2404" r="-1923" b="-8824"/>
+                </a:stretch>
+              </a:blipFill>
+            </p:spPr>
+            <p:txBody>
+              <a:bodyPr/>
+              <a:lstStyle/>
+              <a:p>
+                <a:r>
+                  <a:rPr lang="en-US">
+                    <a:noFill/>
+                  </a:rPr>
+                  <a:t> </a:t>
+                </a:r>
+              </a:p>
+            </p:txBody>
+          </p:sp>
+        </mc:Fallback>
+      </mc:AlternateContent>
+      <p:graphicFrame>
+        <p:nvGraphicFramePr>
+          <p:cNvPr id="8" name="Table 8">
+            <a:extLst>
+              <a:ext uri="{FF2B5EF4-FFF2-40B4-BE49-F238E27FC236}">
+                <a16:creationId xmlns:a16="http://schemas.microsoft.com/office/drawing/2014/main" id="{2998F8A6-A32B-DA44-A8E5-E05D84D59233}"/>
+              </a:ext>
+            </a:extLst>
+          </p:cNvPr>
+          <p:cNvGraphicFramePr>
+            <a:graphicFrameLocks noGrp="1"/>
+          </p:cNvGraphicFramePr>
+          <p:nvPr>
+            <p:extLst>
+              <p:ext uri="{D42A27DB-BD31-4B8C-83A1-F6EECF244321}">
+                <p14:modId xmlns:p14="http://schemas.microsoft.com/office/powerpoint/2010/main" val="1931981116"/>
+              </p:ext>
+            </p:extLst>
+          </p:nvPr>
+        </p:nvGraphicFramePr>
+        <p:xfrm>
+          <a:off x="4646194" y="3821427"/>
+          <a:ext cx="3956632" cy="1112520"/>
+        </p:xfrm>
+        <a:graphic>
+          <a:graphicData uri="http://schemas.openxmlformats.org/drawingml/2006/table">
+            <a:tbl>
+              <a:tblPr firstRow="1" bandRow="1">
+                <a:tableStyleId>{5C22544A-7EE6-4342-B048-85BDC9FD1C3A}</a:tableStyleId>
+              </a:tblPr>
+              <a:tblGrid>
+                <a:gridCol w="989158">
+                  <a:extLst>
+                    <a:ext uri="{9D8B030D-6E8A-4147-A177-3AD203B41FA5}">
+                      <a16:colId xmlns:a16="http://schemas.microsoft.com/office/drawing/2014/main" val="1901718434"/>
+                    </a:ext>
+                  </a:extLst>
+                </a:gridCol>
+                <a:gridCol w="989158">
+                  <a:extLst>
+                    <a:ext uri="{9D8B030D-6E8A-4147-A177-3AD203B41FA5}">
+                      <a16:colId xmlns:a16="http://schemas.microsoft.com/office/drawing/2014/main" val="1967387353"/>
+                    </a:ext>
+                  </a:extLst>
+                </a:gridCol>
+                <a:gridCol w="989158">
+                  <a:extLst>
+                    <a:ext uri="{9D8B030D-6E8A-4147-A177-3AD203B41FA5}">
+                      <a16:colId xmlns:a16="http://schemas.microsoft.com/office/drawing/2014/main" val="1968856508"/>
+                    </a:ext>
+                  </a:extLst>
+                </a:gridCol>
+                <a:gridCol w="989158">
+                  <a:extLst>
+                    <a:ext uri="{9D8B030D-6E8A-4147-A177-3AD203B41FA5}">
+                      <a16:colId xmlns:a16="http://schemas.microsoft.com/office/drawing/2014/main" val="3023109618"/>
+                    </a:ext>
+                  </a:extLst>
+                </a:gridCol>
+              </a:tblGrid>
+              <a:tr h="370840">
+                <a:tc>
+                  <a:txBody>
+                    <a:bodyPr/>
+                    <a:lstStyle/>
+                    <a:p>
+                      <a:r>
+                        <a:rPr lang="en-US" dirty="0"/>
+                        <a:t>Moiety</a:t>
+                      </a:r>
+                    </a:p>
+                  </a:txBody>
+                  <a:tcPr/>
+                </a:tc>
+                <a:tc>
+                  <a:txBody>
+                    <a:bodyPr/>
+                    <a:lstStyle/>
+                    <a:p>
+                      <a:r>
+                        <a:rPr lang="en-US" dirty="0"/>
+                        <a:t>ATP</a:t>
+                      </a:r>
+                    </a:p>
+                  </a:txBody>
+                  <a:tcPr/>
+                </a:tc>
+                <a:tc>
+                  <a:txBody>
+                    <a:bodyPr/>
+                    <a:lstStyle/>
+                    <a:p>
+                      <a:r>
+                        <a:rPr lang="en-US" dirty="0"/>
+                        <a:t>ADP + P</a:t>
+                      </a:r>
+                    </a:p>
+                  </a:txBody>
+                  <a:tcPr/>
+                </a:tc>
+                <a:tc>
+                  <a:txBody>
+                    <a:bodyPr/>
+                    <a:lstStyle/>
+                    <a:p>
+                      <a:r>
+                        <a:rPr lang="en-US" dirty="0"/>
+                        <a:t>Equal</a:t>
+                      </a:r>
+                    </a:p>
+                  </a:txBody>
+                  <a:tcPr/>
+                </a:tc>
+                <a:extLst>
+                  <a:ext uri="{0D108BD9-81ED-4DB2-BD59-A6C34878D82A}">
+                    <a16:rowId xmlns:a16="http://schemas.microsoft.com/office/drawing/2014/main" val="991644029"/>
+                  </a:ext>
+                </a:extLst>
+              </a:tr>
+              <a:tr h="370840">
+                <a:tc>
+                  <a:txBody>
+                    <a:bodyPr/>
+                    <a:lstStyle/>
+                    <a:p>
+                      <a:r>
+                        <a:rPr lang="en-US" dirty="0"/>
+                        <a:t>A</a:t>
+                      </a:r>
+                    </a:p>
+                  </a:txBody>
+                  <a:tcPr/>
+                </a:tc>
+                <a:tc>
+                  <a:txBody>
+                    <a:bodyPr/>
+                    <a:lstStyle/>
+                    <a:p>
+                      <a:r>
+                        <a:rPr lang="en-US" dirty="0"/>
+                        <a:t>1</a:t>
+                      </a:r>
+                    </a:p>
+                  </a:txBody>
+                  <a:tcPr/>
+                </a:tc>
+                <a:tc>
+                  <a:txBody>
+                    <a:bodyPr/>
+                    <a:lstStyle/>
+                    <a:p>
+                      <a:r>
+                        <a:rPr lang="en-US" dirty="0"/>
+                        <a:t>1</a:t>
+                      </a:r>
+                    </a:p>
+                  </a:txBody>
+                  <a:tcPr/>
+                </a:tc>
+                <a:tc>
+                  <a:txBody>
+                    <a:bodyPr/>
+                    <a:lstStyle/>
+                    <a:p>
+                      <a:r>
+                        <a:rPr lang="en-US" b="1" dirty="0">
+                          <a:solidFill>
+                            <a:srgbClr val="00B050"/>
+                          </a:solidFill>
+                        </a:rPr>
+                        <a:t>Yes</a:t>
+                      </a:r>
+                    </a:p>
+                  </a:txBody>
+                  <a:tcPr/>
+                </a:tc>
+                <a:extLst>
+                  <a:ext uri="{0D108BD9-81ED-4DB2-BD59-A6C34878D82A}">
+                    <a16:rowId xmlns:a16="http://schemas.microsoft.com/office/drawing/2014/main" val="2591878571"/>
+                  </a:ext>
+                </a:extLst>
+              </a:tr>
+              <a:tr h="370840">
+                <a:tc>
+                  <a:txBody>
+                    <a:bodyPr/>
+                    <a:lstStyle/>
+                    <a:p>
+                      <a:r>
+                        <a:rPr lang="en-US" dirty="0"/>
+                        <a:t>P</a:t>
+                      </a:r>
+                    </a:p>
+                  </a:txBody>
+                  <a:tcPr/>
+                </a:tc>
+                <a:tc>
+                  <a:txBody>
+                    <a:bodyPr/>
+                    <a:lstStyle/>
+                    <a:p>
+                      <a:r>
+                        <a:rPr lang="en-US" dirty="0"/>
+                        <a:t>3</a:t>
+                      </a:r>
+                    </a:p>
+                  </a:txBody>
+                  <a:tcPr/>
+                </a:tc>
+                <a:tc>
+                  <a:txBody>
+                    <a:bodyPr/>
+                    <a:lstStyle/>
+                    <a:p>
+                      <a:r>
+                        <a:rPr lang="en-US" dirty="0"/>
+                        <a:t>3</a:t>
+                      </a:r>
+                    </a:p>
+                  </a:txBody>
+                  <a:tcPr/>
+                </a:tc>
+                <a:tc>
+                  <a:txBody>
+                    <a:bodyPr/>
+                    <a:lstStyle/>
+                    <a:p>
+                      <a:r>
+                        <a:rPr lang="en-US" b="1" dirty="0">
+                          <a:solidFill>
+                            <a:srgbClr val="00B050"/>
+                          </a:solidFill>
+                        </a:rPr>
+                        <a:t>Yes</a:t>
+                      </a:r>
+                    </a:p>
+                  </a:txBody>
+                  <a:tcPr/>
+                </a:tc>
+                <a:extLst>
+                  <a:ext uri="{0D108BD9-81ED-4DB2-BD59-A6C34878D82A}">
+                    <a16:rowId xmlns:a16="http://schemas.microsoft.com/office/drawing/2014/main" val="510396860"/>
+                  </a:ext>
+                </a:extLst>
+              </a:tr>
+            </a:tbl>
+          </a:graphicData>
+        </a:graphic>
+      </p:graphicFrame>
+      <mc:AlternateContent xmlns:mc="http://schemas.openxmlformats.org/markup-compatibility/2006">
+        <mc:Choice xmlns:a14="http://schemas.microsoft.com/office/drawing/2010/main" Requires="a14">
+          <p:sp>
+            <p:nvSpPr>
+              <p:cNvPr id="9" name="TextBox 8">
+                <a:extLst>
+                  <a:ext uri="{FF2B5EF4-FFF2-40B4-BE49-F238E27FC236}">
+                    <a16:creationId xmlns:a16="http://schemas.microsoft.com/office/drawing/2014/main" id="{F9B6E3EB-83D8-A34F-A6DB-8AF13FDE8A42}"/>
+                  </a:ext>
+                </a:extLst>
+              </p:cNvPr>
+              <p:cNvSpPr txBox="1"/>
+              <p:nvPr/>
+            </p:nvSpPr>
+            <p:spPr>
+              <a:xfrm>
+                <a:off x="5741437" y="5011191"/>
+                <a:ext cx="1980414" cy="430887"/>
+              </a:xfrm>
+              <a:prstGeom prst="rect">
+                <a:avLst/>
+              </a:prstGeom>
+              <a:noFill/>
+            </p:spPr>
+            <p:txBody>
+              <a:bodyPr wrap="none" lIns="0" tIns="0" rIns="0" bIns="0" rtlCol="0">
+                <a:spAutoFit/>
+              </a:bodyPr>
+              <a:lstStyle/>
+              <a:p>
+                <a14:m>
+                  <m:oMathPara xmlns:m="http://schemas.openxmlformats.org/officeDocument/2006/math">
+                    <m:oMathParaPr>
+                      <m:jc m:val="centerGroup"/>
+                    </m:oMathParaPr>
+                    <m:oMath xmlns:m="http://schemas.openxmlformats.org/officeDocument/2006/math">
+                      <m:r>
+                        <a:rPr lang="en-US" sz="2800" b="0" i="1" smtClean="0">
+                          <a:latin typeface="Cambria Math" panose="02040503050406030204" pitchFamily="18" charset="0"/>
+                        </a:rPr>
+                        <m:t>𝐴𝑇𝑃</m:t>
+                      </m:r>
+                      <m:r>
+                        <a:rPr lang="en-US" sz="2800" b="0" i="1" smtClean="0">
+                          <a:latin typeface="Cambria Math" panose="02040503050406030204" pitchFamily="18" charset="0"/>
+                        </a:rPr>
+                        <m:t>→</m:t>
+                      </m:r>
+                      <m:r>
+                        <a:rPr lang="en-US" sz="2800" b="0" i="1" smtClean="0">
+                          <a:latin typeface="Cambria Math" panose="02040503050406030204" pitchFamily="18" charset="0"/>
+                        </a:rPr>
+                        <m:t>𝐴𝐷𝑃</m:t>
+                      </m:r>
+                    </m:oMath>
+                  </m:oMathPara>
+                </a14:m>
+                <a:endParaRPr lang="en-US" sz="2800" dirty="0"/>
+              </a:p>
+            </p:txBody>
+          </p:sp>
+        </mc:Choice>
+        <mc:Fallback>
+          <p:sp>
+            <p:nvSpPr>
+              <p:cNvPr id="9" name="TextBox 8">
+                <a:extLst>
+                  <a:ext uri="{FF2B5EF4-FFF2-40B4-BE49-F238E27FC236}">
+                    <a16:creationId xmlns:a16="http://schemas.microsoft.com/office/drawing/2014/main" id="{F9B6E3EB-83D8-A34F-A6DB-8AF13FDE8A42}"/>
+                  </a:ext>
+                </a:extLst>
+              </p:cNvPr>
+              <p:cNvSpPr txBox="1">
+                <a:spLocks noRot="1" noChangeAspect="1" noMove="1" noResize="1" noEditPoints="1" noAdjustHandles="1" noChangeArrowheads="1" noChangeShapeType="1" noTextEdit="1"/>
+              </p:cNvSpPr>
+              <p:nvPr/>
+            </p:nvSpPr>
+            <p:spPr>
+              <a:xfrm>
+                <a:off x="5741437" y="5011191"/>
+                <a:ext cx="1980414" cy="430887"/>
+              </a:xfrm>
+              <a:prstGeom prst="rect">
+                <a:avLst/>
+              </a:prstGeom>
+              <a:blipFill>
+                <a:blip r:embed="rId3"/>
+                <a:stretch>
+                  <a:fillRect l="-3822" r="-2548" b="-8571"/>
+                </a:stretch>
+              </a:blipFill>
+            </p:spPr>
+            <p:txBody>
+              <a:bodyPr/>
+              <a:lstStyle/>
+              <a:p>
+                <a:r>
+                  <a:rPr lang="en-US">
+                    <a:noFill/>
+                  </a:rPr>
+                  <a:t> </a:t>
+                </a:r>
+              </a:p>
+            </p:txBody>
+          </p:sp>
+        </mc:Fallback>
+      </mc:AlternateContent>
+      <p:graphicFrame>
+        <p:nvGraphicFramePr>
+          <p:cNvPr id="10" name="Table 8">
+            <a:extLst>
+              <a:ext uri="{FF2B5EF4-FFF2-40B4-BE49-F238E27FC236}">
+                <a16:creationId xmlns:a16="http://schemas.microsoft.com/office/drawing/2014/main" id="{66A8990E-539B-1840-9C4E-1CF15CE0BB95}"/>
+              </a:ext>
+            </a:extLst>
+          </p:cNvPr>
+          <p:cNvGraphicFramePr>
+            <a:graphicFrameLocks noGrp="1"/>
+          </p:cNvGraphicFramePr>
+          <p:nvPr>
+            <p:extLst>
+              <p:ext uri="{D42A27DB-BD31-4B8C-83A1-F6EECF244321}">
+                <p14:modId xmlns:p14="http://schemas.microsoft.com/office/powerpoint/2010/main" val="235911735"/>
+              </p:ext>
+            </p:extLst>
+          </p:nvPr>
+        </p:nvGraphicFramePr>
+        <p:xfrm>
+          <a:off x="4798594" y="5494720"/>
+          <a:ext cx="3956632" cy="1112520"/>
+        </p:xfrm>
+        <a:graphic>
+          <a:graphicData uri="http://schemas.openxmlformats.org/drawingml/2006/table">
+            <a:tbl>
+              <a:tblPr firstRow="1" bandRow="1">
+                <a:tableStyleId>{5C22544A-7EE6-4342-B048-85BDC9FD1C3A}</a:tableStyleId>
+              </a:tblPr>
+              <a:tblGrid>
+                <a:gridCol w="989158">
+                  <a:extLst>
+                    <a:ext uri="{9D8B030D-6E8A-4147-A177-3AD203B41FA5}">
+                      <a16:colId xmlns:a16="http://schemas.microsoft.com/office/drawing/2014/main" val="1901718434"/>
+                    </a:ext>
+                  </a:extLst>
+                </a:gridCol>
+                <a:gridCol w="989158">
+                  <a:extLst>
+                    <a:ext uri="{9D8B030D-6E8A-4147-A177-3AD203B41FA5}">
+                      <a16:colId xmlns:a16="http://schemas.microsoft.com/office/drawing/2014/main" val="1967387353"/>
+                    </a:ext>
+                  </a:extLst>
+                </a:gridCol>
+                <a:gridCol w="989158">
+                  <a:extLst>
+                    <a:ext uri="{9D8B030D-6E8A-4147-A177-3AD203B41FA5}">
+                      <a16:colId xmlns:a16="http://schemas.microsoft.com/office/drawing/2014/main" val="1968856508"/>
+                    </a:ext>
+                  </a:extLst>
+                </a:gridCol>
+                <a:gridCol w="989158">
+                  <a:extLst>
+                    <a:ext uri="{9D8B030D-6E8A-4147-A177-3AD203B41FA5}">
+                      <a16:colId xmlns:a16="http://schemas.microsoft.com/office/drawing/2014/main" val="3023109618"/>
+                    </a:ext>
+                  </a:extLst>
+                </a:gridCol>
+              </a:tblGrid>
+              <a:tr h="370840">
+                <a:tc>
+                  <a:txBody>
+                    <a:bodyPr/>
+                    <a:lstStyle/>
+                    <a:p>
+                      <a:r>
+                        <a:rPr lang="en-US" dirty="0"/>
+                        <a:t>Moiety</a:t>
+                      </a:r>
+                    </a:p>
+                  </a:txBody>
+                  <a:tcPr/>
+                </a:tc>
+                <a:tc>
+                  <a:txBody>
+                    <a:bodyPr/>
+                    <a:lstStyle/>
+                    <a:p>
+                      <a:r>
+                        <a:rPr lang="en-US" dirty="0"/>
+                        <a:t>ATP</a:t>
+                      </a:r>
+                    </a:p>
+                  </a:txBody>
+                  <a:tcPr/>
+                </a:tc>
+                <a:tc>
+                  <a:txBody>
+                    <a:bodyPr/>
+                    <a:lstStyle/>
+                    <a:p>
+                      <a:r>
+                        <a:rPr lang="en-US" dirty="0"/>
+                        <a:t>ADP </a:t>
+                      </a:r>
+                    </a:p>
+                  </a:txBody>
+                  <a:tcPr/>
+                </a:tc>
+                <a:tc>
+                  <a:txBody>
+                    <a:bodyPr/>
+                    <a:lstStyle/>
+                    <a:p>
+                      <a:r>
+                        <a:rPr lang="en-US" dirty="0"/>
+                        <a:t>Equal</a:t>
+                      </a:r>
+                    </a:p>
+                  </a:txBody>
+                  <a:tcPr/>
+                </a:tc>
+                <a:extLst>
+                  <a:ext uri="{0D108BD9-81ED-4DB2-BD59-A6C34878D82A}">
+                    <a16:rowId xmlns:a16="http://schemas.microsoft.com/office/drawing/2014/main" val="991644029"/>
+                  </a:ext>
+                </a:extLst>
+              </a:tr>
+              <a:tr h="370840">
+                <a:tc>
+                  <a:txBody>
+                    <a:bodyPr/>
+                    <a:lstStyle/>
+                    <a:p>
+                      <a:r>
+                        <a:rPr lang="en-US" dirty="0"/>
+                        <a:t>A</a:t>
+                      </a:r>
+                    </a:p>
+                  </a:txBody>
+                  <a:tcPr/>
+                </a:tc>
+                <a:tc>
+                  <a:txBody>
+                    <a:bodyPr/>
+                    <a:lstStyle/>
+                    <a:p>
+                      <a:r>
+                        <a:rPr lang="en-US" dirty="0"/>
+                        <a:t>1</a:t>
+                      </a:r>
+                    </a:p>
+                  </a:txBody>
+                  <a:tcPr/>
+                </a:tc>
+                <a:tc>
+                  <a:txBody>
+                    <a:bodyPr/>
+                    <a:lstStyle/>
+                    <a:p>
+                      <a:r>
+                        <a:rPr lang="en-US" dirty="0"/>
+                        <a:t>1</a:t>
+                      </a:r>
+                    </a:p>
+                  </a:txBody>
+                  <a:tcPr/>
+                </a:tc>
+                <a:tc>
+                  <a:txBody>
+                    <a:bodyPr/>
+                    <a:lstStyle/>
+                    <a:p>
+                      <a:r>
+                        <a:rPr lang="en-US" b="1" dirty="0">
+                          <a:solidFill>
+                            <a:srgbClr val="00B050"/>
+                          </a:solidFill>
+                        </a:rPr>
+                        <a:t>Yes</a:t>
+                      </a:r>
+                    </a:p>
+                  </a:txBody>
+                  <a:tcPr/>
+                </a:tc>
+                <a:extLst>
+                  <a:ext uri="{0D108BD9-81ED-4DB2-BD59-A6C34878D82A}">
+                    <a16:rowId xmlns:a16="http://schemas.microsoft.com/office/drawing/2014/main" val="2591878571"/>
+                  </a:ext>
+                </a:extLst>
+              </a:tr>
+              <a:tr h="370840">
+                <a:tc>
+                  <a:txBody>
+                    <a:bodyPr/>
+                    <a:lstStyle/>
+                    <a:p>
+                      <a:r>
+                        <a:rPr lang="en-US" dirty="0"/>
+                        <a:t>P</a:t>
+                      </a:r>
+                    </a:p>
+                  </a:txBody>
+                  <a:tcPr/>
+                </a:tc>
+                <a:tc>
+                  <a:txBody>
+                    <a:bodyPr/>
+                    <a:lstStyle/>
+                    <a:p>
+                      <a:r>
+                        <a:rPr lang="en-US" dirty="0"/>
+                        <a:t>3</a:t>
+                      </a:r>
+                    </a:p>
+                  </a:txBody>
+                  <a:tcPr/>
+                </a:tc>
+                <a:tc>
+                  <a:txBody>
+                    <a:bodyPr/>
+                    <a:lstStyle/>
+                    <a:p>
+                      <a:r>
+                        <a:rPr lang="en-US" dirty="0"/>
+                        <a:t>2</a:t>
+                      </a:r>
+                    </a:p>
+                  </a:txBody>
+                  <a:tcPr/>
+                </a:tc>
+                <a:tc>
+                  <a:txBody>
+                    <a:bodyPr/>
+                    <a:lstStyle/>
+                    <a:p>
+                      <a:r>
+                        <a:rPr lang="en-US" b="1" dirty="0">
+                          <a:solidFill>
+                            <a:srgbClr val="FF0000"/>
+                          </a:solidFill>
+                        </a:rPr>
+                        <a:t>No</a:t>
+                      </a:r>
+                    </a:p>
+                  </a:txBody>
+                  <a:tcPr/>
+                </a:tc>
+                <a:extLst>
+                  <a:ext uri="{0D108BD9-81ED-4DB2-BD59-A6C34878D82A}">
+                    <a16:rowId xmlns:a16="http://schemas.microsoft.com/office/drawing/2014/main" val="510396860"/>
+                  </a:ext>
+                </a:extLst>
+              </a:tr>
+            </a:tbl>
+          </a:graphicData>
+        </a:graphic>
+      </p:graphicFrame>
+      <p:sp>
+        <p:nvSpPr>
+          <p:cNvPr id="11" name="TextBox 10">
+            <a:extLst>
+              <a:ext uri="{FF2B5EF4-FFF2-40B4-BE49-F238E27FC236}">
+                <a16:creationId xmlns:a16="http://schemas.microsoft.com/office/drawing/2014/main" id="{E7E479E1-227A-AF46-95C1-D6B5C3D4D07C}"/>
+              </a:ext>
+            </a:extLst>
+          </p:cNvPr>
+          <p:cNvSpPr txBox="1"/>
+          <p:nvPr/>
+        </p:nvSpPr>
+        <p:spPr>
+          <a:xfrm>
+            <a:off x="1213469" y="6159068"/>
+            <a:ext cx="3249608" cy="369332"/>
+          </a:xfrm>
+          <a:prstGeom prst="rect">
+            <a:avLst/>
+          </a:prstGeom>
+          <a:noFill/>
+        </p:spPr>
+        <p:txBody>
+          <a:bodyPr wrap="none" rtlCol="0">
+            <a:spAutoFit/>
+          </a:bodyPr>
+          <a:lstStyle/>
+          <a:p>
+            <a:r>
+              <a:rPr lang="en-US" b="1" dirty="0"/>
+              <a:t>Implicit chemical species: P</a:t>
+            </a:r>
+          </a:p>
+        </p:txBody>
+      </p:sp>
+      <p:cxnSp>
+        <p:nvCxnSpPr>
+          <p:cNvPr id="13" name="Straight Connector 12">
+            <a:extLst>
+              <a:ext uri="{FF2B5EF4-FFF2-40B4-BE49-F238E27FC236}">
+                <a16:creationId xmlns:a16="http://schemas.microsoft.com/office/drawing/2014/main" id="{113E5585-B595-3D42-82C1-F4CA961D1C6B}"/>
+              </a:ext>
+            </a:extLst>
+          </p:cNvPr>
+          <p:cNvCxnSpPr/>
+          <p:nvPr/>
+        </p:nvCxnSpPr>
+        <p:spPr>
+          <a:xfrm>
+            <a:off x="4798594" y="6430962"/>
+            <a:ext cx="3804232" cy="0"/>
+          </a:xfrm>
+          <a:prstGeom prst="line">
+            <a:avLst/>
+          </a:prstGeom>
+          <a:ln w="57150"/>
+          <a:effectLst>
+            <a:outerShdw dist="20000" sx="1000" sy="1000" rotWithShape="0">
+              <a:srgbClr val="000000"/>
+            </a:outerShdw>
+          </a:effectLst>
+        </p:spPr>
+        <p:style>
+          <a:lnRef idx="2">
+            <a:schemeClr val="accent1"/>
+          </a:lnRef>
+          <a:fillRef idx="0">
+            <a:schemeClr val="accent1"/>
+          </a:fillRef>
+          <a:effectRef idx="1">
+            <a:schemeClr val="accent1"/>
+          </a:effectRef>
+          <a:fontRef idx="minor">
+            <a:schemeClr val="tx1"/>
+          </a:fontRef>
+        </p:style>
+      </p:cxnSp>
+    </p:spTree>
+    <p:extLst>
+      <p:ext uri="{BB962C8B-B14F-4D97-AF65-F5344CB8AC3E}">
+        <p14:creationId xmlns:p14="http://schemas.microsoft.com/office/powerpoint/2010/main" val="4280758794"/>
+      </p:ext>
+    </p:extLst>
+  </p:cSld>
+  <p:clrMapOvr>
+    <a:masterClrMapping/>
+  </p:clrMapOvr>
+  <p:timing>
+    <p:tnLst>
+      <p:par>
+        <p:cTn id="1" dur="indefinite" restart="never" nodeType="tmRoot">
+          <p:childTnLst>
+            <p:seq concurrent="1" nextAc="seek">
+              <p:cTn id="2" dur="indefinite" nodeType="mainSeq">
+                <p:childTnLst>
+                  <p:par>
+                    <p:cTn id="3" fill="hold">
+                      <p:stCondLst>
+                        <p:cond delay="indefinite"/>
+                      </p:stCondLst>
+                      <p:childTnLst>
+                        <p:par>
+                          <p:cTn id="4" fill="hold">
+                            <p:stCondLst>
+                              <p:cond delay="0"/>
+                            </p:stCondLst>
+                            <p:childTnLst>
+                              <p:par>
+                                <p:cTn id="5" presetID="1" presetClass="entr" presetSubtype="0" fill="hold" nodeType="clickEffect">
+                                  <p:stCondLst>
+                                    <p:cond delay="0"/>
+                                  </p:stCondLst>
+                                  <p:childTnLst>
+                                    <p:set>
+                                      <p:cBhvr>
+                                        <p:cTn id="6" dur="1" fill="hold">
+                                          <p:stCondLst>
+                                            <p:cond delay="0"/>
+                                          </p:stCondLst>
+                                        </p:cTn>
+                                        <p:tgtEl>
+                                          <p:spTgt spid="5"/>
+                                        </p:tgtEl>
+                                        <p:attrNameLst>
+                                          <p:attrName>style.visibility</p:attrName>
+                                        </p:attrNameLst>
+                                      </p:cBhvr>
+                                      <p:to>
+                                        <p:strVal val="visible"/>
+                                      </p:to>
+                                    </p:set>
+                                  </p:childTnLst>
+                                </p:cTn>
+                              </p:par>
+                            </p:childTnLst>
+                          </p:cTn>
+                        </p:par>
+                      </p:childTnLst>
+                    </p:cTn>
+                  </p:par>
+                  <p:par>
+                    <p:cTn id="7" fill="hold">
+                      <p:stCondLst>
+                        <p:cond delay="indefinite"/>
+                      </p:stCondLst>
+                      <p:childTnLst>
+                        <p:par>
+                          <p:cTn id="8" fill="hold">
+                            <p:stCondLst>
+                              <p:cond delay="0"/>
+                            </p:stCondLst>
+                            <p:childTnLst>
+                              <p:par>
+                                <p:cTn id="9" presetID="1" presetClass="entr" presetSubtype="0" fill="hold" grpId="0" nodeType="clickEffect">
+                                  <p:stCondLst>
+                                    <p:cond delay="0"/>
+                                  </p:stCondLst>
+                                  <p:childTnLst>
+                                    <p:set>
+                                      <p:cBhvr>
+                                        <p:cTn id="10" dur="1" fill="hold">
+                                          <p:stCondLst>
+                                            <p:cond delay="0"/>
+                                          </p:stCondLst>
+                                        </p:cTn>
+                                        <p:tgtEl>
+                                          <p:spTgt spid="7"/>
+                                        </p:tgtEl>
+                                        <p:attrNameLst>
+                                          <p:attrName>style.visibility</p:attrName>
+                                        </p:attrNameLst>
+                                      </p:cBhvr>
+                                      <p:to>
+                                        <p:strVal val="visible"/>
+                                      </p:to>
+                                    </p:set>
+                                  </p:childTnLst>
+                                </p:cTn>
+                              </p:par>
+                              <p:par>
+                                <p:cTn id="11" presetID="1" presetClass="entr" presetSubtype="0" fill="hold" nodeType="withEffect">
+                                  <p:stCondLst>
+                                    <p:cond delay="0"/>
+                                  </p:stCondLst>
+                                  <p:childTnLst>
+                                    <p:set>
+                                      <p:cBhvr>
+                                        <p:cTn id="12" dur="1" fill="hold">
+                                          <p:stCondLst>
+                                            <p:cond delay="0"/>
+                                          </p:stCondLst>
+                                        </p:cTn>
+                                        <p:tgtEl>
+                                          <p:spTgt spid="8"/>
+                                        </p:tgtEl>
+                                        <p:attrNameLst>
+                                          <p:attrName>style.visibility</p:attrName>
+                                        </p:attrNameLst>
+                                      </p:cBhvr>
+                                      <p:to>
+                                        <p:strVal val="visible"/>
+                                      </p:to>
+                                    </p:set>
+                                  </p:childTnLst>
+                                </p:cTn>
+                              </p:par>
+                            </p:childTnLst>
+                          </p:cTn>
+                        </p:par>
+                      </p:childTnLst>
+                    </p:cTn>
+                  </p:par>
+                  <p:par>
+                    <p:cTn id="13" fill="hold">
+                      <p:stCondLst>
+                        <p:cond delay="indefinite"/>
+                      </p:stCondLst>
+                      <p:childTnLst>
+                        <p:par>
+                          <p:cTn id="14" fill="hold">
+                            <p:stCondLst>
+                              <p:cond delay="0"/>
+                            </p:stCondLst>
+                            <p:childTnLst>
+                              <p:par>
+                                <p:cTn id="15" presetID="1" presetClass="entr" presetSubtype="0" fill="hold" grpId="0" nodeType="clickEffect">
+                                  <p:stCondLst>
+                                    <p:cond delay="0"/>
+                                  </p:stCondLst>
+                                  <p:childTnLst>
+                                    <p:set>
+                                      <p:cBhvr>
+                                        <p:cTn id="16" dur="1" fill="hold">
+                                          <p:stCondLst>
+                                            <p:cond delay="0"/>
+                                          </p:stCondLst>
+                                        </p:cTn>
+                                        <p:tgtEl>
+                                          <p:spTgt spid="9"/>
+                                        </p:tgtEl>
+                                        <p:attrNameLst>
+                                          <p:attrName>style.visibility</p:attrName>
+                                        </p:attrNameLst>
+                                      </p:cBhvr>
+                                      <p:to>
+                                        <p:strVal val="visible"/>
+                                      </p:to>
+                                    </p:set>
+                                  </p:childTnLst>
+                                </p:cTn>
+                              </p:par>
+                              <p:par>
+                                <p:cTn id="17" presetID="1" presetClass="entr" presetSubtype="0" fill="hold" nodeType="withEffect">
+                                  <p:stCondLst>
+                                    <p:cond delay="0"/>
+                                  </p:stCondLst>
+                                  <p:childTnLst>
+                                    <p:set>
+                                      <p:cBhvr>
+                                        <p:cTn id="18" dur="1" fill="hold">
+                                          <p:stCondLst>
+                                            <p:cond delay="0"/>
+                                          </p:stCondLst>
+                                        </p:cTn>
+                                        <p:tgtEl>
+                                          <p:spTgt spid="10"/>
+                                        </p:tgtEl>
+                                        <p:attrNameLst>
+                                          <p:attrName>style.visibility</p:attrName>
+                                        </p:attrNameLst>
+                                      </p:cBhvr>
+                                      <p:to>
+                                        <p:strVal val="visible"/>
+                                      </p:to>
+                                    </p:set>
+                                  </p:childTnLst>
+                                </p:cTn>
+                              </p:par>
+                            </p:childTnLst>
+                          </p:cTn>
+                        </p:par>
+                      </p:childTnLst>
+                    </p:cTn>
+                  </p:par>
+                  <p:par>
+                    <p:cTn id="19" fill="hold">
+                      <p:stCondLst>
+                        <p:cond delay="indefinite"/>
+                      </p:stCondLst>
+                      <p:childTnLst>
+                        <p:par>
+                          <p:cTn id="20" fill="hold">
+                            <p:stCondLst>
+                              <p:cond delay="0"/>
+                            </p:stCondLst>
+                            <p:childTnLst>
+                              <p:par>
+                                <p:cTn id="21" presetID="1" presetClass="entr" presetSubtype="0" fill="hold" grpId="0" nodeType="clickEffect">
+                                  <p:stCondLst>
+                                    <p:cond delay="0"/>
+                                  </p:stCondLst>
+                                  <p:childTnLst>
+                                    <p:set>
+                                      <p:cBhvr>
+                                        <p:cTn id="22" dur="1" fill="hold">
+                                          <p:stCondLst>
+                                            <p:cond delay="0"/>
+                                          </p:stCondLst>
+                                        </p:cTn>
+                                        <p:tgtEl>
+                                          <p:spTgt spid="11"/>
+                                        </p:tgtEl>
+                                        <p:attrNameLst>
+                                          <p:attrName>style.visibility</p:attrName>
+                                        </p:attrNameLst>
+                                      </p:cBhvr>
+                                      <p:to>
+                                        <p:strVal val="visible"/>
+                                      </p:to>
+                                    </p:set>
+                                  </p:childTnLst>
+                                </p:cTn>
+                              </p:par>
+                              <p:par>
+                                <p:cTn id="23" presetID="1" presetClass="entr" presetSubtype="0" fill="hold" nodeType="withEffect">
+                                  <p:stCondLst>
+                                    <p:cond delay="0"/>
+                                  </p:stCondLst>
+                                  <p:childTnLst>
+                                    <p:set>
+                                      <p:cBhvr>
+                                        <p:cTn id="24" dur="1" fill="hold">
+                                          <p:stCondLst>
+                                            <p:cond delay="0"/>
+                                          </p:stCondLst>
+                                        </p:cTn>
+                                        <p:tgtEl>
+                                          <p:spTgt spid="13"/>
+                                        </p:tgtEl>
+                                        <p:attrNameLst>
+                                          <p:attrName>style.visibility</p:attrName>
+                                        </p:attrNameLst>
+                                      </p:cBhvr>
+                                      <p:to>
+                                        <p:strVal val="visible"/>
+                                      </p:to>
+                                    </p:set>
+                                  </p:childTnLst>
+                                </p:cTn>
+                              </p:par>
+                            </p:childTnLst>
+                          </p:cTn>
+                        </p:par>
+                      </p:childTnLst>
+                    </p:cTn>
+                  </p:par>
+                </p:childTnLst>
+              </p:cTn>
+              <p:prevCondLst>
+                <p:cond evt="onPrev" delay="0">
+                  <p:tgtEl>
+                    <p:sldTgt/>
+                  </p:tgtEl>
+                </p:cond>
+              </p:prevCondLst>
+              <p:nextCondLst>
+                <p:cond evt="onNext" delay="0">
+                  <p:tgtEl>
+                    <p:sldTgt/>
+                  </p:tgtEl>
+                </p:cond>
+              </p:nextCondLst>
+            </p:seq>
+          </p:childTnLst>
+        </p:cTn>
+      </p:par>
+    </p:tnLst>
+    <p:bldLst>
+      <p:bldP spid="7" grpId="0"/>
+      <p:bldP spid="9" grpId="0"/>
+      <p:bldP spid="11" grpId="0"/>
+    </p:bldLst>
+  </p:timing>
 </p:sld>
 </file>
 

--- a/lecture_15/15_static_testing.pptx
+++ b/lecture_15/15_static_testing.pptx
@@ -5,10 +5,10 @@
     <p:sldMasterId id="2147483648" r:id="rId1"/>
   </p:sldMasterIdLst>
   <p:notesMasterIdLst>
-    <p:notesMasterId r:id="rId24"/>
+    <p:notesMasterId r:id="rId25"/>
   </p:notesMasterIdLst>
   <p:handoutMasterIdLst>
-    <p:handoutMasterId r:id="rId25"/>
+    <p:handoutMasterId r:id="rId26"/>
   </p:handoutMasterIdLst>
   <p:sldIdLst>
     <p:sldId id="347" r:id="rId2"/>
@@ -25,14 +25,15 @@
     <p:sldId id="362" r:id="rId13"/>
     <p:sldId id="349" r:id="rId14"/>
     <p:sldId id="364" r:id="rId15"/>
-    <p:sldId id="367" r:id="rId16"/>
-    <p:sldId id="366" r:id="rId17"/>
-    <p:sldId id="365" r:id="rId18"/>
-    <p:sldId id="363" r:id="rId19"/>
+    <p:sldId id="366" r:id="rId16"/>
+    <p:sldId id="363" r:id="rId17"/>
+    <p:sldId id="369" r:id="rId18"/>
+    <p:sldId id="370" r:id="rId19"/>
     <p:sldId id="359" r:id="rId20"/>
     <p:sldId id="368" r:id="rId21"/>
     <p:sldId id="360" r:id="rId22"/>
     <p:sldId id="350" r:id="rId23"/>
+    <p:sldId id="365" r:id="rId24"/>
   </p:sldIdLst>
   <p:sldSz cx="9144000" cy="6858000" type="screen4x3"/>
   <p:notesSz cx="6858000" cy="9144000"/>
@@ -7054,7 +7055,7 @@
                 </a14:m>
                 <a:r>
                   <a:rPr lang="en-US" dirty="0"/>
-                  <a:t> such that satisfy R1, R2.</a:t>
+                  <a:t> that satisfy R1, R2.</a:t>
                 </a:r>
               </a:p>
             </p:txBody>
@@ -7122,7 +7123,7 @@
             <p:spPr>
               <a:xfrm>
                 <a:off x="740664" y="4405204"/>
-                <a:ext cx="5381410" cy="1015663"/>
+                <a:ext cx="5910785" cy="1015663"/>
               </a:xfrm>
               <a:prstGeom prst="rect">
                 <a:avLst/>
@@ -7367,6 +7368,14 @@
                 </a:r>
                 <a:r>
                   <a:rPr lang="en-US" sz="2000" dirty="0"/>
+                  <a:t> </a:t>
+                </a:r>
+                <a:r>
+                  <a:rPr lang="en-US" sz="2000" b="1" dirty="0"/>
+                  <a:t>=&gt; SI</a:t>
+                </a:r>
+                <a:r>
+                  <a:rPr lang="en-US" sz="2000" dirty="0"/>
                   <a:t>.</a:t>
                 </a:r>
               </a:p>
@@ -7391,7 +7400,7 @@
             <p:spPr>
               <a:xfrm>
                 <a:off x="740664" y="4405204"/>
-                <a:ext cx="5381410" cy="1015663"/>
+                <a:ext cx="5910785" cy="1015663"/>
               </a:xfrm>
               <a:prstGeom prst="rect">
                 <a:avLst/>
@@ -7399,7 +7408,7 @@
               <a:blipFill>
                 <a:blip r:embed="rId5"/>
                 <a:stretch>
-                  <a:fillRect l="-1179" t="-3750" b="-10000"/>
+                  <a:fillRect l="-1073" t="-3750" r="-215" b="-10000"/>
                 </a:stretch>
               </a:blipFill>
             </p:spPr>
@@ -11207,7 +11216,7 @@
         <p:spPr>
           <a:xfrm>
             <a:off x="3648456" y="5533740"/>
-            <a:ext cx="5120312" cy="707886"/>
+            <a:ext cx="4894545" cy="400110"/>
           </a:xfrm>
           <a:prstGeom prst="rect">
             <a:avLst/>
@@ -11226,14 +11235,54 @@
           <a:p>
             <a:r>
               <a:rPr lang="en-US" sz="2000" b="1" dirty="0"/>
-              <a:t>Feasibility problem:</a:t>
+              <a:t>Feasibility problem: Verify constraints.</a:t>
             </a:r>
           </a:p>
+        </p:txBody>
+      </p:sp>
+      <p:sp>
+        <p:nvSpPr>
+          <p:cNvPr id="31" name="TextBox 30">
+            <a:extLst>
+              <a:ext uri="{FF2B5EF4-FFF2-40B4-BE49-F238E27FC236}">
+                <a16:creationId xmlns:a16="http://schemas.microsoft.com/office/drawing/2014/main" id="{39549C5D-E68E-394D-BCB9-98DF5CFDB425}"/>
+              </a:ext>
+            </a:extLst>
+          </p:cNvPr>
+          <p:cNvSpPr txBox="1"/>
+          <p:nvPr/>
+        </p:nvSpPr>
+        <p:spPr>
+          <a:xfrm>
+            <a:off x="3648455" y="6009182"/>
+            <a:ext cx="3753143" cy="400110"/>
+          </a:xfrm>
+          <a:prstGeom prst="rect">
+            <a:avLst/>
+          </a:prstGeom>
+          <a:solidFill>
+            <a:schemeClr val="bg1">
+              <a:lumMod val="85000"/>
+            </a:schemeClr>
+          </a:solidFill>
+        </p:spPr>
+        <p:txBody>
+          <a:bodyPr wrap="none" rtlCol="0">
+            <a:spAutoFit/>
+          </a:bodyPr>
+          <a:lstStyle/>
           <a:p>
             <a:r>
               <a:rPr lang="en-US" sz="2000" b="1" dirty="0"/>
-              <a:t>Only care if the constraints are satisfied.</a:t>
+              <a:t>SI </a:t>
             </a:r>
+            <a:r>
+              <a:rPr lang="en-US" sz="2000" b="1" dirty="0">
+                <a:sym typeface="Wingdings" pitchFamily="2" charset="2"/>
+              </a:rPr>
+              <a:t> Cannot solve feasibility.</a:t>
+            </a:r>
+            <a:endParaRPr lang="en-US" sz="2000" b="1" dirty="0"/>
           </a:p>
         </p:txBody>
       </p:sp>
@@ -11894,99 +11943,6 @@
       </p:grpSpPr>
       <p:sp>
         <p:nvSpPr>
-          <p:cNvPr id="2" name="Title 1">
-            <a:extLst>
-              <a:ext uri="{FF2B5EF4-FFF2-40B4-BE49-F238E27FC236}">
-                <a16:creationId xmlns:a16="http://schemas.microsoft.com/office/drawing/2014/main" id="{AB078ACB-FBB0-FF4C-A00E-AE6BAA616D9A}"/>
-              </a:ext>
-            </a:extLst>
-          </p:cNvPr>
-          <p:cNvSpPr>
-            <a:spLocks noGrp="1"/>
-          </p:cNvSpPr>
-          <p:nvPr>
-            <p:ph type="title"/>
-          </p:nvPr>
-        </p:nvSpPr>
-        <p:spPr/>
-        <p:txBody>
-          <a:bodyPr/>
-          <a:lstStyle/>
-          <a:p>
-            <a:r>
-              <a:rPr lang="en-US" dirty="0"/>
-              <a:t>Equality constraints are determined by the stoichiometry matrix</a:t>
-            </a:r>
-          </a:p>
-        </p:txBody>
-      </p:sp>
-      <p:sp>
-        <p:nvSpPr>
-          <p:cNvPr id="3" name="Slide Number Placeholder 2">
-            <a:extLst>
-              <a:ext uri="{FF2B5EF4-FFF2-40B4-BE49-F238E27FC236}">
-                <a16:creationId xmlns:a16="http://schemas.microsoft.com/office/drawing/2014/main" id="{24BFE3AC-0C99-424D-9E1C-8F48F95F7ADA}"/>
-              </a:ext>
-            </a:extLst>
-          </p:cNvPr>
-          <p:cNvSpPr>
-            <a:spLocks noGrp="1"/>
-          </p:cNvSpPr>
-          <p:nvPr>
-            <p:ph type="sldNum" sz="quarter" idx="11"/>
-          </p:nvPr>
-        </p:nvSpPr>
-        <p:spPr/>
-        <p:txBody>
-          <a:bodyPr/>
-          <a:lstStyle/>
-          <a:p>
-            <a:pPr>
-              <a:defRPr/>
-            </a:pPr>
-            <a:fld id="{2E4304A7-0FB2-4094-BC1E-DB17183AD0C1}" type="slidenum">
-              <a:rPr lang="en-US" altLang="x-none" smtClean="0"/>
-              <a:pPr>
-                <a:defRPr/>
-              </a:pPr>
-              <a:t>15</a:t>
-            </a:fld>
-            <a:endParaRPr lang="en-US" altLang="x-none"/>
-          </a:p>
-        </p:txBody>
-      </p:sp>
-    </p:spTree>
-    <p:extLst>
-      <p:ext uri="{BB962C8B-B14F-4D97-AF65-F5344CB8AC3E}">
-        <p14:creationId xmlns:p14="http://schemas.microsoft.com/office/powerpoint/2010/main" val="3934374947"/>
-      </p:ext>
-    </p:extLst>
-  </p:cSld>
-  <p:clrMapOvr>
-    <a:masterClrMapping/>
-  </p:clrMapOvr>
-</p:sld>
-</file>
-
-<file path=ppt/slides/slide16.xml><?xml version="1.0" encoding="utf-8"?>
-<p:sld xmlns:a="http://schemas.openxmlformats.org/drawingml/2006/main" xmlns:r="http://schemas.openxmlformats.org/officeDocument/2006/relationships" xmlns:p="http://schemas.openxmlformats.org/presentationml/2006/main">
-  <p:cSld>
-    <p:spTree>
-      <p:nvGrpSpPr>
-        <p:cNvPr id="1" name=""/>
-        <p:cNvGrpSpPr/>
-        <p:nvPr/>
-      </p:nvGrpSpPr>
-      <p:grpSpPr>
-        <a:xfrm>
-          <a:off x="0" y="0"/>
-          <a:ext cx="0" cy="0"/>
-          <a:chOff x="0" y="0"/>
-          <a:chExt cx="0" cy="0"/>
-        </a:xfrm>
-      </p:grpSpPr>
-      <p:sp>
-        <p:nvSpPr>
           <p:cNvPr id="3" name="Title 2">
             <a:extLst>
               <a:ext uri="{FF2B5EF4-FFF2-40B4-BE49-F238E27FC236}">
@@ -12042,7 +11998,7 @@
               <a:pPr>
                 <a:defRPr/>
               </a:pPr>
-              <a:t>16</a:t>
+              <a:t>15</a:t>
             </a:fld>
             <a:endParaRPr lang="en-US" altLang="x-none"/>
           </a:p>
@@ -13985,1431 +13941,7 @@
 </p:sld>
 </file>
 
-<file path=ppt/slides/slide17.xml><?xml version="1.0" encoding="utf-8"?>
-<p:sld xmlns:a="http://schemas.openxmlformats.org/drawingml/2006/main" xmlns:r="http://schemas.openxmlformats.org/officeDocument/2006/relationships" xmlns:p="http://schemas.openxmlformats.org/presentationml/2006/main">
-  <p:cSld>
-    <p:spTree>
-      <p:nvGrpSpPr>
-        <p:cNvPr id="1" name=""/>
-        <p:cNvGrpSpPr/>
-        <p:nvPr/>
-      </p:nvGrpSpPr>
-      <p:grpSpPr>
-        <a:xfrm>
-          <a:off x="0" y="0"/>
-          <a:ext cx="0" cy="0"/>
-          <a:chOff x="0" y="0"/>
-          <a:chExt cx="0" cy="0"/>
-        </a:xfrm>
-      </p:grpSpPr>
-      <p:sp>
-        <p:nvSpPr>
-          <p:cNvPr id="5" name="Title 4">
-            <a:extLst>
-              <a:ext uri="{FF2B5EF4-FFF2-40B4-BE49-F238E27FC236}">
-                <a16:creationId xmlns:a16="http://schemas.microsoft.com/office/drawing/2014/main" id="{E014A721-0EC0-FF48-8AA8-6791998B75BF}"/>
-              </a:ext>
-            </a:extLst>
-          </p:cNvPr>
-          <p:cNvSpPr>
-            <a:spLocks noGrp="1"/>
-          </p:cNvSpPr>
-          <p:nvPr>
-            <p:ph type="title"/>
-          </p:nvPr>
-        </p:nvSpPr>
-        <p:spPr/>
-        <p:txBody>
-          <a:bodyPr/>
-          <a:lstStyle/>
-          <a:p>
-            <a:r>
-              <a:rPr lang="en-US" dirty="0"/>
-              <a:t>Finding More Complicated Mass Balance Errors</a:t>
-            </a:r>
-          </a:p>
-        </p:txBody>
-      </p:sp>
-      <p:sp>
-        <p:nvSpPr>
-          <p:cNvPr id="4" name="Slide Number Placeholder 3">
-            <a:extLst>
-              <a:ext uri="{FF2B5EF4-FFF2-40B4-BE49-F238E27FC236}">
-                <a16:creationId xmlns:a16="http://schemas.microsoft.com/office/drawing/2014/main" id="{369307DC-C783-C449-8C3A-AC8970C5FF59}"/>
-              </a:ext>
-            </a:extLst>
-          </p:cNvPr>
-          <p:cNvSpPr>
-            <a:spLocks noGrp="1"/>
-          </p:cNvSpPr>
-          <p:nvPr>
-            <p:ph type="sldNum" sz="quarter" idx="11"/>
-          </p:nvPr>
-        </p:nvSpPr>
-        <p:spPr/>
-        <p:txBody>
-          <a:bodyPr/>
-          <a:lstStyle/>
-          <a:p>
-            <a:pPr>
-              <a:defRPr/>
-            </a:pPr>
-            <a:fld id="{3EF4E9CC-9D91-476E-91FD-5BEEC1642931}" type="slidenum">
-              <a:rPr lang="en-US" altLang="x-none" smtClean="0"/>
-              <a:pPr>
-                <a:defRPr/>
-              </a:pPr>
-              <a:t>17</a:t>
-            </a:fld>
-            <a:endParaRPr lang="en-US" altLang="x-none"/>
-          </a:p>
-        </p:txBody>
-      </p:sp>
-      <p:pic>
-        <p:nvPicPr>
-          <p:cNvPr id="9" name="Picture 8" descr="Text&#10;&#10;Description automatically generated">
-            <a:extLst>
-              <a:ext uri="{FF2B5EF4-FFF2-40B4-BE49-F238E27FC236}">
-                <a16:creationId xmlns:a16="http://schemas.microsoft.com/office/drawing/2014/main" id="{88BB4251-EB22-FD46-BFAA-0FF8709EC92D}"/>
-              </a:ext>
-            </a:extLst>
-          </p:cNvPr>
-          <p:cNvPicPr>
-            <a:picLocks noChangeAspect="1"/>
-          </p:cNvPicPr>
-          <p:nvPr/>
-        </p:nvPicPr>
-        <p:blipFill>
-          <a:blip r:embed="rId2"/>
-          <a:stretch>
-            <a:fillRect/>
-          </a:stretch>
-        </p:blipFill>
-        <p:spPr>
-          <a:xfrm>
-            <a:off x="359627" y="976666"/>
-            <a:ext cx="5406587" cy="3788556"/>
-          </a:xfrm>
-          <a:prstGeom prst="rect">
-            <a:avLst/>
-          </a:prstGeom>
-        </p:spPr>
-      </p:pic>
-      <p:sp>
-        <p:nvSpPr>
-          <p:cNvPr id="16" name="Rectangle 15">
-            <a:extLst>
-              <a:ext uri="{FF2B5EF4-FFF2-40B4-BE49-F238E27FC236}">
-                <a16:creationId xmlns:a16="http://schemas.microsoft.com/office/drawing/2014/main" id="{D16509F1-B883-0241-9704-1F6C7C69E721}"/>
-              </a:ext>
-            </a:extLst>
-          </p:cNvPr>
-          <p:cNvSpPr/>
-          <p:nvPr/>
-        </p:nvSpPr>
-        <p:spPr>
-          <a:xfrm>
-            <a:off x="327274" y="3968611"/>
-            <a:ext cx="6222719" cy="1011936"/>
-          </a:xfrm>
-          <a:prstGeom prst="rect">
-            <a:avLst/>
-          </a:prstGeom>
-          <a:solidFill>
-            <a:schemeClr val="bg1"/>
-          </a:solidFill>
-          <a:ln>
-            <a:noFill/>
-          </a:ln>
-          <a:effectLst>
-            <a:outerShdw dist="23000" sx="1000" sy="1000" rotWithShape="0">
-              <a:srgbClr val="000000"/>
-            </a:outerShdw>
-          </a:effectLst>
-        </p:spPr>
-        <p:style>
-          <a:lnRef idx="1">
-            <a:schemeClr val="accent1"/>
-          </a:lnRef>
-          <a:fillRef idx="3">
-            <a:schemeClr val="accent1"/>
-          </a:fillRef>
-          <a:effectRef idx="2">
-            <a:schemeClr val="accent1"/>
-          </a:effectRef>
-          <a:fontRef idx="minor">
-            <a:schemeClr val="lt1"/>
-          </a:fontRef>
-        </p:style>
-        <p:txBody>
-          <a:bodyPr rtlCol="0" anchor="ctr"/>
-          <a:lstStyle/>
-          <a:p>
-            <a:pPr algn="ctr"/>
-            <a:endParaRPr lang="en-US" dirty="0"/>
-          </a:p>
-        </p:txBody>
-      </p:sp>
-      <mc:AlternateContent xmlns:mc="http://schemas.openxmlformats.org/markup-compatibility/2006" xmlns:a14="http://schemas.microsoft.com/office/drawing/2010/main">
-        <mc:Choice Requires="a14">
-          <p:sp>
-            <p:nvSpPr>
-              <p:cNvPr id="2" name="TextBox 1">
-                <a:extLst>
-                  <a:ext uri="{FF2B5EF4-FFF2-40B4-BE49-F238E27FC236}">
-                    <a16:creationId xmlns:a16="http://schemas.microsoft.com/office/drawing/2014/main" id="{75669517-B19C-5B45-AFFC-C84A11B662E6}"/>
-                  </a:ext>
-                </a:extLst>
-              </p:cNvPr>
-              <p:cNvSpPr txBox="1"/>
-              <p:nvPr/>
-            </p:nvSpPr>
-            <p:spPr>
-              <a:xfrm>
-                <a:off x="2594317" y="4548674"/>
-                <a:ext cx="4420121" cy="1549078"/>
-              </a:xfrm>
-              <a:prstGeom prst="rect">
-                <a:avLst/>
-              </a:prstGeom>
-              <a:noFill/>
-            </p:spPr>
-            <p:txBody>
-              <a:bodyPr wrap="none" lIns="0" tIns="0" rIns="0" bIns="0" rtlCol="0">
-                <a:spAutoFit/>
-              </a:bodyPr>
-              <a:lstStyle/>
-              <a:p>
-                <a:pPr/>
-                <a14:m>
-                  <m:oMathPara xmlns:m="http://schemas.openxmlformats.org/officeDocument/2006/math">
-                    <m:oMathParaPr>
-                      <m:jc m:val="centerGroup"/>
-                    </m:oMathParaPr>
-                    <m:oMath xmlns:m="http://schemas.openxmlformats.org/officeDocument/2006/math">
-                      <m:sSup>
-                        <m:sSupPr>
-                          <m:ctrlPr>
-                            <a:rPr lang="en-US" b="0" i="1" smtClean="0">
-                              <a:latin typeface="Cambria Math" panose="02040503050406030204" pitchFamily="18" charset="0"/>
-                            </a:rPr>
-                          </m:ctrlPr>
-                        </m:sSupPr>
-                        <m:e>
-                          <m:r>
-                            <a:rPr lang="en-US" b="0" i="1" smtClean="0">
-                              <a:latin typeface="Cambria Math" panose="02040503050406030204" pitchFamily="18" charset="0"/>
-                            </a:rPr>
-                            <m:t>𝑁</m:t>
-                          </m:r>
-                        </m:e>
-                        <m:sup>
-                          <m:r>
-                            <a:rPr lang="en-US" b="0" i="1" smtClean="0">
-                              <a:latin typeface="Cambria Math" panose="02040503050406030204" pitchFamily="18" charset="0"/>
-                            </a:rPr>
-                            <m:t>𝑇</m:t>
-                          </m:r>
-                        </m:sup>
-                      </m:sSup>
-                      <m:r>
-                        <a:rPr lang="en-US" b="0" i="1" smtClean="0">
-                          <a:latin typeface="Cambria Math" panose="02040503050406030204" pitchFamily="18" charset="0"/>
-                        </a:rPr>
-                        <m:t>=</m:t>
-                      </m:r>
-                      <m:d>
-                        <m:dPr>
-                          <m:ctrlPr>
-                            <a:rPr lang="en-US" b="0" i="1" smtClean="0">
-                              <a:latin typeface="Cambria Math" panose="02040503050406030204" pitchFamily="18" charset="0"/>
-                            </a:rPr>
-                          </m:ctrlPr>
-                        </m:dPr>
-                        <m:e>
-                          <m:m>
-                            <m:mPr>
-                              <m:mcs>
-                                <m:mc>
-                                  <m:mcPr>
-                                    <m:count m:val="1"/>
-                                    <m:mcJc m:val="center"/>
-                                  </m:mcPr>
-                                </m:mc>
-                              </m:mcs>
-                              <m:ctrlPr>
-                                <a:rPr lang="en-US" b="0" i="1" smtClean="0">
-                                  <a:latin typeface="Cambria Math" panose="02040503050406030204" pitchFamily="18" charset="0"/>
-                                </a:rPr>
-                              </m:ctrlPr>
-                            </m:mPr>
-                            <m:mr>
-                              <m:e>
-                                <m:m>
-                                  <m:mPr>
-                                    <m:mcs>
-                                      <m:mc>
-                                        <m:mcPr>
-                                          <m:count m:val="3"/>
-                                          <m:mcJc m:val="center"/>
-                                        </m:mcPr>
-                                      </m:mc>
-                                    </m:mcs>
-                                    <m:ctrlPr>
-                                      <a:rPr lang="en-US" b="0" i="1" smtClean="0">
-                                        <a:latin typeface="Cambria Math" panose="02040503050406030204" pitchFamily="18" charset="0"/>
-                                      </a:rPr>
-                                    </m:ctrlPr>
-                                  </m:mPr>
-                                  <m:mr>
-                                    <m:e>
-                                      <m:m>
-                                        <m:mPr>
-                                          <m:mcs>
-                                            <m:mc>
-                                              <m:mcPr>
-                                                <m:count m:val="3"/>
-                                                <m:mcJc m:val="center"/>
-                                              </m:mcPr>
-                                            </m:mc>
-                                          </m:mcs>
-                                          <m:ctrlPr>
-                                            <a:rPr lang="en-US" b="0" i="1" smtClean="0">
-                                              <a:latin typeface="Cambria Math" panose="02040503050406030204" pitchFamily="18" charset="0"/>
-                                            </a:rPr>
-                                          </m:ctrlPr>
-                                        </m:mPr>
-                                        <m:mr>
-                                          <m:e>
-                                            <m:r>
-                                              <m:rPr>
-                                                <m:brk m:alnAt="7"/>
-                                              </m:rPr>
-                                              <a:rPr lang="en-US" b="0" i="1" smtClean="0">
-                                                <a:latin typeface="Cambria Math" panose="02040503050406030204" pitchFamily="18" charset="0"/>
-                                              </a:rPr>
-                                              <m:t>0</m:t>
-                                            </m:r>
-                                          </m:e>
-                                          <m:e>
-                                            <m:r>
-                                              <a:rPr lang="en-US" b="0" i="1" smtClean="0">
-                                                <a:latin typeface="Cambria Math" panose="02040503050406030204" pitchFamily="18" charset="0"/>
-                                              </a:rPr>
-                                              <m:t>−2</m:t>
-                                            </m:r>
-                                          </m:e>
-                                          <m:e>
-                                            <m:r>
-                                              <a:rPr lang="en-US" b="0" i="1" smtClean="0">
-                                                <a:latin typeface="Cambria Math" panose="02040503050406030204" pitchFamily="18" charset="0"/>
-                                              </a:rPr>
-                                              <m:t>+1</m:t>
-                                            </m:r>
-                                          </m:e>
-                                        </m:mr>
-                                        <m:mr>
-                                          <m:e>
-                                            <m:r>
-                                              <a:rPr lang="en-US" b="0" i="1" smtClean="0">
-                                                <a:latin typeface="Cambria Math" panose="02040503050406030204" pitchFamily="18" charset="0"/>
-                                              </a:rPr>
-                                              <m:t>0</m:t>
-                                            </m:r>
-                                          </m:e>
-                                          <m:e>
-                                            <m:r>
-                                              <a:rPr lang="en-US" b="0" i="1" smtClean="0">
-                                                <a:latin typeface="Cambria Math" panose="02040503050406030204" pitchFamily="18" charset="0"/>
-                                              </a:rPr>
-                                              <m:t>−1</m:t>
-                                            </m:r>
-                                          </m:e>
-                                          <m:e>
-                                            <m:r>
-                                              <a:rPr lang="en-US" b="0" i="1" smtClean="0">
-                                                <a:latin typeface="Cambria Math" panose="02040503050406030204" pitchFamily="18" charset="0"/>
-                                              </a:rPr>
-                                              <m:t>0</m:t>
-                                            </m:r>
-                                          </m:e>
-                                        </m:mr>
-                                        <m:mr>
-                                          <m:e>
-                                            <m:r>
-                                              <a:rPr lang="en-US" b="0" i="1" smtClean="0">
-                                                <a:latin typeface="Cambria Math" panose="02040503050406030204" pitchFamily="18" charset="0"/>
-                                              </a:rPr>
-                                              <m:t>−1</m:t>
-                                            </m:r>
-                                          </m:e>
-                                          <m:e>
-                                            <m:r>
-                                              <a:rPr lang="en-US" b="0" i="1" smtClean="0">
-                                                <a:latin typeface="Cambria Math" panose="02040503050406030204" pitchFamily="18" charset="0"/>
-                                              </a:rPr>
-                                              <m:t>+1</m:t>
-                                            </m:r>
-                                          </m:e>
-                                          <m:e>
-                                            <m:r>
-                                              <a:rPr lang="en-US" b="0" i="1" smtClean="0">
-                                                <a:latin typeface="Cambria Math" panose="02040503050406030204" pitchFamily="18" charset="0"/>
-                                              </a:rPr>
-                                              <m:t>0</m:t>
-                                            </m:r>
-                                          </m:e>
-                                        </m:mr>
-                                      </m:m>
-                                    </m:e>
-                                    <m:e>
-                                      <m:m>
-                                        <m:mPr>
-                                          <m:mcs>
-                                            <m:mc>
-                                              <m:mcPr>
-                                                <m:count m:val="3"/>
-                                                <m:mcJc m:val="center"/>
-                                              </m:mcPr>
-                                            </m:mc>
-                                          </m:mcs>
-                                          <m:ctrlPr>
-                                            <a:rPr lang="en-US" b="0" i="1" smtClean="0">
-                                              <a:latin typeface="Cambria Math" panose="02040503050406030204" pitchFamily="18" charset="0"/>
-                                            </a:rPr>
-                                          </m:ctrlPr>
-                                        </m:mPr>
-                                        <m:mr>
-                                          <m:e>
-                                            <m:r>
-                                              <m:rPr>
-                                                <m:brk m:alnAt="7"/>
-                                              </m:rPr>
-                                              <a:rPr lang="en-US" b="0" i="1" smtClean="0">
-                                                <a:latin typeface="Cambria Math" panose="02040503050406030204" pitchFamily="18" charset="0"/>
-                                              </a:rPr>
-                                              <m:t>0</m:t>
-                                            </m:r>
-                                          </m:e>
-                                          <m:e>
-                                            <m:r>
-                                              <a:rPr lang="en-US" b="0" i="1" smtClean="0">
-                                                <a:latin typeface="Cambria Math" panose="02040503050406030204" pitchFamily="18" charset="0"/>
-                                              </a:rPr>
-                                              <m:t>0</m:t>
-                                            </m:r>
-                                          </m:e>
-                                          <m:e>
-                                            <m:r>
-                                              <a:rPr lang="en-US" b="0" i="1" smtClean="0">
-                                                <a:latin typeface="Cambria Math" panose="02040503050406030204" pitchFamily="18" charset="0"/>
-                                              </a:rPr>
-                                              <m:t>0</m:t>
-                                            </m:r>
-                                          </m:e>
-                                        </m:mr>
-                                        <m:mr>
-                                          <m:e>
-                                            <m:r>
-                                              <a:rPr lang="en-US" b="0" i="1" smtClean="0">
-                                                <a:latin typeface="Cambria Math" panose="02040503050406030204" pitchFamily="18" charset="0"/>
-                                              </a:rPr>
-                                              <m:t>0</m:t>
-                                            </m:r>
-                                          </m:e>
-                                          <m:e>
-                                            <m:r>
-                                              <a:rPr lang="en-US" b="0" i="1" smtClean="0">
-                                                <a:latin typeface="Cambria Math" panose="02040503050406030204" pitchFamily="18" charset="0"/>
-                                              </a:rPr>
-                                              <m:t>0</m:t>
-                                            </m:r>
-                                          </m:e>
-                                          <m:e>
-                                            <m:r>
-                                              <a:rPr lang="en-US" b="0" i="1" smtClean="0">
-                                                <a:latin typeface="Cambria Math" panose="02040503050406030204" pitchFamily="18" charset="0"/>
-                                              </a:rPr>
-                                              <m:t>−1</m:t>
-                                            </m:r>
-                                          </m:e>
-                                        </m:mr>
-                                        <m:mr>
-                                          <m:e>
-                                            <m:r>
-                                              <a:rPr lang="en-US" b="0" i="1" smtClean="0">
-                                                <a:latin typeface="Cambria Math" panose="02040503050406030204" pitchFamily="18" charset="0"/>
-                                              </a:rPr>
-                                              <m:t>−1</m:t>
-                                            </m:r>
-                                          </m:e>
-                                          <m:e>
-                                            <m:r>
-                                              <a:rPr lang="en-US" b="0" i="1" smtClean="0">
-                                                <a:latin typeface="Cambria Math" panose="02040503050406030204" pitchFamily="18" charset="0"/>
-                                              </a:rPr>
-                                              <m:t>0</m:t>
-                                            </m:r>
-                                          </m:e>
-                                          <m:e>
-                                            <m:r>
-                                              <a:rPr lang="en-US" b="0" i="1" smtClean="0">
-                                                <a:latin typeface="Cambria Math" panose="02040503050406030204" pitchFamily="18" charset="0"/>
-                                              </a:rPr>
-                                              <m:t>0</m:t>
-                                            </m:r>
-                                          </m:e>
-                                        </m:mr>
-                                      </m:m>
-                                    </m:e>
-                                    <m:e>
-                                      <m:m>
-                                        <m:mPr>
-                                          <m:mcs>
-                                            <m:mc>
-                                              <m:mcPr>
-                                                <m:count m:val="1"/>
-                                                <m:mcJc m:val="center"/>
-                                              </m:mcPr>
-                                            </m:mc>
-                                          </m:mcs>
-                                          <m:ctrlPr>
-                                            <a:rPr lang="en-US" b="0" i="1" smtClean="0">
-                                              <a:latin typeface="Cambria Math" panose="02040503050406030204" pitchFamily="18" charset="0"/>
-                                            </a:rPr>
-                                          </m:ctrlPr>
-                                        </m:mPr>
-                                        <m:mr>
-                                          <m:e>
-                                            <m:r>
-                                              <m:rPr>
-                                                <m:brk m:alnAt="7"/>
-                                              </m:rPr>
-                                              <a:rPr lang="en-US" b="0" i="1" smtClean="0">
-                                                <a:latin typeface="Cambria Math" panose="02040503050406030204" pitchFamily="18" charset="0"/>
-                                              </a:rPr>
-                                              <m:t>0</m:t>
-                                            </m:r>
-                                          </m:e>
-                                        </m:mr>
-                                        <m:mr>
-                                          <m:e>
-                                            <m:r>
-                                              <a:rPr lang="en-US" b="0" i="1" smtClean="0">
-                                                <a:latin typeface="Cambria Math" panose="02040503050406030204" pitchFamily="18" charset="0"/>
-                                              </a:rPr>
-                                              <m:t>+1</m:t>
-                                            </m:r>
-                                          </m:e>
-                                        </m:mr>
-                                        <m:mr>
-                                          <m:e>
-                                            <m:r>
-                                              <a:rPr lang="en-US" b="0" i="1" smtClean="0">
-                                                <a:latin typeface="Cambria Math" panose="02040503050406030204" pitchFamily="18" charset="0"/>
-                                              </a:rPr>
-                                              <m:t>0</m:t>
-                                            </m:r>
-                                          </m:e>
-                                        </m:mr>
-                                      </m:m>
-                                    </m:e>
-                                  </m:mr>
-                                </m:m>
-                              </m:e>
-                            </m:mr>
-                            <m:mr>
-                              <m:e>
-                                <m:m>
-                                  <m:mPr>
-                                    <m:mcs>
-                                      <m:mc>
-                                        <m:mcPr>
-                                          <m:count m:val="3"/>
-                                          <m:mcJc m:val="center"/>
-                                        </m:mcPr>
-                                      </m:mc>
-                                    </m:mcs>
-                                    <m:ctrlPr>
-                                      <a:rPr lang="en-US" b="0" i="1" smtClean="0">
-                                        <a:latin typeface="Cambria Math" panose="02040503050406030204" pitchFamily="18" charset="0"/>
-                                      </a:rPr>
-                                    </m:ctrlPr>
-                                  </m:mPr>
-                                  <m:mr>
-                                    <m:e>
-                                      <m:m>
-                                        <m:mPr>
-                                          <m:mcs>
-                                            <m:mc>
-                                              <m:mcPr>
-                                                <m:count m:val="3"/>
-                                                <m:mcJc m:val="center"/>
-                                              </m:mcPr>
-                                            </m:mc>
-                                          </m:mcs>
-                                          <m:ctrlPr>
-                                            <a:rPr lang="en-US" b="0" i="1" smtClean="0">
-                                              <a:latin typeface="Cambria Math" panose="02040503050406030204" pitchFamily="18" charset="0"/>
-                                            </a:rPr>
-                                          </m:ctrlPr>
-                                        </m:mPr>
-                                        <m:mr>
-                                          <m:e>
-                                            <m:r>
-                                              <m:rPr>
-                                                <m:brk m:alnAt="7"/>
-                                              </m:rPr>
-                                              <a:rPr lang="en-US" b="0" i="1" smtClean="0">
-                                                <a:latin typeface="Cambria Math" panose="02040503050406030204" pitchFamily="18" charset="0"/>
-                                              </a:rPr>
-                                              <m:t>−</m:t>
-                                            </m:r>
-                                            <m:r>
-                                              <a:rPr lang="en-US" b="0" i="1" smtClean="0">
-                                                <a:latin typeface="Cambria Math" panose="02040503050406030204" pitchFamily="18" charset="0"/>
-                                              </a:rPr>
-                                              <m:t>1</m:t>
-                                            </m:r>
-                                          </m:e>
-                                          <m:e>
-                                            <m:r>
-                                              <a:rPr lang="en-US" b="0" i="1" smtClean="0">
-                                                <a:latin typeface="Cambria Math" panose="02040503050406030204" pitchFamily="18" charset="0"/>
-                                              </a:rPr>
-                                              <m:t>0</m:t>
-                                            </m:r>
-                                          </m:e>
-                                          <m:e>
-                                            <m:r>
-                                              <a:rPr lang="en-US" b="0" i="1" smtClean="0">
-                                                <a:latin typeface="Cambria Math" panose="02040503050406030204" pitchFamily="18" charset="0"/>
-                                              </a:rPr>
-                                              <m:t>0</m:t>
-                                            </m:r>
-                                          </m:e>
-                                        </m:mr>
-                                        <m:mr>
-                                          <m:e>
-                                            <m:r>
-                                              <a:rPr lang="en-US" b="0" i="1" smtClean="0">
-                                                <a:latin typeface="Cambria Math" panose="02040503050406030204" pitchFamily="18" charset="0"/>
-                                              </a:rPr>
-                                              <m:t>0</m:t>
-                                            </m:r>
-                                          </m:e>
-                                          <m:e>
-                                            <m:r>
-                                              <a:rPr lang="en-US" b="0" i="1" smtClean="0">
-                                                <a:latin typeface="Cambria Math" panose="02040503050406030204" pitchFamily="18" charset="0"/>
-                                              </a:rPr>
-                                              <m:t>0</m:t>
-                                            </m:r>
-                                          </m:e>
-                                          <m:e>
-                                            <m:r>
-                                              <a:rPr lang="en-US" b="0" i="1" smtClean="0">
-                                                <a:latin typeface="Cambria Math" panose="02040503050406030204" pitchFamily="18" charset="0"/>
-                                              </a:rPr>
-                                              <m:t>0</m:t>
-                                            </m:r>
-                                          </m:e>
-                                        </m:mr>
-                                        <m:mr>
-                                          <m:e>
-                                            <m:r>
-                                              <a:rPr lang="en-US" b="0" i="1" smtClean="0">
-                                                <a:latin typeface="Cambria Math" panose="02040503050406030204" pitchFamily="18" charset="0"/>
-                                              </a:rPr>
-                                              <m:t>0</m:t>
-                                            </m:r>
-                                          </m:e>
-                                          <m:e>
-                                            <m:r>
-                                              <a:rPr lang="en-US" b="0" i="1" smtClean="0">
-                                                <a:latin typeface="Cambria Math" panose="02040503050406030204" pitchFamily="18" charset="0"/>
-                                              </a:rPr>
-                                              <m:t>0</m:t>
-                                            </m:r>
-                                          </m:e>
-                                          <m:e>
-                                            <m:r>
-                                              <a:rPr lang="en-US" b="0" i="1" smtClean="0">
-                                                <a:latin typeface="Cambria Math" panose="02040503050406030204" pitchFamily="18" charset="0"/>
-                                              </a:rPr>
-                                              <m:t>0</m:t>
-                                            </m:r>
-                                          </m:e>
-                                        </m:mr>
-                                      </m:m>
-                                    </m:e>
-                                    <m:e>
-                                      <m:m>
-                                        <m:mPr>
-                                          <m:mcs>
-                                            <m:mc>
-                                              <m:mcPr>
-                                                <m:count m:val="3"/>
-                                                <m:mcJc m:val="center"/>
-                                              </m:mcPr>
-                                            </m:mc>
-                                          </m:mcs>
-                                          <m:ctrlPr>
-                                            <a:rPr lang="en-US" b="0" i="1" smtClean="0">
-                                              <a:latin typeface="Cambria Math" panose="02040503050406030204" pitchFamily="18" charset="0"/>
-                                            </a:rPr>
-                                          </m:ctrlPr>
-                                        </m:mPr>
-                                        <m:mr>
-                                          <m:e>
-                                            <m:r>
-                                              <m:rPr>
-                                                <m:brk m:alnAt="7"/>
-                                              </m:rPr>
-                                              <a:rPr lang="en-US" b="0" i="1" smtClean="0">
-                                                <a:latin typeface="Cambria Math" panose="02040503050406030204" pitchFamily="18" charset="0"/>
-                                              </a:rPr>
-                                              <m:t>0</m:t>
-                                            </m:r>
-                                          </m:e>
-                                          <m:e>
-                                            <m:r>
-                                              <a:rPr lang="en-US" b="0" i="1" smtClean="0">
-                                                <a:latin typeface="Cambria Math" panose="02040503050406030204" pitchFamily="18" charset="0"/>
-                                              </a:rPr>
-                                              <m:t>+1</m:t>
-                                            </m:r>
-                                          </m:e>
-                                          <m:e>
-                                            <m:r>
-                                              <a:rPr lang="en-US" b="0" i="1" smtClean="0">
-                                                <a:latin typeface="Cambria Math" panose="02040503050406030204" pitchFamily="18" charset="0"/>
-                                              </a:rPr>
-                                              <m:t>0</m:t>
-                                            </m:r>
-                                          </m:e>
-                                        </m:mr>
-                                        <m:mr>
-                                          <m:e>
-                                            <m:r>
-                                              <a:rPr lang="en-US" b="0" i="1" smtClean="0">
-                                                <a:latin typeface="Cambria Math" panose="02040503050406030204" pitchFamily="18" charset="0"/>
-                                              </a:rPr>
-                                              <m:t>0</m:t>
-                                            </m:r>
-                                          </m:e>
-                                          <m:e>
-                                            <m:r>
-                                              <a:rPr lang="en-US" b="0" i="1" smtClean="0">
-                                                <a:latin typeface="Cambria Math" panose="02040503050406030204" pitchFamily="18" charset="0"/>
-                                              </a:rPr>
-                                              <m:t>+1</m:t>
-                                            </m:r>
-                                          </m:e>
-                                          <m:e>
-                                            <m:r>
-                                              <a:rPr lang="en-US" b="0" i="1" smtClean="0">
-                                                <a:latin typeface="Cambria Math" panose="02040503050406030204" pitchFamily="18" charset="0"/>
-                                              </a:rPr>
-                                              <m:t>0</m:t>
-                                            </m:r>
-                                          </m:e>
-                                        </m:mr>
-                                        <m:mr>
-                                          <m:e>
-                                            <m:r>
-                                              <a:rPr lang="en-US" b="0" i="1" smtClean="0">
-                                                <a:latin typeface="Cambria Math" panose="02040503050406030204" pitchFamily="18" charset="0"/>
-                                              </a:rPr>
-                                              <m:t>0</m:t>
-                                            </m:r>
-                                          </m:e>
-                                          <m:e>
-                                            <m:r>
-                                              <a:rPr lang="en-US" b="0" i="1" smtClean="0">
-                                                <a:latin typeface="Cambria Math" panose="02040503050406030204" pitchFamily="18" charset="0"/>
-                                              </a:rPr>
-                                              <m:t>+1</m:t>
-                                            </m:r>
-                                          </m:e>
-                                          <m:e>
-                                            <m:r>
-                                              <a:rPr lang="en-US" b="0" i="1" smtClean="0">
-                                                <a:latin typeface="Cambria Math" panose="02040503050406030204" pitchFamily="18" charset="0"/>
-                                              </a:rPr>
-                                              <m:t>−1</m:t>
-                                            </m:r>
-                                          </m:e>
-                                        </m:mr>
-                                      </m:m>
-                                    </m:e>
-                                    <m:e>
-                                      <m:m>
-                                        <m:mPr>
-                                          <m:mcs>
-                                            <m:mc>
-                                              <m:mcPr>
-                                                <m:count m:val="1"/>
-                                                <m:mcJc m:val="center"/>
-                                              </m:mcPr>
-                                            </m:mc>
-                                          </m:mcs>
-                                          <m:ctrlPr>
-                                            <a:rPr lang="en-US" b="0" i="1" smtClean="0">
-                                              <a:latin typeface="Cambria Math" panose="02040503050406030204" pitchFamily="18" charset="0"/>
-                                            </a:rPr>
-                                          </m:ctrlPr>
-                                        </m:mPr>
-                                        <m:mr>
-                                          <m:e>
-                                            <m:r>
-                                              <m:rPr>
-                                                <m:brk m:alnAt="7"/>
-                                              </m:rPr>
-                                              <a:rPr lang="en-US" b="0" i="1" smtClean="0">
-                                                <a:latin typeface="Cambria Math" panose="02040503050406030204" pitchFamily="18" charset="0"/>
-                                              </a:rPr>
-                                              <m:t>0</m:t>
-                                            </m:r>
-                                          </m:e>
-                                        </m:mr>
-                                        <m:mr>
-                                          <m:e>
-                                            <m:r>
-                                              <a:rPr lang="en-US" b="0" i="1" smtClean="0">
-                                                <a:latin typeface="Cambria Math" panose="02040503050406030204" pitchFamily="18" charset="0"/>
-                                              </a:rPr>
-                                              <m:t>−1</m:t>
-                                            </m:r>
-                                          </m:e>
-                                        </m:mr>
-                                        <m:mr>
-                                          <m:e>
-                                            <m:r>
-                                              <a:rPr lang="en-US" b="0" i="1" smtClean="0">
-                                                <a:latin typeface="Cambria Math" panose="02040503050406030204" pitchFamily="18" charset="0"/>
-                                              </a:rPr>
-                                              <m:t>0</m:t>
-                                            </m:r>
-                                          </m:e>
-                                        </m:mr>
-                                      </m:m>
-                                    </m:e>
-                                  </m:mr>
-                                </m:m>
-                              </m:e>
-                            </m:mr>
-                          </m:m>
-                        </m:e>
-                      </m:d>
-                    </m:oMath>
-                  </m:oMathPara>
-                </a14:m>
-                <a:endParaRPr lang="en-US" dirty="0"/>
-              </a:p>
-            </p:txBody>
-          </p:sp>
-        </mc:Choice>
-        <mc:Fallback xmlns="">
-          <p:sp>
-            <p:nvSpPr>
-              <p:cNvPr id="2" name="TextBox 1">
-                <a:extLst>
-                  <a:ext uri="{FF2B5EF4-FFF2-40B4-BE49-F238E27FC236}">
-                    <a16:creationId xmlns:a16="http://schemas.microsoft.com/office/drawing/2014/main" id="{75669517-B19C-5B45-AFFC-C84A11B662E6}"/>
-                  </a:ext>
-                </a:extLst>
-              </p:cNvPr>
-              <p:cNvSpPr txBox="1">
-                <a:spLocks noRot="1" noChangeAspect="1" noMove="1" noResize="1" noEditPoints="1" noAdjustHandles="1" noChangeArrowheads="1" noChangeShapeType="1" noTextEdit="1"/>
-              </p:cNvSpPr>
-              <p:nvPr/>
-            </p:nvSpPr>
-            <p:spPr>
-              <a:xfrm>
-                <a:off x="2594317" y="4548674"/>
-                <a:ext cx="4420121" cy="1549078"/>
-              </a:xfrm>
-              <a:prstGeom prst="rect">
-                <a:avLst/>
-              </a:prstGeom>
-              <a:blipFill>
-                <a:blip r:embed="rId3"/>
-                <a:stretch>
-                  <a:fillRect t="-1626" b="-813"/>
-                </a:stretch>
-              </a:blipFill>
-            </p:spPr>
-            <p:txBody>
-              <a:bodyPr/>
-              <a:lstStyle/>
-              <a:p>
-                <a:r>
-                  <a:rPr lang="en-US">
-                    <a:noFill/>
-                  </a:rPr>
-                  <a:t> </a:t>
-                </a:r>
-              </a:p>
-            </p:txBody>
-          </p:sp>
-        </mc:Fallback>
-      </mc:AlternateContent>
-      <p:sp>
-        <p:nvSpPr>
-          <p:cNvPr id="3" name="TextBox 2">
-            <a:extLst>
-              <a:ext uri="{FF2B5EF4-FFF2-40B4-BE49-F238E27FC236}">
-                <a16:creationId xmlns:a16="http://schemas.microsoft.com/office/drawing/2014/main" id="{1DF3F270-7D87-594C-AFD4-07766000D714}"/>
-              </a:ext>
-            </a:extLst>
-          </p:cNvPr>
-          <p:cNvSpPr txBox="1"/>
-          <p:nvPr/>
-        </p:nvSpPr>
-        <p:spPr>
-          <a:xfrm>
-            <a:off x="3340765" y="4190802"/>
-            <a:ext cx="399468" cy="307777"/>
-          </a:xfrm>
-          <a:prstGeom prst="rect">
-            <a:avLst/>
-          </a:prstGeom>
-          <a:noFill/>
-        </p:spPr>
-        <p:txBody>
-          <a:bodyPr wrap="none" rtlCol="0">
-            <a:spAutoFit/>
-          </a:bodyPr>
-          <a:lstStyle/>
-          <a:p>
-            <a:r>
-              <a:rPr lang="en-US" sz="1400" b="1" dirty="0">
-                <a:latin typeface="Courier New" panose="02070309020205020404" pitchFamily="49" charset="0"/>
-                <a:cs typeface="Courier New" panose="02070309020205020404" pitchFamily="49" charset="0"/>
-              </a:rPr>
-              <a:t>c6</a:t>
-            </a:r>
-          </a:p>
-        </p:txBody>
-      </p:sp>
-      <p:sp>
-        <p:nvSpPr>
-          <p:cNvPr id="10" name="TextBox 9">
-            <a:extLst>
-              <a:ext uri="{FF2B5EF4-FFF2-40B4-BE49-F238E27FC236}">
-                <a16:creationId xmlns:a16="http://schemas.microsoft.com/office/drawing/2014/main" id="{7FDBA2DA-D9B9-9240-A9D7-7730EC449C21}"/>
-              </a:ext>
-            </a:extLst>
-          </p:cNvPr>
-          <p:cNvSpPr txBox="1"/>
-          <p:nvPr/>
-        </p:nvSpPr>
-        <p:spPr>
-          <a:xfrm>
-            <a:off x="3754421" y="4190802"/>
-            <a:ext cx="506870" cy="307777"/>
-          </a:xfrm>
-          <a:prstGeom prst="rect">
-            <a:avLst/>
-          </a:prstGeom>
-          <a:noFill/>
-        </p:spPr>
-        <p:txBody>
-          <a:bodyPr wrap="none" rtlCol="0">
-            <a:spAutoFit/>
-          </a:bodyPr>
-          <a:lstStyle/>
-          <a:p>
-            <a:r>
-              <a:rPr lang="en-US" sz="1400" b="1" dirty="0">
-                <a:latin typeface="Courier New" panose="02070309020205020404" pitchFamily="49" charset="0"/>
-                <a:cs typeface="Courier New" panose="02070309020205020404" pitchFamily="49" charset="0"/>
-              </a:rPr>
-              <a:t>c10</a:t>
-            </a:r>
-          </a:p>
-        </p:txBody>
-      </p:sp>
-      <p:sp>
-        <p:nvSpPr>
-          <p:cNvPr id="11" name="TextBox 10">
-            <a:extLst>
-              <a:ext uri="{FF2B5EF4-FFF2-40B4-BE49-F238E27FC236}">
-                <a16:creationId xmlns:a16="http://schemas.microsoft.com/office/drawing/2014/main" id="{5F82DC5B-17A2-F144-9A2B-CEEBA68B9C42}"/>
-              </a:ext>
-            </a:extLst>
-          </p:cNvPr>
-          <p:cNvSpPr txBox="1"/>
-          <p:nvPr/>
-        </p:nvSpPr>
-        <p:spPr>
-          <a:xfrm>
-            <a:off x="4298707" y="4190802"/>
-            <a:ext cx="506870" cy="307777"/>
-          </a:xfrm>
-          <a:prstGeom prst="rect">
-            <a:avLst/>
-          </a:prstGeom>
-          <a:noFill/>
-        </p:spPr>
-        <p:txBody>
-          <a:bodyPr wrap="none" rtlCol="0">
-            <a:spAutoFit/>
-          </a:bodyPr>
-          <a:lstStyle/>
-          <a:p>
-            <a:r>
-              <a:rPr lang="en-US" sz="1400" b="1" dirty="0">
-                <a:latin typeface="Courier New" panose="02070309020205020404" pitchFamily="49" charset="0"/>
-                <a:cs typeface="Courier New" panose="02070309020205020404" pitchFamily="49" charset="0"/>
-              </a:rPr>
-              <a:t>c11</a:t>
-            </a:r>
-          </a:p>
-        </p:txBody>
-      </p:sp>
-      <p:sp>
-        <p:nvSpPr>
-          <p:cNvPr id="12" name="TextBox 11">
-            <a:extLst>
-              <a:ext uri="{FF2B5EF4-FFF2-40B4-BE49-F238E27FC236}">
-                <a16:creationId xmlns:a16="http://schemas.microsoft.com/office/drawing/2014/main" id="{E786B8C4-86A2-DA46-BF39-A5480E56634A}"/>
-              </a:ext>
-            </a:extLst>
-          </p:cNvPr>
-          <p:cNvSpPr txBox="1"/>
-          <p:nvPr/>
-        </p:nvSpPr>
-        <p:spPr>
-          <a:xfrm>
-            <a:off x="4811889" y="4190802"/>
-            <a:ext cx="506870" cy="307777"/>
-          </a:xfrm>
-          <a:prstGeom prst="rect">
-            <a:avLst/>
-          </a:prstGeom>
-          <a:noFill/>
-        </p:spPr>
-        <p:txBody>
-          <a:bodyPr wrap="none" rtlCol="0">
-            <a:spAutoFit/>
-          </a:bodyPr>
-          <a:lstStyle/>
-          <a:p>
-            <a:r>
-              <a:rPr lang="en-US" sz="1400" b="1" dirty="0">
-                <a:latin typeface="Courier New" panose="02070309020205020404" pitchFamily="49" charset="0"/>
-                <a:cs typeface="Courier New" panose="02070309020205020404" pitchFamily="49" charset="0"/>
-              </a:rPr>
-              <a:t>c16</a:t>
-            </a:r>
-          </a:p>
-        </p:txBody>
-      </p:sp>
-      <p:sp>
-        <p:nvSpPr>
-          <p:cNvPr id="13" name="TextBox 12">
-            <a:extLst>
-              <a:ext uri="{FF2B5EF4-FFF2-40B4-BE49-F238E27FC236}">
-                <a16:creationId xmlns:a16="http://schemas.microsoft.com/office/drawing/2014/main" id="{C16FFD5F-5934-C345-84E5-52E95C5908FF}"/>
-              </a:ext>
-            </a:extLst>
-          </p:cNvPr>
-          <p:cNvSpPr txBox="1"/>
-          <p:nvPr/>
-        </p:nvSpPr>
-        <p:spPr>
-          <a:xfrm>
-            <a:off x="5312638" y="4190802"/>
-            <a:ext cx="506870" cy="307777"/>
-          </a:xfrm>
-          <a:prstGeom prst="rect">
-            <a:avLst/>
-          </a:prstGeom>
-          <a:noFill/>
-        </p:spPr>
-        <p:txBody>
-          <a:bodyPr wrap="none" rtlCol="0">
-            <a:spAutoFit/>
-          </a:bodyPr>
-          <a:lstStyle/>
-          <a:p>
-            <a:r>
-              <a:rPr lang="en-US" sz="1400" b="1" dirty="0">
-                <a:latin typeface="Courier New" panose="02070309020205020404" pitchFamily="49" charset="0"/>
-                <a:cs typeface="Courier New" panose="02070309020205020404" pitchFamily="49" charset="0"/>
-              </a:rPr>
-              <a:t>c86</a:t>
-            </a:r>
-          </a:p>
-        </p:txBody>
-      </p:sp>
-      <p:sp>
-        <p:nvSpPr>
-          <p:cNvPr id="14" name="TextBox 13">
-            <a:extLst>
-              <a:ext uri="{FF2B5EF4-FFF2-40B4-BE49-F238E27FC236}">
-                <a16:creationId xmlns:a16="http://schemas.microsoft.com/office/drawing/2014/main" id="{99F387E9-65C4-1746-AAB4-D32398873026}"/>
-              </a:ext>
-            </a:extLst>
-          </p:cNvPr>
-          <p:cNvSpPr txBox="1"/>
-          <p:nvPr/>
-        </p:nvSpPr>
-        <p:spPr>
-          <a:xfrm>
-            <a:off x="5735628" y="4190802"/>
-            <a:ext cx="614271" cy="307777"/>
-          </a:xfrm>
-          <a:prstGeom prst="rect">
-            <a:avLst/>
-          </a:prstGeom>
-          <a:noFill/>
-        </p:spPr>
-        <p:txBody>
-          <a:bodyPr wrap="none" rtlCol="0">
-            <a:spAutoFit/>
-          </a:bodyPr>
-          <a:lstStyle/>
-          <a:p>
-            <a:r>
-              <a:rPr lang="en-US" sz="1400" b="1" dirty="0">
-                <a:latin typeface="Courier New" panose="02070309020205020404" pitchFamily="49" charset="0"/>
-                <a:cs typeface="Courier New" panose="02070309020205020404" pitchFamily="49" charset="0"/>
-              </a:rPr>
-              <a:t>c154</a:t>
-            </a:r>
-          </a:p>
-        </p:txBody>
-      </p:sp>
-      <p:sp>
-        <p:nvSpPr>
-          <p:cNvPr id="15" name="TextBox 14">
-            <a:extLst>
-              <a:ext uri="{FF2B5EF4-FFF2-40B4-BE49-F238E27FC236}">
-                <a16:creationId xmlns:a16="http://schemas.microsoft.com/office/drawing/2014/main" id="{8219E122-789A-9941-8A6E-F274CCC15767}"/>
-              </a:ext>
-            </a:extLst>
-          </p:cNvPr>
-          <p:cNvSpPr txBox="1"/>
-          <p:nvPr/>
-        </p:nvSpPr>
-        <p:spPr>
-          <a:xfrm>
-            <a:off x="6271630" y="4190802"/>
-            <a:ext cx="614271" cy="307777"/>
-          </a:xfrm>
-          <a:prstGeom prst="rect">
-            <a:avLst/>
-          </a:prstGeom>
-          <a:noFill/>
-        </p:spPr>
-        <p:txBody>
-          <a:bodyPr wrap="none" rtlCol="0">
-            <a:spAutoFit/>
-          </a:bodyPr>
-          <a:lstStyle/>
-          <a:p>
-            <a:r>
-              <a:rPr lang="en-US" sz="1400" b="1" dirty="0">
-                <a:latin typeface="Courier New" panose="02070309020205020404" pitchFamily="49" charset="0"/>
-                <a:cs typeface="Courier New" panose="02070309020205020404" pitchFamily="49" charset="0"/>
-              </a:rPr>
-              <a:t>C160</a:t>
-            </a:r>
-          </a:p>
-        </p:txBody>
-      </p:sp>
-      <p:sp>
-        <p:nvSpPr>
-          <p:cNvPr id="19" name="TextBox 18">
-            <a:extLst>
-              <a:ext uri="{FF2B5EF4-FFF2-40B4-BE49-F238E27FC236}">
-                <a16:creationId xmlns:a16="http://schemas.microsoft.com/office/drawing/2014/main" id="{678668F1-C6F2-F045-9C39-38A715D2E893}"/>
-              </a:ext>
-            </a:extLst>
-          </p:cNvPr>
-          <p:cNvSpPr txBox="1"/>
-          <p:nvPr/>
-        </p:nvSpPr>
-        <p:spPr>
-          <a:xfrm>
-            <a:off x="7160095" y="4464497"/>
-            <a:ext cx="399468" cy="307777"/>
-          </a:xfrm>
-          <a:prstGeom prst="rect">
-            <a:avLst/>
-          </a:prstGeom>
-          <a:noFill/>
-        </p:spPr>
-        <p:txBody>
-          <a:bodyPr wrap="none" rtlCol="0">
-            <a:spAutoFit/>
-          </a:bodyPr>
-          <a:lstStyle/>
-          <a:p>
-            <a:r>
-              <a:rPr lang="en-US" sz="1400" b="1" dirty="0">
-                <a:latin typeface="Courier New" panose="02070309020205020404" pitchFamily="49" charset="0"/>
-                <a:cs typeface="Courier New" panose="02070309020205020404" pitchFamily="49" charset="0"/>
-              </a:rPr>
-              <a:t>v8</a:t>
-            </a:r>
-          </a:p>
-        </p:txBody>
-      </p:sp>
-      <p:sp>
-        <p:nvSpPr>
-          <p:cNvPr id="20" name="TextBox 19">
-            <a:extLst>
-              <a:ext uri="{FF2B5EF4-FFF2-40B4-BE49-F238E27FC236}">
-                <a16:creationId xmlns:a16="http://schemas.microsoft.com/office/drawing/2014/main" id="{FCE29E1E-A16B-FD45-B791-12733DBD6363}"/>
-              </a:ext>
-            </a:extLst>
-          </p:cNvPr>
-          <p:cNvSpPr txBox="1"/>
-          <p:nvPr/>
-        </p:nvSpPr>
-        <p:spPr>
-          <a:xfrm>
-            <a:off x="7066788" y="4738494"/>
-            <a:ext cx="506870" cy="307777"/>
-          </a:xfrm>
-          <a:prstGeom prst="rect">
-            <a:avLst/>
-          </a:prstGeom>
-          <a:noFill/>
-        </p:spPr>
-        <p:txBody>
-          <a:bodyPr wrap="none" rtlCol="0">
-            <a:spAutoFit/>
-          </a:bodyPr>
-          <a:lstStyle/>
-          <a:p>
-            <a:r>
-              <a:rPr lang="en-US" sz="1400" b="1" dirty="0">
-                <a:latin typeface="Courier New" panose="02070309020205020404" pitchFamily="49" charset="0"/>
-                <a:cs typeface="Courier New" panose="02070309020205020404" pitchFamily="49" charset="0"/>
-              </a:rPr>
-              <a:t>v13</a:t>
-            </a:r>
-          </a:p>
-        </p:txBody>
-      </p:sp>
-      <p:sp>
-        <p:nvSpPr>
-          <p:cNvPr id="21" name="TextBox 20">
-            <a:extLst>
-              <a:ext uri="{FF2B5EF4-FFF2-40B4-BE49-F238E27FC236}">
-                <a16:creationId xmlns:a16="http://schemas.microsoft.com/office/drawing/2014/main" id="{972E3C62-6B28-2C45-9EA3-5F0B9B08F94D}"/>
-              </a:ext>
-            </a:extLst>
-          </p:cNvPr>
-          <p:cNvSpPr txBox="1"/>
-          <p:nvPr/>
-        </p:nvSpPr>
-        <p:spPr>
-          <a:xfrm>
-            <a:off x="7066788" y="5012491"/>
-            <a:ext cx="614271" cy="307777"/>
-          </a:xfrm>
-          <a:prstGeom prst="rect">
-            <a:avLst/>
-          </a:prstGeom>
-          <a:noFill/>
-        </p:spPr>
-        <p:txBody>
-          <a:bodyPr wrap="none" rtlCol="0">
-            <a:spAutoFit/>
-          </a:bodyPr>
-          <a:lstStyle/>
-          <a:p>
-            <a:r>
-              <a:rPr lang="en-US" sz="1400" b="1" dirty="0">
-                <a:latin typeface="Courier New" panose="02070309020205020404" pitchFamily="49" charset="0"/>
-                <a:cs typeface="Courier New" panose="02070309020205020404" pitchFamily="49" charset="0"/>
-              </a:rPr>
-              <a:t>v208</a:t>
-            </a:r>
-          </a:p>
-        </p:txBody>
-      </p:sp>
-      <p:sp>
-        <p:nvSpPr>
-          <p:cNvPr id="22" name="TextBox 21">
-            <a:extLst>
-              <a:ext uri="{FF2B5EF4-FFF2-40B4-BE49-F238E27FC236}">
-                <a16:creationId xmlns:a16="http://schemas.microsoft.com/office/drawing/2014/main" id="{4C9E533E-F3B4-784A-83C3-9AF2A3E5EADC}"/>
-              </a:ext>
-            </a:extLst>
-          </p:cNvPr>
-          <p:cNvSpPr txBox="1"/>
-          <p:nvPr/>
-        </p:nvSpPr>
-        <p:spPr>
-          <a:xfrm>
-            <a:off x="7066788" y="5286488"/>
-            <a:ext cx="614271" cy="307777"/>
-          </a:xfrm>
-          <a:prstGeom prst="rect">
-            <a:avLst/>
-          </a:prstGeom>
-          <a:noFill/>
-        </p:spPr>
-        <p:txBody>
-          <a:bodyPr wrap="none" rtlCol="0">
-            <a:spAutoFit/>
-          </a:bodyPr>
-          <a:lstStyle/>
-          <a:p>
-            <a:r>
-              <a:rPr lang="en-US" sz="1400" b="1" dirty="0">
-                <a:latin typeface="Courier New" panose="02070309020205020404" pitchFamily="49" charset="0"/>
-                <a:cs typeface="Courier New" panose="02070309020205020404" pitchFamily="49" charset="0"/>
-              </a:rPr>
-              <a:t>v523</a:t>
-            </a:r>
-          </a:p>
-        </p:txBody>
-      </p:sp>
-      <p:sp>
-        <p:nvSpPr>
-          <p:cNvPr id="23" name="TextBox 22">
-            <a:extLst>
-              <a:ext uri="{FF2B5EF4-FFF2-40B4-BE49-F238E27FC236}">
-                <a16:creationId xmlns:a16="http://schemas.microsoft.com/office/drawing/2014/main" id="{8645495E-D892-754A-BCD1-0943C8EDA241}"/>
-              </a:ext>
-            </a:extLst>
-          </p:cNvPr>
-          <p:cNvSpPr txBox="1"/>
-          <p:nvPr/>
-        </p:nvSpPr>
-        <p:spPr>
-          <a:xfrm>
-            <a:off x="7066788" y="5560485"/>
-            <a:ext cx="614271" cy="307777"/>
-          </a:xfrm>
-          <a:prstGeom prst="rect">
-            <a:avLst/>
-          </a:prstGeom>
-          <a:noFill/>
-        </p:spPr>
-        <p:txBody>
-          <a:bodyPr wrap="none" rtlCol="0">
-            <a:spAutoFit/>
-          </a:bodyPr>
-          <a:lstStyle/>
-          <a:p>
-            <a:r>
-              <a:rPr lang="en-US" sz="1400" b="1" dirty="0">
-                <a:latin typeface="Courier New" panose="02070309020205020404" pitchFamily="49" charset="0"/>
-                <a:cs typeface="Courier New" panose="02070309020205020404" pitchFamily="49" charset="0"/>
-              </a:rPr>
-              <a:t>v537</a:t>
-            </a:r>
-          </a:p>
-        </p:txBody>
-      </p:sp>
-      <p:sp>
-        <p:nvSpPr>
-          <p:cNvPr id="24" name="TextBox 23">
-            <a:extLst>
-              <a:ext uri="{FF2B5EF4-FFF2-40B4-BE49-F238E27FC236}">
-                <a16:creationId xmlns:a16="http://schemas.microsoft.com/office/drawing/2014/main" id="{1856C9A3-B47A-9146-9767-F0DF38638693}"/>
-              </a:ext>
-            </a:extLst>
-          </p:cNvPr>
-          <p:cNvSpPr txBox="1"/>
-          <p:nvPr/>
-        </p:nvSpPr>
-        <p:spPr>
-          <a:xfrm>
-            <a:off x="7066788" y="5834480"/>
-            <a:ext cx="614271" cy="307777"/>
-          </a:xfrm>
-          <a:prstGeom prst="rect">
-            <a:avLst/>
-          </a:prstGeom>
-          <a:noFill/>
-        </p:spPr>
-        <p:txBody>
-          <a:bodyPr wrap="none" rtlCol="0">
-            <a:spAutoFit/>
-          </a:bodyPr>
-          <a:lstStyle/>
-          <a:p>
-            <a:r>
-              <a:rPr lang="en-US" sz="1400" b="1" dirty="0">
-                <a:latin typeface="Courier New" panose="02070309020205020404" pitchFamily="49" charset="0"/>
-                <a:cs typeface="Courier New" panose="02070309020205020404" pitchFamily="49" charset="0"/>
-              </a:rPr>
-              <a:t>v601</a:t>
-            </a:r>
-          </a:p>
-        </p:txBody>
-      </p:sp>
-      <p:sp>
-        <p:nvSpPr>
-          <p:cNvPr id="6" name="TextBox 5">
-            <a:extLst>
-              <a:ext uri="{FF2B5EF4-FFF2-40B4-BE49-F238E27FC236}">
-                <a16:creationId xmlns:a16="http://schemas.microsoft.com/office/drawing/2014/main" id="{01AEC83E-C342-D347-A818-D9F55F1946F2}"/>
-              </a:ext>
-            </a:extLst>
-          </p:cNvPr>
-          <p:cNvSpPr txBox="1"/>
-          <p:nvPr/>
-        </p:nvSpPr>
-        <p:spPr>
-          <a:xfrm>
-            <a:off x="531241" y="3636778"/>
-            <a:ext cx="5224507" cy="369332"/>
-          </a:xfrm>
-          <a:prstGeom prst="rect">
-            <a:avLst/>
-          </a:prstGeom>
-          <a:noFill/>
-        </p:spPr>
-        <p:txBody>
-          <a:bodyPr wrap="none" rtlCol="0">
-            <a:spAutoFit/>
-          </a:bodyPr>
-          <a:lstStyle/>
-          <a:p>
-            <a:r>
-              <a:rPr lang="en-US" dirty="0" err="1"/>
-              <a:t>BioModels</a:t>
-            </a:r>
-            <a:r>
-              <a:rPr lang="en-US" dirty="0"/>
-              <a:t> 255: Model of </a:t>
-            </a:r>
-            <a:r>
-              <a:rPr lang="en-US" dirty="0" err="1"/>
-              <a:t>Erb</a:t>
-            </a:r>
-            <a:r>
-              <a:rPr lang="en-US" dirty="0"/>
-              <a:t> signaling pathways.</a:t>
-            </a:r>
-          </a:p>
-        </p:txBody>
-      </p:sp>
-    </p:spTree>
-    <p:extLst>
-      <p:ext uri="{BB962C8B-B14F-4D97-AF65-F5344CB8AC3E}">
-        <p14:creationId xmlns:p14="http://schemas.microsoft.com/office/powerpoint/2010/main" val="2588995238"/>
-      </p:ext>
-    </p:extLst>
-  </p:cSld>
-  <p:clrMapOvr>
-    <a:masterClrMapping/>
-  </p:clrMapOvr>
-</p:sld>
-</file>
-
-<file path=ppt/slides/slide18.xml><?xml version="1.0" encoding="utf-8"?>
+<file path=ppt/slides/slide16.xml><?xml version="1.0" encoding="utf-8"?>
 <p:sld xmlns:a="http://schemas.openxmlformats.org/drawingml/2006/main" xmlns:r="http://schemas.openxmlformats.org/officeDocument/2006/relationships" xmlns:p="http://schemas.openxmlformats.org/presentationml/2006/main">
   <p:cSld>
     <p:spTree>
@@ -15447,7 +13979,49 @@
           <a:bodyPr/>
           <a:lstStyle/>
           <a:p>
-            <a:endParaRPr lang="en-US" dirty="0"/>
+            <a:r>
+              <a:rPr lang="en-US" sz="2800" dirty="0"/>
+              <a:t>GAMES: Graphical Analysis of Mass Equivalent Sets</a:t>
+            </a:r>
+          </a:p>
+        </p:txBody>
+      </p:sp>
+      <p:sp>
+        <p:nvSpPr>
+          <p:cNvPr id="4" name="Content Placeholder 3">
+            <a:extLst>
+              <a:ext uri="{FF2B5EF4-FFF2-40B4-BE49-F238E27FC236}">
+                <a16:creationId xmlns:a16="http://schemas.microsoft.com/office/drawing/2014/main" id="{4DF60456-6447-5E4E-9964-A7F4C6B50799}"/>
+              </a:ext>
+            </a:extLst>
+          </p:cNvPr>
+          <p:cNvSpPr>
+            <a:spLocks noGrp="1"/>
+          </p:cNvSpPr>
+          <p:nvPr>
+            <p:ph idx="1"/>
+          </p:nvPr>
+        </p:nvSpPr>
+        <p:spPr>
+          <a:xfrm>
+            <a:off x="457200" y="950975"/>
+            <a:ext cx="8229600" cy="4572001"/>
+          </a:xfrm>
+        </p:spPr>
+        <p:txBody>
+          <a:bodyPr/>
+          <a:lstStyle/>
+          <a:p>
+            <a:r>
+              <a:rPr lang="en-US" dirty="0"/>
+              <a:t>Isolates the cause of stoichiometric inconsistencies so that they can be resolved.</a:t>
+            </a:r>
+          </a:p>
+          <a:p>
+            <a:r>
+              <a:rPr lang="en-US" dirty="0"/>
+              <a:t>Isolation is accomplished by showing that a small subset of reactions explains the SI. These reactions are the focus for error remediation. </a:t>
+            </a:r>
           </a:p>
         </p:txBody>
       </p:sp>
@@ -15480,16 +14054,668 @@
               <a:pPr>
                 <a:defRPr/>
               </a:pPr>
-              <a:t>18</a:t>
+              <a:t>16</a:t>
             </a:fld>
             <a:endParaRPr lang="en-US" altLang="x-none"/>
+          </a:p>
+        </p:txBody>
+      </p:sp>
+      <p:pic>
+        <p:nvPicPr>
+          <p:cNvPr id="6" name="Picture 5" descr="Text&#10;&#10;Description automatically generated">
+            <a:extLst>
+              <a:ext uri="{FF2B5EF4-FFF2-40B4-BE49-F238E27FC236}">
+                <a16:creationId xmlns:a16="http://schemas.microsoft.com/office/drawing/2014/main" id="{5D982B47-D75A-2A46-B5AD-317284BBF596}"/>
+              </a:ext>
+            </a:extLst>
+          </p:cNvPr>
+          <p:cNvPicPr>
+            <a:picLocks noChangeAspect="1"/>
+          </p:cNvPicPr>
+          <p:nvPr/>
+        </p:nvPicPr>
+        <p:blipFill>
+          <a:blip r:embed="rId2"/>
+          <a:stretch>
+            <a:fillRect/>
+          </a:stretch>
+        </p:blipFill>
+        <p:spPr>
+          <a:xfrm>
+            <a:off x="1945386" y="4149725"/>
+            <a:ext cx="4229100" cy="2463800"/>
+          </a:xfrm>
+          <a:prstGeom prst="rect">
+            <a:avLst/>
+          </a:prstGeom>
+        </p:spPr>
+      </p:pic>
+      <p:pic>
+        <p:nvPicPr>
+          <p:cNvPr id="10" name="Picture 9" descr="A picture containing diagram&#10;&#10;Description automatically generated">
+            <a:extLst>
+              <a:ext uri="{FF2B5EF4-FFF2-40B4-BE49-F238E27FC236}">
+                <a16:creationId xmlns:a16="http://schemas.microsoft.com/office/drawing/2014/main" id="{C737F9B6-AA3D-CD48-8B42-0A779AD4559D}"/>
+              </a:ext>
+            </a:extLst>
+          </p:cNvPr>
+          <p:cNvPicPr>
+            <a:picLocks noChangeAspect="1"/>
+          </p:cNvPicPr>
+          <p:nvPr/>
+        </p:nvPicPr>
+        <p:blipFill>
+          <a:blip r:embed="rId3"/>
+          <a:stretch>
+            <a:fillRect/>
+          </a:stretch>
+        </p:blipFill>
+        <p:spPr>
+          <a:xfrm>
+            <a:off x="1863344" y="3240785"/>
+            <a:ext cx="4043680" cy="647443"/>
+          </a:xfrm>
+          <a:prstGeom prst="rect">
+            <a:avLst/>
+          </a:prstGeom>
+        </p:spPr>
+      </p:pic>
+    </p:spTree>
+    <p:extLst>
+      <p:ext uri="{BB962C8B-B14F-4D97-AF65-F5344CB8AC3E}">
+        <p14:creationId xmlns:p14="http://schemas.microsoft.com/office/powerpoint/2010/main" val="1156459961"/>
+      </p:ext>
+    </p:extLst>
+  </p:cSld>
+  <p:clrMapOvr>
+    <a:masterClrMapping/>
+  </p:clrMapOvr>
+  <p:timing>
+    <p:tnLst>
+      <p:par>
+        <p:cTn id="1" dur="indefinite" restart="never" nodeType="tmRoot">
+          <p:childTnLst>
+            <p:seq concurrent="1" nextAc="seek">
+              <p:cTn id="2" dur="indefinite" nodeType="mainSeq">
+                <p:childTnLst>
+                  <p:par>
+                    <p:cTn id="3" fill="hold">
+                      <p:stCondLst>
+                        <p:cond delay="indefinite"/>
+                      </p:stCondLst>
+                      <p:childTnLst>
+                        <p:par>
+                          <p:cTn id="4" fill="hold">
+                            <p:stCondLst>
+                              <p:cond delay="0"/>
+                            </p:stCondLst>
+                            <p:childTnLst>
+                              <p:par>
+                                <p:cTn id="5" presetID="1" presetClass="entr" presetSubtype="0" fill="hold" nodeType="clickEffect">
+                                  <p:stCondLst>
+                                    <p:cond delay="0"/>
+                                  </p:stCondLst>
+                                  <p:childTnLst>
+                                    <p:set>
+                                      <p:cBhvr>
+                                        <p:cTn id="6" dur="1" fill="hold">
+                                          <p:stCondLst>
+                                            <p:cond delay="0"/>
+                                          </p:stCondLst>
+                                        </p:cTn>
+                                        <p:tgtEl>
+                                          <p:spTgt spid="10"/>
+                                        </p:tgtEl>
+                                        <p:attrNameLst>
+                                          <p:attrName>style.visibility</p:attrName>
+                                        </p:attrNameLst>
+                                      </p:cBhvr>
+                                      <p:to>
+                                        <p:strVal val="visible"/>
+                                      </p:to>
+                                    </p:set>
+                                  </p:childTnLst>
+                                </p:cTn>
+                              </p:par>
+                              <p:par>
+                                <p:cTn id="7" presetID="1" presetClass="entr" presetSubtype="0" fill="hold" nodeType="withEffect">
+                                  <p:stCondLst>
+                                    <p:cond delay="0"/>
+                                  </p:stCondLst>
+                                  <p:childTnLst>
+                                    <p:set>
+                                      <p:cBhvr>
+                                        <p:cTn id="8" dur="1" fill="hold">
+                                          <p:stCondLst>
+                                            <p:cond delay="0"/>
+                                          </p:stCondLst>
+                                        </p:cTn>
+                                        <p:tgtEl>
+                                          <p:spTgt spid="6"/>
+                                        </p:tgtEl>
+                                        <p:attrNameLst>
+                                          <p:attrName>style.visibility</p:attrName>
+                                        </p:attrNameLst>
+                                      </p:cBhvr>
+                                      <p:to>
+                                        <p:strVal val="visible"/>
+                                      </p:to>
+                                    </p:set>
+                                  </p:childTnLst>
+                                </p:cTn>
+                              </p:par>
+                            </p:childTnLst>
+                          </p:cTn>
+                        </p:par>
+                      </p:childTnLst>
+                    </p:cTn>
+                  </p:par>
+                </p:childTnLst>
+              </p:cTn>
+              <p:prevCondLst>
+                <p:cond evt="onPrev" delay="0">
+                  <p:tgtEl>
+                    <p:sldTgt/>
+                  </p:tgtEl>
+                </p:cond>
+              </p:prevCondLst>
+              <p:nextCondLst>
+                <p:cond evt="onNext" delay="0">
+                  <p:tgtEl>
+                    <p:sldTgt/>
+                  </p:tgtEl>
+                </p:cond>
+              </p:nextCondLst>
+            </p:seq>
+          </p:childTnLst>
+        </p:cTn>
+      </p:par>
+    </p:tnLst>
+  </p:timing>
+</p:sld>
+</file>
+
+<file path=ppt/slides/slide17.xml><?xml version="1.0" encoding="utf-8"?>
+<p:sld xmlns:a="http://schemas.openxmlformats.org/drawingml/2006/main" xmlns:r="http://schemas.openxmlformats.org/officeDocument/2006/relationships" xmlns:p="http://schemas.openxmlformats.org/presentationml/2006/main">
+  <p:cSld>
+    <p:spTree>
+      <p:nvGrpSpPr>
+        <p:cNvPr id="1" name=""/>
+        <p:cNvGrpSpPr/>
+        <p:nvPr/>
+      </p:nvGrpSpPr>
+      <p:grpSpPr>
+        <a:xfrm>
+          <a:off x="0" y="0"/>
+          <a:ext cx="0" cy="0"/>
+          <a:chOff x="0" y="0"/>
+          <a:chExt cx="0" cy="0"/>
+        </a:xfrm>
+      </p:grpSpPr>
+      <p:sp>
+        <p:nvSpPr>
+          <p:cNvPr id="2" name="Title 1">
+            <a:extLst>
+              <a:ext uri="{FF2B5EF4-FFF2-40B4-BE49-F238E27FC236}">
+                <a16:creationId xmlns:a16="http://schemas.microsoft.com/office/drawing/2014/main" id="{1AA164E0-350E-1E40-8A29-489DBF8C9935}"/>
+              </a:ext>
+            </a:extLst>
+          </p:cNvPr>
+          <p:cNvSpPr>
+            <a:spLocks noGrp="1"/>
+          </p:cNvSpPr>
+          <p:nvPr>
+            <p:ph type="title"/>
+          </p:nvPr>
+        </p:nvSpPr>
+        <p:spPr/>
+        <p:txBody>
+          <a:bodyPr/>
+          <a:lstStyle/>
+          <a:p>
+            <a:r>
+              <a:rPr lang="en-US" dirty="0"/>
+              <a:t>Isolating </a:t>
+            </a:r>
+            <a:r>
+              <a:rPr lang="en-US" dirty="0" err="1"/>
+              <a:t>ErbB</a:t>
+            </a:r>
+            <a:r>
+              <a:rPr lang="en-US" dirty="0"/>
+              <a:t> Signaling (</a:t>
+            </a:r>
+            <a:r>
+              <a:rPr lang="en-US" dirty="0" err="1"/>
+              <a:t>BioModels</a:t>
+            </a:r>
+            <a:r>
+              <a:rPr lang="en-US" dirty="0"/>
+              <a:t> 255)</a:t>
+            </a:r>
+          </a:p>
+        </p:txBody>
+      </p:sp>
+      <p:sp>
+        <p:nvSpPr>
+          <p:cNvPr id="3" name="Slide Number Placeholder 2">
+            <a:extLst>
+              <a:ext uri="{FF2B5EF4-FFF2-40B4-BE49-F238E27FC236}">
+                <a16:creationId xmlns:a16="http://schemas.microsoft.com/office/drawing/2014/main" id="{9167EB51-717A-B944-B2A4-06F5784A3A36}"/>
+              </a:ext>
+            </a:extLst>
+          </p:cNvPr>
+          <p:cNvSpPr>
+            <a:spLocks noGrp="1"/>
+          </p:cNvSpPr>
+          <p:nvPr>
+            <p:ph type="sldNum" sz="quarter" idx="11"/>
+          </p:nvPr>
+        </p:nvSpPr>
+        <p:spPr/>
+        <p:txBody>
+          <a:bodyPr/>
+          <a:lstStyle/>
+          <a:p>
+            <a:pPr>
+              <a:defRPr/>
+            </a:pPr>
+            <a:fld id="{2E4304A7-0FB2-4094-BC1E-DB17183AD0C1}" type="slidenum">
+              <a:rPr lang="en-US" altLang="x-none" smtClean="0"/>
+              <a:pPr>
+                <a:defRPr/>
+              </a:pPr>
+              <a:t>17</a:t>
+            </a:fld>
+            <a:endParaRPr lang="en-US" altLang="x-none"/>
+          </a:p>
+        </p:txBody>
+      </p:sp>
+      <p:pic>
+        <p:nvPicPr>
+          <p:cNvPr id="5" name="Picture 4" descr="A picture containing text&#10;&#10;Description automatically generated">
+            <a:extLst>
+              <a:ext uri="{FF2B5EF4-FFF2-40B4-BE49-F238E27FC236}">
+                <a16:creationId xmlns:a16="http://schemas.microsoft.com/office/drawing/2014/main" id="{2A854A49-11C5-1947-B6C1-0FEA8FE820B4}"/>
+              </a:ext>
+            </a:extLst>
+          </p:cNvPr>
+          <p:cNvPicPr>
+            <a:picLocks noChangeAspect="1"/>
+          </p:cNvPicPr>
+          <p:nvPr/>
+        </p:nvPicPr>
+        <p:blipFill>
+          <a:blip r:embed="rId2"/>
+          <a:stretch>
+            <a:fillRect/>
+          </a:stretch>
+        </p:blipFill>
+        <p:spPr>
+          <a:xfrm>
+            <a:off x="970026" y="1669011"/>
+            <a:ext cx="6677384" cy="4459895"/>
+          </a:xfrm>
+          <a:prstGeom prst="rect">
+            <a:avLst/>
+          </a:prstGeom>
+        </p:spPr>
+      </p:pic>
+      <p:sp>
+        <p:nvSpPr>
+          <p:cNvPr id="6" name="TextBox 5">
+            <a:extLst>
+              <a:ext uri="{FF2B5EF4-FFF2-40B4-BE49-F238E27FC236}">
+                <a16:creationId xmlns:a16="http://schemas.microsoft.com/office/drawing/2014/main" id="{154DF213-011D-9648-8503-F68ADFEE70FE}"/>
+              </a:ext>
+            </a:extLst>
+          </p:cNvPr>
+          <p:cNvSpPr txBox="1"/>
+          <p:nvPr/>
+        </p:nvSpPr>
+        <p:spPr>
+          <a:xfrm>
+            <a:off x="970026" y="1103985"/>
+            <a:ext cx="5596404" cy="369332"/>
+          </a:xfrm>
+          <a:prstGeom prst="rect">
+            <a:avLst/>
+          </a:prstGeom>
+          <a:noFill/>
+        </p:spPr>
+        <p:txBody>
+          <a:bodyPr wrap="none" rtlCol="0">
+            <a:spAutoFit/>
+          </a:bodyPr>
+          <a:lstStyle/>
+          <a:p>
+            <a:r>
+              <a:rPr lang="en-US" dirty="0"/>
+              <a:t>Is there a stoichiometric inconsistency here? Where?</a:t>
+            </a:r>
+          </a:p>
+        </p:txBody>
+      </p:sp>
+      <p:sp>
+        <p:nvSpPr>
+          <p:cNvPr id="7" name="Rectangle 6">
+            <a:extLst>
+              <a:ext uri="{FF2B5EF4-FFF2-40B4-BE49-F238E27FC236}">
+                <a16:creationId xmlns:a16="http://schemas.microsoft.com/office/drawing/2014/main" id="{1287EC7B-8070-6D4B-AC5A-3A2602E21D5B}"/>
+              </a:ext>
+            </a:extLst>
+          </p:cNvPr>
+          <p:cNvSpPr/>
+          <p:nvPr/>
+        </p:nvSpPr>
+        <p:spPr>
+          <a:xfrm>
+            <a:off x="1066800" y="4105656"/>
+            <a:ext cx="7181088" cy="2218944"/>
+          </a:xfrm>
+          <a:prstGeom prst="rect">
+            <a:avLst/>
+          </a:prstGeom>
+          <a:solidFill>
+            <a:schemeClr val="bg1"/>
+          </a:solidFill>
+          <a:ln>
+            <a:noFill/>
+          </a:ln>
+          <a:effectLst>
+            <a:outerShdw dist="23000" sx="1000" sy="1000" rotWithShape="0">
+              <a:srgbClr val="000000"/>
+            </a:outerShdw>
+          </a:effectLst>
+        </p:spPr>
+        <p:style>
+          <a:lnRef idx="1">
+            <a:schemeClr val="accent1"/>
+          </a:lnRef>
+          <a:fillRef idx="3">
+            <a:schemeClr val="accent1"/>
+          </a:fillRef>
+          <a:effectRef idx="2">
+            <a:schemeClr val="accent1"/>
+          </a:effectRef>
+          <a:fontRef idx="minor">
+            <a:schemeClr val="lt1"/>
+          </a:fontRef>
+        </p:style>
+        <p:txBody>
+          <a:bodyPr rtlCol="0" anchor="ctr"/>
+          <a:lstStyle/>
+          <a:p>
+            <a:pPr algn="ctr"/>
+            <a:endParaRPr lang="en-US"/>
+          </a:p>
+        </p:txBody>
+      </p:sp>
+      <p:sp>
+        <p:nvSpPr>
+          <p:cNvPr id="8" name="TextBox 7">
+            <a:extLst>
+              <a:ext uri="{FF2B5EF4-FFF2-40B4-BE49-F238E27FC236}">
+                <a16:creationId xmlns:a16="http://schemas.microsoft.com/office/drawing/2014/main" id="{26EC89E0-9D3B-6941-A010-4C62D1B7393B}"/>
+              </a:ext>
+            </a:extLst>
+          </p:cNvPr>
+          <p:cNvSpPr txBox="1"/>
+          <p:nvPr/>
+        </p:nvSpPr>
+        <p:spPr>
+          <a:xfrm>
+            <a:off x="5358384" y="2027889"/>
+            <a:ext cx="3511296" cy="646331"/>
+          </a:xfrm>
+          <a:prstGeom prst="rect">
+            <a:avLst/>
+          </a:prstGeom>
+          <a:solidFill>
+            <a:schemeClr val="bg1">
+              <a:lumMod val="95000"/>
+            </a:schemeClr>
+          </a:solidFill>
+        </p:spPr>
+        <p:txBody>
+          <a:bodyPr wrap="square" rtlCol="0">
+            <a:spAutoFit/>
+          </a:bodyPr>
+          <a:lstStyle/>
+          <a:p>
+            <a:r>
+              <a:rPr lang="en-US" b="1" dirty="0"/>
+              <a:t>Isolating errors is required to remediate complex errors.</a:t>
+            </a:r>
           </a:p>
         </p:txBody>
       </p:sp>
     </p:spTree>
     <p:extLst>
       <p:ext uri="{BB962C8B-B14F-4D97-AF65-F5344CB8AC3E}">
-        <p14:creationId xmlns:p14="http://schemas.microsoft.com/office/powerpoint/2010/main" val="1156459961"/>
+        <p14:creationId xmlns:p14="http://schemas.microsoft.com/office/powerpoint/2010/main" val="627528810"/>
+      </p:ext>
+    </p:extLst>
+  </p:cSld>
+  <p:clrMapOvr>
+    <a:masterClrMapping/>
+  </p:clrMapOvr>
+  <p:timing>
+    <p:tnLst>
+      <p:par>
+        <p:cTn id="1" dur="indefinite" restart="never" nodeType="tmRoot">
+          <p:childTnLst>
+            <p:seq concurrent="1" nextAc="seek">
+              <p:cTn id="2" dur="indefinite" nodeType="mainSeq">
+                <p:childTnLst>
+                  <p:par>
+                    <p:cTn id="3" fill="hold">
+                      <p:stCondLst>
+                        <p:cond delay="indefinite"/>
+                      </p:stCondLst>
+                      <p:childTnLst>
+                        <p:par>
+                          <p:cTn id="4" fill="hold">
+                            <p:stCondLst>
+                              <p:cond delay="0"/>
+                            </p:stCondLst>
+                            <p:childTnLst>
+                              <p:par>
+                                <p:cTn id="5" presetID="1" presetClass="exit" presetSubtype="0" fill="hold" grpId="0" nodeType="clickEffect">
+                                  <p:stCondLst>
+                                    <p:cond delay="0"/>
+                                  </p:stCondLst>
+                                  <p:childTnLst>
+                                    <p:set>
+                                      <p:cBhvr>
+                                        <p:cTn id="6" dur="1" fill="hold">
+                                          <p:stCondLst>
+                                            <p:cond delay="0"/>
+                                          </p:stCondLst>
+                                        </p:cTn>
+                                        <p:tgtEl>
+                                          <p:spTgt spid="7"/>
+                                        </p:tgtEl>
+                                        <p:attrNameLst>
+                                          <p:attrName>style.visibility</p:attrName>
+                                        </p:attrNameLst>
+                                      </p:cBhvr>
+                                      <p:to>
+                                        <p:strVal val="hidden"/>
+                                      </p:to>
+                                    </p:set>
+                                  </p:childTnLst>
+                                </p:cTn>
+                              </p:par>
+                            </p:childTnLst>
+                          </p:cTn>
+                        </p:par>
+                      </p:childTnLst>
+                    </p:cTn>
+                  </p:par>
+                  <p:par>
+                    <p:cTn id="7" fill="hold">
+                      <p:stCondLst>
+                        <p:cond delay="indefinite"/>
+                      </p:stCondLst>
+                      <p:childTnLst>
+                        <p:par>
+                          <p:cTn id="8" fill="hold">
+                            <p:stCondLst>
+                              <p:cond delay="0"/>
+                            </p:stCondLst>
+                            <p:childTnLst>
+                              <p:par>
+                                <p:cTn id="9" presetID="1" presetClass="entr" presetSubtype="0" fill="hold" grpId="0" nodeType="clickEffect">
+                                  <p:stCondLst>
+                                    <p:cond delay="0"/>
+                                  </p:stCondLst>
+                                  <p:childTnLst>
+                                    <p:set>
+                                      <p:cBhvr>
+                                        <p:cTn id="10" dur="1" fill="hold">
+                                          <p:stCondLst>
+                                            <p:cond delay="0"/>
+                                          </p:stCondLst>
+                                        </p:cTn>
+                                        <p:tgtEl>
+                                          <p:spTgt spid="8"/>
+                                        </p:tgtEl>
+                                        <p:attrNameLst>
+                                          <p:attrName>style.visibility</p:attrName>
+                                        </p:attrNameLst>
+                                      </p:cBhvr>
+                                      <p:to>
+                                        <p:strVal val="visible"/>
+                                      </p:to>
+                                    </p:set>
+                                  </p:childTnLst>
+                                </p:cTn>
+                              </p:par>
+                            </p:childTnLst>
+                          </p:cTn>
+                        </p:par>
+                      </p:childTnLst>
+                    </p:cTn>
+                  </p:par>
+                </p:childTnLst>
+              </p:cTn>
+              <p:prevCondLst>
+                <p:cond evt="onPrev" delay="0">
+                  <p:tgtEl>
+                    <p:sldTgt/>
+                  </p:tgtEl>
+                </p:cond>
+              </p:prevCondLst>
+              <p:nextCondLst>
+                <p:cond evt="onNext" delay="0">
+                  <p:tgtEl>
+                    <p:sldTgt/>
+                  </p:tgtEl>
+                </p:cond>
+              </p:nextCondLst>
+            </p:seq>
+          </p:childTnLst>
+        </p:cTn>
+      </p:par>
+    </p:tnLst>
+    <p:bldLst>
+      <p:bldP spid="7" grpId="0" animBg="1"/>
+      <p:bldP spid="8" grpId="0" animBg="1"/>
+    </p:bldLst>
+  </p:timing>
+</p:sld>
+</file>
+
+<file path=ppt/slides/slide18.xml><?xml version="1.0" encoding="utf-8"?>
+<p:sld xmlns:a="http://schemas.openxmlformats.org/drawingml/2006/main" xmlns:r="http://schemas.openxmlformats.org/officeDocument/2006/relationships" xmlns:p="http://schemas.openxmlformats.org/presentationml/2006/main">
+  <p:cSld>
+    <p:spTree>
+      <p:nvGrpSpPr>
+        <p:cNvPr id="1" name=""/>
+        <p:cNvGrpSpPr/>
+        <p:nvPr/>
+      </p:nvGrpSpPr>
+      <p:grpSpPr>
+        <a:xfrm>
+          <a:off x="0" y="0"/>
+          <a:ext cx="0" cy="0"/>
+          <a:chOff x="0" y="0"/>
+          <a:chExt cx="0" cy="0"/>
+        </a:xfrm>
+      </p:grpSpPr>
+      <p:sp>
+        <p:nvSpPr>
+          <p:cNvPr id="2" name="Title 1">
+            <a:extLst>
+              <a:ext uri="{FF2B5EF4-FFF2-40B4-BE49-F238E27FC236}">
+                <a16:creationId xmlns:a16="http://schemas.microsoft.com/office/drawing/2014/main" id="{F403B15F-73A5-5844-AAAE-78A9F4554A3B}"/>
+              </a:ext>
+            </a:extLst>
+          </p:cNvPr>
+          <p:cNvSpPr>
+            <a:spLocks noGrp="1"/>
+          </p:cNvSpPr>
+          <p:nvPr>
+            <p:ph type="title"/>
+          </p:nvPr>
+        </p:nvSpPr>
+        <p:spPr>
+          <a:xfrm>
+            <a:off x="219456" y="228600"/>
+            <a:ext cx="8705088" cy="838200"/>
+          </a:xfrm>
+        </p:spPr>
+        <p:txBody>
+          <a:bodyPr/>
+          <a:lstStyle/>
+          <a:p>
+            <a:r>
+              <a:rPr lang="en-US" sz="2800" dirty="0"/>
+              <a:t>GAMES: Graphical Analysis of Mass Equivalent Sets</a:t>
+            </a:r>
+          </a:p>
+        </p:txBody>
+      </p:sp>
+      <p:sp>
+        <p:nvSpPr>
+          <p:cNvPr id="3" name="Slide Number Placeholder 2">
+            <a:extLst>
+              <a:ext uri="{FF2B5EF4-FFF2-40B4-BE49-F238E27FC236}">
+                <a16:creationId xmlns:a16="http://schemas.microsoft.com/office/drawing/2014/main" id="{CECE42DE-69E7-DE42-90BF-62C2B10465E3}"/>
+              </a:ext>
+            </a:extLst>
+          </p:cNvPr>
+          <p:cNvSpPr>
+            <a:spLocks noGrp="1"/>
+          </p:cNvSpPr>
+          <p:nvPr>
+            <p:ph type="sldNum" sz="quarter" idx="11"/>
+          </p:nvPr>
+        </p:nvSpPr>
+        <p:spPr/>
+        <p:txBody>
+          <a:bodyPr/>
+          <a:lstStyle/>
+          <a:p>
+            <a:pPr>
+              <a:defRPr/>
+            </a:pPr>
+            <a:fld id="{2E4304A7-0FB2-4094-BC1E-DB17183AD0C1}" type="slidenum">
+              <a:rPr lang="en-US" altLang="x-none" smtClean="0"/>
+              <a:pPr>
+                <a:defRPr/>
+              </a:pPr>
+              <a:t>18</a:t>
+            </a:fld>
+            <a:endParaRPr lang="en-US" altLang="x-none"/>
+          </a:p>
+        </p:txBody>
+      </p:sp>
+    </p:spTree>
+    <p:extLst>
+      <p:ext uri="{BB962C8B-B14F-4D97-AF65-F5344CB8AC3E}">
+        <p14:creationId xmlns:p14="http://schemas.microsoft.com/office/powerpoint/2010/main" val="3989425806"/>
       </p:ext>
     </p:extLst>
   </p:cSld>
@@ -18382,6 +17608,1430 @@
 </p:sld>
 </file>
 
+<file path=ppt/slides/slide23.xml><?xml version="1.0" encoding="utf-8"?>
+<p:sld xmlns:a="http://schemas.openxmlformats.org/drawingml/2006/main" xmlns:r="http://schemas.openxmlformats.org/officeDocument/2006/relationships" xmlns:p="http://schemas.openxmlformats.org/presentationml/2006/main">
+  <p:cSld>
+    <p:spTree>
+      <p:nvGrpSpPr>
+        <p:cNvPr id="1" name=""/>
+        <p:cNvGrpSpPr/>
+        <p:nvPr/>
+      </p:nvGrpSpPr>
+      <p:grpSpPr>
+        <a:xfrm>
+          <a:off x="0" y="0"/>
+          <a:ext cx="0" cy="0"/>
+          <a:chOff x="0" y="0"/>
+          <a:chExt cx="0" cy="0"/>
+        </a:xfrm>
+      </p:grpSpPr>
+      <p:sp>
+        <p:nvSpPr>
+          <p:cNvPr id="5" name="Title 4">
+            <a:extLst>
+              <a:ext uri="{FF2B5EF4-FFF2-40B4-BE49-F238E27FC236}">
+                <a16:creationId xmlns:a16="http://schemas.microsoft.com/office/drawing/2014/main" id="{E014A721-0EC0-FF48-8AA8-6791998B75BF}"/>
+              </a:ext>
+            </a:extLst>
+          </p:cNvPr>
+          <p:cNvSpPr>
+            <a:spLocks noGrp="1"/>
+          </p:cNvSpPr>
+          <p:nvPr>
+            <p:ph type="title"/>
+          </p:nvPr>
+        </p:nvSpPr>
+        <p:spPr/>
+        <p:txBody>
+          <a:bodyPr/>
+          <a:lstStyle/>
+          <a:p>
+            <a:r>
+              <a:rPr lang="en-US" dirty="0"/>
+              <a:t>Finding More Complicated Mass Balance Errors</a:t>
+            </a:r>
+          </a:p>
+        </p:txBody>
+      </p:sp>
+      <p:sp>
+        <p:nvSpPr>
+          <p:cNvPr id="4" name="Slide Number Placeholder 3">
+            <a:extLst>
+              <a:ext uri="{FF2B5EF4-FFF2-40B4-BE49-F238E27FC236}">
+                <a16:creationId xmlns:a16="http://schemas.microsoft.com/office/drawing/2014/main" id="{369307DC-C783-C449-8C3A-AC8970C5FF59}"/>
+              </a:ext>
+            </a:extLst>
+          </p:cNvPr>
+          <p:cNvSpPr>
+            <a:spLocks noGrp="1"/>
+          </p:cNvSpPr>
+          <p:nvPr>
+            <p:ph type="sldNum" sz="quarter" idx="11"/>
+          </p:nvPr>
+        </p:nvSpPr>
+        <p:spPr/>
+        <p:txBody>
+          <a:bodyPr/>
+          <a:lstStyle/>
+          <a:p>
+            <a:pPr>
+              <a:defRPr/>
+            </a:pPr>
+            <a:fld id="{3EF4E9CC-9D91-476E-91FD-5BEEC1642931}" type="slidenum">
+              <a:rPr lang="en-US" altLang="x-none" smtClean="0"/>
+              <a:pPr>
+                <a:defRPr/>
+              </a:pPr>
+              <a:t>23</a:t>
+            </a:fld>
+            <a:endParaRPr lang="en-US" altLang="x-none"/>
+          </a:p>
+        </p:txBody>
+      </p:sp>
+      <p:pic>
+        <p:nvPicPr>
+          <p:cNvPr id="9" name="Picture 8" descr="Text&#10;&#10;Description automatically generated">
+            <a:extLst>
+              <a:ext uri="{FF2B5EF4-FFF2-40B4-BE49-F238E27FC236}">
+                <a16:creationId xmlns:a16="http://schemas.microsoft.com/office/drawing/2014/main" id="{88BB4251-EB22-FD46-BFAA-0FF8709EC92D}"/>
+              </a:ext>
+            </a:extLst>
+          </p:cNvPr>
+          <p:cNvPicPr>
+            <a:picLocks noChangeAspect="1"/>
+          </p:cNvPicPr>
+          <p:nvPr/>
+        </p:nvPicPr>
+        <p:blipFill>
+          <a:blip r:embed="rId2"/>
+          <a:stretch>
+            <a:fillRect/>
+          </a:stretch>
+        </p:blipFill>
+        <p:spPr>
+          <a:xfrm>
+            <a:off x="359627" y="976666"/>
+            <a:ext cx="5406587" cy="3788556"/>
+          </a:xfrm>
+          <a:prstGeom prst="rect">
+            <a:avLst/>
+          </a:prstGeom>
+        </p:spPr>
+      </p:pic>
+      <p:sp>
+        <p:nvSpPr>
+          <p:cNvPr id="16" name="Rectangle 15">
+            <a:extLst>
+              <a:ext uri="{FF2B5EF4-FFF2-40B4-BE49-F238E27FC236}">
+                <a16:creationId xmlns:a16="http://schemas.microsoft.com/office/drawing/2014/main" id="{D16509F1-B883-0241-9704-1F6C7C69E721}"/>
+              </a:ext>
+            </a:extLst>
+          </p:cNvPr>
+          <p:cNvSpPr/>
+          <p:nvPr/>
+        </p:nvSpPr>
+        <p:spPr>
+          <a:xfrm>
+            <a:off x="327274" y="3968611"/>
+            <a:ext cx="6222719" cy="1011936"/>
+          </a:xfrm>
+          <a:prstGeom prst="rect">
+            <a:avLst/>
+          </a:prstGeom>
+          <a:solidFill>
+            <a:schemeClr val="bg1"/>
+          </a:solidFill>
+          <a:ln>
+            <a:noFill/>
+          </a:ln>
+          <a:effectLst>
+            <a:outerShdw dist="23000" sx="1000" sy="1000" rotWithShape="0">
+              <a:srgbClr val="000000"/>
+            </a:outerShdw>
+          </a:effectLst>
+        </p:spPr>
+        <p:style>
+          <a:lnRef idx="1">
+            <a:schemeClr val="accent1"/>
+          </a:lnRef>
+          <a:fillRef idx="3">
+            <a:schemeClr val="accent1"/>
+          </a:fillRef>
+          <a:effectRef idx="2">
+            <a:schemeClr val="accent1"/>
+          </a:effectRef>
+          <a:fontRef idx="minor">
+            <a:schemeClr val="lt1"/>
+          </a:fontRef>
+        </p:style>
+        <p:txBody>
+          <a:bodyPr rtlCol="0" anchor="ctr"/>
+          <a:lstStyle/>
+          <a:p>
+            <a:pPr algn="ctr"/>
+            <a:endParaRPr lang="en-US" dirty="0"/>
+          </a:p>
+        </p:txBody>
+      </p:sp>
+      <mc:AlternateContent xmlns:mc="http://schemas.openxmlformats.org/markup-compatibility/2006" xmlns:a14="http://schemas.microsoft.com/office/drawing/2010/main">
+        <mc:Choice Requires="a14">
+          <p:sp>
+            <p:nvSpPr>
+              <p:cNvPr id="2" name="TextBox 1">
+                <a:extLst>
+                  <a:ext uri="{FF2B5EF4-FFF2-40B4-BE49-F238E27FC236}">
+                    <a16:creationId xmlns:a16="http://schemas.microsoft.com/office/drawing/2014/main" id="{75669517-B19C-5B45-AFFC-C84A11B662E6}"/>
+                  </a:ext>
+                </a:extLst>
+              </p:cNvPr>
+              <p:cNvSpPr txBox="1"/>
+              <p:nvPr/>
+            </p:nvSpPr>
+            <p:spPr>
+              <a:xfrm>
+                <a:off x="2594317" y="4548674"/>
+                <a:ext cx="4420121" cy="1549078"/>
+              </a:xfrm>
+              <a:prstGeom prst="rect">
+                <a:avLst/>
+              </a:prstGeom>
+              <a:noFill/>
+            </p:spPr>
+            <p:txBody>
+              <a:bodyPr wrap="none" lIns="0" tIns="0" rIns="0" bIns="0" rtlCol="0">
+                <a:spAutoFit/>
+              </a:bodyPr>
+              <a:lstStyle/>
+              <a:p>
+                <a:pPr/>
+                <a14:m>
+                  <m:oMathPara xmlns:m="http://schemas.openxmlformats.org/officeDocument/2006/math">
+                    <m:oMathParaPr>
+                      <m:jc m:val="centerGroup"/>
+                    </m:oMathParaPr>
+                    <m:oMath xmlns:m="http://schemas.openxmlformats.org/officeDocument/2006/math">
+                      <m:sSup>
+                        <m:sSupPr>
+                          <m:ctrlPr>
+                            <a:rPr lang="en-US" b="0" i="1" smtClean="0">
+                              <a:latin typeface="Cambria Math" panose="02040503050406030204" pitchFamily="18" charset="0"/>
+                            </a:rPr>
+                          </m:ctrlPr>
+                        </m:sSupPr>
+                        <m:e>
+                          <m:r>
+                            <a:rPr lang="en-US" b="0" i="1" smtClean="0">
+                              <a:latin typeface="Cambria Math" panose="02040503050406030204" pitchFamily="18" charset="0"/>
+                            </a:rPr>
+                            <m:t>𝑁</m:t>
+                          </m:r>
+                        </m:e>
+                        <m:sup>
+                          <m:r>
+                            <a:rPr lang="en-US" b="0" i="1" smtClean="0">
+                              <a:latin typeface="Cambria Math" panose="02040503050406030204" pitchFamily="18" charset="0"/>
+                            </a:rPr>
+                            <m:t>𝑇</m:t>
+                          </m:r>
+                        </m:sup>
+                      </m:sSup>
+                      <m:r>
+                        <a:rPr lang="en-US" b="0" i="1" smtClean="0">
+                          <a:latin typeface="Cambria Math" panose="02040503050406030204" pitchFamily="18" charset="0"/>
+                        </a:rPr>
+                        <m:t>=</m:t>
+                      </m:r>
+                      <m:d>
+                        <m:dPr>
+                          <m:ctrlPr>
+                            <a:rPr lang="en-US" b="0" i="1" smtClean="0">
+                              <a:latin typeface="Cambria Math" panose="02040503050406030204" pitchFamily="18" charset="0"/>
+                            </a:rPr>
+                          </m:ctrlPr>
+                        </m:dPr>
+                        <m:e>
+                          <m:m>
+                            <m:mPr>
+                              <m:mcs>
+                                <m:mc>
+                                  <m:mcPr>
+                                    <m:count m:val="1"/>
+                                    <m:mcJc m:val="center"/>
+                                  </m:mcPr>
+                                </m:mc>
+                              </m:mcs>
+                              <m:ctrlPr>
+                                <a:rPr lang="en-US" b="0" i="1" smtClean="0">
+                                  <a:latin typeface="Cambria Math" panose="02040503050406030204" pitchFamily="18" charset="0"/>
+                                </a:rPr>
+                              </m:ctrlPr>
+                            </m:mPr>
+                            <m:mr>
+                              <m:e>
+                                <m:m>
+                                  <m:mPr>
+                                    <m:mcs>
+                                      <m:mc>
+                                        <m:mcPr>
+                                          <m:count m:val="3"/>
+                                          <m:mcJc m:val="center"/>
+                                        </m:mcPr>
+                                      </m:mc>
+                                    </m:mcs>
+                                    <m:ctrlPr>
+                                      <a:rPr lang="en-US" b="0" i="1" smtClean="0">
+                                        <a:latin typeface="Cambria Math" panose="02040503050406030204" pitchFamily="18" charset="0"/>
+                                      </a:rPr>
+                                    </m:ctrlPr>
+                                  </m:mPr>
+                                  <m:mr>
+                                    <m:e>
+                                      <m:m>
+                                        <m:mPr>
+                                          <m:mcs>
+                                            <m:mc>
+                                              <m:mcPr>
+                                                <m:count m:val="3"/>
+                                                <m:mcJc m:val="center"/>
+                                              </m:mcPr>
+                                            </m:mc>
+                                          </m:mcs>
+                                          <m:ctrlPr>
+                                            <a:rPr lang="en-US" b="0" i="1" smtClean="0">
+                                              <a:latin typeface="Cambria Math" panose="02040503050406030204" pitchFamily="18" charset="0"/>
+                                            </a:rPr>
+                                          </m:ctrlPr>
+                                        </m:mPr>
+                                        <m:mr>
+                                          <m:e>
+                                            <m:r>
+                                              <m:rPr>
+                                                <m:brk m:alnAt="7"/>
+                                              </m:rPr>
+                                              <a:rPr lang="en-US" b="0" i="1" smtClean="0">
+                                                <a:latin typeface="Cambria Math" panose="02040503050406030204" pitchFamily="18" charset="0"/>
+                                              </a:rPr>
+                                              <m:t>0</m:t>
+                                            </m:r>
+                                          </m:e>
+                                          <m:e>
+                                            <m:r>
+                                              <a:rPr lang="en-US" b="0" i="1" smtClean="0">
+                                                <a:latin typeface="Cambria Math" panose="02040503050406030204" pitchFamily="18" charset="0"/>
+                                              </a:rPr>
+                                              <m:t>−2</m:t>
+                                            </m:r>
+                                          </m:e>
+                                          <m:e>
+                                            <m:r>
+                                              <a:rPr lang="en-US" b="0" i="1" smtClean="0">
+                                                <a:latin typeface="Cambria Math" panose="02040503050406030204" pitchFamily="18" charset="0"/>
+                                              </a:rPr>
+                                              <m:t>+1</m:t>
+                                            </m:r>
+                                          </m:e>
+                                        </m:mr>
+                                        <m:mr>
+                                          <m:e>
+                                            <m:r>
+                                              <a:rPr lang="en-US" b="0" i="1" smtClean="0">
+                                                <a:latin typeface="Cambria Math" panose="02040503050406030204" pitchFamily="18" charset="0"/>
+                                              </a:rPr>
+                                              <m:t>0</m:t>
+                                            </m:r>
+                                          </m:e>
+                                          <m:e>
+                                            <m:r>
+                                              <a:rPr lang="en-US" b="0" i="1" smtClean="0">
+                                                <a:latin typeface="Cambria Math" panose="02040503050406030204" pitchFamily="18" charset="0"/>
+                                              </a:rPr>
+                                              <m:t>−1</m:t>
+                                            </m:r>
+                                          </m:e>
+                                          <m:e>
+                                            <m:r>
+                                              <a:rPr lang="en-US" b="0" i="1" smtClean="0">
+                                                <a:latin typeface="Cambria Math" panose="02040503050406030204" pitchFamily="18" charset="0"/>
+                                              </a:rPr>
+                                              <m:t>0</m:t>
+                                            </m:r>
+                                          </m:e>
+                                        </m:mr>
+                                        <m:mr>
+                                          <m:e>
+                                            <m:r>
+                                              <a:rPr lang="en-US" b="0" i="1" smtClean="0">
+                                                <a:latin typeface="Cambria Math" panose="02040503050406030204" pitchFamily="18" charset="0"/>
+                                              </a:rPr>
+                                              <m:t>−1</m:t>
+                                            </m:r>
+                                          </m:e>
+                                          <m:e>
+                                            <m:r>
+                                              <a:rPr lang="en-US" b="0" i="1" smtClean="0">
+                                                <a:latin typeface="Cambria Math" panose="02040503050406030204" pitchFamily="18" charset="0"/>
+                                              </a:rPr>
+                                              <m:t>+1</m:t>
+                                            </m:r>
+                                          </m:e>
+                                          <m:e>
+                                            <m:r>
+                                              <a:rPr lang="en-US" b="0" i="1" smtClean="0">
+                                                <a:latin typeface="Cambria Math" panose="02040503050406030204" pitchFamily="18" charset="0"/>
+                                              </a:rPr>
+                                              <m:t>0</m:t>
+                                            </m:r>
+                                          </m:e>
+                                        </m:mr>
+                                      </m:m>
+                                    </m:e>
+                                    <m:e>
+                                      <m:m>
+                                        <m:mPr>
+                                          <m:mcs>
+                                            <m:mc>
+                                              <m:mcPr>
+                                                <m:count m:val="3"/>
+                                                <m:mcJc m:val="center"/>
+                                              </m:mcPr>
+                                            </m:mc>
+                                          </m:mcs>
+                                          <m:ctrlPr>
+                                            <a:rPr lang="en-US" b="0" i="1" smtClean="0">
+                                              <a:latin typeface="Cambria Math" panose="02040503050406030204" pitchFamily="18" charset="0"/>
+                                            </a:rPr>
+                                          </m:ctrlPr>
+                                        </m:mPr>
+                                        <m:mr>
+                                          <m:e>
+                                            <m:r>
+                                              <m:rPr>
+                                                <m:brk m:alnAt="7"/>
+                                              </m:rPr>
+                                              <a:rPr lang="en-US" b="0" i="1" smtClean="0">
+                                                <a:latin typeface="Cambria Math" panose="02040503050406030204" pitchFamily="18" charset="0"/>
+                                              </a:rPr>
+                                              <m:t>0</m:t>
+                                            </m:r>
+                                          </m:e>
+                                          <m:e>
+                                            <m:r>
+                                              <a:rPr lang="en-US" b="0" i="1" smtClean="0">
+                                                <a:latin typeface="Cambria Math" panose="02040503050406030204" pitchFamily="18" charset="0"/>
+                                              </a:rPr>
+                                              <m:t>0</m:t>
+                                            </m:r>
+                                          </m:e>
+                                          <m:e>
+                                            <m:r>
+                                              <a:rPr lang="en-US" b="0" i="1" smtClean="0">
+                                                <a:latin typeface="Cambria Math" panose="02040503050406030204" pitchFamily="18" charset="0"/>
+                                              </a:rPr>
+                                              <m:t>0</m:t>
+                                            </m:r>
+                                          </m:e>
+                                        </m:mr>
+                                        <m:mr>
+                                          <m:e>
+                                            <m:r>
+                                              <a:rPr lang="en-US" b="0" i="1" smtClean="0">
+                                                <a:latin typeface="Cambria Math" panose="02040503050406030204" pitchFamily="18" charset="0"/>
+                                              </a:rPr>
+                                              <m:t>0</m:t>
+                                            </m:r>
+                                          </m:e>
+                                          <m:e>
+                                            <m:r>
+                                              <a:rPr lang="en-US" b="0" i="1" smtClean="0">
+                                                <a:latin typeface="Cambria Math" panose="02040503050406030204" pitchFamily="18" charset="0"/>
+                                              </a:rPr>
+                                              <m:t>0</m:t>
+                                            </m:r>
+                                          </m:e>
+                                          <m:e>
+                                            <m:r>
+                                              <a:rPr lang="en-US" b="0" i="1" smtClean="0">
+                                                <a:latin typeface="Cambria Math" panose="02040503050406030204" pitchFamily="18" charset="0"/>
+                                              </a:rPr>
+                                              <m:t>−1</m:t>
+                                            </m:r>
+                                          </m:e>
+                                        </m:mr>
+                                        <m:mr>
+                                          <m:e>
+                                            <m:r>
+                                              <a:rPr lang="en-US" b="0" i="1" smtClean="0">
+                                                <a:latin typeface="Cambria Math" panose="02040503050406030204" pitchFamily="18" charset="0"/>
+                                              </a:rPr>
+                                              <m:t>−1</m:t>
+                                            </m:r>
+                                          </m:e>
+                                          <m:e>
+                                            <m:r>
+                                              <a:rPr lang="en-US" b="0" i="1" smtClean="0">
+                                                <a:latin typeface="Cambria Math" panose="02040503050406030204" pitchFamily="18" charset="0"/>
+                                              </a:rPr>
+                                              <m:t>0</m:t>
+                                            </m:r>
+                                          </m:e>
+                                          <m:e>
+                                            <m:r>
+                                              <a:rPr lang="en-US" b="0" i="1" smtClean="0">
+                                                <a:latin typeface="Cambria Math" panose="02040503050406030204" pitchFamily="18" charset="0"/>
+                                              </a:rPr>
+                                              <m:t>0</m:t>
+                                            </m:r>
+                                          </m:e>
+                                        </m:mr>
+                                      </m:m>
+                                    </m:e>
+                                    <m:e>
+                                      <m:m>
+                                        <m:mPr>
+                                          <m:mcs>
+                                            <m:mc>
+                                              <m:mcPr>
+                                                <m:count m:val="1"/>
+                                                <m:mcJc m:val="center"/>
+                                              </m:mcPr>
+                                            </m:mc>
+                                          </m:mcs>
+                                          <m:ctrlPr>
+                                            <a:rPr lang="en-US" b="0" i="1" smtClean="0">
+                                              <a:latin typeface="Cambria Math" panose="02040503050406030204" pitchFamily="18" charset="0"/>
+                                            </a:rPr>
+                                          </m:ctrlPr>
+                                        </m:mPr>
+                                        <m:mr>
+                                          <m:e>
+                                            <m:r>
+                                              <m:rPr>
+                                                <m:brk m:alnAt="7"/>
+                                              </m:rPr>
+                                              <a:rPr lang="en-US" b="0" i="1" smtClean="0">
+                                                <a:latin typeface="Cambria Math" panose="02040503050406030204" pitchFamily="18" charset="0"/>
+                                              </a:rPr>
+                                              <m:t>0</m:t>
+                                            </m:r>
+                                          </m:e>
+                                        </m:mr>
+                                        <m:mr>
+                                          <m:e>
+                                            <m:r>
+                                              <a:rPr lang="en-US" b="0" i="1" smtClean="0">
+                                                <a:latin typeface="Cambria Math" panose="02040503050406030204" pitchFamily="18" charset="0"/>
+                                              </a:rPr>
+                                              <m:t>+1</m:t>
+                                            </m:r>
+                                          </m:e>
+                                        </m:mr>
+                                        <m:mr>
+                                          <m:e>
+                                            <m:r>
+                                              <a:rPr lang="en-US" b="0" i="1" smtClean="0">
+                                                <a:latin typeface="Cambria Math" panose="02040503050406030204" pitchFamily="18" charset="0"/>
+                                              </a:rPr>
+                                              <m:t>0</m:t>
+                                            </m:r>
+                                          </m:e>
+                                        </m:mr>
+                                      </m:m>
+                                    </m:e>
+                                  </m:mr>
+                                </m:m>
+                              </m:e>
+                            </m:mr>
+                            <m:mr>
+                              <m:e>
+                                <m:m>
+                                  <m:mPr>
+                                    <m:mcs>
+                                      <m:mc>
+                                        <m:mcPr>
+                                          <m:count m:val="3"/>
+                                          <m:mcJc m:val="center"/>
+                                        </m:mcPr>
+                                      </m:mc>
+                                    </m:mcs>
+                                    <m:ctrlPr>
+                                      <a:rPr lang="en-US" b="0" i="1" smtClean="0">
+                                        <a:latin typeface="Cambria Math" panose="02040503050406030204" pitchFamily="18" charset="0"/>
+                                      </a:rPr>
+                                    </m:ctrlPr>
+                                  </m:mPr>
+                                  <m:mr>
+                                    <m:e>
+                                      <m:m>
+                                        <m:mPr>
+                                          <m:mcs>
+                                            <m:mc>
+                                              <m:mcPr>
+                                                <m:count m:val="3"/>
+                                                <m:mcJc m:val="center"/>
+                                              </m:mcPr>
+                                            </m:mc>
+                                          </m:mcs>
+                                          <m:ctrlPr>
+                                            <a:rPr lang="en-US" b="0" i="1" smtClean="0">
+                                              <a:latin typeface="Cambria Math" panose="02040503050406030204" pitchFamily="18" charset="0"/>
+                                            </a:rPr>
+                                          </m:ctrlPr>
+                                        </m:mPr>
+                                        <m:mr>
+                                          <m:e>
+                                            <m:r>
+                                              <m:rPr>
+                                                <m:brk m:alnAt="7"/>
+                                              </m:rPr>
+                                              <a:rPr lang="en-US" b="0" i="1" smtClean="0">
+                                                <a:latin typeface="Cambria Math" panose="02040503050406030204" pitchFamily="18" charset="0"/>
+                                              </a:rPr>
+                                              <m:t>−</m:t>
+                                            </m:r>
+                                            <m:r>
+                                              <a:rPr lang="en-US" b="0" i="1" smtClean="0">
+                                                <a:latin typeface="Cambria Math" panose="02040503050406030204" pitchFamily="18" charset="0"/>
+                                              </a:rPr>
+                                              <m:t>1</m:t>
+                                            </m:r>
+                                          </m:e>
+                                          <m:e>
+                                            <m:r>
+                                              <a:rPr lang="en-US" b="0" i="1" smtClean="0">
+                                                <a:latin typeface="Cambria Math" panose="02040503050406030204" pitchFamily="18" charset="0"/>
+                                              </a:rPr>
+                                              <m:t>0</m:t>
+                                            </m:r>
+                                          </m:e>
+                                          <m:e>
+                                            <m:r>
+                                              <a:rPr lang="en-US" b="0" i="1" smtClean="0">
+                                                <a:latin typeface="Cambria Math" panose="02040503050406030204" pitchFamily="18" charset="0"/>
+                                              </a:rPr>
+                                              <m:t>0</m:t>
+                                            </m:r>
+                                          </m:e>
+                                        </m:mr>
+                                        <m:mr>
+                                          <m:e>
+                                            <m:r>
+                                              <a:rPr lang="en-US" b="0" i="1" smtClean="0">
+                                                <a:latin typeface="Cambria Math" panose="02040503050406030204" pitchFamily="18" charset="0"/>
+                                              </a:rPr>
+                                              <m:t>0</m:t>
+                                            </m:r>
+                                          </m:e>
+                                          <m:e>
+                                            <m:r>
+                                              <a:rPr lang="en-US" b="0" i="1" smtClean="0">
+                                                <a:latin typeface="Cambria Math" panose="02040503050406030204" pitchFamily="18" charset="0"/>
+                                              </a:rPr>
+                                              <m:t>0</m:t>
+                                            </m:r>
+                                          </m:e>
+                                          <m:e>
+                                            <m:r>
+                                              <a:rPr lang="en-US" b="0" i="1" smtClean="0">
+                                                <a:latin typeface="Cambria Math" panose="02040503050406030204" pitchFamily="18" charset="0"/>
+                                              </a:rPr>
+                                              <m:t>0</m:t>
+                                            </m:r>
+                                          </m:e>
+                                        </m:mr>
+                                        <m:mr>
+                                          <m:e>
+                                            <m:r>
+                                              <a:rPr lang="en-US" b="0" i="1" smtClean="0">
+                                                <a:latin typeface="Cambria Math" panose="02040503050406030204" pitchFamily="18" charset="0"/>
+                                              </a:rPr>
+                                              <m:t>0</m:t>
+                                            </m:r>
+                                          </m:e>
+                                          <m:e>
+                                            <m:r>
+                                              <a:rPr lang="en-US" b="0" i="1" smtClean="0">
+                                                <a:latin typeface="Cambria Math" panose="02040503050406030204" pitchFamily="18" charset="0"/>
+                                              </a:rPr>
+                                              <m:t>0</m:t>
+                                            </m:r>
+                                          </m:e>
+                                          <m:e>
+                                            <m:r>
+                                              <a:rPr lang="en-US" b="0" i="1" smtClean="0">
+                                                <a:latin typeface="Cambria Math" panose="02040503050406030204" pitchFamily="18" charset="0"/>
+                                              </a:rPr>
+                                              <m:t>0</m:t>
+                                            </m:r>
+                                          </m:e>
+                                        </m:mr>
+                                      </m:m>
+                                    </m:e>
+                                    <m:e>
+                                      <m:m>
+                                        <m:mPr>
+                                          <m:mcs>
+                                            <m:mc>
+                                              <m:mcPr>
+                                                <m:count m:val="3"/>
+                                                <m:mcJc m:val="center"/>
+                                              </m:mcPr>
+                                            </m:mc>
+                                          </m:mcs>
+                                          <m:ctrlPr>
+                                            <a:rPr lang="en-US" b="0" i="1" smtClean="0">
+                                              <a:latin typeface="Cambria Math" panose="02040503050406030204" pitchFamily="18" charset="0"/>
+                                            </a:rPr>
+                                          </m:ctrlPr>
+                                        </m:mPr>
+                                        <m:mr>
+                                          <m:e>
+                                            <m:r>
+                                              <m:rPr>
+                                                <m:brk m:alnAt="7"/>
+                                              </m:rPr>
+                                              <a:rPr lang="en-US" b="0" i="1" smtClean="0">
+                                                <a:latin typeface="Cambria Math" panose="02040503050406030204" pitchFamily="18" charset="0"/>
+                                              </a:rPr>
+                                              <m:t>0</m:t>
+                                            </m:r>
+                                          </m:e>
+                                          <m:e>
+                                            <m:r>
+                                              <a:rPr lang="en-US" b="0" i="1" smtClean="0">
+                                                <a:latin typeface="Cambria Math" panose="02040503050406030204" pitchFamily="18" charset="0"/>
+                                              </a:rPr>
+                                              <m:t>+1</m:t>
+                                            </m:r>
+                                          </m:e>
+                                          <m:e>
+                                            <m:r>
+                                              <a:rPr lang="en-US" b="0" i="1" smtClean="0">
+                                                <a:latin typeface="Cambria Math" panose="02040503050406030204" pitchFamily="18" charset="0"/>
+                                              </a:rPr>
+                                              <m:t>0</m:t>
+                                            </m:r>
+                                          </m:e>
+                                        </m:mr>
+                                        <m:mr>
+                                          <m:e>
+                                            <m:r>
+                                              <a:rPr lang="en-US" b="0" i="1" smtClean="0">
+                                                <a:latin typeface="Cambria Math" panose="02040503050406030204" pitchFamily="18" charset="0"/>
+                                              </a:rPr>
+                                              <m:t>0</m:t>
+                                            </m:r>
+                                          </m:e>
+                                          <m:e>
+                                            <m:r>
+                                              <a:rPr lang="en-US" b="0" i="1" smtClean="0">
+                                                <a:latin typeface="Cambria Math" panose="02040503050406030204" pitchFamily="18" charset="0"/>
+                                              </a:rPr>
+                                              <m:t>+1</m:t>
+                                            </m:r>
+                                          </m:e>
+                                          <m:e>
+                                            <m:r>
+                                              <a:rPr lang="en-US" b="0" i="1" smtClean="0">
+                                                <a:latin typeface="Cambria Math" panose="02040503050406030204" pitchFamily="18" charset="0"/>
+                                              </a:rPr>
+                                              <m:t>0</m:t>
+                                            </m:r>
+                                          </m:e>
+                                        </m:mr>
+                                        <m:mr>
+                                          <m:e>
+                                            <m:r>
+                                              <a:rPr lang="en-US" b="0" i="1" smtClean="0">
+                                                <a:latin typeface="Cambria Math" panose="02040503050406030204" pitchFamily="18" charset="0"/>
+                                              </a:rPr>
+                                              <m:t>0</m:t>
+                                            </m:r>
+                                          </m:e>
+                                          <m:e>
+                                            <m:r>
+                                              <a:rPr lang="en-US" b="0" i="1" smtClean="0">
+                                                <a:latin typeface="Cambria Math" panose="02040503050406030204" pitchFamily="18" charset="0"/>
+                                              </a:rPr>
+                                              <m:t>+1</m:t>
+                                            </m:r>
+                                          </m:e>
+                                          <m:e>
+                                            <m:r>
+                                              <a:rPr lang="en-US" b="0" i="1" smtClean="0">
+                                                <a:latin typeface="Cambria Math" panose="02040503050406030204" pitchFamily="18" charset="0"/>
+                                              </a:rPr>
+                                              <m:t>−1</m:t>
+                                            </m:r>
+                                          </m:e>
+                                        </m:mr>
+                                      </m:m>
+                                    </m:e>
+                                    <m:e>
+                                      <m:m>
+                                        <m:mPr>
+                                          <m:mcs>
+                                            <m:mc>
+                                              <m:mcPr>
+                                                <m:count m:val="1"/>
+                                                <m:mcJc m:val="center"/>
+                                              </m:mcPr>
+                                            </m:mc>
+                                          </m:mcs>
+                                          <m:ctrlPr>
+                                            <a:rPr lang="en-US" b="0" i="1" smtClean="0">
+                                              <a:latin typeface="Cambria Math" panose="02040503050406030204" pitchFamily="18" charset="0"/>
+                                            </a:rPr>
+                                          </m:ctrlPr>
+                                        </m:mPr>
+                                        <m:mr>
+                                          <m:e>
+                                            <m:r>
+                                              <m:rPr>
+                                                <m:brk m:alnAt="7"/>
+                                              </m:rPr>
+                                              <a:rPr lang="en-US" b="0" i="1" smtClean="0">
+                                                <a:latin typeface="Cambria Math" panose="02040503050406030204" pitchFamily="18" charset="0"/>
+                                              </a:rPr>
+                                              <m:t>0</m:t>
+                                            </m:r>
+                                          </m:e>
+                                        </m:mr>
+                                        <m:mr>
+                                          <m:e>
+                                            <m:r>
+                                              <a:rPr lang="en-US" b="0" i="1" smtClean="0">
+                                                <a:latin typeface="Cambria Math" panose="02040503050406030204" pitchFamily="18" charset="0"/>
+                                              </a:rPr>
+                                              <m:t>−1</m:t>
+                                            </m:r>
+                                          </m:e>
+                                        </m:mr>
+                                        <m:mr>
+                                          <m:e>
+                                            <m:r>
+                                              <a:rPr lang="en-US" b="0" i="1" smtClean="0">
+                                                <a:latin typeface="Cambria Math" panose="02040503050406030204" pitchFamily="18" charset="0"/>
+                                              </a:rPr>
+                                              <m:t>0</m:t>
+                                            </m:r>
+                                          </m:e>
+                                        </m:mr>
+                                      </m:m>
+                                    </m:e>
+                                  </m:mr>
+                                </m:m>
+                              </m:e>
+                            </m:mr>
+                          </m:m>
+                        </m:e>
+                      </m:d>
+                    </m:oMath>
+                  </m:oMathPara>
+                </a14:m>
+                <a:endParaRPr lang="en-US" dirty="0"/>
+              </a:p>
+            </p:txBody>
+          </p:sp>
+        </mc:Choice>
+        <mc:Fallback xmlns="">
+          <p:sp>
+            <p:nvSpPr>
+              <p:cNvPr id="2" name="TextBox 1">
+                <a:extLst>
+                  <a:ext uri="{FF2B5EF4-FFF2-40B4-BE49-F238E27FC236}">
+                    <a16:creationId xmlns:a16="http://schemas.microsoft.com/office/drawing/2014/main" id="{75669517-B19C-5B45-AFFC-C84A11B662E6}"/>
+                  </a:ext>
+                </a:extLst>
+              </p:cNvPr>
+              <p:cNvSpPr txBox="1">
+                <a:spLocks noRot="1" noChangeAspect="1" noMove="1" noResize="1" noEditPoints="1" noAdjustHandles="1" noChangeArrowheads="1" noChangeShapeType="1" noTextEdit="1"/>
+              </p:cNvSpPr>
+              <p:nvPr/>
+            </p:nvSpPr>
+            <p:spPr>
+              <a:xfrm>
+                <a:off x="2594317" y="4548674"/>
+                <a:ext cx="4420121" cy="1549078"/>
+              </a:xfrm>
+              <a:prstGeom prst="rect">
+                <a:avLst/>
+              </a:prstGeom>
+              <a:blipFill>
+                <a:blip r:embed="rId3"/>
+                <a:stretch>
+                  <a:fillRect t="-1626" b="-813"/>
+                </a:stretch>
+              </a:blipFill>
+            </p:spPr>
+            <p:txBody>
+              <a:bodyPr/>
+              <a:lstStyle/>
+              <a:p>
+                <a:r>
+                  <a:rPr lang="en-US">
+                    <a:noFill/>
+                  </a:rPr>
+                  <a:t> </a:t>
+                </a:r>
+              </a:p>
+            </p:txBody>
+          </p:sp>
+        </mc:Fallback>
+      </mc:AlternateContent>
+      <p:sp>
+        <p:nvSpPr>
+          <p:cNvPr id="3" name="TextBox 2">
+            <a:extLst>
+              <a:ext uri="{FF2B5EF4-FFF2-40B4-BE49-F238E27FC236}">
+                <a16:creationId xmlns:a16="http://schemas.microsoft.com/office/drawing/2014/main" id="{1DF3F270-7D87-594C-AFD4-07766000D714}"/>
+              </a:ext>
+            </a:extLst>
+          </p:cNvPr>
+          <p:cNvSpPr txBox="1"/>
+          <p:nvPr/>
+        </p:nvSpPr>
+        <p:spPr>
+          <a:xfrm>
+            <a:off x="3340765" y="4190802"/>
+            <a:ext cx="399468" cy="307777"/>
+          </a:xfrm>
+          <a:prstGeom prst="rect">
+            <a:avLst/>
+          </a:prstGeom>
+          <a:noFill/>
+        </p:spPr>
+        <p:txBody>
+          <a:bodyPr wrap="none" rtlCol="0">
+            <a:spAutoFit/>
+          </a:bodyPr>
+          <a:lstStyle/>
+          <a:p>
+            <a:r>
+              <a:rPr lang="en-US" sz="1400" b="1" dirty="0">
+                <a:latin typeface="Courier New" panose="02070309020205020404" pitchFamily="49" charset="0"/>
+                <a:cs typeface="Courier New" panose="02070309020205020404" pitchFamily="49" charset="0"/>
+              </a:rPr>
+              <a:t>c6</a:t>
+            </a:r>
+          </a:p>
+        </p:txBody>
+      </p:sp>
+      <p:sp>
+        <p:nvSpPr>
+          <p:cNvPr id="10" name="TextBox 9">
+            <a:extLst>
+              <a:ext uri="{FF2B5EF4-FFF2-40B4-BE49-F238E27FC236}">
+                <a16:creationId xmlns:a16="http://schemas.microsoft.com/office/drawing/2014/main" id="{7FDBA2DA-D9B9-9240-A9D7-7730EC449C21}"/>
+              </a:ext>
+            </a:extLst>
+          </p:cNvPr>
+          <p:cNvSpPr txBox="1"/>
+          <p:nvPr/>
+        </p:nvSpPr>
+        <p:spPr>
+          <a:xfrm>
+            <a:off x="3754421" y="4190802"/>
+            <a:ext cx="506870" cy="307777"/>
+          </a:xfrm>
+          <a:prstGeom prst="rect">
+            <a:avLst/>
+          </a:prstGeom>
+          <a:noFill/>
+        </p:spPr>
+        <p:txBody>
+          <a:bodyPr wrap="none" rtlCol="0">
+            <a:spAutoFit/>
+          </a:bodyPr>
+          <a:lstStyle/>
+          <a:p>
+            <a:r>
+              <a:rPr lang="en-US" sz="1400" b="1" dirty="0">
+                <a:latin typeface="Courier New" panose="02070309020205020404" pitchFamily="49" charset="0"/>
+                <a:cs typeface="Courier New" panose="02070309020205020404" pitchFamily="49" charset="0"/>
+              </a:rPr>
+              <a:t>c10</a:t>
+            </a:r>
+          </a:p>
+        </p:txBody>
+      </p:sp>
+      <p:sp>
+        <p:nvSpPr>
+          <p:cNvPr id="11" name="TextBox 10">
+            <a:extLst>
+              <a:ext uri="{FF2B5EF4-FFF2-40B4-BE49-F238E27FC236}">
+                <a16:creationId xmlns:a16="http://schemas.microsoft.com/office/drawing/2014/main" id="{5F82DC5B-17A2-F144-9A2B-CEEBA68B9C42}"/>
+              </a:ext>
+            </a:extLst>
+          </p:cNvPr>
+          <p:cNvSpPr txBox="1"/>
+          <p:nvPr/>
+        </p:nvSpPr>
+        <p:spPr>
+          <a:xfrm>
+            <a:off x="4298707" y="4190802"/>
+            <a:ext cx="506870" cy="307777"/>
+          </a:xfrm>
+          <a:prstGeom prst="rect">
+            <a:avLst/>
+          </a:prstGeom>
+          <a:noFill/>
+        </p:spPr>
+        <p:txBody>
+          <a:bodyPr wrap="none" rtlCol="0">
+            <a:spAutoFit/>
+          </a:bodyPr>
+          <a:lstStyle/>
+          <a:p>
+            <a:r>
+              <a:rPr lang="en-US" sz="1400" b="1" dirty="0">
+                <a:latin typeface="Courier New" panose="02070309020205020404" pitchFamily="49" charset="0"/>
+                <a:cs typeface="Courier New" panose="02070309020205020404" pitchFamily="49" charset="0"/>
+              </a:rPr>
+              <a:t>c11</a:t>
+            </a:r>
+          </a:p>
+        </p:txBody>
+      </p:sp>
+      <p:sp>
+        <p:nvSpPr>
+          <p:cNvPr id="12" name="TextBox 11">
+            <a:extLst>
+              <a:ext uri="{FF2B5EF4-FFF2-40B4-BE49-F238E27FC236}">
+                <a16:creationId xmlns:a16="http://schemas.microsoft.com/office/drawing/2014/main" id="{E786B8C4-86A2-DA46-BF39-A5480E56634A}"/>
+              </a:ext>
+            </a:extLst>
+          </p:cNvPr>
+          <p:cNvSpPr txBox="1"/>
+          <p:nvPr/>
+        </p:nvSpPr>
+        <p:spPr>
+          <a:xfrm>
+            <a:off x="4811889" y="4190802"/>
+            <a:ext cx="506870" cy="307777"/>
+          </a:xfrm>
+          <a:prstGeom prst="rect">
+            <a:avLst/>
+          </a:prstGeom>
+          <a:noFill/>
+        </p:spPr>
+        <p:txBody>
+          <a:bodyPr wrap="none" rtlCol="0">
+            <a:spAutoFit/>
+          </a:bodyPr>
+          <a:lstStyle/>
+          <a:p>
+            <a:r>
+              <a:rPr lang="en-US" sz="1400" b="1" dirty="0">
+                <a:latin typeface="Courier New" panose="02070309020205020404" pitchFamily="49" charset="0"/>
+                <a:cs typeface="Courier New" panose="02070309020205020404" pitchFamily="49" charset="0"/>
+              </a:rPr>
+              <a:t>c16</a:t>
+            </a:r>
+          </a:p>
+        </p:txBody>
+      </p:sp>
+      <p:sp>
+        <p:nvSpPr>
+          <p:cNvPr id="13" name="TextBox 12">
+            <a:extLst>
+              <a:ext uri="{FF2B5EF4-FFF2-40B4-BE49-F238E27FC236}">
+                <a16:creationId xmlns:a16="http://schemas.microsoft.com/office/drawing/2014/main" id="{C16FFD5F-5934-C345-84E5-52E95C5908FF}"/>
+              </a:ext>
+            </a:extLst>
+          </p:cNvPr>
+          <p:cNvSpPr txBox="1"/>
+          <p:nvPr/>
+        </p:nvSpPr>
+        <p:spPr>
+          <a:xfrm>
+            <a:off x="5312638" y="4190802"/>
+            <a:ext cx="506870" cy="307777"/>
+          </a:xfrm>
+          <a:prstGeom prst="rect">
+            <a:avLst/>
+          </a:prstGeom>
+          <a:noFill/>
+        </p:spPr>
+        <p:txBody>
+          <a:bodyPr wrap="none" rtlCol="0">
+            <a:spAutoFit/>
+          </a:bodyPr>
+          <a:lstStyle/>
+          <a:p>
+            <a:r>
+              <a:rPr lang="en-US" sz="1400" b="1" dirty="0">
+                <a:latin typeface="Courier New" panose="02070309020205020404" pitchFamily="49" charset="0"/>
+                <a:cs typeface="Courier New" panose="02070309020205020404" pitchFamily="49" charset="0"/>
+              </a:rPr>
+              <a:t>c86</a:t>
+            </a:r>
+          </a:p>
+        </p:txBody>
+      </p:sp>
+      <p:sp>
+        <p:nvSpPr>
+          <p:cNvPr id="14" name="TextBox 13">
+            <a:extLst>
+              <a:ext uri="{FF2B5EF4-FFF2-40B4-BE49-F238E27FC236}">
+                <a16:creationId xmlns:a16="http://schemas.microsoft.com/office/drawing/2014/main" id="{99F387E9-65C4-1746-AAB4-D32398873026}"/>
+              </a:ext>
+            </a:extLst>
+          </p:cNvPr>
+          <p:cNvSpPr txBox="1"/>
+          <p:nvPr/>
+        </p:nvSpPr>
+        <p:spPr>
+          <a:xfrm>
+            <a:off x="5735628" y="4190802"/>
+            <a:ext cx="614271" cy="307777"/>
+          </a:xfrm>
+          <a:prstGeom prst="rect">
+            <a:avLst/>
+          </a:prstGeom>
+          <a:noFill/>
+        </p:spPr>
+        <p:txBody>
+          <a:bodyPr wrap="none" rtlCol="0">
+            <a:spAutoFit/>
+          </a:bodyPr>
+          <a:lstStyle/>
+          <a:p>
+            <a:r>
+              <a:rPr lang="en-US" sz="1400" b="1" dirty="0">
+                <a:latin typeface="Courier New" panose="02070309020205020404" pitchFamily="49" charset="0"/>
+                <a:cs typeface="Courier New" panose="02070309020205020404" pitchFamily="49" charset="0"/>
+              </a:rPr>
+              <a:t>c154</a:t>
+            </a:r>
+          </a:p>
+        </p:txBody>
+      </p:sp>
+      <p:sp>
+        <p:nvSpPr>
+          <p:cNvPr id="15" name="TextBox 14">
+            <a:extLst>
+              <a:ext uri="{FF2B5EF4-FFF2-40B4-BE49-F238E27FC236}">
+                <a16:creationId xmlns:a16="http://schemas.microsoft.com/office/drawing/2014/main" id="{8219E122-789A-9941-8A6E-F274CCC15767}"/>
+              </a:ext>
+            </a:extLst>
+          </p:cNvPr>
+          <p:cNvSpPr txBox="1"/>
+          <p:nvPr/>
+        </p:nvSpPr>
+        <p:spPr>
+          <a:xfrm>
+            <a:off x="6271630" y="4190802"/>
+            <a:ext cx="614271" cy="307777"/>
+          </a:xfrm>
+          <a:prstGeom prst="rect">
+            <a:avLst/>
+          </a:prstGeom>
+          <a:noFill/>
+        </p:spPr>
+        <p:txBody>
+          <a:bodyPr wrap="none" rtlCol="0">
+            <a:spAutoFit/>
+          </a:bodyPr>
+          <a:lstStyle/>
+          <a:p>
+            <a:r>
+              <a:rPr lang="en-US" sz="1400" b="1" dirty="0">
+                <a:latin typeface="Courier New" panose="02070309020205020404" pitchFamily="49" charset="0"/>
+                <a:cs typeface="Courier New" panose="02070309020205020404" pitchFamily="49" charset="0"/>
+              </a:rPr>
+              <a:t>C160</a:t>
+            </a:r>
+          </a:p>
+        </p:txBody>
+      </p:sp>
+      <p:sp>
+        <p:nvSpPr>
+          <p:cNvPr id="19" name="TextBox 18">
+            <a:extLst>
+              <a:ext uri="{FF2B5EF4-FFF2-40B4-BE49-F238E27FC236}">
+                <a16:creationId xmlns:a16="http://schemas.microsoft.com/office/drawing/2014/main" id="{678668F1-C6F2-F045-9C39-38A715D2E893}"/>
+              </a:ext>
+            </a:extLst>
+          </p:cNvPr>
+          <p:cNvSpPr txBox="1"/>
+          <p:nvPr/>
+        </p:nvSpPr>
+        <p:spPr>
+          <a:xfrm>
+            <a:off x="7160095" y="4464497"/>
+            <a:ext cx="399468" cy="307777"/>
+          </a:xfrm>
+          <a:prstGeom prst="rect">
+            <a:avLst/>
+          </a:prstGeom>
+          <a:noFill/>
+        </p:spPr>
+        <p:txBody>
+          <a:bodyPr wrap="none" rtlCol="0">
+            <a:spAutoFit/>
+          </a:bodyPr>
+          <a:lstStyle/>
+          <a:p>
+            <a:r>
+              <a:rPr lang="en-US" sz="1400" b="1" dirty="0">
+                <a:latin typeface="Courier New" panose="02070309020205020404" pitchFamily="49" charset="0"/>
+                <a:cs typeface="Courier New" panose="02070309020205020404" pitchFamily="49" charset="0"/>
+              </a:rPr>
+              <a:t>v8</a:t>
+            </a:r>
+          </a:p>
+        </p:txBody>
+      </p:sp>
+      <p:sp>
+        <p:nvSpPr>
+          <p:cNvPr id="20" name="TextBox 19">
+            <a:extLst>
+              <a:ext uri="{FF2B5EF4-FFF2-40B4-BE49-F238E27FC236}">
+                <a16:creationId xmlns:a16="http://schemas.microsoft.com/office/drawing/2014/main" id="{FCE29E1E-A16B-FD45-B791-12733DBD6363}"/>
+              </a:ext>
+            </a:extLst>
+          </p:cNvPr>
+          <p:cNvSpPr txBox="1"/>
+          <p:nvPr/>
+        </p:nvSpPr>
+        <p:spPr>
+          <a:xfrm>
+            <a:off x="7066788" y="4738494"/>
+            <a:ext cx="506870" cy="307777"/>
+          </a:xfrm>
+          <a:prstGeom prst="rect">
+            <a:avLst/>
+          </a:prstGeom>
+          <a:noFill/>
+        </p:spPr>
+        <p:txBody>
+          <a:bodyPr wrap="none" rtlCol="0">
+            <a:spAutoFit/>
+          </a:bodyPr>
+          <a:lstStyle/>
+          <a:p>
+            <a:r>
+              <a:rPr lang="en-US" sz="1400" b="1" dirty="0">
+                <a:latin typeface="Courier New" panose="02070309020205020404" pitchFamily="49" charset="0"/>
+                <a:cs typeface="Courier New" panose="02070309020205020404" pitchFamily="49" charset="0"/>
+              </a:rPr>
+              <a:t>v13</a:t>
+            </a:r>
+          </a:p>
+        </p:txBody>
+      </p:sp>
+      <p:sp>
+        <p:nvSpPr>
+          <p:cNvPr id="21" name="TextBox 20">
+            <a:extLst>
+              <a:ext uri="{FF2B5EF4-FFF2-40B4-BE49-F238E27FC236}">
+                <a16:creationId xmlns:a16="http://schemas.microsoft.com/office/drawing/2014/main" id="{972E3C62-6B28-2C45-9EA3-5F0B9B08F94D}"/>
+              </a:ext>
+            </a:extLst>
+          </p:cNvPr>
+          <p:cNvSpPr txBox="1"/>
+          <p:nvPr/>
+        </p:nvSpPr>
+        <p:spPr>
+          <a:xfrm>
+            <a:off x="7066788" y="5012491"/>
+            <a:ext cx="614271" cy="307777"/>
+          </a:xfrm>
+          <a:prstGeom prst="rect">
+            <a:avLst/>
+          </a:prstGeom>
+          <a:noFill/>
+        </p:spPr>
+        <p:txBody>
+          <a:bodyPr wrap="none" rtlCol="0">
+            <a:spAutoFit/>
+          </a:bodyPr>
+          <a:lstStyle/>
+          <a:p>
+            <a:r>
+              <a:rPr lang="en-US" sz="1400" b="1" dirty="0">
+                <a:latin typeface="Courier New" panose="02070309020205020404" pitchFamily="49" charset="0"/>
+                <a:cs typeface="Courier New" panose="02070309020205020404" pitchFamily="49" charset="0"/>
+              </a:rPr>
+              <a:t>v208</a:t>
+            </a:r>
+          </a:p>
+        </p:txBody>
+      </p:sp>
+      <p:sp>
+        <p:nvSpPr>
+          <p:cNvPr id="22" name="TextBox 21">
+            <a:extLst>
+              <a:ext uri="{FF2B5EF4-FFF2-40B4-BE49-F238E27FC236}">
+                <a16:creationId xmlns:a16="http://schemas.microsoft.com/office/drawing/2014/main" id="{4C9E533E-F3B4-784A-83C3-9AF2A3E5EADC}"/>
+              </a:ext>
+            </a:extLst>
+          </p:cNvPr>
+          <p:cNvSpPr txBox="1"/>
+          <p:nvPr/>
+        </p:nvSpPr>
+        <p:spPr>
+          <a:xfrm>
+            <a:off x="7066788" y="5286488"/>
+            <a:ext cx="614271" cy="307777"/>
+          </a:xfrm>
+          <a:prstGeom prst="rect">
+            <a:avLst/>
+          </a:prstGeom>
+          <a:noFill/>
+        </p:spPr>
+        <p:txBody>
+          <a:bodyPr wrap="none" rtlCol="0">
+            <a:spAutoFit/>
+          </a:bodyPr>
+          <a:lstStyle/>
+          <a:p>
+            <a:r>
+              <a:rPr lang="en-US" sz="1400" b="1" dirty="0">
+                <a:latin typeface="Courier New" panose="02070309020205020404" pitchFamily="49" charset="0"/>
+                <a:cs typeface="Courier New" panose="02070309020205020404" pitchFamily="49" charset="0"/>
+              </a:rPr>
+              <a:t>v523</a:t>
+            </a:r>
+          </a:p>
+        </p:txBody>
+      </p:sp>
+      <p:sp>
+        <p:nvSpPr>
+          <p:cNvPr id="23" name="TextBox 22">
+            <a:extLst>
+              <a:ext uri="{FF2B5EF4-FFF2-40B4-BE49-F238E27FC236}">
+                <a16:creationId xmlns:a16="http://schemas.microsoft.com/office/drawing/2014/main" id="{8645495E-D892-754A-BCD1-0943C8EDA241}"/>
+              </a:ext>
+            </a:extLst>
+          </p:cNvPr>
+          <p:cNvSpPr txBox="1"/>
+          <p:nvPr/>
+        </p:nvSpPr>
+        <p:spPr>
+          <a:xfrm>
+            <a:off x="7066788" y="5560485"/>
+            <a:ext cx="614271" cy="307777"/>
+          </a:xfrm>
+          <a:prstGeom prst="rect">
+            <a:avLst/>
+          </a:prstGeom>
+          <a:noFill/>
+        </p:spPr>
+        <p:txBody>
+          <a:bodyPr wrap="none" rtlCol="0">
+            <a:spAutoFit/>
+          </a:bodyPr>
+          <a:lstStyle/>
+          <a:p>
+            <a:r>
+              <a:rPr lang="en-US" sz="1400" b="1" dirty="0">
+                <a:latin typeface="Courier New" panose="02070309020205020404" pitchFamily="49" charset="0"/>
+                <a:cs typeface="Courier New" panose="02070309020205020404" pitchFamily="49" charset="0"/>
+              </a:rPr>
+              <a:t>v537</a:t>
+            </a:r>
+          </a:p>
+        </p:txBody>
+      </p:sp>
+      <p:sp>
+        <p:nvSpPr>
+          <p:cNvPr id="24" name="TextBox 23">
+            <a:extLst>
+              <a:ext uri="{FF2B5EF4-FFF2-40B4-BE49-F238E27FC236}">
+                <a16:creationId xmlns:a16="http://schemas.microsoft.com/office/drawing/2014/main" id="{1856C9A3-B47A-9146-9767-F0DF38638693}"/>
+              </a:ext>
+            </a:extLst>
+          </p:cNvPr>
+          <p:cNvSpPr txBox="1"/>
+          <p:nvPr/>
+        </p:nvSpPr>
+        <p:spPr>
+          <a:xfrm>
+            <a:off x="7066788" y="5834480"/>
+            <a:ext cx="614271" cy="307777"/>
+          </a:xfrm>
+          <a:prstGeom prst="rect">
+            <a:avLst/>
+          </a:prstGeom>
+          <a:noFill/>
+        </p:spPr>
+        <p:txBody>
+          <a:bodyPr wrap="none" rtlCol="0">
+            <a:spAutoFit/>
+          </a:bodyPr>
+          <a:lstStyle/>
+          <a:p>
+            <a:r>
+              <a:rPr lang="en-US" sz="1400" b="1" dirty="0">
+                <a:latin typeface="Courier New" panose="02070309020205020404" pitchFamily="49" charset="0"/>
+                <a:cs typeface="Courier New" panose="02070309020205020404" pitchFamily="49" charset="0"/>
+              </a:rPr>
+              <a:t>v601</a:t>
+            </a:r>
+          </a:p>
+        </p:txBody>
+      </p:sp>
+      <p:sp>
+        <p:nvSpPr>
+          <p:cNvPr id="6" name="TextBox 5">
+            <a:extLst>
+              <a:ext uri="{FF2B5EF4-FFF2-40B4-BE49-F238E27FC236}">
+                <a16:creationId xmlns:a16="http://schemas.microsoft.com/office/drawing/2014/main" id="{01AEC83E-C342-D347-A818-D9F55F1946F2}"/>
+              </a:ext>
+            </a:extLst>
+          </p:cNvPr>
+          <p:cNvSpPr txBox="1"/>
+          <p:nvPr/>
+        </p:nvSpPr>
+        <p:spPr>
+          <a:xfrm>
+            <a:off x="531241" y="3636778"/>
+            <a:ext cx="5224507" cy="369332"/>
+          </a:xfrm>
+          <a:prstGeom prst="rect">
+            <a:avLst/>
+          </a:prstGeom>
+          <a:noFill/>
+        </p:spPr>
+        <p:txBody>
+          <a:bodyPr wrap="none" rtlCol="0">
+            <a:spAutoFit/>
+          </a:bodyPr>
+          <a:lstStyle/>
+          <a:p>
+            <a:r>
+              <a:rPr lang="en-US" dirty="0" err="1"/>
+              <a:t>BioModels</a:t>
+            </a:r>
+            <a:r>
+              <a:rPr lang="en-US" dirty="0"/>
+              <a:t> 255: Model of </a:t>
+            </a:r>
+            <a:r>
+              <a:rPr lang="en-US" dirty="0" err="1"/>
+              <a:t>Erb</a:t>
+            </a:r>
+            <a:r>
+              <a:rPr lang="en-US" dirty="0"/>
+              <a:t> signaling pathways.</a:t>
+            </a:r>
+          </a:p>
+        </p:txBody>
+      </p:sp>
+    </p:spTree>
+    <p:extLst>
+      <p:ext uri="{BB962C8B-B14F-4D97-AF65-F5344CB8AC3E}">
+        <p14:creationId xmlns:p14="http://schemas.microsoft.com/office/powerpoint/2010/main" val="2061825137"/>
+      </p:ext>
+    </p:extLst>
+  </p:cSld>
+  <p:clrMapOvr>
+    <a:masterClrMapping/>
+  </p:clrMapOvr>
+</p:sld>
+</file>
+
 <file path=ppt/slides/slide3.xml><?xml version="1.0" encoding="utf-8"?>
 <p:sld xmlns:a="http://schemas.openxmlformats.org/drawingml/2006/main" xmlns:r="http://schemas.openxmlformats.org/officeDocument/2006/relationships" xmlns:p="http://schemas.openxmlformats.org/presentationml/2006/main">
   <p:cSld>
@@ -18736,7 +19386,7 @@
         </p:blipFill>
         <p:spPr>
           <a:xfrm>
-            <a:off x="452628" y="3776980"/>
+            <a:off x="4439412" y="1179731"/>
             <a:ext cx="3817112" cy="2547620"/>
           </a:xfrm>
           <a:prstGeom prst="rect">
@@ -18788,7 +19438,7 @@
         </p:nvSpPr>
         <p:spPr>
           <a:xfrm>
-            <a:off x="4269740" y="4404459"/>
+            <a:off x="4269740" y="3727351"/>
             <a:ext cx="4417060" cy="369332"/>
           </a:xfrm>
           <a:prstGeom prst="rect">
@@ -18805,6 +19455,79 @@
             <a:r>
               <a:rPr lang="en-US" b="1" dirty="0"/>
               <a:t>Why does [P] increase without bound?</a:t>
+            </a:r>
+          </a:p>
+        </p:txBody>
+      </p:sp>
+      <p:sp>
+        <p:nvSpPr>
+          <p:cNvPr id="3" name="TextBox 2">
+            <a:extLst>
+              <a:ext uri="{FF2B5EF4-FFF2-40B4-BE49-F238E27FC236}">
+                <a16:creationId xmlns:a16="http://schemas.microsoft.com/office/drawing/2014/main" id="{71537A73-9FFE-F748-A378-55B4AAACD38A}"/>
+              </a:ext>
+            </a:extLst>
+          </p:cNvPr>
+          <p:cNvSpPr txBox="1"/>
+          <p:nvPr/>
+        </p:nvSpPr>
+        <p:spPr>
+          <a:xfrm>
+            <a:off x="1683914" y="5166221"/>
+            <a:ext cx="6101735" cy="1323439"/>
+          </a:xfrm>
+          <a:prstGeom prst="rect">
+            <a:avLst/>
+          </a:prstGeom>
+          <a:solidFill>
+            <a:schemeClr val="bg1">
+              <a:lumMod val="85000"/>
+            </a:schemeClr>
+          </a:solidFill>
+        </p:spPr>
+        <p:txBody>
+          <a:bodyPr wrap="none" rtlCol="0">
+            <a:spAutoFit/>
+          </a:bodyPr>
+          <a:lstStyle/>
+          <a:p>
+            <a:r>
+              <a:rPr lang="en-US" sz="2000" dirty="0"/>
+              <a:t>We have treated inorganic phosphate inconsistently.</a:t>
+            </a:r>
+          </a:p>
+          <a:p>
+            <a:pPr marL="285750" indent="-285750">
+              <a:buFont typeface="Arial" panose="020B0604020202020204" pitchFamily="34" charset="0"/>
+              <a:buChar char="•"/>
+            </a:pPr>
+            <a:r>
+              <a:rPr lang="en-US" sz="2000" dirty="0"/>
+              <a:t>P is included in J0</a:t>
+            </a:r>
+          </a:p>
+          <a:p>
+            <a:pPr marL="285750" indent="-285750">
+              <a:buFont typeface="Arial" panose="020B0604020202020204" pitchFamily="34" charset="0"/>
+              <a:buChar char="•"/>
+            </a:pPr>
+            <a:r>
+              <a:rPr lang="en-US" sz="2000" dirty="0"/>
+              <a:t>P is not included in J1</a:t>
+            </a:r>
+          </a:p>
+          <a:p>
+            <a:r>
+              <a:rPr lang="en-US" sz="2000" dirty="0"/>
+              <a:t>Broadly referred to as a </a:t>
+            </a:r>
+            <a:r>
+              <a:rPr lang="en-US" sz="2000" b="1" dirty="0"/>
+              <a:t>mass balance error</a:t>
+            </a:r>
+            <a:r>
+              <a:rPr lang="en-US" sz="2000" dirty="0"/>
+              <a:t>.</a:t>
             </a:r>
           </a:p>
         </p:txBody>
@@ -18899,6 +19622,51 @@
                       </p:childTnLst>
                     </p:cTn>
                   </p:par>
+                  <p:par>
+                    <p:cTn id="9" fill="hold">
+                      <p:stCondLst>
+                        <p:cond delay="indefinite"/>
+                      </p:stCondLst>
+                      <p:childTnLst>
+                        <p:par>
+                          <p:cTn id="10" fill="hold">
+                            <p:stCondLst>
+                              <p:cond delay="0"/>
+                            </p:stCondLst>
+                            <p:childTnLst>
+                              <p:par>
+                                <p:cTn id="11" presetID="1" presetClass="entr" presetSubtype="0" fill="hold" grpId="0" nodeType="clickEffect">
+                                  <p:stCondLst>
+                                    <p:cond delay="0"/>
+                                  </p:stCondLst>
+                                  <p:childTnLst>
+                                    <p:set>
+                                      <p:cBhvr>
+                                        <p:cTn id="12" dur="1" fill="hold">
+                                          <p:stCondLst>
+                                            <p:cond delay="0"/>
+                                          </p:stCondLst>
+                                        </p:cTn>
+                                        <p:tgtEl>
+                                          <p:spTgt spid="3"/>
+                                        </p:tgtEl>
+                                        <p:attrNameLst>
+                                          <p:attrName>style.visibility</p:attrName>
+                                        </p:attrNameLst>
+                                      </p:cBhvr>
+                                      <p:to>
+                                        <p:strVal val="visible"/>
+                                      </p:to>
+                                    </p:set>
+                                  </p:childTnLst>
+                                </p:cTn>
+                              </p:par>
+                            </p:childTnLst>
+                          </p:cTn>
+                        </p:par>
+                      </p:childTnLst>
+                    </p:cTn>
+                  </p:par>
                 </p:childTnLst>
               </p:cTn>
               <p:prevCondLst>
@@ -18922,6 +19690,7 @@
     </p:tnLst>
     <p:bldLst>
       <p:bldP spid="9" grpId="0"/>
+      <p:bldP spid="3" grpId="0" animBg="1"/>
     </p:bldLst>
   </p:timing>
 </p:sld>
@@ -19150,8 +19919,8 @@
           </a:p>
         </p:txBody>
       </p:sp>
-      <mc:AlternateContent xmlns:mc="http://schemas.openxmlformats.org/markup-compatibility/2006" xmlns:a14="http://schemas.microsoft.com/office/drawing/2010/main">
-        <mc:Choice Requires="a14">
+      <mc:AlternateContent xmlns:mc="http://schemas.openxmlformats.org/markup-compatibility/2006">
+        <mc:Choice xmlns:a14="http://schemas.microsoft.com/office/drawing/2010/main" Requires="a14">
           <p:sp>
             <p:nvSpPr>
               <p:cNvPr id="9" name="TextBox 8">
@@ -19166,7 +19935,7 @@
             </p:nvSpPr>
             <p:spPr>
               <a:xfrm>
-                <a:off x="621792" y="2273808"/>
+                <a:off x="621792" y="2438400"/>
                 <a:ext cx="2639249" cy="430887"/>
               </a:xfrm>
               <a:prstGeom prst="rect">
@@ -19225,7 +19994,7 @@
             </p:txBody>
           </p:sp>
         </mc:Choice>
-        <mc:Fallback xmlns="">
+        <mc:Fallback>
           <p:sp>
             <p:nvSpPr>
               <p:cNvPr id="9" name="TextBox 8">
@@ -19242,7 +20011,7 @@
             </p:nvSpPr>
             <p:spPr>
               <a:xfrm>
-                <a:off x="621792" y="2273808"/>
+                <a:off x="621792" y="2438400"/>
                 <a:ext cx="2639249" cy="430887"/>
               </a:xfrm>
               <a:prstGeom prst="rect">
@@ -19769,6 +20538,202 @@
           </p:sp>
         </mc:Fallback>
       </mc:AlternateContent>
+      <p:sp>
+        <p:nvSpPr>
+          <p:cNvPr id="3" name="TextBox 2">
+            <a:extLst>
+              <a:ext uri="{FF2B5EF4-FFF2-40B4-BE49-F238E27FC236}">
+                <a16:creationId xmlns:a16="http://schemas.microsoft.com/office/drawing/2014/main" id="{388DF8E8-A874-0747-8D73-1E3D0927054F}"/>
+              </a:ext>
+            </a:extLst>
+          </p:cNvPr>
+          <p:cNvSpPr txBox="1"/>
+          <p:nvPr/>
+        </p:nvSpPr>
+        <p:spPr>
+          <a:xfrm>
+            <a:off x="2514780" y="1643986"/>
+            <a:ext cx="2287806" cy="369332"/>
+          </a:xfrm>
+          <a:prstGeom prst="rect">
+            <a:avLst/>
+          </a:prstGeom>
+          <a:noFill/>
+        </p:spPr>
+        <p:txBody>
+          <a:bodyPr wrap="none" rtlCol="0">
+            <a:spAutoFit/>
+          </a:bodyPr>
+          <a:lstStyle/>
+          <a:p>
+            <a:r>
+              <a:rPr lang="en-US" i="1" dirty="0"/>
+              <a:t>Has extra O and 2H.</a:t>
+            </a:r>
+          </a:p>
+        </p:txBody>
+      </p:sp>
+      <p:cxnSp>
+        <p:nvCxnSpPr>
+          <p:cNvPr id="6" name="Straight Arrow Connector 5">
+            <a:extLst>
+              <a:ext uri="{FF2B5EF4-FFF2-40B4-BE49-F238E27FC236}">
+                <a16:creationId xmlns:a16="http://schemas.microsoft.com/office/drawing/2014/main" id="{05FC102F-FE01-0546-8676-10BD463B3B0B}"/>
+              </a:ext>
+            </a:extLst>
+          </p:cNvPr>
+          <p:cNvCxnSpPr>
+            <a:cxnSpLocks/>
+          </p:cNvCxnSpPr>
+          <p:nvPr/>
+        </p:nvCxnSpPr>
+        <p:spPr>
+          <a:xfrm flipH="1">
+            <a:off x="2631411" y="2013318"/>
+            <a:ext cx="109682" cy="102091"/>
+          </a:xfrm>
+          <a:prstGeom prst="straightConnector1">
+            <a:avLst/>
+          </a:prstGeom>
+          <a:ln>
+            <a:tailEnd type="triangle"/>
+          </a:ln>
+        </p:spPr>
+        <p:style>
+          <a:lnRef idx="2">
+            <a:schemeClr val="accent1"/>
+          </a:lnRef>
+          <a:fillRef idx="0">
+            <a:schemeClr val="accent1"/>
+          </a:fillRef>
+          <a:effectRef idx="1">
+            <a:schemeClr val="accent1"/>
+          </a:effectRef>
+          <a:fontRef idx="minor">
+            <a:schemeClr val="tx1"/>
+          </a:fontRef>
+        </p:style>
+      </p:cxnSp>
+      <p:sp>
+        <p:nvSpPr>
+          <p:cNvPr id="11" name="TextBox 10">
+            <a:extLst>
+              <a:ext uri="{FF2B5EF4-FFF2-40B4-BE49-F238E27FC236}">
+                <a16:creationId xmlns:a16="http://schemas.microsoft.com/office/drawing/2014/main" id="{A8C0CDCE-24F8-AB49-BD03-86E4EB844F10}"/>
+              </a:ext>
+            </a:extLst>
+          </p:cNvPr>
+          <p:cNvSpPr txBox="1"/>
+          <p:nvPr/>
+        </p:nvSpPr>
+        <p:spPr>
+          <a:xfrm rot="5400000">
+            <a:off x="2455213" y="1576254"/>
+            <a:ext cx="596638" cy="1569660"/>
+          </a:xfrm>
+          <a:prstGeom prst="rect">
+            <a:avLst/>
+          </a:prstGeom>
+          <a:noFill/>
+        </p:spPr>
+        <p:txBody>
+          <a:bodyPr wrap="none" rtlCol="0">
+            <a:spAutoFit/>
+          </a:bodyPr>
+          <a:lstStyle/>
+          <a:p>
+            <a:r>
+              <a:rPr lang="en-US" sz="9600" dirty="0"/>
+              <a:t>{</a:t>
+            </a:r>
+          </a:p>
+        </p:txBody>
+      </p:sp>
+      <p:sp>
+        <p:nvSpPr>
+          <p:cNvPr id="18" name="Rectangle 17">
+            <a:extLst>
+              <a:ext uri="{FF2B5EF4-FFF2-40B4-BE49-F238E27FC236}">
+                <a16:creationId xmlns:a16="http://schemas.microsoft.com/office/drawing/2014/main" id="{8A6E15FA-C049-B54A-8E46-53DC5A055CA8}"/>
+              </a:ext>
+            </a:extLst>
+          </p:cNvPr>
+          <p:cNvSpPr/>
+          <p:nvPr/>
+        </p:nvSpPr>
+        <p:spPr>
+          <a:xfrm>
+            <a:off x="1408176" y="6109156"/>
+            <a:ext cx="3667138" cy="430887"/>
+          </a:xfrm>
+          <a:prstGeom prst="rect">
+            <a:avLst/>
+          </a:prstGeom>
+          <a:noFill/>
+          <a:ln w="57150">
+            <a:solidFill>
+              <a:srgbClr val="002060"/>
+            </a:solidFill>
+          </a:ln>
+        </p:spPr>
+        <p:style>
+          <a:lnRef idx="1">
+            <a:schemeClr val="accent1"/>
+          </a:lnRef>
+          <a:fillRef idx="3">
+            <a:schemeClr val="accent1"/>
+          </a:fillRef>
+          <a:effectRef idx="2">
+            <a:schemeClr val="accent1"/>
+          </a:effectRef>
+          <a:fontRef idx="minor">
+            <a:schemeClr val="lt1"/>
+          </a:fontRef>
+        </p:style>
+        <p:txBody>
+          <a:bodyPr rtlCol="0" anchor="ctr"/>
+          <a:lstStyle/>
+          <a:p>
+            <a:pPr algn="ctr"/>
+            <a:endParaRPr lang="en-US"/>
+          </a:p>
+        </p:txBody>
+      </p:sp>
+      <p:sp>
+        <p:nvSpPr>
+          <p:cNvPr id="24" name="TextBox 23">
+            <a:extLst>
+              <a:ext uri="{FF2B5EF4-FFF2-40B4-BE49-F238E27FC236}">
+                <a16:creationId xmlns:a16="http://schemas.microsoft.com/office/drawing/2014/main" id="{5072B1A3-C6DF-0540-9110-0E5A9334CB83}"/>
+              </a:ext>
+            </a:extLst>
+          </p:cNvPr>
+          <p:cNvSpPr txBox="1"/>
+          <p:nvPr/>
+        </p:nvSpPr>
+        <p:spPr>
+          <a:xfrm>
+            <a:off x="5142355" y="6109156"/>
+            <a:ext cx="1800493" cy="369332"/>
+          </a:xfrm>
+          <a:prstGeom prst="rect">
+            <a:avLst/>
+          </a:prstGeom>
+          <a:noFill/>
+        </p:spPr>
+        <p:txBody>
+          <a:bodyPr wrap="none" rtlCol="0">
+            <a:spAutoFit/>
+          </a:bodyPr>
+          <a:lstStyle/>
+          <a:p>
+            <a:r>
+              <a:rPr lang="en-US" i="1" dirty="0"/>
+              <a:t>Mass balanced.</a:t>
+            </a:r>
+          </a:p>
+        </p:txBody>
+      </p:sp>
     </p:spTree>
     <p:extLst>
       <p:ext uri="{BB962C8B-B14F-4D97-AF65-F5344CB8AC3E}">
@@ -19872,7 +20837,7 @@
                             </p:stCondLst>
                             <p:childTnLst>
                               <p:par>
-                                <p:cTn id="11" presetID="1" presetClass="entr" presetSubtype="0" fill="hold" grpId="0" nodeType="clickEffect">
+                                <p:cTn id="11" presetID="1" presetClass="entr" presetSubtype="0" fill="hold" nodeType="clickEffect">
                                   <p:stCondLst>
                                     <p:cond delay="0"/>
                                   </p:stCondLst>
@@ -19885,7 +20850,7 @@
                                           </p:stCondLst>
                                         </p:cTn>
                                         <p:tgtEl>
-                                          <p:spTgt spid="15"/>
+                                          <p:spTgt spid="6"/>
                                         </p:tgtEl>
                                         <p:attrNameLst>
                                           <p:attrName>style.visibility</p:attrName>
@@ -19899,7 +20864,7 @@
                                 </p:cTn>
                               </p:par>
                               <p:par>
-                                <p:cTn id="13" presetID="1" presetClass="entr" presetSubtype="0" fill="hold" nodeType="withEffect">
+                                <p:cTn id="13" presetID="1" presetClass="entr" presetSubtype="0" fill="hold" grpId="0" nodeType="withEffect">
                                   <p:stCondLst>
                                     <p:cond delay="0"/>
                                   </p:stCondLst>
@@ -19912,7 +20877,7 @@
                                           </p:stCondLst>
                                         </p:cTn>
                                         <p:tgtEl>
-                                          <p:spTgt spid="1026"/>
+                                          <p:spTgt spid="3"/>
                                         </p:tgtEl>
                                         <p:attrNameLst>
                                           <p:attrName>style.visibility</p:attrName>
@@ -19939,7 +20904,7 @@
                                           </p:stCondLst>
                                         </p:cTn>
                                         <p:tgtEl>
-                                          <p:spTgt spid="19"/>
+                                          <p:spTgt spid="11"/>
                                         </p:tgtEl>
                                         <p:attrNameLst>
                                           <p:attrName>style.visibility</p:attrName>
@@ -19952,35 +20917,26 @@
                                   </p:childTnLst>
                                 </p:cTn>
                               </p:par>
+                            </p:childTnLst>
+                          </p:cTn>
+                        </p:par>
+                      </p:childTnLst>
+                    </p:cTn>
+                  </p:par>
+                  <p:par>
+                    <p:cTn id="17" fill="hold">
+                      <p:stCondLst>
+                        <p:cond delay="indefinite"/>
+                      </p:stCondLst>
+                      <p:childTnLst>
+                        <p:par>
+                          <p:cTn id="18" fill="hold">
+                            <p:stCondLst>
+                              <p:cond delay="0"/>
+                            </p:stCondLst>
+                            <p:childTnLst>
                               <p:par>
-                                <p:cTn id="17" presetID="1" presetClass="entr" presetSubtype="0" fill="hold" nodeType="withEffect">
-                                  <p:stCondLst>
-                                    <p:cond delay="0"/>
-                                  </p:stCondLst>
-                                  <p:childTnLst>
-                                    <p:set>
-                                      <p:cBhvr>
-                                        <p:cTn id="18" dur="1" fill="hold">
-                                          <p:stCondLst>
-                                            <p:cond delay="0"/>
-                                          </p:stCondLst>
-                                        </p:cTn>
-                                        <p:tgtEl>
-                                          <p:spTgt spid="1028"/>
-                                        </p:tgtEl>
-                                        <p:attrNameLst>
-                                          <p:attrName>style.visibility</p:attrName>
-                                        </p:attrNameLst>
-                                      </p:cBhvr>
-                                      <p:to>
-                                        <p:strVal val="visible"/>
-                                      </p:to>
-                                    </p:set>
-                                  </p:childTnLst>
-                                </p:cTn>
-                              </p:par>
-                              <p:par>
-                                <p:cTn id="19" presetID="1" presetClass="entr" presetSubtype="0" fill="hold" grpId="0" nodeType="withEffect">
+                                <p:cTn id="19" presetID="1" presetClass="entr" presetSubtype="0" fill="hold" grpId="0" nodeType="clickEffect">
                                   <p:stCondLst>
                                     <p:cond delay="0"/>
                                   </p:stCondLst>
@@ -19993,7 +20949,7 @@
                                           </p:stCondLst>
                                         </p:cTn>
                                         <p:tgtEl>
-                                          <p:spTgt spid="20"/>
+                                          <p:spTgt spid="15"/>
                                         </p:tgtEl>
                                         <p:attrNameLst>
                                           <p:attrName>style.visibility</p:attrName>
@@ -20020,6 +20976,114 @@
                                           </p:stCondLst>
                                         </p:cTn>
                                         <p:tgtEl>
+                                          <p:spTgt spid="1026"/>
+                                        </p:tgtEl>
+                                        <p:attrNameLst>
+                                          <p:attrName>style.visibility</p:attrName>
+                                        </p:attrNameLst>
+                                      </p:cBhvr>
+                                      <p:to>
+                                        <p:strVal val="visible"/>
+                                      </p:to>
+                                    </p:set>
+                                  </p:childTnLst>
+                                </p:cTn>
+                              </p:par>
+                              <p:par>
+                                <p:cTn id="23" presetID="1" presetClass="entr" presetSubtype="0" fill="hold" grpId="0" nodeType="withEffect">
+                                  <p:stCondLst>
+                                    <p:cond delay="0"/>
+                                  </p:stCondLst>
+                                  <p:childTnLst>
+                                    <p:set>
+                                      <p:cBhvr>
+                                        <p:cTn id="24" dur="1" fill="hold">
+                                          <p:stCondLst>
+                                            <p:cond delay="0"/>
+                                          </p:stCondLst>
+                                        </p:cTn>
+                                        <p:tgtEl>
+                                          <p:spTgt spid="19"/>
+                                        </p:tgtEl>
+                                        <p:attrNameLst>
+                                          <p:attrName>style.visibility</p:attrName>
+                                        </p:attrNameLst>
+                                      </p:cBhvr>
+                                      <p:to>
+                                        <p:strVal val="visible"/>
+                                      </p:to>
+                                    </p:set>
+                                  </p:childTnLst>
+                                </p:cTn>
+                              </p:par>
+                              <p:par>
+                                <p:cTn id="25" presetID="1" presetClass="entr" presetSubtype="0" fill="hold" nodeType="withEffect">
+                                  <p:stCondLst>
+                                    <p:cond delay="0"/>
+                                  </p:stCondLst>
+                                  <p:childTnLst>
+                                    <p:set>
+                                      <p:cBhvr>
+                                        <p:cTn id="26" dur="1" fill="hold">
+                                          <p:stCondLst>
+                                            <p:cond delay="0"/>
+                                          </p:stCondLst>
+                                        </p:cTn>
+                                        <p:tgtEl>
+                                          <p:spTgt spid="1028"/>
+                                        </p:tgtEl>
+                                        <p:attrNameLst>
+                                          <p:attrName>style.visibility</p:attrName>
+                                        </p:attrNameLst>
+                                      </p:cBhvr>
+                                      <p:to>
+                                        <p:strVal val="visible"/>
+                                      </p:to>
+                                    </p:set>
+                                  </p:childTnLst>
+                                </p:cTn>
+                              </p:par>
+                              <p:par>
+                                <p:cTn id="27" presetID="1" presetClass="entr" presetSubtype="0" fill="hold" grpId="0" nodeType="withEffect">
+                                  <p:stCondLst>
+                                    <p:cond delay="0"/>
+                                  </p:stCondLst>
+                                  <p:childTnLst>
+                                    <p:set>
+                                      <p:cBhvr>
+                                        <p:cTn id="28" dur="1" fill="hold">
+                                          <p:stCondLst>
+                                            <p:cond delay="0"/>
+                                          </p:stCondLst>
+                                        </p:cTn>
+                                        <p:tgtEl>
+                                          <p:spTgt spid="20"/>
+                                        </p:tgtEl>
+                                        <p:attrNameLst>
+                                          <p:attrName>style.visibility</p:attrName>
+                                        </p:attrNameLst>
+                                      </p:cBhvr>
+                                      <p:to>
+                                        <p:strVal val="visible"/>
+                                      </p:to>
+                                    </p:set>
+                                  </p:childTnLst>
+                                </p:cTn>
+                              </p:par>
+                              <p:par>
+                                <p:cTn id="29" presetID="1" presetClass="entr" presetSubtype="0" fill="hold" nodeType="withEffect">
+                                  <p:stCondLst>
+                                    <p:cond delay="0"/>
+                                  </p:stCondLst>
+                                  <p:childTnLst>
+                                    <p:set>
+                                      <p:cBhvr>
+                                        <p:cTn id="30" dur="1" fill="hold">
+                                          <p:stCondLst>
+                                            <p:cond delay="0"/>
+                                          </p:stCondLst>
+                                        </p:cTn>
+                                        <p:tgtEl>
                                           <p:spTgt spid="14"/>
                                         </p:tgtEl>
                                         <p:attrNameLst>
@@ -20034,14 +21098,14 @@
                                 </p:cTn>
                               </p:par>
                               <p:par>
-                                <p:cTn id="23" presetID="1" presetClass="entr" presetSubtype="0" fill="hold" nodeType="withEffect">
+                                <p:cTn id="31" presetID="1" presetClass="entr" presetSubtype="0" fill="hold" nodeType="withEffect">
                                   <p:stCondLst>
                                     <p:cond delay="0"/>
                                   </p:stCondLst>
                                   <p:childTnLst>
                                     <p:set>
                                       <p:cBhvr>
-                                        <p:cTn id="24" dur="1" fill="hold">
+                                        <p:cTn id="32" dur="1" fill="hold">
                                           <p:stCondLst>
                                             <p:cond delay="0"/>
                                           </p:stCondLst>
@@ -20067,32 +21131,86 @@
                     </p:cTn>
                   </p:par>
                   <p:par>
-                    <p:cTn id="25" fill="hold">
+                    <p:cTn id="33" fill="hold">
                       <p:stCondLst>
                         <p:cond delay="indefinite"/>
                       </p:stCondLst>
                       <p:childTnLst>
                         <p:par>
-                          <p:cTn id="26" fill="hold">
+                          <p:cTn id="34" fill="hold">
                             <p:stCondLst>
                               <p:cond delay="0"/>
                             </p:stCondLst>
                             <p:childTnLst>
                               <p:par>
-                                <p:cTn id="27" presetID="1" presetClass="entr" presetSubtype="0" fill="hold" grpId="0" nodeType="clickEffect">
+                                <p:cTn id="35" presetID="1" presetClass="entr" presetSubtype="0" fill="hold" grpId="0" nodeType="clickEffect">
                                   <p:stCondLst>
                                     <p:cond delay="0"/>
                                   </p:stCondLst>
                                   <p:childTnLst>
                                     <p:set>
                                       <p:cBhvr>
-                                        <p:cTn id="28" dur="1" fill="hold">
+                                        <p:cTn id="36" dur="1" fill="hold">
                                           <p:stCondLst>
                                             <p:cond delay="0"/>
                                           </p:stCondLst>
                                         </p:cTn>
                                         <p:tgtEl>
                                           <p:spTgt spid="22"/>
+                                        </p:tgtEl>
+                                        <p:attrNameLst>
+                                          <p:attrName>style.visibility</p:attrName>
+                                        </p:attrNameLst>
+                                      </p:cBhvr>
+                                      <p:to>
+                                        <p:strVal val="visible"/>
+                                      </p:to>
+                                    </p:set>
+                                  </p:childTnLst>
+                                </p:cTn>
+                              </p:par>
+                              <p:par>
+                                <p:cTn id="37" presetID="1" presetClass="entr" presetSubtype="0" fill="hold" grpId="0" nodeType="withEffect">
+                                  <p:stCondLst>
+                                    <p:cond delay="0"/>
+                                  </p:stCondLst>
+                                  <p:childTnLst>
+                                    <p:set>
+                                      <p:cBhvr>
+                                        <p:cTn id="38" dur="1" fill="hold">
+                                          <p:stCondLst>
+                                            <p:cond delay="0"/>
+                                          </p:stCondLst>
+                                        </p:cTn>
+                                        <p:tgtEl>
+                                          <p:spTgt spid="24"/>
+                                        </p:tgtEl>
+                                        <p:attrNameLst>
+                                          <p:attrName>style.visibility</p:attrName>
+                                        </p:attrNameLst>
+                                      </p:cBhvr>
+                                      <p:to>
+                                        <p:strVal val="visible"/>
+                                      </p:to>
+                                    </p:set>
+                                  </p:childTnLst>
+                                </p:cTn>
+                              </p:par>
+                              <p:par>
+                                <p:cTn id="39" presetID="1" presetClass="entr" presetSubtype="0" fill="hold" grpId="0" nodeType="withEffect">
+                                  <p:stCondLst>
+                                    <p:cond delay="0"/>
+                                  </p:stCondLst>
+                                  <p:childTnLst>
+                                    <p:set>
+                                      <p:cBhvr>
+                                        <p:cTn id="40" dur="1" fill="hold">
+                                          <p:stCondLst>
+                                            <p:cond delay="0"/>
+                                          </p:stCondLst>
+                                        </p:cTn>
+                                        <p:tgtEl>
+                                          <p:spTgt spid="18"/>
                                         </p:tgtEl>
                                         <p:attrNameLst>
                                           <p:attrName>style.visibility</p:attrName>
@@ -20139,6 +21257,10 @@
       <p:bldP spid="19" grpId="0"/>
       <p:bldP spid="20" grpId="0"/>
       <p:bldP spid="22" grpId="0"/>
+      <p:bldP spid="3" grpId="0"/>
+      <p:bldP spid="11" grpId="0"/>
+      <p:bldP spid="18" grpId="0" animBg="1"/>
+      <p:bldP spid="24" grpId="0"/>
     </p:bldLst>
   </p:timing>
 </p:sld>
@@ -21030,10 +22152,10 @@
       </mc:AlternateContent>
       <p:pic>
         <p:nvPicPr>
-          <p:cNvPr id="11" name="Picture 10" descr="Chart&#10;&#10;Description automatically generated">
+          <p:cNvPr id="26" name="Picture 25" descr="Chart&#10;&#10;Description automatically generated">
             <a:extLst>
               <a:ext uri="{FF2B5EF4-FFF2-40B4-BE49-F238E27FC236}">
-                <a16:creationId xmlns:a16="http://schemas.microsoft.com/office/drawing/2014/main" id="{1C9732C7-E9E9-D04A-B56B-D0094B5EF616}"/>
+                <a16:creationId xmlns:a16="http://schemas.microsoft.com/office/drawing/2014/main" id="{4D1DBE37-83BC-5843-8E68-034EDD6D7C99}"/>
               </a:ext>
             </a:extLst>
           </p:cNvPr>
@@ -21058,6 +22180,464 @@
           </a:prstGeom>
         </p:spPr>
       </p:pic>
+      <p:grpSp>
+        <p:nvGrpSpPr>
+          <p:cNvPr id="35" name="Group 34">
+            <a:extLst>
+              <a:ext uri="{FF2B5EF4-FFF2-40B4-BE49-F238E27FC236}">
+                <a16:creationId xmlns:a16="http://schemas.microsoft.com/office/drawing/2014/main" id="{213FC561-221C-7E42-A052-187FBB8A2DDF}"/>
+              </a:ext>
+            </a:extLst>
+          </p:cNvPr>
+          <p:cNvGrpSpPr/>
+          <p:nvPr/>
+        </p:nvGrpSpPr>
+        <p:grpSpPr>
+          <a:xfrm>
+            <a:off x="1441082" y="4118734"/>
+            <a:ext cx="5223254" cy="2274695"/>
+            <a:chOff x="1441082" y="4118734"/>
+            <a:chExt cx="5223254" cy="2274695"/>
+          </a:xfrm>
+        </p:grpSpPr>
+        <p:sp>
+          <p:nvSpPr>
+            <p:cNvPr id="13" name="Rectangle 12">
+              <a:extLst>
+                <a:ext uri="{FF2B5EF4-FFF2-40B4-BE49-F238E27FC236}">
+                  <a16:creationId xmlns:a16="http://schemas.microsoft.com/office/drawing/2014/main" id="{062F8512-0014-8C46-905D-A70D4927B747}"/>
+                </a:ext>
+              </a:extLst>
+            </p:cNvPr>
+            <p:cNvSpPr/>
+            <p:nvPr/>
+          </p:nvSpPr>
+          <p:spPr>
+            <a:xfrm>
+              <a:off x="2242706" y="4294632"/>
+              <a:ext cx="568783" cy="1170433"/>
+            </a:xfrm>
+            <a:prstGeom prst="rect">
+              <a:avLst/>
+            </a:prstGeom>
+            <a:noFill/>
+            <a:ln w="12700">
+              <a:prstDash val="dash"/>
+            </a:ln>
+            <a:effectLst>
+              <a:outerShdw dist="23000" sx="1000" sy="1000" rotWithShape="0">
+                <a:srgbClr val="000000"/>
+              </a:outerShdw>
+            </a:effectLst>
+          </p:spPr>
+          <p:style>
+            <a:lnRef idx="1">
+              <a:schemeClr val="accent1"/>
+            </a:lnRef>
+            <a:fillRef idx="3">
+              <a:schemeClr val="accent1"/>
+            </a:fillRef>
+            <a:effectRef idx="2">
+              <a:schemeClr val="accent1"/>
+            </a:effectRef>
+            <a:fontRef idx="minor">
+              <a:schemeClr val="lt1"/>
+            </a:fontRef>
+          </p:style>
+          <p:txBody>
+            <a:bodyPr rtlCol="0" anchor="ctr"/>
+            <a:lstStyle/>
+            <a:p>
+              <a:pPr algn="ctr"/>
+              <a:endParaRPr lang="en-US"/>
+            </a:p>
+          </p:txBody>
+        </p:sp>
+        <p:grpSp>
+          <p:nvGrpSpPr>
+            <p:cNvPr id="34" name="Group 33">
+              <a:extLst>
+                <a:ext uri="{FF2B5EF4-FFF2-40B4-BE49-F238E27FC236}">
+                  <a16:creationId xmlns:a16="http://schemas.microsoft.com/office/drawing/2014/main" id="{1653779F-1D37-1945-80B5-0BCC847578F0}"/>
+                </a:ext>
+              </a:extLst>
+            </p:cNvPr>
+            <p:cNvGrpSpPr/>
+            <p:nvPr/>
+          </p:nvGrpSpPr>
+          <p:grpSpPr>
+            <a:xfrm>
+              <a:off x="1441082" y="4294632"/>
+              <a:ext cx="5223254" cy="2098797"/>
+              <a:chOff x="1441082" y="4294632"/>
+              <a:chExt cx="5223254" cy="2098797"/>
+            </a:xfrm>
+          </p:grpSpPr>
+          <p:sp>
+            <p:nvSpPr>
+              <p:cNvPr id="27" name="Rectangle 26">
+                <a:extLst>
+                  <a:ext uri="{FF2B5EF4-FFF2-40B4-BE49-F238E27FC236}">
+                    <a16:creationId xmlns:a16="http://schemas.microsoft.com/office/drawing/2014/main" id="{3D3A20D5-E4EF-F148-BAE7-B8BE4A5759E2}"/>
+                  </a:ext>
+                </a:extLst>
+              </p:cNvPr>
+              <p:cNvSpPr/>
+              <p:nvPr/>
+            </p:nvSpPr>
+            <p:spPr>
+              <a:xfrm>
+                <a:off x="1441082" y="4315968"/>
+                <a:ext cx="767839" cy="1170433"/>
+              </a:xfrm>
+              <a:prstGeom prst="rect">
+                <a:avLst/>
+              </a:prstGeom>
+              <a:noFill/>
+              <a:ln w="12700">
+                <a:prstDash val="dash"/>
+              </a:ln>
+              <a:effectLst>
+                <a:outerShdw dist="23000" sx="1000" sy="1000" rotWithShape="0">
+                  <a:srgbClr val="000000"/>
+                </a:outerShdw>
+              </a:effectLst>
+            </p:spPr>
+            <p:style>
+              <a:lnRef idx="1">
+                <a:schemeClr val="accent1"/>
+              </a:lnRef>
+              <a:fillRef idx="3">
+                <a:schemeClr val="accent1"/>
+              </a:fillRef>
+              <a:effectRef idx="2">
+                <a:schemeClr val="accent1"/>
+              </a:effectRef>
+              <a:fontRef idx="minor">
+                <a:schemeClr val="lt1"/>
+              </a:fontRef>
+            </p:style>
+            <p:txBody>
+              <a:bodyPr rtlCol="0" anchor="ctr"/>
+              <a:lstStyle/>
+              <a:p>
+                <a:pPr algn="ctr"/>
+                <a:endParaRPr lang="en-US"/>
+              </a:p>
+            </p:txBody>
+          </p:sp>
+          <p:sp>
+            <p:nvSpPr>
+              <p:cNvPr id="28" name="Rectangle 27">
+                <a:extLst>
+                  <a:ext uri="{FF2B5EF4-FFF2-40B4-BE49-F238E27FC236}">
+                    <a16:creationId xmlns:a16="http://schemas.microsoft.com/office/drawing/2014/main" id="{9AE35B34-2F1F-1743-A134-86906410F163}"/>
+                  </a:ext>
+                </a:extLst>
+              </p:cNvPr>
+              <p:cNvSpPr/>
+              <p:nvPr/>
+            </p:nvSpPr>
+            <p:spPr>
+              <a:xfrm>
+                <a:off x="2882786" y="4294632"/>
+                <a:ext cx="767839" cy="1170433"/>
+              </a:xfrm>
+              <a:prstGeom prst="rect">
+                <a:avLst/>
+              </a:prstGeom>
+              <a:noFill/>
+              <a:ln w="12700">
+                <a:prstDash val="dash"/>
+              </a:ln>
+              <a:effectLst>
+                <a:outerShdw dist="23000" sx="1000" sy="1000" rotWithShape="0">
+                  <a:srgbClr val="000000"/>
+                </a:outerShdw>
+              </a:effectLst>
+            </p:spPr>
+            <p:style>
+              <a:lnRef idx="1">
+                <a:schemeClr val="accent1"/>
+              </a:lnRef>
+              <a:fillRef idx="3">
+                <a:schemeClr val="accent1"/>
+              </a:fillRef>
+              <a:effectRef idx="2">
+                <a:schemeClr val="accent1"/>
+              </a:effectRef>
+              <a:fontRef idx="minor">
+                <a:schemeClr val="lt1"/>
+              </a:fontRef>
+            </p:style>
+            <p:txBody>
+              <a:bodyPr rtlCol="0" anchor="ctr"/>
+              <a:lstStyle/>
+              <a:p>
+                <a:pPr algn="ctr"/>
+                <a:endParaRPr lang="en-US"/>
+              </a:p>
+            </p:txBody>
+          </p:sp>
+          <p:sp>
+            <p:nvSpPr>
+              <p:cNvPr id="29" name="TextBox 28">
+                <a:extLst>
+                  <a:ext uri="{FF2B5EF4-FFF2-40B4-BE49-F238E27FC236}">
+                    <a16:creationId xmlns:a16="http://schemas.microsoft.com/office/drawing/2014/main" id="{73BDC756-CA27-924B-88DE-B49629B8032F}"/>
+                  </a:ext>
+                </a:extLst>
+              </p:cNvPr>
+              <p:cNvSpPr txBox="1"/>
+              <p:nvPr/>
+            </p:nvSpPr>
+            <p:spPr>
+              <a:xfrm>
+                <a:off x="2170798" y="6024097"/>
+                <a:ext cx="4493538" cy="369332"/>
+              </a:xfrm>
+              <a:prstGeom prst="rect">
+                <a:avLst/>
+              </a:prstGeom>
+              <a:noFill/>
+            </p:spPr>
+            <p:txBody>
+              <a:bodyPr wrap="none" rtlCol="0">
+                <a:spAutoFit/>
+              </a:bodyPr>
+              <a:lstStyle/>
+              <a:p>
+                <a:r>
+                  <a:rPr lang="en-US" dirty="0"/>
+                  <a:t>Instances of inorganic phosphate moieties</a:t>
+                </a:r>
+              </a:p>
+            </p:txBody>
+          </p:sp>
+          <p:cxnSp>
+            <p:nvCxnSpPr>
+              <p:cNvPr id="30" name="Straight Arrow Connector 29">
+                <a:extLst>
+                  <a:ext uri="{FF2B5EF4-FFF2-40B4-BE49-F238E27FC236}">
+                    <a16:creationId xmlns:a16="http://schemas.microsoft.com/office/drawing/2014/main" id="{69672842-FB9C-0B46-91D8-E895EB8F8E33}"/>
+                  </a:ext>
+                </a:extLst>
+              </p:cNvPr>
+              <p:cNvCxnSpPr>
+                <a:cxnSpLocks/>
+                <a:stCxn id="29" idx="0"/>
+              </p:cNvCxnSpPr>
+              <p:nvPr/>
+            </p:nvCxnSpPr>
+            <p:spPr>
+              <a:xfrm flipV="1">
+                <a:off x="4417567" y="5289167"/>
+                <a:ext cx="1158981" cy="734930"/>
+              </a:xfrm>
+              <a:prstGeom prst="straightConnector1">
+                <a:avLst/>
+              </a:prstGeom>
+              <a:ln>
+                <a:tailEnd type="triangle"/>
+              </a:ln>
+            </p:spPr>
+            <p:style>
+              <a:lnRef idx="2">
+                <a:schemeClr val="accent1"/>
+              </a:lnRef>
+              <a:fillRef idx="0">
+                <a:schemeClr val="accent1"/>
+              </a:fillRef>
+              <a:effectRef idx="1">
+                <a:schemeClr val="accent1"/>
+              </a:effectRef>
+              <a:fontRef idx="minor">
+                <a:schemeClr val="tx1"/>
+              </a:fontRef>
+            </p:style>
+          </p:cxnSp>
+          <p:cxnSp>
+            <p:nvCxnSpPr>
+              <p:cNvPr id="31" name="Straight Arrow Connector 30">
+                <a:extLst>
+                  <a:ext uri="{FF2B5EF4-FFF2-40B4-BE49-F238E27FC236}">
+                    <a16:creationId xmlns:a16="http://schemas.microsoft.com/office/drawing/2014/main" id="{FFE6DD1D-5B7F-1E4D-AAAE-D862284F08CB}"/>
+                  </a:ext>
+                </a:extLst>
+              </p:cNvPr>
+              <p:cNvCxnSpPr>
+                <a:cxnSpLocks/>
+                <a:stCxn id="29" idx="0"/>
+              </p:cNvCxnSpPr>
+              <p:nvPr/>
+            </p:nvCxnSpPr>
+            <p:spPr>
+              <a:xfrm flipH="1" flipV="1">
+                <a:off x="3237315" y="5486401"/>
+                <a:ext cx="1180252" cy="537696"/>
+              </a:xfrm>
+              <a:prstGeom prst="straightConnector1">
+                <a:avLst/>
+              </a:prstGeom>
+              <a:ln>
+                <a:tailEnd type="triangle"/>
+              </a:ln>
+            </p:spPr>
+            <p:style>
+              <a:lnRef idx="2">
+                <a:schemeClr val="accent1"/>
+              </a:lnRef>
+              <a:fillRef idx="0">
+                <a:schemeClr val="accent1"/>
+              </a:fillRef>
+              <a:effectRef idx="1">
+                <a:schemeClr val="accent1"/>
+              </a:effectRef>
+              <a:fontRef idx="minor">
+                <a:schemeClr val="tx1"/>
+              </a:fontRef>
+            </p:style>
+          </p:cxnSp>
+          <p:cxnSp>
+            <p:nvCxnSpPr>
+              <p:cNvPr id="32" name="Straight Arrow Connector 31">
+                <a:extLst>
+                  <a:ext uri="{FF2B5EF4-FFF2-40B4-BE49-F238E27FC236}">
+                    <a16:creationId xmlns:a16="http://schemas.microsoft.com/office/drawing/2014/main" id="{4A64D9F3-7B2A-AB47-AA65-02BDC0D4FFE7}"/>
+                  </a:ext>
+                </a:extLst>
+              </p:cNvPr>
+              <p:cNvCxnSpPr>
+                <a:cxnSpLocks/>
+                <a:stCxn id="29" idx="0"/>
+              </p:cNvCxnSpPr>
+              <p:nvPr/>
+            </p:nvCxnSpPr>
+            <p:spPr>
+              <a:xfrm flipH="1" flipV="1">
+                <a:off x="2526202" y="5486401"/>
+                <a:ext cx="1891365" cy="537696"/>
+              </a:xfrm>
+              <a:prstGeom prst="straightConnector1">
+                <a:avLst/>
+              </a:prstGeom>
+              <a:ln>
+                <a:tailEnd type="triangle"/>
+              </a:ln>
+            </p:spPr>
+            <p:style>
+              <a:lnRef idx="2">
+                <a:schemeClr val="accent1"/>
+              </a:lnRef>
+              <a:fillRef idx="0">
+                <a:schemeClr val="accent1"/>
+              </a:fillRef>
+              <a:effectRef idx="1">
+                <a:schemeClr val="accent1"/>
+              </a:effectRef>
+              <a:fontRef idx="minor">
+                <a:schemeClr val="tx1"/>
+              </a:fontRef>
+            </p:style>
+          </p:cxnSp>
+          <p:cxnSp>
+            <p:nvCxnSpPr>
+              <p:cNvPr id="33" name="Straight Arrow Connector 32">
+                <a:extLst>
+                  <a:ext uri="{FF2B5EF4-FFF2-40B4-BE49-F238E27FC236}">
+                    <a16:creationId xmlns:a16="http://schemas.microsoft.com/office/drawing/2014/main" id="{2A607BF6-9F44-5B46-8DDD-A44BF314681B}"/>
+                  </a:ext>
+                </a:extLst>
+              </p:cNvPr>
+              <p:cNvCxnSpPr>
+                <a:cxnSpLocks/>
+                <a:stCxn id="29" idx="0"/>
+                <a:endCxn id="27" idx="2"/>
+              </p:cNvCxnSpPr>
+              <p:nvPr/>
+            </p:nvCxnSpPr>
+            <p:spPr>
+              <a:xfrm flipH="1" flipV="1">
+                <a:off x="1825002" y="5486401"/>
+                <a:ext cx="2592565" cy="537696"/>
+              </a:xfrm>
+              <a:prstGeom prst="straightConnector1">
+                <a:avLst/>
+              </a:prstGeom>
+              <a:ln>
+                <a:tailEnd type="triangle"/>
+              </a:ln>
+            </p:spPr>
+            <p:style>
+              <a:lnRef idx="2">
+                <a:schemeClr val="accent1"/>
+              </a:lnRef>
+              <a:fillRef idx="0">
+                <a:schemeClr val="accent1"/>
+              </a:fillRef>
+              <a:effectRef idx="1">
+                <a:schemeClr val="accent1"/>
+              </a:effectRef>
+              <a:fontRef idx="minor">
+                <a:schemeClr val="tx1"/>
+              </a:fontRef>
+            </p:style>
+          </p:cxnSp>
+        </p:grpSp>
+        <p:sp>
+          <p:nvSpPr>
+            <p:cNvPr id="16" name="Rectangle 15">
+              <a:extLst>
+                <a:ext uri="{FF2B5EF4-FFF2-40B4-BE49-F238E27FC236}">
+                  <a16:creationId xmlns:a16="http://schemas.microsoft.com/office/drawing/2014/main" id="{6F3F1F41-6D99-7B4C-AC4C-2C83927C7685}"/>
+                </a:ext>
+              </a:extLst>
+            </p:cNvPr>
+            <p:cNvSpPr/>
+            <p:nvPr/>
+          </p:nvSpPr>
+          <p:spPr>
+            <a:xfrm>
+              <a:off x="4728852" y="4118734"/>
+              <a:ext cx="1565397" cy="1170433"/>
+            </a:xfrm>
+            <a:prstGeom prst="rect">
+              <a:avLst/>
+            </a:prstGeom>
+            <a:noFill/>
+            <a:ln w="12700">
+              <a:prstDash val="dash"/>
+            </a:ln>
+            <a:effectLst>
+              <a:outerShdw dist="23000" sx="1000" sy="1000" rotWithShape="0">
+                <a:srgbClr val="000000"/>
+              </a:outerShdw>
+            </a:effectLst>
+          </p:spPr>
+          <p:style>
+            <a:lnRef idx="1">
+              <a:schemeClr val="accent1"/>
+            </a:lnRef>
+            <a:fillRef idx="3">
+              <a:schemeClr val="accent1"/>
+            </a:fillRef>
+            <a:effectRef idx="2">
+              <a:schemeClr val="accent1"/>
+            </a:effectRef>
+            <a:fontRef idx="minor">
+              <a:schemeClr val="lt1"/>
+            </a:fontRef>
+          </p:style>
+          <p:txBody>
+            <a:bodyPr rtlCol="0" anchor="ctr"/>
+            <a:lstStyle/>
+            <a:p>
+              <a:pPr algn="ctr"/>
+              <a:endParaRPr lang="en-US"/>
+            </a:p>
+          </p:txBody>
+        </p:sp>
+      </p:grpSp>
     </p:spTree>
     <p:extLst>
       <p:ext uri="{BB962C8B-B14F-4D97-AF65-F5344CB8AC3E}">
@@ -21068,6 +22648,81 @@
   <p:clrMapOvr>
     <a:masterClrMapping/>
   </p:clrMapOvr>
+  <p:timing>
+    <p:tnLst>
+      <p:par>
+        <p:cTn id="1" dur="indefinite" restart="never" nodeType="tmRoot">
+          <p:childTnLst>
+            <p:seq concurrent="1" nextAc="seek">
+              <p:cTn id="2" dur="indefinite" nodeType="mainSeq">
+                <p:childTnLst>
+                  <p:par>
+                    <p:cTn id="3" fill="hold">
+                      <p:stCondLst>
+                        <p:cond delay="indefinite"/>
+                      </p:stCondLst>
+                      <p:childTnLst>
+                        <p:par>
+                          <p:cTn id="4" fill="hold">
+                            <p:stCondLst>
+                              <p:cond delay="0"/>
+                            </p:stCondLst>
+                            <p:childTnLst>
+                              <p:par>
+                                <p:cTn id="5" presetID="1" presetClass="entr" presetSubtype="0" fill="hold" nodeType="clickEffect">
+                                  <p:stCondLst>
+                                    <p:cond delay="0"/>
+                                  </p:stCondLst>
+                                  <p:childTnLst>
+                                    <p:set>
+                                      <p:cBhvr>
+                                        <p:cTn id="6" dur="1" fill="hold">
+                                          <p:stCondLst>
+                                            <p:cond delay="0"/>
+                                          </p:stCondLst>
+                                        </p:cTn>
+                                        <p:tgtEl>
+                                          <p:spTgt spid="35"/>
+                                        </p:tgtEl>
+                                        <p:attrNameLst>
+                                          <p:attrName>style.visibility</p:attrName>
+                                        </p:attrNameLst>
+                                      </p:cBhvr>
+                                      <p:to>
+                                        <p:strVal val="visible"/>
+                                      </p:to>
+                                    </p:set>
+                                  </p:childTnLst>
+                                </p:cTn>
+                              </p:par>
+                            </p:childTnLst>
+                          </p:cTn>
+                        </p:par>
+                      </p:childTnLst>
+                    </p:cTn>
+                  </p:par>
+                </p:childTnLst>
+              </p:cTn>
+              <p:prevCondLst>
+                <p:cond evt="onPrev" delay="0">
+                  <p:tgtEl>
+                    <p:sldTgt/>
+                  </p:tgtEl>
+                </p:cond>
+              </p:prevCondLst>
+              <p:nextCondLst>
+                <p:cond evt="onNext" delay="0">
+                  <p:tgtEl>
+                    <p:sldTgt/>
+                  </p:tgtEl>
+                </p:cond>
+              </p:nextCondLst>
+            </p:seq>
+          </p:childTnLst>
+        </p:cTn>
+      </p:par>
+    </p:tnLst>
+  </p:timing>
 </p:sld>
 </file>
 
